--- a/Sesión_3/Representacion Sistemas Transformada Z.pptx
+++ b/Sesión_3/Representacion Sistemas Transformada Z.pptx
@@ -194,15 +194,62 @@
 </p:presentation>
 </file>
 
+<file path=ppt/revisionInfo.xml><?xml version="1.0" encoding="utf-8"?>
+<p1510:revInfo xmlns:a="http://schemas.openxmlformats.org/drawingml/2006/main" xmlns:r="http://schemas.openxmlformats.org/officeDocument/2006/relationships" xmlns:p1510="http://schemas.microsoft.com/office/powerpoint/2015/10/main">
+  <p1510:revLst>
+    <p1510:client id="{56CA7A21-DA9A-4EF9-85E3-4002D69F4F5C}" v="3" dt="2025-01-04T23:30:35.306"/>
+  </p1510:revLst>
+</p1510:revInfo>
+</file>
+
 <file path=ppt/changesInfos/changesInfo1.xml><?xml version="1.0" encoding="utf-8"?>
 <pc:chgInfo xmlns:a="http://schemas.openxmlformats.org/drawingml/2006/main" xmlns:r="http://schemas.openxmlformats.org/officeDocument/2006/relationships" xmlns:ac="http://schemas.microsoft.com/office/drawing/2013/main/command" xmlns:pc="http://schemas.microsoft.com/office/powerpoint/2013/main/command">
   <pc:docChgLst>
     <pc:chgData name="JHEYSON FABIAN VILLAVISAN BUITRAGO" userId="e5ced5c2-d787-455d-b115-4f08a699b8c8" providerId="ADAL" clId="{56CA7A21-DA9A-4EF9-85E3-4002D69F4F5C}"/>
-    <pc:docChg chg="modSld">
-      <pc:chgData name="JHEYSON FABIAN VILLAVISAN BUITRAGO" userId="e5ced5c2-d787-455d-b115-4f08a699b8c8" providerId="ADAL" clId="{56CA7A21-DA9A-4EF9-85E3-4002D69F4F5C}" dt="2025-01-03T19:57:12.496" v="0" actId="1076"/>
+    <pc:docChg chg="custSel modSld">
+      <pc:chgData name="JHEYSON FABIAN VILLAVISAN BUITRAGO" userId="e5ced5c2-d787-455d-b115-4f08a699b8c8" providerId="ADAL" clId="{56CA7A21-DA9A-4EF9-85E3-4002D69F4F5C}" dt="2025-01-04T23:30:35.306" v="6"/>
       <pc:docMkLst>
         <pc:docMk/>
       </pc:docMkLst>
+      <pc:sldChg chg="addSp delSp modSp mod">
+        <pc:chgData name="JHEYSON FABIAN VILLAVISAN BUITRAGO" userId="e5ced5c2-d787-455d-b115-4f08a699b8c8" providerId="ADAL" clId="{56CA7A21-DA9A-4EF9-85E3-4002D69F4F5C}" dt="2025-01-04T23:30:35.306" v="6"/>
+        <pc:sldMkLst>
+          <pc:docMk/>
+          <pc:sldMk cId="2505371292" sldId="270"/>
+        </pc:sldMkLst>
+        <pc:spChg chg="del">
+          <ac:chgData name="JHEYSON FABIAN VILLAVISAN BUITRAGO" userId="e5ced5c2-d787-455d-b115-4f08a699b8c8" providerId="ADAL" clId="{56CA7A21-DA9A-4EF9-85E3-4002D69F4F5C}" dt="2025-01-04T23:30:31.461" v="5" actId="478"/>
+          <ac:spMkLst>
+            <pc:docMk/>
+            <pc:sldMk cId="2505371292" sldId="270"/>
+            <ac:spMk id="2" creationId="{07834BD4-47C6-ED57-411D-00688EB8FEAB}"/>
+          </ac:spMkLst>
+        </pc:spChg>
+        <pc:spChg chg="add mod">
+          <ac:chgData name="JHEYSON FABIAN VILLAVISAN BUITRAGO" userId="e5ced5c2-d787-455d-b115-4f08a699b8c8" providerId="ADAL" clId="{56CA7A21-DA9A-4EF9-85E3-4002D69F4F5C}" dt="2025-01-04T23:30:35.306" v="6"/>
+          <ac:spMkLst>
+            <pc:docMk/>
+            <pc:sldMk cId="2505371292" sldId="270"/>
+            <ac:spMk id="7" creationId="{7A3E3EB5-0993-67AF-883F-9A7C501314B4}"/>
+          </ac:spMkLst>
+        </pc:spChg>
+        <pc:graphicFrameChg chg="del">
+          <ac:chgData name="JHEYSON FABIAN VILLAVISAN BUITRAGO" userId="e5ced5c2-d787-455d-b115-4f08a699b8c8" providerId="ADAL" clId="{56CA7A21-DA9A-4EF9-85E3-4002D69F4F5C}" dt="2025-01-04T23:30:20.065" v="3" actId="478"/>
+          <ac:graphicFrameMkLst>
+            <pc:docMk/>
+            <pc:sldMk cId="2505371292" sldId="270"/>
+            <ac:graphicFrameMk id="3" creationId="{C9C74F47-3DCD-8C96-917D-231E0A431AA3}"/>
+          </ac:graphicFrameMkLst>
+        </pc:graphicFrameChg>
+        <pc:graphicFrameChg chg="add mod">
+          <ac:chgData name="JHEYSON FABIAN VILLAVISAN BUITRAGO" userId="e5ced5c2-d787-455d-b115-4f08a699b8c8" providerId="ADAL" clId="{56CA7A21-DA9A-4EF9-85E3-4002D69F4F5C}" dt="2025-01-04T23:30:28.958" v="4"/>
+          <ac:graphicFrameMkLst>
+            <pc:docMk/>
+            <pc:sldMk cId="2505371292" sldId="270"/>
+            <ac:graphicFrameMk id="6" creationId="{5F8CF47B-EB00-BFA3-F806-D4B6C2321C42}"/>
+          </ac:graphicFrameMkLst>
+        </pc:graphicFrameChg>
+      </pc:sldChg>
       <pc:sldChg chg="modSp mod">
         <pc:chgData name="JHEYSON FABIAN VILLAVISAN BUITRAGO" userId="e5ced5c2-d787-455d-b115-4f08a699b8c8" providerId="ADAL" clId="{56CA7A21-DA9A-4EF9-85E3-4002D69F4F5C}" dt="2025-01-03T19:57:12.496" v="0" actId="1076"/>
         <pc:sldMkLst>
@@ -217,6 +264,29 @@
             <ac:spMk id="7" creationId="{8F88D0EC-F6BD-391C-B4EB-796E3ABF1D36}"/>
           </ac:spMkLst>
         </pc:spChg>
+      </pc:sldChg>
+      <pc:sldChg chg="modSp mod">
+        <pc:chgData name="JHEYSON FABIAN VILLAVISAN BUITRAGO" userId="e5ced5c2-d787-455d-b115-4f08a699b8c8" providerId="ADAL" clId="{56CA7A21-DA9A-4EF9-85E3-4002D69F4F5C}" dt="2025-01-04T23:29:51.686" v="2" actId="1076"/>
+        <pc:sldMkLst>
+          <pc:docMk/>
+          <pc:sldMk cId="2461604568" sldId="284"/>
+        </pc:sldMkLst>
+        <pc:spChg chg="mod">
+          <ac:chgData name="JHEYSON FABIAN VILLAVISAN BUITRAGO" userId="e5ced5c2-d787-455d-b115-4f08a699b8c8" providerId="ADAL" clId="{56CA7A21-DA9A-4EF9-85E3-4002D69F4F5C}" dt="2025-01-04T23:29:48.785" v="1" actId="1076"/>
+          <ac:spMkLst>
+            <pc:docMk/>
+            <pc:sldMk cId="2461604568" sldId="284"/>
+            <ac:spMk id="2" creationId="{490E13FD-1420-0410-28AA-861BA7D52A84}"/>
+          </ac:spMkLst>
+        </pc:spChg>
+        <pc:picChg chg="mod">
+          <ac:chgData name="JHEYSON FABIAN VILLAVISAN BUITRAGO" userId="e5ced5c2-d787-455d-b115-4f08a699b8c8" providerId="ADAL" clId="{56CA7A21-DA9A-4EF9-85E3-4002D69F4F5C}" dt="2025-01-04T23:29:51.686" v="2" actId="1076"/>
+          <ac:picMkLst>
+            <pc:docMk/>
+            <pc:sldMk cId="2461604568" sldId="284"/>
+            <ac:picMk id="6" creationId="{DE73DE2C-D9C6-BC18-8F69-05B4AF578D70}"/>
+          </ac:picMkLst>
+        </pc:picChg>
       </pc:sldChg>
     </pc:docChg>
   </pc:docChgLst>
@@ -1103,7 +1173,7 @@
               <a:pPr>
                 <a:defRPr/>
               </a:pPr>
-              <a:t>3/01/2025</a:t>
+              <a:t>4/01/2025</a:t>
             </a:fld>
             <a:endParaRPr lang="es-CO"/>
           </a:p>
@@ -1346,7 +1416,7 @@
               <a:pPr>
                 <a:defRPr/>
               </a:pPr>
-              <a:t>3/01/2025</a:t>
+              <a:t>4/01/2025</a:t>
             </a:fld>
             <a:endParaRPr lang="es-CO"/>
           </a:p>
@@ -8426,7 +8496,7 @@
           <a:p>
             <a:fld id="{9CF7635E-2D71-42E7-9E6C-FBB85A15A85F}" type="datetimeFigureOut">
               <a:rPr lang="es-CO" smtClean="0"/>
-              <a:t>3/01/2025</a:t>
+              <a:t>4/01/2025</a:t>
             </a:fld>
             <a:endParaRPr lang="es-CO"/>
           </a:p>
@@ -8692,7 +8762,7 @@
           <a:p>
             <a:fld id="{9CF7635E-2D71-42E7-9E6C-FBB85A15A85F}" type="datetimeFigureOut">
               <a:rPr lang="es-CO" smtClean="0"/>
-              <a:t>3/01/2025</a:t>
+              <a:t>4/01/2025</a:t>
             </a:fld>
             <a:endParaRPr lang="es-CO"/>
           </a:p>
@@ -8908,7 +8978,7 @@
           <a:p>
             <a:fld id="{9CF7635E-2D71-42E7-9E6C-FBB85A15A85F}" type="datetimeFigureOut">
               <a:rPr lang="es-CO" smtClean="0"/>
-              <a:t>3/01/2025</a:t>
+              <a:t>4/01/2025</a:t>
             </a:fld>
             <a:endParaRPr lang="es-CO"/>
           </a:p>
@@ -10537,7 +10607,7 @@
           <a:p>
             <a:fld id="{9CF7635E-2D71-42E7-9E6C-FBB85A15A85F}" type="datetimeFigureOut">
               <a:rPr lang="es-CO" smtClean="0"/>
-              <a:t>3/01/2025</a:t>
+              <a:t>4/01/2025</a:t>
             </a:fld>
             <a:endParaRPr lang="es-CO"/>
           </a:p>
@@ -10984,7 +11054,7 @@
           <a:p>
             <a:fld id="{9CF7635E-2D71-42E7-9E6C-FBB85A15A85F}" type="datetimeFigureOut">
               <a:rPr lang="es-CO" smtClean="0"/>
-              <a:t>3/01/2025</a:t>
+              <a:t>4/01/2025</a:t>
             </a:fld>
             <a:endParaRPr lang="es-CO"/>
           </a:p>
@@ -11258,7 +11328,7 @@
           <a:p>
             <a:fld id="{9CF7635E-2D71-42E7-9E6C-FBB85A15A85F}" type="datetimeFigureOut">
               <a:rPr lang="es-CO" smtClean="0"/>
-              <a:t>3/01/2025</a:t>
+              <a:t>4/01/2025</a:t>
             </a:fld>
             <a:endParaRPr lang="es-CO"/>
           </a:p>
@@ -11679,7 +11749,7 @@
           <a:p>
             <a:fld id="{9CF7635E-2D71-42E7-9E6C-FBB85A15A85F}" type="datetimeFigureOut">
               <a:rPr lang="es-CO" smtClean="0"/>
-              <a:t>3/01/2025</a:t>
+              <a:t>4/01/2025</a:t>
             </a:fld>
             <a:endParaRPr lang="es-CO"/>
           </a:p>
@@ -11827,7 +11897,7 @@
           <a:p>
             <a:fld id="{9CF7635E-2D71-42E7-9E6C-FBB85A15A85F}" type="datetimeFigureOut">
               <a:rPr lang="es-CO" smtClean="0"/>
-              <a:t>3/01/2025</a:t>
+              <a:t>4/01/2025</a:t>
             </a:fld>
             <a:endParaRPr lang="es-CO"/>
           </a:p>
@@ -11946,7 +12016,7 @@
           <a:p>
             <a:fld id="{9CF7635E-2D71-42E7-9E6C-FBB85A15A85F}" type="datetimeFigureOut">
               <a:rPr lang="es-CO" smtClean="0"/>
-              <a:t>3/01/2025</a:t>
+              <a:t>4/01/2025</a:t>
             </a:fld>
             <a:endParaRPr lang="es-CO"/>
           </a:p>
@@ -12265,7 +12335,7 @@
           <a:p>
             <a:fld id="{9CF7635E-2D71-42E7-9E6C-FBB85A15A85F}" type="datetimeFigureOut">
               <a:rPr lang="es-CO" smtClean="0"/>
-              <a:t>3/01/2025</a:t>
+              <a:t>4/01/2025</a:t>
             </a:fld>
             <a:endParaRPr lang="es-CO"/>
           </a:p>
@@ -12560,7 +12630,7 @@
           <a:p>
             <a:fld id="{9CF7635E-2D71-42E7-9E6C-FBB85A15A85F}" type="datetimeFigureOut">
               <a:rPr lang="es-CO" smtClean="0"/>
-              <a:t>3/01/2025</a:t>
+              <a:t>4/01/2025</a:t>
             </a:fld>
             <a:endParaRPr lang="es-CO"/>
           </a:p>
@@ -12809,7 +12879,7 @@
           <a:p>
             <a:fld id="{9CF7635E-2D71-42E7-9E6C-FBB85A15A85F}" type="datetimeFigureOut">
               <a:rPr lang="es-CO" smtClean="0"/>
-              <a:t>3/01/2025</a:t>
+              <a:t>4/01/2025</a:t>
             </a:fld>
             <a:endParaRPr lang="es-CO"/>
           </a:p>
@@ -18198,8 +18268,8 @@
           </a:p>
         </p:txBody>
       </p:sp>
-      <mc:AlternateContent xmlns:mc="http://schemas.openxmlformats.org/markup-compatibility/2006" xmlns:a14="http://schemas.microsoft.com/office/drawing/2010/main">
-        <mc:Choice Requires="a14">
+      <mc:AlternateContent xmlns:mc="http://schemas.openxmlformats.org/markup-compatibility/2006">
+        <mc:Choice xmlns:a14="http://schemas.microsoft.com/office/drawing/2010/main" Requires="a14">
           <p:sp>
             <p:nvSpPr>
               <p:cNvPr id="2" name="CuadroTexto 1">
@@ -18214,7 +18284,7 @@
             </p:nvSpPr>
             <p:spPr>
               <a:xfrm>
-                <a:off x="3167492" y="3636465"/>
+                <a:off x="3388407" y="3290500"/>
                 <a:ext cx="2079737" cy="276999"/>
               </a:xfrm>
               <a:prstGeom prst="rect">
@@ -18307,7 +18377,7 @@
             </p:txBody>
           </p:sp>
         </mc:Choice>
-        <mc:Fallback xmlns="">
+        <mc:Fallback>
           <p:sp>
             <p:nvSpPr>
               <p:cNvPr id="2" name="CuadroTexto 1">
@@ -18324,7 +18394,7 @@
             </p:nvSpPr>
             <p:spPr>
               <a:xfrm>
-                <a:off x="3167492" y="3636465"/>
+                <a:off x="3388407" y="3290500"/>
                 <a:ext cx="2079737" cy="276999"/>
               </a:xfrm>
               <a:prstGeom prst="rect">
@@ -18342,7 +18412,7 @@
               <a:lstStyle/>
               <a:p>
                 <a:r>
-                  <a:rPr lang="en-US">
+                  <a:rPr lang="es-CO">
                     <a:noFill/>
                   </a:rPr>
                   <a:t> </a:t>
@@ -18412,7 +18482,7 @@
         </p:blipFill>
         <p:spPr>
           <a:xfrm>
-            <a:off x="631729" y="4276393"/>
+            <a:off x="631729" y="4215460"/>
             <a:ext cx="7880540" cy="1472536"/>
           </a:xfrm>
           <a:prstGeom prst="rect">
@@ -21644,230 +21714,12 @@
           </a:p>
         </p:txBody>
       </p:sp>
-      <p:sp>
-        <p:nvSpPr>
-          <p:cNvPr id="2" name="Rectángulo 9">
+      <p:graphicFrame>
+        <p:nvGraphicFramePr>
+          <p:cNvPr id="6" name="Tabla 3">
             <a:extLst>
               <a:ext uri="{FF2B5EF4-FFF2-40B4-BE49-F238E27FC236}">
-                <a16:creationId xmlns:a16="http://schemas.microsoft.com/office/drawing/2014/main" id="{07834BD4-47C6-ED57-411D-00688EB8FEAB}"/>
-              </a:ext>
-            </a:extLst>
-          </p:cNvPr>
-          <p:cNvSpPr>
-            <a:spLocks noChangeArrowheads="1"/>
-          </p:cNvSpPr>
-          <p:nvPr/>
-        </p:nvSpPr>
-        <p:spPr bwMode="auto">
-          <a:xfrm>
-            <a:off x="4464453" y="6431465"/>
-            <a:ext cx="4010025" cy="461665"/>
-          </a:xfrm>
-          <a:prstGeom prst="rect">
-            <a:avLst/>
-          </a:prstGeom>
-          <a:noFill/>
-          <a:ln>
-            <a:noFill/>
-          </a:ln>
-          <a:extLst>
-            <a:ext uri="{909E8E84-426E-40DD-AFC4-6F175D3DCCD1}">
-              <a14:hiddenFill xmlns:a14="http://schemas.microsoft.com/office/drawing/2010/main">
-                <a:solidFill>
-                  <a:srgbClr val="FFFFFF"/>
-                </a:solidFill>
-              </a14:hiddenFill>
-            </a:ext>
-            <a:ext uri="{91240B29-F687-4F45-9708-019B960494DF}">
-              <a14:hiddenLine xmlns:a14="http://schemas.microsoft.com/office/drawing/2010/main" w="9525">
-                <a:solidFill>
-                  <a:srgbClr val="000000"/>
-                </a:solidFill>
-                <a:miter lim="800000"/>
-                <a:headEnd/>
-                <a:tailEnd/>
-              </a14:hiddenLine>
-            </a:ext>
-          </a:extLst>
-        </p:spPr>
-        <p:txBody>
-          <a:bodyPr>
-            <a:spAutoFit/>
-          </a:bodyPr>
-          <a:lstStyle>
-            <a:lvl1pPr>
-              <a:spcBef>
-                <a:spcPct val="20000"/>
-              </a:spcBef>
-              <a:buFont typeface="Arial" panose="020B0604020202020204" pitchFamily="34" charset="0"/>
-              <a:buChar char="•"/>
-              <a:defRPr sz="3200">
-                <a:solidFill>
-                  <a:schemeClr val="tx1"/>
-                </a:solidFill>
-                <a:latin typeface="Arial" panose="020B0604020202020204" pitchFamily="34" charset="0"/>
-                <a:cs typeface="Arial" panose="020B0604020202020204" pitchFamily="34" charset="0"/>
-              </a:defRPr>
-            </a:lvl1pPr>
-            <a:lvl2pPr marL="742950" indent="-285750">
-              <a:spcBef>
-                <a:spcPct val="20000"/>
-              </a:spcBef>
-              <a:buFont typeface="Arial" panose="020B0604020202020204" pitchFamily="34" charset="0"/>
-              <a:buChar char="–"/>
-              <a:defRPr sz="2800">
-                <a:solidFill>
-                  <a:schemeClr val="tx1"/>
-                </a:solidFill>
-                <a:latin typeface="Arial" panose="020B0604020202020204" pitchFamily="34" charset="0"/>
-                <a:cs typeface="Arial" panose="020B0604020202020204" pitchFamily="34" charset="0"/>
-              </a:defRPr>
-            </a:lvl2pPr>
-            <a:lvl3pPr marL="1143000" indent="-228600">
-              <a:spcBef>
-                <a:spcPct val="20000"/>
-              </a:spcBef>
-              <a:buFont typeface="Arial" panose="020B0604020202020204" pitchFamily="34" charset="0"/>
-              <a:buChar char="•"/>
-              <a:defRPr sz="2400">
-                <a:solidFill>
-                  <a:schemeClr val="tx1"/>
-                </a:solidFill>
-                <a:latin typeface="Arial" panose="020B0604020202020204" pitchFamily="34" charset="0"/>
-                <a:cs typeface="Arial" panose="020B0604020202020204" pitchFamily="34" charset="0"/>
-              </a:defRPr>
-            </a:lvl3pPr>
-            <a:lvl4pPr marL="1600200" indent="-228600">
-              <a:spcBef>
-                <a:spcPct val="20000"/>
-              </a:spcBef>
-              <a:buFont typeface="Arial" panose="020B0604020202020204" pitchFamily="34" charset="0"/>
-              <a:buChar char="–"/>
-              <a:defRPr sz="2000">
-                <a:solidFill>
-                  <a:schemeClr val="tx1"/>
-                </a:solidFill>
-                <a:latin typeface="Arial" panose="020B0604020202020204" pitchFamily="34" charset="0"/>
-                <a:cs typeface="Arial" panose="020B0604020202020204" pitchFamily="34" charset="0"/>
-              </a:defRPr>
-            </a:lvl4pPr>
-            <a:lvl5pPr marL="2057400" indent="-228600">
-              <a:spcBef>
-                <a:spcPct val="20000"/>
-              </a:spcBef>
-              <a:buFont typeface="Arial" panose="020B0604020202020204" pitchFamily="34" charset="0"/>
-              <a:buChar char="»"/>
-              <a:defRPr sz="2000">
-                <a:solidFill>
-                  <a:schemeClr val="tx1"/>
-                </a:solidFill>
-                <a:latin typeface="Arial" panose="020B0604020202020204" pitchFamily="34" charset="0"/>
-                <a:cs typeface="Arial" panose="020B0604020202020204" pitchFamily="34" charset="0"/>
-              </a:defRPr>
-            </a:lvl5pPr>
-            <a:lvl6pPr marL="2514600" indent="-228600" eaLnBrk="0" fontAlgn="base" hangingPunct="0">
-              <a:spcBef>
-                <a:spcPct val="20000"/>
-              </a:spcBef>
-              <a:spcAft>
-                <a:spcPct val="0"/>
-              </a:spcAft>
-              <a:buFont typeface="Arial" panose="020B0604020202020204" pitchFamily="34" charset="0"/>
-              <a:buChar char="»"/>
-              <a:defRPr sz="2000">
-                <a:solidFill>
-                  <a:schemeClr val="tx1"/>
-                </a:solidFill>
-                <a:latin typeface="Arial" panose="020B0604020202020204" pitchFamily="34" charset="0"/>
-                <a:cs typeface="Arial" panose="020B0604020202020204" pitchFamily="34" charset="0"/>
-              </a:defRPr>
-            </a:lvl6pPr>
-            <a:lvl7pPr marL="2971800" indent="-228600" eaLnBrk="0" fontAlgn="base" hangingPunct="0">
-              <a:spcBef>
-                <a:spcPct val="20000"/>
-              </a:spcBef>
-              <a:spcAft>
-                <a:spcPct val="0"/>
-              </a:spcAft>
-              <a:buFont typeface="Arial" panose="020B0604020202020204" pitchFamily="34" charset="0"/>
-              <a:buChar char="»"/>
-              <a:defRPr sz="2000">
-                <a:solidFill>
-                  <a:schemeClr val="tx1"/>
-                </a:solidFill>
-                <a:latin typeface="Arial" panose="020B0604020202020204" pitchFamily="34" charset="0"/>
-                <a:cs typeface="Arial" panose="020B0604020202020204" pitchFamily="34" charset="0"/>
-              </a:defRPr>
-            </a:lvl7pPr>
-            <a:lvl8pPr marL="3429000" indent="-228600" eaLnBrk="0" fontAlgn="base" hangingPunct="0">
-              <a:spcBef>
-                <a:spcPct val="20000"/>
-              </a:spcBef>
-              <a:spcAft>
-                <a:spcPct val="0"/>
-              </a:spcAft>
-              <a:buFont typeface="Arial" panose="020B0604020202020204" pitchFamily="34" charset="0"/>
-              <a:buChar char="»"/>
-              <a:defRPr sz="2000">
-                <a:solidFill>
-                  <a:schemeClr val="tx1"/>
-                </a:solidFill>
-                <a:latin typeface="Arial" panose="020B0604020202020204" pitchFamily="34" charset="0"/>
-                <a:cs typeface="Arial" panose="020B0604020202020204" pitchFamily="34" charset="0"/>
-              </a:defRPr>
-            </a:lvl8pPr>
-            <a:lvl9pPr marL="3886200" indent="-228600" eaLnBrk="0" fontAlgn="base" hangingPunct="0">
-              <a:spcBef>
-                <a:spcPct val="20000"/>
-              </a:spcBef>
-              <a:spcAft>
-                <a:spcPct val="0"/>
-              </a:spcAft>
-              <a:buFont typeface="Arial" panose="020B0604020202020204" pitchFamily="34" charset="0"/>
-              <a:buChar char="»"/>
-              <a:defRPr sz="2000">
-                <a:solidFill>
-                  <a:schemeClr val="tx1"/>
-                </a:solidFill>
-                <a:latin typeface="Arial" panose="020B0604020202020204" pitchFamily="34" charset="0"/>
-                <a:cs typeface="Arial" panose="020B0604020202020204" pitchFamily="34" charset="0"/>
-              </a:defRPr>
-            </a:lvl9pPr>
-          </a:lstStyle>
-          <a:p>
-            <a:pPr algn="ctr">
-              <a:spcBef>
-                <a:spcPct val="0"/>
-              </a:spcBef>
-              <a:buFontTx/>
-              <a:buNone/>
-            </a:pPr>
-            <a:r>
-              <a:rPr lang="es-CO" altLang="es-CO" sz="1200" dirty="0"/>
-              <a:t> Martes:       18:10 - 20:00</a:t>
-            </a:r>
-          </a:p>
-          <a:p>
-            <a:pPr algn="ctr">
-              <a:spcBef>
-                <a:spcPct val="0"/>
-              </a:spcBef>
-              <a:buFontTx/>
-              <a:buNone/>
-            </a:pPr>
-            <a:r>
-              <a:rPr lang="es-CO" altLang="es-CO" sz="1200" dirty="0"/>
-              <a:t> Martes:      20:20 – 21:30</a:t>
-            </a:r>
-          </a:p>
-        </p:txBody>
-      </p:sp>
-      <p:graphicFrame>
-        <p:nvGraphicFramePr>
-          <p:cNvPr id="3" name="Tabla 3">
-            <a:extLst>
-              <a:ext uri="{FF2B5EF4-FFF2-40B4-BE49-F238E27FC236}">
-                <a16:creationId xmlns:a16="http://schemas.microsoft.com/office/drawing/2014/main" id="{C9C74F47-3DCD-8C96-917D-231E0A431AA3}"/>
+                <a16:creationId xmlns:a16="http://schemas.microsoft.com/office/drawing/2014/main" id="{5F8CF47B-EB00-BFA3-F806-D4B6C2321C42}"/>
               </a:ext>
             </a:extLst>
           </p:cNvPr>
@@ -21877,14 +21729,14 @@
           <p:nvPr>
             <p:extLst>
               <p:ext uri="{D42A27DB-BD31-4B8C-83A1-F6EECF244321}">
-                <p14:modId xmlns:p14="http://schemas.microsoft.com/office/powerpoint/2010/main" val="2163760224"/>
+                <p14:modId xmlns:p14="http://schemas.microsoft.com/office/powerpoint/2010/main" val="3761339432"/>
               </p:ext>
             </p:extLst>
           </p:nvPr>
         </p:nvGraphicFramePr>
         <p:xfrm>
           <a:off x="863588" y="670925"/>
-          <a:ext cx="7416824" cy="5753068"/>
+          <a:ext cx="7416824" cy="5483937"/>
         </p:xfrm>
         <a:graphic>
           <a:graphicData uri="http://schemas.openxmlformats.org/drawingml/2006/table">
@@ -22054,7 +21906,7 @@
                       <a:pPr algn="ctr"/>
                       <a:r>
                         <a:rPr lang="es-CO" sz="1000" dirty="0"/>
-                        <a:t>5 agosto – 10 agosto</a:t>
+                        <a:t>3 febrero – 7 febrero</a:t>
                       </a:r>
                     </a:p>
                   </a:txBody>
@@ -22261,7 +22113,7 @@
                             <a:schemeClr val="tx1"/>
                           </a:solidFill>
                         </a:rPr>
-                        <a:t>12 agosto – 16 agosto</a:t>
+                        <a:t>10 febrero – 14 febrero</a:t>
                       </a:r>
                     </a:p>
                   </a:txBody>
@@ -22422,13 +22274,10 @@
                       <a:r>
                         <a:rPr lang="es-CO" sz="1000" dirty="0">
                           <a:solidFill>
-                            <a:srgbClr val="FF0000"/>
+                            <a:schemeClr val="tx1"/>
                           </a:solidFill>
-                          <a:highlight>
-                            <a:srgbClr val="FFFF00"/>
-                          </a:highlight>
                         </a:rPr>
-                        <a:t>19 agosto –23 agosto</a:t>
+                        <a:t>17 febrero – 21 febrero</a:t>
                       </a:r>
                     </a:p>
                   </a:txBody>
@@ -22592,7 +22441,7 @@
                             <a:schemeClr val="tx1"/>
                           </a:solidFill>
                         </a:rPr>
-                        <a:t>26 agosto – 30 agosto</a:t>
+                        <a:t>24 febrero – 28 febrero</a:t>
                       </a:r>
                     </a:p>
                   </a:txBody>
@@ -22642,22 +22491,14 @@
                     <a:p>
                       <a:pPr algn="ctr"/>
                       <a:r>
-                        <a:rPr lang="es-CO" sz="1000" dirty="0">
-                          <a:highlight>
-                            <a:srgbClr val="00FF00"/>
-                          </a:highlight>
-                        </a:rPr>
+                        <a:rPr lang="es-CO" sz="1000" dirty="0"/>
                         <a:t>Representación Sistemas Transformada Z.</a:t>
                       </a:r>
                     </a:p>
                     <a:p>
                       <a:pPr algn="ctr"/>
                       <a:r>
-                        <a:rPr lang="es-CO" sz="1000" dirty="0">
-                          <a:highlight>
-                            <a:srgbClr val="00FF00"/>
-                          </a:highlight>
-                        </a:rPr>
+                        <a:rPr lang="es-CO" sz="1000" dirty="0"/>
                         <a:t>Ecuaciones en diferencia</a:t>
                       </a:r>
                     </a:p>
@@ -22767,7 +22608,7 @@
                       <a:pPr algn="ctr"/>
                       <a:r>
                         <a:rPr lang="es-CO" sz="1000" dirty="0"/>
-                        <a:t>2 septiembre – 6 septiembre</a:t>
+                        <a:t>3 marzo – 7 marzo</a:t>
                       </a:r>
                     </a:p>
                   </a:txBody>
@@ -22931,7 +22772,7 @@
                             <a:schemeClr val="tx1"/>
                           </a:solidFill>
                         </a:rPr>
-                        <a:t>9 septiembre – 13 septiembre</a:t>
+                        <a:t>10 marzo – 14 marzo</a:t>
                       </a:r>
                     </a:p>
                   </a:txBody>
@@ -23095,7 +22936,7 @@
                       <a:pPr algn="ctr"/>
                       <a:r>
                         <a:rPr lang="es-CO" sz="1000" dirty="0"/>
-                        <a:t> 18 marzo – 22 marzo</a:t>
+                        <a:t> 17 marzo – 21 marzo</a:t>
                       </a:r>
                     </a:p>
                   </a:txBody>
@@ -23256,10 +23097,13 @@
                       <a:r>
                         <a:rPr lang="es-CO" sz="1000" dirty="0">
                           <a:solidFill>
-                            <a:schemeClr val="tx1"/>
+                            <a:srgbClr val="FF0000"/>
                           </a:solidFill>
+                          <a:highlight>
+                            <a:srgbClr val="FFFF00"/>
+                          </a:highlight>
                         </a:rPr>
-                        <a:t>16 septiembre – 20 septiembre</a:t>
+                        <a:t>24 marzo – 28 marzo</a:t>
                       </a:r>
                     </a:p>
                   </a:txBody>
@@ -23467,7 +23311,7 @@
                             <a:schemeClr val="tx1"/>
                           </a:solidFill>
                         </a:rPr>
-                        <a:t>23 septiembre – 27 septiembre</a:t>
+                        <a:t>31 marzo – 4 abril</a:t>
                       </a:r>
                     </a:p>
                   </a:txBody>
@@ -23633,7 +23477,7 @@
                       <a:pPr algn="ctr"/>
                       <a:r>
                         <a:rPr lang="es-CO" sz="1000" dirty="0"/>
-                        <a:t>30 septiembre – 4 octubre</a:t>
+                        <a:t>7 abril – 11 abril</a:t>
                       </a:r>
                     </a:p>
                   </a:txBody>
@@ -23810,10 +23654,13 @@
                       <a:r>
                         <a:rPr lang="es-CO" sz="1000" dirty="0">
                           <a:solidFill>
-                            <a:schemeClr val="tx1"/>
+                            <a:srgbClr val="FF0000"/>
                           </a:solidFill>
+                          <a:highlight>
+                            <a:srgbClr val="FFFF00"/>
+                          </a:highlight>
                         </a:rPr>
-                        <a:t>7 octubre – 11 octubre</a:t>
+                        <a:t>14 abril – 18 abril</a:t>
                       </a:r>
                     </a:p>
                   </a:txBody>
@@ -23880,7 +23727,7 @@
                       </a:pPr>
                       <a:r>
                         <a:rPr lang="es-CO" sz="1000" dirty="0"/>
-                        <a:t>El controlador PID</a:t>
+                        <a:t>-</a:t>
                       </a:r>
                     </a:p>
                   </a:txBody>
@@ -23990,13 +23837,10 @@
                       <a:r>
                         <a:rPr lang="es-CO" sz="1000" dirty="0">
                           <a:solidFill>
-                            <a:srgbClr val="FF0000"/>
+                            <a:schemeClr val="tx1"/>
                           </a:solidFill>
-                          <a:highlight>
-                            <a:srgbClr val="FFFF00"/>
-                          </a:highlight>
                         </a:rPr>
-                        <a:t>14 octubre – 18 octubre </a:t>
+                        <a:t>21 abril – 25 abril</a:t>
                       </a:r>
                     </a:p>
                   </a:txBody>
@@ -24062,8 +23906,12 @@
                         <a:defRPr/>
                       </a:pPr>
                       <a:r>
-                        <a:rPr lang="es-CO" sz="1000" dirty="0"/>
-                        <a:t>Diseño basado en LGR</a:t>
+                        <a:rPr lang="es-CO" sz="1000" b="1" u="sng" dirty="0">
+                          <a:solidFill>
+                            <a:srgbClr val="C00000"/>
+                          </a:solidFill>
+                        </a:rPr>
+                        <a:t>Examen Parcial 2</a:t>
                       </a:r>
                     </a:p>
                   </a:txBody>
@@ -24188,7 +24036,7 @@
                       </a:pPr>
                       <a:r>
                         <a:rPr lang="es-CO" sz="1000" dirty="0"/>
-                        <a:t>21 octubre – 25 octubre</a:t>
+                        <a:t>28 abril – 2 mayo</a:t>
                       </a:r>
                     </a:p>
                   </a:txBody>
@@ -24254,12 +24102,8 @@
                         <a:defRPr/>
                       </a:pPr>
                       <a:r>
-                        <a:rPr lang="es-CO" sz="1000" b="1" u="sng" dirty="0">
-                          <a:solidFill>
-                            <a:srgbClr val="C00000"/>
-                          </a:solidFill>
-                        </a:rPr>
-                        <a:t>Examen Parcial 2</a:t>
+                        <a:rPr lang="es-CO" sz="1000" dirty="0"/>
+                        <a:t>El controlador PID</a:t>
                       </a:r>
                     </a:p>
                   </a:txBody>
@@ -24388,7 +24232,7 @@
                             <a:schemeClr val="tx1"/>
                           </a:solidFill>
                         </a:rPr>
-                        <a:t>28 octubre – 1 noviembre</a:t>
+                        <a:t>5 mayo – 9 mayo</a:t>
                       </a:r>
                     </a:p>
                   </a:txBody>
@@ -24455,7 +24299,7 @@
                       </a:pPr>
                       <a:r>
                         <a:rPr lang="es-CO" sz="1000" dirty="0"/>
-                        <a:t>Diseño ecuaciones polinomiales</a:t>
+                        <a:t>Diseño basado en LGR</a:t>
                       </a:r>
                     </a:p>
                   </a:txBody>
@@ -24582,13 +24426,10 @@
                       <a:r>
                         <a:rPr lang="es-CO" sz="1000" dirty="0">
                           <a:solidFill>
-                            <a:srgbClr val="FF0000"/>
+                            <a:schemeClr val="tx1"/>
                           </a:solidFill>
-                          <a:highlight>
-                            <a:srgbClr val="FFFF00"/>
-                          </a:highlight>
                         </a:rPr>
-                        <a:t>4 noviembre – 11 noviembre</a:t>
+                        <a:t>12 mayo – 16 mayo</a:t>
                       </a:r>
                     </a:p>
                   </a:txBody>
@@ -24636,10 +24477,26 @@
                     <a:bodyPr/>
                     <a:lstStyle/>
                     <a:p>
-                      <a:pPr algn="ctr"/>
+                      <a:pPr marL="0" marR="0" lvl="0" indent="0" algn="ctr" defTabSz="685800" rtl="0" eaLnBrk="1" fontAlgn="auto" latinLnBrk="0" hangingPunct="1">
+                        <a:lnSpc>
+                          <a:spcPct val="100000"/>
+                        </a:lnSpc>
+                        <a:spcBef>
+                          <a:spcPts val="0"/>
+                        </a:spcBef>
+                        <a:spcAft>
+                          <a:spcPts val="0"/>
+                        </a:spcAft>
+                        <a:buClrTx/>
+                        <a:buSzTx/>
+                        <a:buFontTx/>
+                        <a:buNone/>
+                        <a:tabLst/>
+                        <a:defRPr/>
+                      </a:pPr>
                       <a:r>
                         <a:rPr lang="es-CO" sz="1000" dirty="0"/>
-                        <a:t>-</a:t>
+                        <a:t>Diseño ecuaciones polinomiales</a:t>
                       </a:r>
                     </a:p>
                   </a:txBody>
@@ -24750,13 +24607,10 @@
                       <a:r>
                         <a:rPr lang="es-CO" sz="1000" dirty="0">
                           <a:solidFill>
-                            <a:srgbClr val="FF0000"/>
+                            <a:schemeClr val="tx1"/>
                           </a:solidFill>
-                          <a:highlight>
-                            <a:srgbClr val="FFFF00"/>
-                          </a:highlight>
                         </a:rPr>
-                        <a:t>11 noviembre – 15 noviembre </a:t>
+                        <a:t>19 mayo – 23 mayo</a:t>
                       </a:r>
                     </a:p>
                   </a:txBody>
@@ -24821,14 +24675,11 @@
                         <a:tabLst/>
                         <a:defRPr/>
                       </a:pPr>
-                      <a:r>
-                        <a:rPr lang="es-CO" sz="1000" b="1" u="sng" dirty="0">
-                          <a:solidFill>
-                            <a:srgbClr val="C00000"/>
-                          </a:solidFill>
-                        </a:rPr>
-                        <a:t>-</a:t>
-                      </a:r>
+                      <a:endParaRPr lang="es-CO" sz="1000" b="1" u="sng" dirty="0">
+                        <a:solidFill>
+                          <a:srgbClr val="C00000"/>
+                        </a:solidFill>
+                      </a:endParaRPr>
                     </a:p>
                   </a:txBody>
                   <a:tcPr>
@@ -24941,7 +24792,7 @@
                             <a:schemeClr val="tx1"/>
                           </a:solidFill>
                         </a:rPr>
-                        <a:t>18 noviembre – 22 noviembre</a:t>
+                        <a:t>26 mayo – 30 mayo</a:t>
                       </a:r>
                     </a:p>
                   </a:txBody>
@@ -25103,191 +24954,13 @@
                       <a:r>
                         <a:rPr lang="es-CO" sz="1000" dirty="0">
                           <a:solidFill>
-                            <a:schemeClr val="tx1"/>
+                            <a:srgbClr val="FF0000"/>
                           </a:solidFill>
+                          <a:highlight>
+                            <a:srgbClr val="FFFF00"/>
+                          </a:highlight>
                         </a:rPr>
-                        <a:t>25 noviembre – 29 noviembre</a:t>
-                      </a:r>
-                    </a:p>
-                  </a:txBody>
-                  <a:tcPr>
-                    <a:lnL w="12700" cap="flat" cmpd="sng" algn="ctr">
-                      <a:solidFill>
-                        <a:schemeClr val="tx1"/>
-                      </a:solidFill>
-                      <a:prstDash val="solid"/>
-                      <a:round/>
-                      <a:headEnd type="none" w="med" len="med"/>
-                      <a:tailEnd type="none" w="med" len="med"/>
-                    </a:lnL>
-                    <a:lnR w="12700" cap="flat" cmpd="sng" algn="ctr">
-                      <a:solidFill>
-                        <a:schemeClr val="tx1"/>
-                      </a:solidFill>
-                      <a:prstDash val="solid"/>
-                      <a:round/>
-                      <a:headEnd type="none" w="med" len="med"/>
-                      <a:tailEnd type="none" w="med" len="med"/>
-                    </a:lnR>
-                    <a:lnT w="12700" cap="flat" cmpd="sng" algn="ctr">
-                      <a:solidFill>
-                        <a:schemeClr val="tx1"/>
-                      </a:solidFill>
-                      <a:prstDash val="solid"/>
-                      <a:round/>
-                      <a:headEnd type="none" w="med" len="med"/>
-                      <a:tailEnd type="none" w="med" len="med"/>
-                    </a:lnT>
-                    <a:lnB w="12700" cap="flat" cmpd="sng" algn="ctr">
-                      <a:solidFill>
-                        <a:schemeClr val="tx1"/>
-                      </a:solidFill>
-                      <a:prstDash val="solid"/>
-                      <a:round/>
-                      <a:headEnd type="none" w="med" len="med"/>
-                      <a:tailEnd type="none" w="med" len="med"/>
-                    </a:lnB>
-                  </a:tcPr>
-                </a:tc>
-                <a:tc>
-                  <a:txBody>
-                    <a:bodyPr/>
-                    <a:lstStyle/>
-                    <a:p>
-                      <a:pPr marL="0" marR="0" lvl="0" indent="0" algn="ctr" defTabSz="685800" rtl="0" eaLnBrk="1" fontAlgn="auto" latinLnBrk="0" hangingPunct="1">
-                        <a:lnSpc>
-                          <a:spcPct val="100000"/>
-                        </a:lnSpc>
-                        <a:spcBef>
-                          <a:spcPts val="0"/>
-                        </a:spcBef>
-                        <a:spcAft>
-                          <a:spcPts val="0"/>
-                        </a:spcAft>
-                        <a:buClrTx/>
-                        <a:buSzTx/>
-                        <a:buFontTx/>
-                        <a:buNone/>
-                        <a:tabLst/>
-                        <a:defRPr/>
-                      </a:pPr>
-                      <a:endParaRPr lang="es-CO" sz="1000" b="1" u="sng" dirty="0">
-                        <a:solidFill>
-                          <a:srgbClr val="C00000"/>
-                        </a:solidFill>
-                      </a:endParaRPr>
-                    </a:p>
-                  </a:txBody>
-                  <a:tcPr>
-                    <a:lnL w="12700" cap="flat" cmpd="sng" algn="ctr">
-                      <a:solidFill>
-                        <a:schemeClr val="tx1"/>
-                      </a:solidFill>
-                      <a:prstDash val="solid"/>
-                      <a:round/>
-                      <a:headEnd type="none" w="med" len="med"/>
-                      <a:tailEnd type="none" w="med" len="med"/>
-                    </a:lnL>
-                    <a:lnR w="12700" cap="flat" cmpd="sng" algn="ctr">
-                      <a:solidFill>
-                        <a:schemeClr val="tx1"/>
-                      </a:solidFill>
-                      <a:prstDash val="solid"/>
-                      <a:round/>
-                      <a:headEnd type="none" w="med" len="med"/>
-                      <a:tailEnd type="none" w="med" len="med"/>
-                    </a:lnR>
-                    <a:lnT w="12700" cap="flat" cmpd="sng" algn="ctr">
-                      <a:solidFill>
-                        <a:schemeClr val="tx1"/>
-                      </a:solidFill>
-                      <a:prstDash val="solid"/>
-                      <a:round/>
-                      <a:headEnd type="none" w="med" len="med"/>
-                      <a:tailEnd type="none" w="med" len="med"/>
-                    </a:lnT>
-                    <a:lnB w="12700" cap="flat" cmpd="sng" algn="ctr">
-                      <a:solidFill>
-                        <a:schemeClr val="tx1"/>
-                      </a:solidFill>
-                      <a:prstDash val="solid"/>
-                      <a:round/>
-                      <a:headEnd type="none" w="med" len="med"/>
-                      <a:tailEnd type="none" w="med" len="med"/>
-                    </a:lnB>
-                  </a:tcPr>
-                </a:tc>
-                <a:extLst>
-                  <a:ext uri="{0D108BD9-81ED-4DB2-BD59-A6C34878D82A}">
-                    <a16:rowId xmlns:a16="http://schemas.microsoft.com/office/drawing/2014/main" val="747768826"/>
-                  </a:ext>
-                </a:extLst>
-              </a:tr>
-              <a:tr h="269131">
-                <a:tc>
-                  <a:txBody>
-                    <a:bodyPr/>
-                    <a:lstStyle/>
-                    <a:p>
-                      <a:pPr algn="ctr"/>
-                      <a:r>
-                        <a:rPr lang="es-CO" sz="1000" dirty="0"/>
-                        <a:t>19</a:t>
-                      </a:r>
-                    </a:p>
-                  </a:txBody>
-                  <a:tcPr>
-                    <a:lnL w="12700" cap="flat" cmpd="sng" algn="ctr">
-                      <a:solidFill>
-                        <a:schemeClr val="tx1"/>
-                      </a:solidFill>
-                      <a:prstDash val="solid"/>
-                      <a:round/>
-                      <a:headEnd type="none" w="med" len="med"/>
-                      <a:tailEnd type="none" w="med" len="med"/>
-                    </a:lnL>
-                    <a:lnR w="12700" cap="flat" cmpd="sng" algn="ctr">
-                      <a:solidFill>
-                        <a:schemeClr val="tx1"/>
-                      </a:solidFill>
-                      <a:prstDash val="solid"/>
-                      <a:round/>
-                      <a:headEnd type="none" w="med" len="med"/>
-                      <a:tailEnd type="none" w="med" len="med"/>
-                    </a:lnR>
-                    <a:lnT w="12700" cap="flat" cmpd="sng" algn="ctr">
-                      <a:solidFill>
-                        <a:schemeClr val="tx1"/>
-                      </a:solidFill>
-                      <a:prstDash val="solid"/>
-                      <a:round/>
-                      <a:headEnd type="none" w="med" len="med"/>
-                      <a:tailEnd type="none" w="med" len="med"/>
-                    </a:lnT>
-                    <a:lnB w="12700" cap="flat" cmpd="sng" algn="ctr">
-                      <a:solidFill>
-                        <a:schemeClr val="tx1"/>
-                      </a:solidFill>
-                      <a:prstDash val="solid"/>
-                      <a:round/>
-                      <a:headEnd type="none" w="med" len="med"/>
-                      <a:tailEnd type="none" w="med" len="med"/>
-                    </a:lnB>
-                  </a:tcPr>
-                </a:tc>
-                <a:tc>
-                  <a:txBody>
-                    <a:bodyPr/>
-                    <a:lstStyle/>
-                    <a:p>
-                      <a:pPr algn="ctr"/>
-                      <a:r>
-                        <a:rPr lang="es-CO" sz="1000" dirty="0">
-                          <a:solidFill>
-                            <a:schemeClr val="tx1"/>
-                          </a:solidFill>
-                        </a:rPr>
-                        <a:t>3 diciembre – 7 diciembre</a:t>
+                        <a:t>2 junio – 6 junio </a:t>
                       </a:r>
                     </a:p>
                   </a:txBody>
@@ -25403,7 +25076,7 @@
                 </a:tc>
                 <a:extLst>
                   <a:ext uri="{0D108BD9-81ED-4DB2-BD59-A6C34878D82A}">
-                    <a16:rowId xmlns:a16="http://schemas.microsoft.com/office/drawing/2014/main" val="4128284738"/>
+                    <a16:rowId xmlns:a16="http://schemas.microsoft.com/office/drawing/2014/main" val="747768826"/>
                   </a:ext>
                 </a:extLst>
               </a:tr>
@@ -25411,6 +25084,228 @@
           </a:graphicData>
         </a:graphic>
       </p:graphicFrame>
+      <p:sp>
+        <p:nvSpPr>
+          <p:cNvPr id="7" name="Rectángulo 9">
+            <a:extLst>
+              <a:ext uri="{FF2B5EF4-FFF2-40B4-BE49-F238E27FC236}">
+                <a16:creationId xmlns:a16="http://schemas.microsoft.com/office/drawing/2014/main" id="{7A3E3EB5-0993-67AF-883F-9A7C501314B4}"/>
+              </a:ext>
+            </a:extLst>
+          </p:cNvPr>
+          <p:cNvSpPr>
+            <a:spLocks noChangeArrowheads="1"/>
+          </p:cNvSpPr>
+          <p:nvPr/>
+        </p:nvSpPr>
+        <p:spPr bwMode="auto">
+          <a:xfrm>
+            <a:off x="4540642" y="6188199"/>
+            <a:ext cx="4010025" cy="523220"/>
+          </a:xfrm>
+          <a:prstGeom prst="rect">
+            <a:avLst/>
+          </a:prstGeom>
+          <a:noFill/>
+          <a:ln>
+            <a:noFill/>
+          </a:ln>
+          <a:extLst>
+            <a:ext uri="{909E8E84-426E-40DD-AFC4-6F175D3DCCD1}">
+              <a14:hiddenFill xmlns:a14="http://schemas.microsoft.com/office/drawing/2010/main">
+                <a:solidFill>
+                  <a:srgbClr val="FFFFFF"/>
+                </a:solidFill>
+              </a14:hiddenFill>
+            </a:ext>
+            <a:ext uri="{91240B29-F687-4F45-9708-019B960494DF}">
+              <a14:hiddenLine xmlns:a14="http://schemas.microsoft.com/office/drawing/2010/main" w="9525">
+                <a:solidFill>
+                  <a:srgbClr val="000000"/>
+                </a:solidFill>
+                <a:miter lim="800000"/>
+                <a:headEnd/>
+                <a:tailEnd/>
+              </a14:hiddenLine>
+            </a:ext>
+          </a:extLst>
+        </p:spPr>
+        <p:txBody>
+          <a:bodyPr>
+            <a:spAutoFit/>
+          </a:bodyPr>
+          <a:lstStyle>
+            <a:lvl1pPr>
+              <a:spcBef>
+                <a:spcPct val="20000"/>
+              </a:spcBef>
+              <a:buFont typeface="Arial" panose="020B0604020202020204" pitchFamily="34" charset="0"/>
+              <a:buChar char="•"/>
+              <a:defRPr sz="3200">
+                <a:solidFill>
+                  <a:schemeClr val="tx1"/>
+                </a:solidFill>
+                <a:latin typeface="Arial" panose="020B0604020202020204" pitchFamily="34" charset="0"/>
+                <a:cs typeface="Arial" panose="020B0604020202020204" pitchFamily="34" charset="0"/>
+              </a:defRPr>
+            </a:lvl1pPr>
+            <a:lvl2pPr marL="742950" indent="-285750">
+              <a:spcBef>
+                <a:spcPct val="20000"/>
+              </a:spcBef>
+              <a:buFont typeface="Arial" panose="020B0604020202020204" pitchFamily="34" charset="0"/>
+              <a:buChar char="–"/>
+              <a:defRPr sz="2800">
+                <a:solidFill>
+                  <a:schemeClr val="tx1"/>
+                </a:solidFill>
+                <a:latin typeface="Arial" panose="020B0604020202020204" pitchFamily="34" charset="0"/>
+                <a:cs typeface="Arial" panose="020B0604020202020204" pitchFamily="34" charset="0"/>
+              </a:defRPr>
+            </a:lvl2pPr>
+            <a:lvl3pPr marL="1143000" indent="-228600">
+              <a:spcBef>
+                <a:spcPct val="20000"/>
+              </a:spcBef>
+              <a:buFont typeface="Arial" panose="020B0604020202020204" pitchFamily="34" charset="0"/>
+              <a:buChar char="•"/>
+              <a:defRPr sz="2400">
+                <a:solidFill>
+                  <a:schemeClr val="tx1"/>
+                </a:solidFill>
+                <a:latin typeface="Arial" panose="020B0604020202020204" pitchFamily="34" charset="0"/>
+                <a:cs typeface="Arial" panose="020B0604020202020204" pitchFamily="34" charset="0"/>
+              </a:defRPr>
+            </a:lvl3pPr>
+            <a:lvl4pPr marL="1600200" indent="-228600">
+              <a:spcBef>
+                <a:spcPct val="20000"/>
+              </a:spcBef>
+              <a:buFont typeface="Arial" panose="020B0604020202020204" pitchFamily="34" charset="0"/>
+              <a:buChar char="–"/>
+              <a:defRPr sz="2000">
+                <a:solidFill>
+                  <a:schemeClr val="tx1"/>
+                </a:solidFill>
+                <a:latin typeface="Arial" panose="020B0604020202020204" pitchFamily="34" charset="0"/>
+                <a:cs typeface="Arial" panose="020B0604020202020204" pitchFamily="34" charset="0"/>
+              </a:defRPr>
+            </a:lvl4pPr>
+            <a:lvl5pPr marL="2057400" indent="-228600">
+              <a:spcBef>
+                <a:spcPct val="20000"/>
+              </a:spcBef>
+              <a:buFont typeface="Arial" panose="020B0604020202020204" pitchFamily="34" charset="0"/>
+              <a:buChar char="»"/>
+              <a:defRPr sz="2000">
+                <a:solidFill>
+                  <a:schemeClr val="tx1"/>
+                </a:solidFill>
+                <a:latin typeface="Arial" panose="020B0604020202020204" pitchFamily="34" charset="0"/>
+                <a:cs typeface="Arial" panose="020B0604020202020204" pitchFamily="34" charset="0"/>
+              </a:defRPr>
+            </a:lvl5pPr>
+            <a:lvl6pPr marL="2514600" indent="-228600" eaLnBrk="0" fontAlgn="base" hangingPunct="0">
+              <a:spcBef>
+                <a:spcPct val="20000"/>
+              </a:spcBef>
+              <a:spcAft>
+                <a:spcPct val="0"/>
+              </a:spcAft>
+              <a:buFont typeface="Arial" panose="020B0604020202020204" pitchFamily="34" charset="0"/>
+              <a:buChar char="»"/>
+              <a:defRPr sz="2000">
+                <a:solidFill>
+                  <a:schemeClr val="tx1"/>
+                </a:solidFill>
+                <a:latin typeface="Arial" panose="020B0604020202020204" pitchFamily="34" charset="0"/>
+                <a:cs typeface="Arial" panose="020B0604020202020204" pitchFamily="34" charset="0"/>
+              </a:defRPr>
+            </a:lvl6pPr>
+            <a:lvl7pPr marL="2971800" indent="-228600" eaLnBrk="0" fontAlgn="base" hangingPunct="0">
+              <a:spcBef>
+                <a:spcPct val="20000"/>
+              </a:spcBef>
+              <a:spcAft>
+                <a:spcPct val="0"/>
+              </a:spcAft>
+              <a:buFont typeface="Arial" panose="020B0604020202020204" pitchFamily="34" charset="0"/>
+              <a:buChar char="»"/>
+              <a:defRPr sz="2000">
+                <a:solidFill>
+                  <a:schemeClr val="tx1"/>
+                </a:solidFill>
+                <a:latin typeface="Arial" panose="020B0604020202020204" pitchFamily="34" charset="0"/>
+                <a:cs typeface="Arial" panose="020B0604020202020204" pitchFamily="34" charset="0"/>
+              </a:defRPr>
+            </a:lvl7pPr>
+            <a:lvl8pPr marL="3429000" indent="-228600" eaLnBrk="0" fontAlgn="base" hangingPunct="0">
+              <a:spcBef>
+                <a:spcPct val="20000"/>
+              </a:spcBef>
+              <a:spcAft>
+                <a:spcPct val="0"/>
+              </a:spcAft>
+              <a:buFont typeface="Arial" panose="020B0604020202020204" pitchFamily="34" charset="0"/>
+              <a:buChar char="»"/>
+              <a:defRPr sz="2000">
+                <a:solidFill>
+                  <a:schemeClr val="tx1"/>
+                </a:solidFill>
+                <a:latin typeface="Arial" panose="020B0604020202020204" pitchFamily="34" charset="0"/>
+                <a:cs typeface="Arial" panose="020B0604020202020204" pitchFamily="34" charset="0"/>
+              </a:defRPr>
+            </a:lvl8pPr>
+            <a:lvl9pPr marL="3886200" indent="-228600" eaLnBrk="0" fontAlgn="base" hangingPunct="0">
+              <a:spcBef>
+                <a:spcPct val="20000"/>
+              </a:spcBef>
+              <a:spcAft>
+                <a:spcPct val="0"/>
+              </a:spcAft>
+              <a:buFont typeface="Arial" panose="020B0604020202020204" pitchFamily="34" charset="0"/>
+              <a:buChar char="»"/>
+              <a:defRPr sz="2000">
+                <a:solidFill>
+                  <a:schemeClr val="tx1"/>
+                </a:solidFill>
+                <a:latin typeface="Arial" panose="020B0604020202020204" pitchFamily="34" charset="0"/>
+                <a:cs typeface="Arial" panose="020B0604020202020204" pitchFamily="34" charset="0"/>
+              </a:defRPr>
+            </a:lvl9pPr>
+          </a:lstStyle>
+          <a:p>
+            <a:pPr algn="ctr">
+              <a:spcBef>
+                <a:spcPct val="0"/>
+              </a:spcBef>
+              <a:buFontTx/>
+              <a:buNone/>
+            </a:pPr>
+            <a:r>
+              <a:rPr lang="es-CO" altLang="es-CO" sz="1200" dirty="0"/>
+              <a:t> </a:t>
+            </a:r>
+            <a:r>
+              <a:rPr lang="es-CO" altLang="es-CO" sz="1400" dirty="0"/>
+              <a:t>Martes:       18:10 - 20:00</a:t>
+            </a:r>
+          </a:p>
+          <a:p>
+            <a:pPr algn="ctr">
+              <a:spcBef>
+                <a:spcPct val="0"/>
+              </a:spcBef>
+              <a:buFontTx/>
+              <a:buNone/>
+            </a:pPr>
+            <a:r>
+              <a:rPr lang="es-CO" altLang="es-CO" sz="1400" dirty="0"/>
+              <a:t> Martes:      20:20 – 21:30</a:t>
+            </a:r>
+          </a:p>
+        </p:txBody>
+      </p:sp>
     </p:spTree>
     <p:extLst>
       <p:ext uri="{BB962C8B-B14F-4D97-AF65-F5344CB8AC3E}">
@@ -31009,8 +30904,8 @@
           </p:sp>
         </mc:Fallback>
       </mc:AlternateContent>
-      <mc:AlternateContent xmlns:mc="http://schemas.openxmlformats.org/markup-compatibility/2006">
-        <mc:Choice xmlns:a14="http://schemas.microsoft.com/office/drawing/2010/main" Requires="a14">
+      <mc:AlternateContent xmlns:mc="http://schemas.openxmlformats.org/markup-compatibility/2006" xmlns:a14="http://schemas.microsoft.com/office/drawing/2010/main">
+        <mc:Choice Requires="a14">
           <p:sp>
             <p:nvSpPr>
               <p:cNvPr id="7" name="CuadroTexto 6">
@@ -31146,7 +31041,7 @@
             </p:txBody>
           </p:sp>
         </mc:Choice>
-        <mc:Fallback>
+        <mc:Fallback xmlns="">
           <p:sp>
             <p:nvSpPr>
               <p:cNvPr id="7" name="CuadroTexto 6">
@@ -36311,11 +36206,12 @@
 </file>
 
 <file path=customXml/item1.xml><?xml version="1.0" encoding="utf-8"?>
-<p:properties xmlns:p="http://schemas.microsoft.com/office/2006/metadata/properties" xmlns:xsi="http://www.w3.org/2001/XMLSchema-instance" xmlns:pc="http://schemas.microsoft.com/office/infopath/2007/PartnerControls">
-  <documentManagement>
-    <_activity xmlns="bdc56f61-abc0-4f7e-bfec-a93ccd1ae886" xsi:nil="true"/>
-  </documentManagement>
-</p:properties>
+<?mso-contentType ?>
+<FormTemplates xmlns="http://schemas.microsoft.com/sharepoint/v3/contenttype/forms">
+  <Display>DocumentLibraryForm</Display>
+  <Edit>DocumentLibraryForm</Edit>
+  <New>DocumentLibraryForm</New>
+</FormTemplates>
 </file>
 
 <file path=customXml/item2.xml><?xml version="1.0" encoding="utf-8"?>
@@ -36554,27 +36450,17 @@
 </file>
 
 <file path=customXml/item3.xml><?xml version="1.0" encoding="utf-8"?>
-<?mso-contentType ?>
-<FormTemplates xmlns="http://schemas.microsoft.com/sharepoint/v3/contenttype/forms">
-  <Display>DocumentLibraryForm</Display>
-  <Edit>DocumentLibraryForm</Edit>
-  <New>DocumentLibraryForm</New>
-</FormTemplates>
+<p:properties xmlns:p="http://schemas.microsoft.com/office/2006/metadata/properties" xmlns:xsi="http://www.w3.org/2001/XMLSchema-instance" xmlns:pc="http://schemas.microsoft.com/office/infopath/2007/PartnerControls">
+  <documentManagement>
+    <_activity xmlns="bdc56f61-abc0-4f7e-bfec-a93ccd1ae886" xsi:nil="true"/>
+  </documentManagement>
+</p:properties>
 </file>
 
 <file path=customXml/itemProps1.xml><?xml version="1.0" encoding="utf-8"?>
-<ds:datastoreItem xmlns:ds="http://schemas.openxmlformats.org/officeDocument/2006/customXml" ds:itemID="{0825853C-1B27-4995-A583-4D39F900BB7F}">
+<ds:datastoreItem xmlns:ds="http://schemas.openxmlformats.org/officeDocument/2006/customXml" ds:itemID="{4E8623C8-32E1-48B0-9F0A-13F2E9582B7E}">
   <ds:schemaRefs>
-    <ds:schemaRef ds:uri="669280c1-d17e-4d1d-bd7f-b4f14cc6bf1d"/>
-    <ds:schemaRef ds:uri="bdc56f61-abc0-4f7e-bfec-a93ccd1ae886"/>
-    <ds:schemaRef ds:uri="http://purl.org/dc/dcmitype/"/>
-    <ds:schemaRef ds:uri="http://purl.org/dc/elements/1.1/"/>
-    <ds:schemaRef ds:uri="http://purl.org/dc/terms/"/>
-    <ds:schemaRef ds:uri="http://schemas.microsoft.com/office/2006/documentManagement/types"/>
-    <ds:schemaRef ds:uri="http://schemas.microsoft.com/office/2006/metadata/properties"/>
-    <ds:schemaRef ds:uri="http://schemas.microsoft.com/office/infopath/2007/PartnerControls"/>
-    <ds:schemaRef ds:uri="http://schemas.openxmlformats.org/package/2006/metadata/core-properties"/>
-    <ds:schemaRef ds:uri="http://www.w3.org/XML/1998/namespace"/>
+    <ds:schemaRef ds:uri="http://schemas.microsoft.com/sharepoint/v3/contenttype/forms"/>
   </ds:schemaRefs>
 </ds:datastoreItem>
 </file>
@@ -36599,9 +36485,18 @@
 </file>
 
 <file path=customXml/itemProps3.xml><?xml version="1.0" encoding="utf-8"?>
-<ds:datastoreItem xmlns:ds="http://schemas.openxmlformats.org/officeDocument/2006/customXml" ds:itemID="{4E8623C8-32E1-48B0-9F0A-13F2E9582B7E}">
+<ds:datastoreItem xmlns:ds="http://schemas.openxmlformats.org/officeDocument/2006/customXml" ds:itemID="{0825853C-1B27-4995-A583-4D39F900BB7F}">
   <ds:schemaRefs>
-    <ds:schemaRef ds:uri="http://schemas.microsoft.com/sharepoint/v3/contenttype/forms"/>
+    <ds:schemaRef ds:uri="669280c1-d17e-4d1d-bd7f-b4f14cc6bf1d"/>
+    <ds:schemaRef ds:uri="bdc56f61-abc0-4f7e-bfec-a93ccd1ae886"/>
+    <ds:schemaRef ds:uri="http://purl.org/dc/dcmitype/"/>
+    <ds:schemaRef ds:uri="http://purl.org/dc/elements/1.1/"/>
+    <ds:schemaRef ds:uri="http://purl.org/dc/terms/"/>
+    <ds:schemaRef ds:uri="http://schemas.microsoft.com/office/2006/documentManagement/types"/>
+    <ds:schemaRef ds:uri="http://schemas.microsoft.com/office/2006/metadata/properties"/>
+    <ds:schemaRef ds:uri="http://schemas.microsoft.com/office/infopath/2007/PartnerControls"/>
+    <ds:schemaRef ds:uri="http://schemas.openxmlformats.org/package/2006/metadata/core-properties"/>
+    <ds:schemaRef ds:uri="http://www.w3.org/XML/1998/namespace"/>
   </ds:schemaRefs>
 </ds:datastoreItem>
 </file>
--- a/Sesión_3/Representacion Sistemas Transformada Z.pptx
+++ b/Sesión_3/Representacion Sistemas Transformada Z.pptx
@@ -22,9 +22,9 @@
     <p:sldId id="280" r:id="rId13"/>
     <p:sldId id="287" r:id="rId14"/>
     <p:sldId id="288" r:id="rId15"/>
-    <p:sldId id="281" r:id="rId16"/>
+    <p:sldId id="294" r:id="rId16"/>
     <p:sldId id="282" r:id="rId17"/>
-    <p:sldId id="283" r:id="rId18"/>
+    <p:sldId id="281" r:id="rId18"/>
     <p:sldId id="284" r:id="rId19"/>
     <p:sldId id="285" r:id="rId20"/>
     <p:sldId id="289" r:id="rId21"/>
@@ -147,9 +147,9 @@
             <p14:sldId id="280"/>
             <p14:sldId id="287"/>
             <p14:sldId id="288"/>
+            <p14:sldId id="294"/>
+            <p14:sldId id="282"/>
             <p14:sldId id="281"/>
-            <p14:sldId id="282"/>
-            <p14:sldId id="283"/>
             <p14:sldId id="284"/>
             <p14:sldId id="285"/>
             <p14:sldId id="289"/>
@@ -197,7 +197,7 @@
 <file path=ppt/revisionInfo.xml><?xml version="1.0" encoding="utf-8"?>
 <p1510:revInfo xmlns:a="http://schemas.openxmlformats.org/drawingml/2006/main" xmlns:r="http://schemas.openxmlformats.org/officeDocument/2006/relationships" xmlns:p1510="http://schemas.microsoft.com/office/powerpoint/2015/10/main">
   <p1510:revLst>
-    <p1510:client id="{56CA7A21-DA9A-4EF9-85E3-4002D69F4F5C}" v="3" dt="2025-01-04T23:30:35.306"/>
+    <p1510:client id="{56CA7A21-DA9A-4EF9-85E3-4002D69F4F5C}" v="120" dt="2025-01-11T00:21:19.613"/>
   </p1510:revLst>
 </p1510:revInfo>
 </file>
@@ -206,8 +206,8 @@
 <pc:chgInfo xmlns:a="http://schemas.openxmlformats.org/drawingml/2006/main" xmlns:r="http://schemas.openxmlformats.org/officeDocument/2006/relationships" xmlns:ac="http://schemas.microsoft.com/office/drawing/2013/main/command" xmlns:pc="http://schemas.microsoft.com/office/powerpoint/2013/main/command">
   <pc:docChgLst>
     <pc:chgData name="JHEYSON FABIAN VILLAVISAN BUITRAGO" userId="e5ced5c2-d787-455d-b115-4f08a699b8c8" providerId="ADAL" clId="{56CA7A21-DA9A-4EF9-85E3-4002D69F4F5C}"/>
-    <pc:docChg chg="custSel modSld">
-      <pc:chgData name="JHEYSON FABIAN VILLAVISAN BUITRAGO" userId="e5ced5c2-d787-455d-b115-4f08a699b8c8" providerId="ADAL" clId="{56CA7A21-DA9A-4EF9-85E3-4002D69F4F5C}" dt="2025-01-04T23:30:35.306" v="6"/>
+    <pc:docChg chg="undo custSel addSld delSld modSld sldOrd modSection">
+      <pc:chgData name="JHEYSON FABIAN VILLAVISAN BUITRAGO" userId="e5ced5c2-d787-455d-b115-4f08a699b8c8" providerId="ADAL" clId="{56CA7A21-DA9A-4EF9-85E3-4002D69F4F5C}" dt="2025-01-11T00:25:49.917" v="254" actId="20577"/>
       <pc:docMkLst>
         <pc:docMk/>
       </pc:docMkLst>
@@ -217,14 +217,6 @@
           <pc:docMk/>
           <pc:sldMk cId="2505371292" sldId="270"/>
         </pc:sldMkLst>
-        <pc:spChg chg="del">
-          <ac:chgData name="JHEYSON FABIAN VILLAVISAN BUITRAGO" userId="e5ced5c2-d787-455d-b115-4f08a699b8c8" providerId="ADAL" clId="{56CA7A21-DA9A-4EF9-85E3-4002D69F4F5C}" dt="2025-01-04T23:30:31.461" v="5" actId="478"/>
-          <ac:spMkLst>
-            <pc:docMk/>
-            <pc:sldMk cId="2505371292" sldId="270"/>
-            <ac:spMk id="2" creationId="{07834BD4-47C6-ED57-411D-00688EB8FEAB}"/>
-          </ac:spMkLst>
-        </pc:spChg>
         <pc:spChg chg="add mod">
           <ac:chgData name="JHEYSON FABIAN VILLAVISAN BUITRAGO" userId="e5ced5c2-d787-455d-b115-4f08a699b8c8" providerId="ADAL" clId="{56CA7A21-DA9A-4EF9-85E3-4002D69F4F5C}" dt="2025-01-04T23:30:35.306" v="6"/>
           <ac:spMkLst>
@@ -233,14 +225,6 @@
             <ac:spMk id="7" creationId="{7A3E3EB5-0993-67AF-883F-9A7C501314B4}"/>
           </ac:spMkLst>
         </pc:spChg>
-        <pc:graphicFrameChg chg="del">
-          <ac:chgData name="JHEYSON FABIAN VILLAVISAN BUITRAGO" userId="e5ced5c2-d787-455d-b115-4f08a699b8c8" providerId="ADAL" clId="{56CA7A21-DA9A-4EF9-85E3-4002D69F4F5C}" dt="2025-01-04T23:30:20.065" v="3" actId="478"/>
-          <ac:graphicFrameMkLst>
-            <pc:docMk/>
-            <pc:sldMk cId="2505371292" sldId="270"/>
-            <ac:graphicFrameMk id="3" creationId="{C9C74F47-3DCD-8C96-917D-231E0A431AA3}"/>
-          </ac:graphicFrameMkLst>
-        </pc:graphicFrameChg>
         <pc:graphicFrameChg chg="add mod">
           <ac:chgData name="JHEYSON FABIAN VILLAVISAN BUITRAGO" userId="e5ced5c2-d787-455d-b115-4f08a699b8c8" providerId="ADAL" clId="{56CA7A21-DA9A-4EF9-85E3-4002D69F4F5C}" dt="2025-01-04T23:30:28.958" v="4"/>
           <ac:graphicFrameMkLst>
@@ -251,17 +235,171 @@
         </pc:graphicFrameChg>
       </pc:sldChg>
       <pc:sldChg chg="modSp mod">
-        <pc:chgData name="JHEYSON FABIAN VILLAVISAN BUITRAGO" userId="e5ced5c2-d787-455d-b115-4f08a699b8c8" providerId="ADAL" clId="{56CA7A21-DA9A-4EF9-85E3-4002D69F4F5C}" dt="2025-01-03T19:57:12.496" v="0" actId="1076"/>
+        <pc:chgData name="JHEYSON FABIAN VILLAVISAN BUITRAGO" userId="e5ced5c2-d787-455d-b115-4f08a699b8c8" providerId="ADAL" clId="{56CA7A21-DA9A-4EF9-85E3-4002D69F4F5C}" dt="2025-01-10T15:16:38.447" v="99" actId="20577"/>
+        <pc:sldMkLst>
+          <pc:docMk/>
+          <pc:sldMk cId="3709177429" sldId="274"/>
+        </pc:sldMkLst>
+        <pc:spChg chg="mod">
+          <ac:chgData name="JHEYSON FABIAN VILLAVISAN BUITRAGO" userId="e5ced5c2-d787-455d-b115-4f08a699b8c8" providerId="ADAL" clId="{56CA7A21-DA9A-4EF9-85E3-4002D69F4F5C}" dt="2025-01-10T15:16:38.447" v="99" actId="20577"/>
+          <ac:spMkLst>
+            <pc:docMk/>
+            <pc:sldMk cId="3709177429" sldId="274"/>
+            <ac:spMk id="16" creationId="{61C30305-C78C-F687-635F-1E0E3726D49F}"/>
+          </ac:spMkLst>
+        </pc:spChg>
+      </pc:sldChg>
+      <pc:sldChg chg="modSp mod">
+        <pc:chgData name="JHEYSON FABIAN VILLAVISAN BUITRAGO" userId="e5ced5c2-d787-455d-b115-4f08a699b8c8" providerId="ADAL" clId="{56CA7A21-DA9A-4EF9-85E3-4002D69F4F5C}" dt="2025-01-11T00:21:37.445" v="201" actId="1076"/>
         <pc:sldMkLst>
           <pc:docMk/>
           <pc:sldMk cId="3289317891" sldId="277"/>
         </pc:sldMkLst>
         <pc:spChg chg="mod">
-          <ac:chgData name="JHEYSON FABIAN VILLAVISAN BUITRAGO" userId="e5ced5c2-d787-455d-b115-4f08a699b8c8" providerId="ADAL" clId="{56CA7A21-DA9A-4EF9-85E3-4002D69F4F5C}" dt="2025-01-03T19:57:12.496" v="0" actId="1076"/>
+          <ac:chgData name="JHEYSON FABIAN VILLAVISAN BUITRAGO" userId="e5ced5c2-d787-455d-b115-4f08a699b8c8" providerId="ADAL" clId="{56CA7A21-DA9A-4EF9-85E3-4002D69F4F5C}" dt="2025-01-10T15:30:16.034" v="113" actId="1076"/>
+          <ac:spMkLst>
+            <pc:docMk/>
+            <pc:sldMk cId="3289317891" sldId="277"/>
+            <ac:spMk id="2" creationId="{8B0794F0-6500-1A1C-3C13-CAFA1EE7248A}"/>
+          </ac:spMkLst>
+        </pc:spChg>
+        <pc:spChg chg="mod">
+          <ac:chgData name="JHEYSON FABIAN VILLAVISAN BUITRAGO" userId="e5ced5c2-d787-455d-b115-4f08a699b8c8" providerId="ADAL" clId="{56CA7A21-DA9A-4EF9-85E3-4002D69F4F5C}" dt="2025-01-11T00:21:35.128" v="200" actId="1076"/>
           <ac:spMkLst>
             <pc:docMk/>
             <pc:sldMk cId="3289317891" sldId="277"/>
             <ac:spMk id="7" creationId="{8F88D0EC-F6BD-391C-B4EB-796E3ABF1D36}"/>
+          </ac:spMkLst>
+        </pc:spChg>
+        <pc:picChg chg="mod">
+          <ac:chgData name="JHEYSON FABIAN VILLAVISAN BUITRAGO" userId="e5ced5c2-d787-455d-b115-4f08a699b8c8" providerId="ADAL" clId="{56CA7A21-DA9A-4EF9-85E3-4002D69F4F5C}" dt="2025-01-11T00:21:37.445" v="201" actId="1076"/>
+          <ac:picMkLst>
+            <pc:docMk/>
+            <pc:sldMk cId="3289317891" sldId="277"/>
+            <ac:picMk id="6" creationId="{C70B47E7-D3E9-C447-1BAF-958990012021}"/>
+          </ac:picMkLst>
+        </pc:picChg>
+      </pc:sldChg>
+      <pc:sldChg chg="addSp delSp modSp mod">
+        <pc:chgData name="JHEYSON FABIAN VILLAVISAN BUITRAGO" userId="e5ced5c2-d787-455d-b115-4f08a699b8c8" providerId="ADAL" clId="{56CA7A21-DA9A-4EF9-85E3-4002D69F4F5C}" dt="2025-01-10T15:19:06.014" v="112" actId="1076"/>
+        <pc:sldMkLst>
+          <pc:docMk/>
+          <pc:sldMk cId="1004471054" sldId="278"/>
+        </pc:sldMkLst>
+        <pc:spChg chg="mod">
+          <ac:chgData name="JHEYSON FABIAN VILLAVISAN BUITRAGO" userId="e5ced5c2-d787-455d-b115-4f08a699b8c8" providerId="ADAL" clId="{56CA7A21-DA9A-4EF9-85E3-4002D69F4F5C}" dt="2025-01-10T15:18:58.780" v="111" actId="1076"/>
+          <ac:spMkLst>
+            <pc:docMk/>
+            <pc:sldMk cId="1004471054" sldId="278"/>
+            <ac:spMk id="2" creationId="{8B0794F0-6500-1A1C-3C13-CAFA1EE7248A}"/>
+          </ac:spMkLst>
+        </pc:spChg>
+        <pc:spChg chg="mod">
+          <ac:chgData name="JHEYSON FABIAN VILLAVISAN BUITRAGO" userId="e5ced5c2-d787-455d-b115-4f08a699b8c8" providerId="ADAL" clId="{56CA7A21-DA9A-4EF9-85E3-4002D69F4F5C}" dt="2025-01-10T15:18:58.780" v="111" actId="1076"/>
+          <ac:spMkLst>
+            <pc:docMk/>
+            <pc:sldMk cId="1004471054" sldId="278"/>
+            <ac:spMk id="3" creationId="{8F12B499-633C-01E3-DA9C-F461A36C3BC5}"/>
+          </ac:spMkLst>
+        </pc:spChg>
+        <pc:spChg chg="mod">
+          <ac:chgData name="JHEYSON FABIAN VILLAVISAN BUITRAGO" userId="e5ced5c2-d787-455d-b115-4f08a699b8c8" providerId="ADAL" clId="{56CA7A21-DA9A-4EF9-85E3-4002D69F4F5C}" dt="2025-01-10T15:18:58.780" v="111" actId="1076"/>
+          <ac:spMkLst>
+            <pc:docMk/>
+            <pc:sldMk cId="1004471054" sldId="278"/>
+            <ac:spMk id="4" creationId="{49047D83-6E0C-3D6D-4279-602FFCF7C025}"/>
+          </ac:spMkLst>
+        </pc:spChg>
+        <pc:spChg chg="mod">
+          <ac:chgData name="JHEYSON FABIAN VILLAVISAN BUITRAGO" userId="e5ced5c2-d787-455d-b115-4f08a699b8c8" providerId="ADAL" clId="{56CA7A21-DA9A-4EF9-85E3-4002D69F4F5C}" dt="2025-01-10T15:18:58.780" v="111" actId="1076"/>
+          <ac:spMkLst>
+            <pc:docMk/>
+            <pc:sldMk cId="1004471054" sldId="278"/>
+            <ac:spMk id="7" creationId="{A9C55F14-FBA5-C0CF-3778-FDB919726A2D}"/>
+          </ac:spMkLst>
+        </pc:spChg>
+        <pc:spChg chg="mod">
+          <ac:chgData name="JHEYSON FABIAN VILLAVISAN BUITRAGO" userId="e5ced5c2-d787-455d-b115-4f08a699b8c8" providerId="ADAL" clId="{56CA7A21-DA9A-4EF9-85E3-4002D69F4F5C}" dt="2025-01-10T15:19:06.014" v="112" actId="1076"/>
+          <ac:spMkLst>
+            <pc:docMk/>
+            <pc:sldMk cId="1004471054" sldId="278"/>
+            <ac:spMk id="8" creationId="{12B70C7D-8601-EC61-16E9-E2974582F3CC}"/>
+          </ac:spMkLst>
+        </pc:spChg>
+        <pc:spChg chg="mod">
+          <ac:chgData name="JHEYSON FABIAN VILLAVISAN BUITRAGO" userId="e5ced5c2-d787-455d-b115-4f08a699b8c8" providerId="ADAL" clId="{56CA7A21-DA9A-4EF9-85E3-4002D69F4F5C}" dt="2025-01-10T15:18:58.780" v="111" actId="1076"/>
+          <ac:spMkLst>
+            <pc:docMk/>
+            <pc:sldMk cId="1004471054" sldId="278"/>
+            <ac:spMk id="9" creationId="{3C5BA567-DB7D-FFBD-5780-F1A1E997826D}"/>
+          </ac:spMkLst>
+        </pc:spChg>
+        <pc:spChg chg="mod">
+          <ac:chgData name="JHEYSON FABIAN VILLAVISAN BUITRAGO" userId="e5ced5c2-d787-455d-b115-4f08a699b8c8" providerId="ADAL" clId="{56CA7A21-DA9A-4EF9-85E3-4002D69F4F5C}" dt="2025-01-10T15:18:58.780" v="111" actId="1076"/>
+          <ac:spMkLst>
+            <pc:docMk/>
+            <pc:sldMk cId="1004471054" sldId="278"/>
+            <ac:spMk id="16" creationId="{61C30305-C78C-F687-635F-1E0E3726D49F}"/>
+          </ac:spMkLst>
+        </pc:spChg>
+        <pc:picChg chg="add del mod">
+          <ac:chgData name="JHEYSON FABIAN VILLAVISAN BUITRAGO" userId="e5ced5c2-d787-455d-b115-4f08a699b8c8" providerId="ADAL" clId="{56CA7A21-DA9A-4EF9-85E3-4002D69F4F5C}" dt="2025-01-10T15:18:49.322" v="110" actId="478"/>
+          <ac:picMkLst>
+            <pc:docMk/>
+            <pc:sldMk cId="1004471054" sldId="278"/>
+            <ac:picMk id="11" creationId="{506CDE22-CDC9-46F7-6E53-F32B7A651572}"/>
+          </ac:picMkLst>
+        </pc:picChg>
+      </pc:sldChg>
+      <pc:sldChg chg="modNotes modNotesTx">
+        <pc:chgData name="JHEYSON FABIAN VILLAVISAN BUITRAGO" userId="e5ced5c2-d787-455d-b115-4f08a699b8c8" providerId="ADAL" clId="{56CA7A21-DA9A-4EF9-85E3-4002D69F4F5C}" dt="2025-01-11T00:19:28.212" v="136" actId="27636"/>
+        <pc:sldMkLst>
+          <pc:docMk/>
+          <pc:sldMk cId="347121198" sldId="280"/>
+        </pc:sldMkLst>
+      </pc:sldChg>
+      <pc:sldChg chg="modSp mod">
+        <pc:chgData name="JHEYSON FABIAN VILLAVISAN BUITRAGO" userId="e5ced5c2-d787-455d-b115-4f08a699b8c8" providerId="ADAL" clId="{56CA7A21-DA9A-4EF9-85E3-4002D69F4F5C}" dt="2025-01-11T00:25:49.917" v="254" actId="20577"/>
+        <pc:sldMkLst>
+          <pc:docMk/>
+          <pc:sldMk cId="1671357769" sldId="281"/>
+        </pc:sldMkLst>
+        <pc:spChg chg="mod">
+          <ac:chgData name="JHEYSON FABIAN VILLAVISAN BUITRAGO" userId="e5ced5c2-d787-455d-b115-4f08a699b8c8" providerId="ADAL" clId="{56CA7A21-DA9A-4EF9-85E3-4002D69F4F5C}" dt="2025-01-11T00:25:49.917" v="254" actId="20577"/>
+          <ac:spMkLst>
+            <pc:docMk/>
+            <pc:sldMk cId="1671357769" sldId="281"/>
+            <ac:spMk id="10" creationId="{AF4E183E-A171-4923-A99E-D149888CEC37}"/>
+          </ac:spMkLst>
+        </pc:spChg>
+      </pc:sldChg>
+      <pc:sldChg chg="modSp mod ord">
+        <pc:chgData name="JHEYSON FABIAN VILLAVISAN BUITRAGO" userId="e5ced5c2-d787-455d-b115-4f08a699b8c8" providerId="ADAL" clId="{56CA7A21-DA9A-4EF9-85E3-4002D69F4F5C}" dt="2025-01-11T00:22:33.617" v="249" actId="5793"/>
+        <pc:sldMkLst>
+          <pc:docMk/>
+          <pc:sldMk cId="4107059945" sldId="282"/>
+        </pc:sldMkLst>
+        <pc:spChg chg="mod">
+          <ac:chgData name="JHEYSON FABIAN VILLAVISAN BUITRAGO" userId="e5ced5c2-d787-455d-b115-4f08a699b8c8" providerId="ADAL" clId="{56CA7A21-DA9A-4EF9-85E3-4002D69F4F5C}" dt="2025-01-11T00:22:33.617" v="249" actId="5793"/>
+          <ac:spMkLst>
+            <pc:docMk/>
+            <pc:sldMk cId="4107059945" sldId="282"/>
+            <ac:spMk id="6" creationId="{17FB95B3-9925-D6EC-11D5-577795DF0BA6}"/>
+          </ac:spMkLst>
+        </pc:spChg>
+      </pc:sldChg>
+      <pc:sldChg chg="delSp modSp del mod ord">
+        <pc:chgData name="JHEYSON FABIAN VILLAVISAN BUITRAGO" userId="e5ced5c2-d787-455d-b115-4f08a699b8c8" providerId="ADAL" clId="{56CA7A21-DA9A-4EF9-85E3-4002D69F4F5C}" dt="2025-01-11T00:22:47.758" v="250" actId="47"/>
+        <pc:sldMkLst>
+          <pc:docMk/>
+          <pc:sldMk cId="382074344" sldId="283"/>
+        </pc:sldMkLst>
+        <pc:spChg chg="del mod">
+          <ac:chgData name="JHEYSON FABIAN VILLAVISAN BUITRAGO" userId="e5ced5c2-d787-455d-b115-4f08a699b8c8" providerId="ADAL" clId="{56CA7A21-DA9A-4EF9-85E3-4002D69F4F5C}" dt="2025-01-11T00:22:30.469" v="246"/>
+          <ac:spMkLst>
+            <pc:docMk/>
+            <pc:sldMk cId="382074344" sldId="283"/>
+            <ac:spMk id="4" creationId="{1D19A4C0-0ED0-D747-2A46-766766BA30BE}"/>
           </ac:spMkLst>
         </pc:spChg>
       </pc:sldChg>
@@ -285,6 +423,210 @@
             <pc:docMk/>
             <pc:sldMk cId="2461604568" sldId="284"/>
             <ac:picMk id="6" creationId="{DE73DE2C-D9C6-BC18-8F69-05B4AF578D70}"/>
+          </ac:picMkLst>
+        </pc:picChg>
+      </pc:sldChg>
+      <pc:sldChg chg="modSp mod modNotes modNotesTx">
+        <pc:chgData name="JHEYSON FABIAN VILLAVISAN BUITRAGO" userId="e5ced5c2-d787-455d-b115-4f08a699b8c8" providerId="ADAL" clId="{56CA7A21-DA9A-4EF9-85E3-4002D69F4F5C}" dt="2025-01-11T00:21:52.477" v="219" actId="20577"/>
+        <pc:sldMkLst>
+          <pc:docMk/>
+          <pc:sldMk cId="4032729821" sldId="287"/>
+        </pc:sldMkLst>
+        <pc:spChg chg="mod">
+          <ac:chgData name="JHEYSON FABIAN VILLAVISAN BUITRAGO" userId="e5ced5c2-d787-455d-b115-4f08a699b8c8" providerId="ADAL" clId="{56CA7A21-DA9A-4EF9-85E3-4002D69F4F5C}" dt="2025-01-09T15:46:11.606" v="7" actId="20577"/>
+          <ac:spMkLst>
+            <pc:docMk/>
+            <pc:sldMk cId="4032729821" sldId="287"/>
+            <ac:spMk id="2" creationId="{8B0794F0-6500-1A1C-3C13-CAFA1EE7248A}"/>
+          </ac:spMkLst>
+        </pc:spChg>
+        <pc:spChg chg="mod">
+          <ac:chgData name="JHEYSON FABIAN VILLAVISAN BUITRAGO" userId="e5ced5c2-d787-455d-b115-4f08a699b8c8" providerId="ADAL" clId="{56CA7A21-DA9A-4EF9-85E3-4002D69F4F5C}" dt="2025-01-11T00:21:52.477" v="219" actId="20577"/>
+          <ac:spMkLst>
+            <pc:docMk/>
+            <pc:sldMk cId="4032729821" sldId="287"/>
+            <ac:spMk id="16" creationId="{61C30305-C78C-F687-635F-1E0E3726D49F}"/>
+          </ac:spMkLst>
+        </pc:spChg>
+      </pc:sldChg>
+      <pc:sldChg chg="modSp mod modNotes modNotesTx">
+        <pc:chgData name="JHEYSON FABIAN VILLAVISAN BUITRAGO" userId="e5ced5c2-d787-455d-b115-4f08a699b8c8" providerId="ADAL" clId="{56CA7A21-DA9A-4EF9-85E3-4002D69F4F5C}" dt="2025-01-11T00:21:56.232" v="231" actId="20577"/>
+        <pc:sldMkLst>
+          <pc:docMk/>
+          <pc:sldMk cId="3570952622" sldId="288"/>
+        </pc:sldMkLst>
+        <pc:spChg chg="mod">
+          <ac:chgData name="JHEYSON FABIAN VILLAVISAN BUITRAGO" userId="e5ced5c2-d787-455d-b115-4f08a699b8c8" providerId="ADAL" clId="{56CA7A21-DA9A-4EF9-85E3-4002D69F4F5C}" dt="2025-01-10T15:17:34.439" v="101" actId="1076"/>
+          <ac:spMkLst>
+            <pc:docMk/>
+            <pc:sldMk cId="3570952622" sldId="288"/>
+            <ac:spMk id="7" creationId="{B9C24C51-E58F-FCCB-978A-B868D5F7727F}"/>
+          </ac:spMkLst>
+        </pc:spChg>
+        <pc:spChg chg="mod">
+          <ac:chgData name="JHEYSON FABIAN VILLAVISAN BUITRAGO" userId="e5ced5c2-d787-455d-b115-4f08a699b8c8" providerId="ADAL" clId="{56CA7A21-DA9A-4EF9-85E3-4002D69F4F5C}" dt="2025-01-11T00:21:56.232" v="231" actId="20577"/>
+          <ac:spMkLst>
+            <pc:docMk/>
+            <pc:sldMk cId="3570952622" sldId="288"/>
+            <ac:spMk id="16" creationId="{61C30305-C78C-F687-635F-1E0E3726D49F}"/>
+          </ac:spMkLst>
+        </pc:spChg>
+      </pc:sldChg>
+      <pc:sldChg chg="modSp mod">
+        <pc:chgData name="JHEYSON FABIAN VILLAVISAN BUITRAGO" userId="e5ced5c2-d787-455d-b115-4f08a699b8c8" providerId="ADAL" clId="{56CA7A21-DA9A-4EF9-85E3-4002D69F4F5C}" dt="2025-01-11T00:25:26.630" v="252" actId="1076"/>
+        <pc:sldMkLst>
+          <pc:docMk/>
+          <pc:sldMk cId="913173106" sldId="289"/>
+        </pc:sldMkLst>
+        <pc:spChg chg="mod">
+          <ac:chgData name="JHEYSON FABIAN VILLAVISAN BUITRAGO" userId="e5ced5c2-d787-455d-b115-4f08a699b8c8" providerId="ADAL" clId="{56CA7A21-DA9A-4EF9-85E3-4002D69F4F5C}" dt="2025-01-09T15:46:58.316" v="8" actId="1076"/>
+          <ac:spMkLst>
+            <pc:docMk/>
+            <pc:sldMk cId="913173106" sldId="289"/>
+            <ac:spMk id="12" creationId="{098DDFB6-73CD-62B0-BA05-919118667F90}"/>
+          </ac:spMkLst>
+        </pc:spChg>
+        <pc:spChg chg="mod">
+          <ac:chgData name="JHEYSON FABIAN VILLAVISAN BUITRAGO" userId="e5ced5c2-d787-455d-b115-4f08a699b8c8" providerId="ADAL" clId="{56CA7A21-DA9A-4EF9-85E3-4002D69F4F5C}" dt="2025-01-09T15:47:00.557" v="9" actId="1076"/>
+          <ac:spMkLst>
+            <pc:docMk/>
+            <pc:sldMk cId="913173106" sldId="289"/>
+            <ac:spMk id="17" creationId="{5D2E6BA1-E777-783E-2263-DFBC44E5F894}"/>
+          </ac:spMkLst>
+        </pc:spChg>
+        <pc:picChg chg="mod">
+          <ac:chgData name="JHEYSON FABIAN VILLAVISAN BUITRAGO" userId="e5ced5c2-d787-455d-b115-4f08a699b8c8" providerId="ADAL" clId="{56CA7A21-DA9A-4EF9-85E3-4002D69F4F5C}" dt="2025-01-11T00:25:26.630" v="252" actId="1076"/>
+          <ac:picMkLst>
+            <pc:docMk/>
+            <pc:sldMk cId="913173106" sldId="289"/>
+            <ac:picMk id="2" creationId="{36771CDF-18B3-BC57-1F78-5E2AC7A235D9}"/>
+          </ac:picMkLst>
+        </pc:picChg>
+      </pc:sldChg>
+      <pc:sldChg chg="addSp delSp modSp add mod ord modNotes modNotesTx">
+        <pc:chgData name="JHEYSON FABIAN VILLAVISAN BUITRAGO" userId="e5ced5c2-d787-455d-b115-4f08a699b8c8" providerId="ADAL" clId="{56CA7A21-DA9A-4EF9-85E3-4002D69F4F5C}" dt="2025-01-11T00:21:59.944" v="241" actId="20577"/>
+        <pc:sldMkLst>
+          <pc:docMk/>
+          <pc:sldMk cId="2893005592" sldId="294"/>
+        </pc:sldMkLst>
+        <pc:spChg chg="add del mod">
+          <ac:chgData name="JHEYSON FABIAN VILLAVISAN BUITRAGO" userId="e5ced5c2-d787-455d-b115-4f08a699b8c8" providerId="ADAL" clId="{56CA7A21-DA9A-4EF9-85E3-4002D69F4F5C}" dt="2025-01-10T15:47:57.282" v="114" actId="1076"/>
+          <ac:spMkLst>
+            <pc:docMk/>
+            <pc:sldMk cId="2893005592" sldId="294"/>
+            <ac:spMk id="2" creationId="{B0B03F2D-55F3-B25B-6DFA-7779F985A81B}"/>
+          </ac:spMkLst>
+        </pc:spChg>
+        <pc:spChg chg="del mod">
+          <ac:chgData name="JHEYSON FABIAN VILLAVISAN BUITRAGO" userId="e5ced5c2-d787-455d-b115-4f08a699b8c8" providerId="ADAL" clId="{56CA7A21-DA9A-4EF9-85E3-4002D69F4F5C}" dt="2025-01-10T15:12:01.957" v="88" actId="478"/>
+          <ac:spMkLst>
+            <pc:docMk/>
+            <pc:sldMk cId="2893005592" sldId="294"/>
+            <ac:spMk id="3" creationId="{5D8F4F01-DF82-755A-52C3-4025B629EFD0}"/>
+          </ac:spMkLst>
+        </pc:spChg>
+        <pc:spChg chg="mod">
+          <ac:chgData name="JHEYSON FABIAN VILLAVISAN BUITRAGO" userId="e5ced5c2-d787-455d-b115-4f08a699b8c8" providerId="ADAL" clId="{56CA7A21-DA9A-4EF9-85E3-4002D69F4F5C}" dt="2025-01-11T00:21:59.944" v="241" actId="20577"/>
+          <ac:spMkLst>
+            <pc:docMk/>
+            <pc:sldMk cId="2893005592" sldId="294"/>
+            <ac:spMk id="4" creationId="{236D12C1-1036-68C3-370D-9080C4F8157D}"/>
+          </ac:spMkLst>
+        </pc:spChg>
+        <pc:spChg chg="del mod">
+          <ac:chgData name="JHEYSON FABIAN VILLAVISAN BUITRAGO" userId="e5ced5c2-d787-455d-b115-4f08a699b8c8" providerId="ADAL" clId="{56CA7A21-DA9A-4EF9-85E3-4002D69F4F5C}" dt="2025-01-10T15:12:06.108" v="91" actId="478"/>
+          <ac:spMkLst>
+            <pc:docMk/>
+            <pc:sldMk cId="2893005592" sldId="294"/>
+            <ac:spMk id="6" creationId="{77415BF0-2161-5E4F-4120-569C8972BAEE}"/>
+          </ac:spMkLst>
+        </pc:spChg>
+        <pc:spChg chg="add mod">
+          <ac:chgData name="JHEYSON FABIAN VILLAVISAN BUITRAGO" userId="e5ced5c2-d787-455d-b115-4f08a699b8c8" providerId="ADAL" clId="{56CA7A21-DA9A-4EF9-85E3-4002D69F4F5C}" dt="2025-01-11T00:20:29.200" v="179" actId="1076"/>
+          <ac:spMkLst>
+            <pc:docMk/>
+            <pc:sldMk cId="2893005592" sldId="294"/>
+            <ac:spMk id="6" creationId="{D628E028-1848-D955-4B4B-C600999539E0}"/>
+          </ac:spMkLst>
+        </pc:spChg>
+        <pc:spChg chg="del">
+          <ac:chgData name="JHEYSON FABIAN VILLAVISAN BUITRAGO" userId="e5ced5c2-d787-455d-b115-4f08a699b8c8" providerId="ADAL" clId="{56CA7A21-DA9A-4EF9-85E3-4002D69F4F5C}" dt="2025-01-10T15:12:04.901" v="89" actId="478"/>
+          <ac:spMkLst>
+            <pc:docMk/>
+            <pc:sldMk cId="2893005592" sldId="294"/>
+            <ac:spMk id="7" creationId="{6145BB16-80FE-8067-F0E2-0CE0D383120F}"/>
+          </ac:spMkLst>
+        </pc:spChg>
+        <pc:spChg chg="add mod">
+          <ac:chgData name="JHEYSON FABIAN VILLAVISAN BUITRAGO" userId="e5ced5c2-d787-455d-b115-4f08a699b8c8" providerId="ADAL" clId="{56CA7A21-DA9A-4EF9-85E3-4002D69F4F5C}" dt="2025-01-11T00:20:35.175" v="182" actId="1076"/>
+          <ac:spMkLst>
+            <pc:docMk/>
+            <pc:sldMk cId="2893005592" sldId="294"/>
+            <ac:spMk id="8" creationId="{755B4A05-9038-7DF9-CFC0-B65B7CFE93BD}"/>
+          </ac:spMkLst>
+        </pc:spChg>
+        <pc:spChg chg="add mod">
+          <ac:chgData name="JHEYSON FABIAN VILLAVISAN BUITRAGO" userId="e5ced5c2-d787-455d-b115-4f08a699b8c8" providerId="ADAL" clId="{56CA7A21-DA9A-4EF9-85E3-4002D69F4F5C}" dt="2025-01-11T00:20:30.888" v="180" actId="21"/>
+          <ac:spMkLst>
+            <pc:docMk/>
+            <pc:sldMk cId="2893005592" sldId="294"/>
+            <ac:spMk id="9" creationId="{DAEA6B7C-6647-D4BA-7611-BE3FD5E2B8A4}"/>
+          </ac:spMkLst>
+        </pc:spChg>
+        <pc:spChg chg="mod">
+          <ac:chgData name="JHEYSON FABIAN VILLAVISAN BUITRAGO" userId="e5ced5c2-d787-455d-b115-4f08a699b8c8" providerId="ADAL" clId="{56CA7A21-DA9A-4EF9-85E3-4002D69F4F5C}" dt="2025-01-11T00:18:20.563" v="129" actId="20577"/>
+          <ac:spMkLst>
+            <pc:docMk/>
+            <pc:sldMk cId="2893005592" sldId="294"/>
+            <ac:spMk id="10" creationId="{536C90CA-E86D-544E-0FEA-0F2BD3D52F57}"/>
+          </ac:spMkLst>
+        </pc:spChg>
+        <pc:spChg chg="del mod">
+          <ac:chgData name="JHEYSON FABIAN VILLAVISAN BUITRAGO" userId="e5ced5c2-d787-455d-b115-4f08a699b8c8" providerId="ADAL" clId="{56CA7A21-DA9A-4EF9-85E3-4002D69F4F5C}" dt="2025-01-10T15:11:51.547" v="85" actId="478"/>
+          <ac:spMkLst>
+            <pc:docMk/>
+            <pc:sldMk cId="2893005592" sldId="294"/>
+            <ac:spMk id="12" creationId="{44A7519C-30BB-0613-A904-B7B754DE2E0B}"/>
+          </ac:spMkLst>
+        </pc:spChg>
+        <pc:spChg chg="del">
+          <ac:chgData name="JHEYSON FABIAN VILLAVISAN BUITRAGO" userId="e5ced5c2-d787-455d-b115-4f08a699b8c8" providerId="ADAL" clId="{56CA7A21-DA9A-4EF9-85E3-4002D69F4F5C}" dt="2025-01-10T15:11:52.730" v="86" actId="478"/>
+          <ac:spMkLst>
+            <pc:docMk/>
+            <pc:sldMk cId="2893005592" sldId="294"/>
+            <ac:spMk id="17" creationId="{2EEBDBC2-D984-55BF-3A77-8E7570839EB7}"/>
+          </ac:spMkLst>
+        </pc:spChg>
+        <pc:picChg chg="add mod">
+          <ac:chgData name="JHEYSON FABIAN VILLAVISAN BUITRAGO" userId="e5ced5c2-d787-455d-b115-4f08a699b8c8" providerId="ADAL" clId="{56CA7A21-DA9A-4EF9-85E3-4002D69F4F5C}" dt="2025-01-11T00:20:50.432" v="188" actId="1076"/>
+          <ac:picMkLst>
+            <pc:docMk/>
+            <pc:sldMk cId="2893005592" sldId="294"/>
+            <ac:picMk id="1026" creationId="{94912372-232D-A8C3-4453-A3AA04E62259}"/>
+          </ac:picMkLst>
+        </pc:picChg>
+        <pc:picChg chg="add mod">
+          <ac:chgData name="JHEYSON FABIAN VILLAVISAN BUITRAGO" userId="e5ced5c2-d787-455d-b115-4f08a699b8c8" providerId="ADAL" clId="{56CA7A21-DA9A-4EF9-85E3-4002D69F4F5C}" dt="2025-01-11T00:20:57.164" v="192" actId="1076"/>
+          <ac:picMkLst>
+            <pc:docMk/>
+            <pc:sldMk cId="2893005592" sldId="294"/>
+            <ac:picMk id="1028" creationId="{12EF86B8-C9C2-A955-DC10-E9D1CD31C292}"/>
+          </ac:picMkLst>
+        </pc:picChg>
+        <pc:picChg chg="add mod">
+          <ac:chgData name="JHEYSON FABIAN VILLAVISAN BUITRAGO" userId="e5ced5c2-d787-455d-b115-4f08a699b8c8" providerId="ADAL" clId="{56CA7A21-DA9A-4EF9-85E3-4002D69F4F5C}" dt="2025-01-11T00:21:09.800" v="196" actId="14100"/>
+          <ac:picMkLst>
+            <pc:docMk/>
+            <pc:sldMk cId="2893005592" sldId="294"/>
+            <ac:picMk id="1030" creationId="{E7BD4E41-443F-6E92-EF92-ED294D2BD7A3}"/>
+          </ac:picMkLst>
+        </pc:picChg>
+        <pc:picChg chg="add mod">
+          <ac:chgData name="JHEYSON FABIAN VILLAVISAN BUITRAGO" userId="e5ced5c2-d787-455d-b115-4f08a699b8c8" providerId="ADAL" clId="{56CA7A21-DA9A-4EF9-85E3-4002D69F4F5C}" dt="2025-01-11T00:21:19.612" v="199" actId="14100"/>
+          <ac:picMkLst>
+            <pc:docMk/>
+            <pc:sldMk cId="2893005592" sldId="294"/>
+            <ac:picMk id="1032" creationId="{66BCEB49-FEE2-67B0-BB88-2F59B115F3AC}"/>
           </ac:picMkLst>
         </pc:picChg>
       </pc:sldChg>
@@ -1173,7 +1515,7 @@
               <a:pPr>
                 <a:defRPr/>
               </a:pPr>
-              <a:t>4/01/2025</a:t>
+              <a:t>10/01/2025</a:t>
             </a:fld>
             <a:endParaRPr lang="es-CO"/>
           </a:p>
@@ -1416,7 +1758,7 @@
               <a:pPr>
                 <a:defRPr/>
               </a:pPr>
-              <a:t>4/01/2025</a:t>
+              <a:t>10/01/2025</a:t>
             </a:fld>
             <a:endParaRPr lang="es-CO"/>
           </a:p>
@@ -2399,6 +2741,375 @@
               <a:pPr>
                 <a:defRPr/>
               </a:pPr>
+              <a:t>20</a:t>
+            </a:fld>
+            <a:endParaRPr lang="es-CO" altLang="es-CO"/>
+          </a:p>
+        </p:txBody>
+      </p:sp>
+    </p:spTree>
+    <p:extLst>
+      <p:ext uri="{BB962C8B-B14F-4D97-AF65-F5344CB8AC3E}">
+        <p14:creationId xmlns:p14="http://schemas.microsoft.com/office/powerpoint/2010/main" val="257676237"/>
+      </p:ext>
+    </p:extLst>
+  </p:cSld>
+  <p:clrMapOvr>
+    <a:masterClrMapping/>
+  </p:clrMapOvr>
+</p:notes>
+</file>
+
+<file path=ppt/notesSlides/notesSlide11.xml><?xml version="1.0" encoding="utf-8"?>
+<p:notes xmlns:a="http://schemas.openxmlformats.org/drawingml/2006/main" xmlns:r="http://schemas.openxmlformats.org/officeDocument/2006/relationships" xmlns:p="http://schemas.openxmlformats.org/presentationml/2006/main">
+  <p:cSld>
+    <p:spTree>
+      <p:nvGrpSpPr>
+        <p:cNvPr id="1" name=""/>
+        <p:cNvGrpSpPr/>
+        <p:nvPr/>
+      </p:nvGrpSpPr>
+      <p:grpSpPr>
+        <a:xfrm>
+          <a:off x="0" y="0"/>
+          <a:ext cx="0" cy="0"/>
+          <a:chOff x="0" y="0"/>
+          <a:chExt cx="0" cy="0"/>
+        </a:xfrm>
+      </p:grpSpPr>
+      <p:sp>
+        <p:nvSpPr>
+          <p:cNvPr id="2" name="Marcador de imagen de diapositiva 1"/>
+          <p:cNvSpPr>
+            <a:spLocks noGrp="1" noRot="1" noChangeAspect="1"/>
+          </p:cNvSpPr>
+          <p:nvPr>
+            <p:ph type="sldImg"/>
+          </p:nvPr>
+        </p:nvSpPr>
+        <p:spPr/>
+      </p:sp>
+      <p:sp>
+        <p:nvSpPr>
+          <p:cNvPr id="3" name="Marcador de notas 2"/>
+          <p:cNvSpPr>
+            <a:spLocks noGrp="1"/>
+          </p:cNvSpPr>
+          <p:nvPr>
+            <p:ph type="body" idx="1"/>
+          </p:nvPr>
+        </p:nvSpPr>
+        <p:spPr/>
+        <p:txBody>
+          <a:bodyPr>
+            <a:normAutofit fontScale="62500" lnSpcReduction="20000"/>
+          </a:bodyPr>
+          <a:lstStyle/>
+          <a:p>
+            <a:r>
+              <a:rPr lang="es-CO" sz="1800" b="0" i="0" dirty="0">
+                <a:solidFill>
+                  <a:srgbClr val="008013"/>
+                </a:solidFill>
+                <a:effectLst/>
+                <a:latin typeface="Menlo"/>
+              </a:rPr>
+              <a:t>% 0 --&gt; parte real 1--&gt;Z</a:t>
+            </a:r>
+            <a:endParaRPr lang="es-CO" sz="1800" b="0" i="0" dirty="0">
+              <a:effectLst/>
+              <a:latin typeface="Menlo"/>
+            </a:endParaRPr>
+          </a:p>
+          <a:p>
+            <a:r>
+              <a:rPr lang="es-CO" sz="1800" b="0" i="0" dirty="0">
+                <a:effectLst/>
+                <a:latin typeface="Menlo"/>
+              </a:rPr>
+              <a:t>b1 = [0 1];</a:t>
+            </a:r>
+          </a:p>
+          <a:p>
+            <a:r>
+              <a:rPr lang="es-CO" sz="1800" b="0" i="0" dirty="0">
+                <a:solidFill>
+                  <a:srgbClr val="008013"/>
+                </a:solidFill>
+                <a:effectLst/>
+                <a:latin typeface="Menlo"/>
+              </a:rPr>
+              <a:t>% 1 --&gt; parte real coeficiente -1--&gt;Z </a:t>
+            </a:r>
+            <a:endParaRPr lang="es-CO" sz="1800" b="0" i="0" dirty="0">
+              <a:effectLst/>
+              <a:latin typeface="Menlo"/>
+            </a:endParaRPr>
+          </a:p>
+          <a:p>
+            <a:r>
+              <a:rPr lang="es-CO" sz="1800" b="0" i="0" dirty="0">
+                <a:effectLst/>
+                <a:latin typeface="Menlo"/>
+              </a:rPr>
+              <a:t>a1 = [1 -1];</a:t>
+            </a:r>
+          </a:p>
+          <a:p>
+            <a:r>
+              <a:rPr lang="es-CO" sz="1800" b="0" i="0" dirty="0">
+                <a:solidFill>
+                  <a:srgbClr val="008013"/>
+                </a:solidFill>
+                <a:effectLst/>
+                <a:latin typeface="Menlo"/>
+              </a:rPr>
+              <a:t>% 1 --&gt; parte real coeficiente 0.5--&gt;Z coeficiente 0.2--&gt;Z^2</a:t>
+            </a:r>
+            <a:endParaRPr lang="es-CO" sz="1800" b="0" i="0" dirty="0">
+              <a:effectLst/>
+              <a:latin typeface="Menlo"/>
+            </a:endParaRPr>
+          </a:p>
+          <a:p>
+            <a:r>
+              <a:rPr lang="es-CO" sz="1800" b="0" i="0" dirty="0">
+                <a:effectLst/>
+                <a:latin typeface="Menlo"/>
+              </a:rPr>
+              <a:t>a2 = [1 0.5 0.2];</a:t>
+            </a:r>
+          </a:p>
+          <a:p>
+            <a:r>
+              <a:rPr lang="es-CO" sz="1800" b="0" i="0" dirty="0">
+                <a:effectLst/>
+                <a:latin typeface="Menlo"/>
+              </a:rPr>
+              <a:t>b = b1;</a:t>
+            </a:r>
+          </a:p>
+          <a:p>
+            <a:r>
+              <a:rPr lang="es-CO" sz="1800" b="0" i="0" dirty="0">
+                <a:effectLst/>
+                <a:latin typeface="Menlo"/>
+              </a:rPr>
+              <a:t>a = </a:t>
+            </a:r>
+            <a:r>
+              <a:rPr lang="es-CO" sz="1800" b="0" i="0" dirty="0" err="1">
+                <a:effectLst/>
+                <a:latin typeface="Menlo"/>
+              </a:rPr>
+              <a:t>conv</a:t>
+            </a:r>
+            <a:r>
+              <a:rPr lang="es-CO" sz="1800" b="0" i="0" dirty="0">
+                <a:effectLst/>
+                <a:latin typeface="Menlo"/>
+              </a:rPr>
+              <a:t>(a1,a2);</a:t>
+            </a:r>
+          </a:p>
+          <a:p>
+            <a:r>
+              <a:rPr lang="es-CO" sz="1800" b="0" i="0" dirty="0">
+                <a:effectLst/>
+                <a:latin typeface="Menlo"/>
+              </a:rPr>
+              <a:t>[</a:t>
+            </a:r>
+            <a:r>
+              <a:rPr lang="es-CO" sz="1800" b="0" i="0" dirty="0" err="1">
+                <a:effectLst/>
+                <a:latin typeface="Menlo"/>
+              </a:rPr>
+              <a:t>r,p,k</a:t>
+            </a:r>
+            <a:r>
+              <a:rPr lang="es-CO" sz="1800" b="0" i="0" dirty="0">
+                <a:effectLst/>
+                <a:latin typeface="Menlo"/>
+              </a:rPr>
+              <a:t>] = </a:t>
+            </a:r>
+            <a:r>
+              <a:rPr lang="es-CO" sz="1800" b="0" i="0" dirty="0" err="1">
+                <a:effectLst/>
+                <a:latin typeface="Menlo"/>
+              </a:rPr>
+              <a:t>residuez</a:t>
+            </a:r>
+            <a:r>
+              <a:rPr lang="es-CO" sz="1800" b="0" i="0" dirty="0">
+                <a:effectLst/>
+                <a:latin typeface="Menlo"/>
+              </a:rPr>
+              <a:t>(</a:t>
+            </a:r>
+            <a:r>
+              <a:rPr lang="es-CO" sz="1800" b="0" i="0" dirty="0" err="1">
+                <a:effectLst/>
+                <a:latin typeface="Menlo"/>
+              </a:rPr>
+              <a:t>b,a</a:t>
+            </a:r>
+            <a:r>
+              <a:rPr lang="es-CO" sz="1800" b="0" i="0" dirty="0">
+                <a:effectLst/>
+                <a:latin typeface="Menlo"/>
+              </a:rPr>
+              <a:t>)</a:t>
+            </a:r>
+          </a:p>
+          <a:p>
+            <a:br>
+              <a:rPr lang="es-CO" sz="1800" b="0" i="0" dirty="0">
+                <a:effectLst/>
+                <a:latin typeface="Menlo"/>
+              </a:rPr>
+            </a:br>
+            <a:endParaRPr lang="es-CO" sz="1800" b="0" i="0" dirty="0">
+              <a:effectLst/>
+              <a:latin typeface="Menlo"/>
+            </a:endParaRPr>
+          </a:p>
+          <a:p>
+            <a:br>
+              <a:rPr lang="es-CO" sz="1800" b="0" i="0" dirty="0">
+                <a:effectLst/>
+                <a:latin typeface="Menlo"/>
+              </a:rPr>
+            </a:br>
+            <a:endParaRPr lang="es-CO" sz="1800" b="0" i="0" dirty="0">
+              <a:effectLst/>
+              <a:latin typeface="Menlo"/>
+            </a:endParaRPr>
+          </a:p>
+          <a:p>
+            <a:r>
+              <a:rPr lang="es-CO" sz="1800" b="0" i="0" dirty="0">
+                <a:solidFill>
+                  <a:srgbClr val="008013"/>
+                </a:solidFill>
+                <a:effectLst/>
+                <a:latin typeface="Menlo"/>
+              </a:rPr>
+              <a:t>%%</a:t>
+            </a:r>
+            <a:endParaRPr lang="es-CO" sz="1800" b="0" i="0" dirty="0">
+              <a:effectLst/>
+              <a:latin typeface="Menlo"/>
+            </a:endParaRPr>
+          </a:p>
+          <a:p>
+            <a:r>
+              <a:rPr lang="es-CO" sz="1800" b="0" i="0" dirty="0" err="1">
+                <a:effectLst/>
+                <a:latin typeface="Menlo"/>
+              </a:rPr>
+              <a:t>syms</a:t>
+            </a:r>
+            <a:r>
+              <a:rPr lang="es-CO" sz="1800" b="0" i="0" dirty="0">
+                <a:effectLst/>
+                <a:latin typeface="Menlo"/>
+              </a:rPr>
+              <a:t> </a:t>
+            </a:r>
+            <a:r>
+              <a:rPr lang="es-CO" sz="1800" b="0" i="0" dirty="0">
+                <a:solidFill>
+                  <a:srgbClr val="A709F5"/>
+                </a:solidFill>
+                <a:effectLst/>
+                <a:latin typeface="Menlo"/>
+              </a:rPr>
+              <a:t>z</a:t>
+            </a:r>
+            <a:endParaRPr lang="es-CO" sz="1800" b="0" i="0" dirty="0">
+              <a:effectLst/>
+              <a:latin typeface="Menlo"/>
+            </a:endParaRPr>
+          </a:p>
+          <a:p>
+            <a:r>
+              <a:rPr lang="es-CO" sz="1800" b="0" i="0" dirty="0">
+                <a:effectLst/>
+                <a:latin typeface="Menlo"/>
+              </a:rPr>
+              <a:t>F = (0.5882/(1-(1.0000 + 0.0000i)*z^(-1)));</a:t>
+            </a:r>
+          </a:p>
+          <a:p>
+            <a:r>
+              <a:rPr lang="es-CO" sz="1800" b="0" i="0" dirty="0" err="1">
+                <a:effectLst/>
+                <a:latin typeface="Menlo"/>
+              </a:rPr>
+              <a:t>iztrans</a:t>
+            </a:r>
+            <a:r>
+              <a:rPr lang="es-CO" sz="1800" b="0" i="0" dirty="0">
+                <a:effectLst/>
+                <a:latin typeface="Menlo"/>
+              </a:rPr>
+              <a:t>(F)</a:t>
+            </a:r>
+          </a:p>
+          <a:p>
+            <a:br>
+              <a:rPr lang="pl-PL" sz="1800" b="0" i="0" dirty="0">
+                <a:effectLst/>
+                <a:latin typeface="Menlo"/>
+              </a:rPr>
+            </a:br>
+            <a:endParaRPr lang="pl-PL" sz="1800" b="0" i="0" dirty="0">
+              <a:effectLst/>
+              <a:latin typeface="Menlo"/>
+            </a:endParaRPr>
+          </a:p>
+          <a:p>
+            <a:br>
+              <a:rPr lang="pl-PL" sz="1800" b="0" i="0" dirty="0">
+                <a:effectLst/>
+                <a:latin typeface="Menlo"/>
+              </a:rPr>
+            </a:br>
+            <a:endParaRPr lang="pl-PL" sz="1800" b="0" i="0" dirty="0">
+              <a:effectLst/>
+              <a:latin typeface="Menlo"/>
+            </a:endParaRPr>
+          </a:p>
+          <a:p>
+            <a:endParaRPr lang="en-US" dirty="0"/>
+          </a:p>
+        </p:txBody>
+      </p:sp>
+      <p:sp>
+        <p:nvSpPr>
+          <p:cNvPr id="4" name="Marcador de número de diapositiva 3"/>
+          <p:cNvSpPr>
+            <a:spLocks noGrp="1"/>
+          </p:cNvSpPr>
+          <p:nvPr>
+            <p:ph type="sldNum" sz="quarter" idx="5"/>
+          </p:nvPr>
+        </p:nvSpPr>
+        <p:spPr/>
+        <p:txBody>
+          <a:bodyPr/>
+          <a:lstStyle/>
+          <a:p>
+            <a:pPr>
+              <a:defRPr/>
+            </a:pPr>
+            <a:fld id="{2D1E0FDF-8C6F-43B4-8722-700C06D0C414}" type="slidenum">
+              <a:rPr lang="es-CO" altLang="es-CO" smtClean="0"/>
+              <a:pPr>
+                <a:defRPr/>
+              </a:pPr>
               <a:t>21</a:t>
             </a:fld>
             <a:endParaRPr lang="es-CO" altLang="es-CO"/>
@@ -2418,7 +3129,7 @@
 </p:notes>
 </file>
 
-<file path=ppt/notesSlides/notesSlide11.xml><?xml version="1.0" encoding="utf-8"?>
+<file path=ppt/notesSlides/notesSlide12.xml><?xml version="1.0" encoding="utf-8"?>
 <p:notes xmlns:a="http://schemas.openxmlformats.org/drawingml/2006/main" xmlns:r="http://schemas.openxmlformats.org/officeDocument/2006/relationships" xmlns:p="http://schemas.openxmlformats.org/presentationml/2006/main">
   <p:cSld>
     <p:spTree>
@@ -3487,579 +4198,9 @@
         <p:spPr/>
         <p:txBody>
           <a:bodyPr>
-            <a:normAutofit fontScale="47500" lnSpcReduction="20000"/>
+            <a:normAutofit/>
           </a:bodyPr>
           <a:lstStyle/>
-          <a:p>
-            <a:r>
-              <a:rPr lang="es-ES" sz="1800" b="0" i="0" dirty="0">
-                <a:solidFill>
-                  <a:srgbClr val="008013"/>
-                </a:solidFill>
-                <a:effectLst/>
-                <a:latin typeface="Menlo"/>
-              </a:rPr>
-              <a:t>% Definir la ecuación en diferencias</a:t>
-            </a:r>
-            <a:endParaRPr lang="es-ES" sz="1800" b="0" i="0" dirty="0">
-              <a:effectLst/>
-              <a:latin typeface="Menlo"/>
-            </a:endParaRPr>
-          </a:p>
-          <a:p>
-            <a:r>
-              <a:rPr lang="es-ES" sz="1800" b="0" i="0" dirty="0" err="1">
-                <a:effectLst/>
-                <a:latin typeface="Menlo"/>
-              </a:rPr>
-              <a:t>numerator</a:t>
-            </a:r>
-            <a:r>
-              <a:rPr lang="es-ES" sz="1800" b="0" i="0" dirty="0">
-                <a:effectLst/>
-                <a:latin typeface="Menlo"/>
-              </a:rPr>
-              <a:t> = [0, 0, 5]; </a:t>
-            </a:r>
-            <a:r>
-              <a:rPr lang="es-ES" sz="1800" b="0" i="0" dirty="0">
-                <a:solidFill>
-                  <a:srgbClr val="008013"/>
-                </a:solidFill>
-                <a:effectLst/>
-                <a:latin typeface="Menlo"/>
-              </a:rPr>
-              <a:t>% Coeficientes del numerador (5u(t))</a:t>
-            </a:r>
-            <a:endParaRPr lang="es-ES" sz="1800" b="0" i="0" dirty="0">
-              <a:effectLst/>
-              <a:latin typeface="Menlo"/>
-            </a:endParaRPr>
-          </a:p>
-          <a:p>
-            <a:r>
-              <a:rPr lang="es-ES" sz="1800" b="0" i="0" dirty="0" err="1">
-                <a:effectLst/>
-                <a:latin typeface="Menlo"/>
-              </a:rPr>
-              <a:t>denominator</a:t>
-            </a:r>
-            <a:r>
-              <a:rPr lang="es-ES" sz="1800" b="0" i="0" dirty="0">
-                <a:effectLst/>
-                <a:latin typeface="Menlo"/>
-              </a:rPr>
-              <a:t> = [1, 3, 2]; </a:t>
-            </a:r>
-            <a:r>
-              <a:rPr lang="es-ES" sz="1800" b="0" i="0" dirty="0">
-                <a:solidFill>
-                  <a:srgbClr val="008013"/>
-                </a:solidFill>
-                <a:effectLst/>
-                <a:latin typeface="Menlo"/>
-              </a:rPr>
-              <a:t>% Coeficientes del denominador (s^2 + 3s + 2)</a:t>
-            </a:r>
-            <a:endParaRPr lang="es-ES" sz="1800" b="0" i="0" dirty="0">
-              <a:effectLst/>
-              <a:latin typeface="Menlo"/>
-            </a:endParaRPr>
-          </a:p>
-          <a:p>
-            <a:br>
-              <a:rPr lang="es-ES" sz="1800" b="0" i="0" dirty="0">
-                <a:effectLst/>
-                <a:latin typeface="Menlo"/>
-              </a:rPr>
-            </a:br>
-            <a:endParaRPr lang="es-ES" sz="1800" b="0" i="0" dirty="0">
-              <a:effectLst/>
-              <a:latin typeface="Menlo"/>
-            </a:endParaRPr>
-          </a:p>
-          <a:p>
-            <a:r>
-              <a:rPr lang="es-ES" sz="1800" b="0" i="0" dirty="0">
-                <a:solidFill>
-                  <a:srgbClr val="008013"/>
-                </a:solidFill>
-                <a:effectLst/>
-                <a:latin typeface="Menlo"/>
-              </a:rPr>
-              <a:t>% Crear la función de transferencia</a:t>
-            </a:r>
-            <a:endParaRPr lang="es-ES" sz="1800" b="0" i="0" dirty="0">
-              <a:effectLst/>
-              <a:latin typeface="Menlo"/>
-            </a:endParaRPr>
-          </a:p>
-          <a:p>
-            <a:r>
-              <a:rPr lang="es-ES" sz="1800" b="0" i="0" dirty="0">
-                <a:effectLst/>
-                <a:latin typeface="Menlo"/>
-              </a:rPr>
-              <a:t>H = </a:t>
-            </a:r>
-            <a:r>
-              <a:rPr lang="es-ES" sz="1800" b="0" i="0" dirty="0" err="1">
-                <a:effectLst/>
-                <a:latin typeface="Menlo"/>
-              </a:rPr>
-              <a:t>tf</a:t>
-            </a:r>
-            <a:r>
-              <a:rPr lang="es-ES" sz="1800" b="0" i="0" dirty="0">
-                <a:effectLst/>
-                <a:latin typeface="Menlo"/>
-              </a:rPr>
-              <a:t>(</a:t>
-            </a:r>
-            <a:r>
-              <a:rPr lang="es-ES" sz="1800" b="0" i="0" dirty="0" err="1">
-                <a:effectLst/>
-                <a:latin typeface="Menlo"/>
-              </a:rPr>
-              <a:t>numerator</a:t>
-            </a:r>
-            <a:r>
-              <a:rPr lang="es-ES" sz="1800" b="0" i="0" dirty="0">
-                <a:effectLst/>
-                <a:latin typeface="Menlo"/>
-              </a:rPr>
-              <a:t>, </a:t>
-            </a:r>
-            <a:r>
-              <a:rPr lang="es-ES" sz="1800" b="0" i="0" dirty="0" err="1">
-                <a:effectLst/>
-                <a:latin typeface="Menlo"/>
-              </a:rPr>
-              <a:t>denominator</a:t>
-            </a:r>
-            <a:r>
-              <a:rPr lang="es-ES" sz="1800" b="0" i="0" dirty="0">
-                <a:effectLst/>
-                <a:latin typeface="Menlo"/>
-              </a:rPr>
-              <a:t>, </a:t>
-            </a:r>
-            <a:r>
-              <a:rPr lang="es-ES" sz="1800" b="0" i="0" dirty="0">
-                <a:solidFill>
-                  <a:srgbClr val="A709F5"/>
-                </a:solidFill>
-                <a:effectLst/>
-                <a:latin typeface="Menlo"/>
-              </a:rPr>
-              <a:t>'</a:t>
-            </a:r>
-            <a:r>
-              <a:rPr lang="es-ES" sz="1800" b="0" i="0" dirty="0" err="1">
-                <a:solidFill>
-                  <a:srgbClr val="A709F5"/>
-                </a:solidFill>
-                <a:effectLst/>
-                <a:latin typeface="Menlo"/>
-              </a:rPr>
-              <a:t>InputDelay</a:t>
-            </a:r>
-            <a:r>
-              <a:rPr lang="es-ES" sz="1800" b="0" i="0" dirty="0">
-                <a:solidFill>
-                  <a:srgbClr val="A709F5"/>
-                </a:solidFill>
-                <a:effectLst/>
-                <a:latin typeface="Menlo"/>
-              </a:rPr>
-              <a:t>'</a:t>
-            </a:r>
-            <a:r>
-              <a:rPr lang="es-ES" sz="1800" b="0" i="0" dirty="0">
-                <a:effectLst/>
-                <a:latin typeface="Menlo"/>
-              </a:rPr>
-              <a:t>, 0);</a:t>
-            </a:r>
-          </a:p>
-          <a:p>
-            <a:br>
-              <a:rPr lang="es-ES" sz="1800" b="0" i="0" dirty="0">
-                <a:effectLst/>
-                <a:latin typeface="Menlo"/>
-              </a:rPr>
-            </a:br>
-            <a:endParaRPr lang="es-ES" sz="1800" b="0" i="0" dirty="0">
-              <a:effectLst/>
-              <a:latin typeface="Menlo"/>
-            </a:endParaRPr>
-          </a:p>
-          <a:p>
-            <a:r>
-              <a:rPr lang="es-ES" sz="1800" b="0" i="0" dirty="0">
-                <a:solidFill>
-                  <a:srgbClr val="008013"/>
-                </a:solidFill>
-                <a:effectLst/>
-                <a:latin typeface="Menlo"/>
-              </a:rPr>
-              <a:t>% Definir la entrada u(t)</a:t>
-            </a:r>
-            <a:endParaRPr lang="es-ES" sz="1800" b="0" i="0" dirty="0">
-              <a:effectLst/>
-              <a:latin typeface="Menlo"/>
-            </a:endParaRPr>
-          </a:p>
-          <a:p>
-            <a:r>
-              <a:rPr lang="es-ES" sz="1800" b="0" i="0" dirty="0">
-                <a:effectLst/>
-                <a:latin typeface="Menlo"/>
-              </a:rPr>
-              <a:t>t = 0:0.01:10; </a:t>
-            </a:r>
-            <a:r>
-              <a:rPr lang="es-ES" sz="1800" b="0" i="0" dirty="0">
-                <a:solidFill>
-                  <a:srgbClr val="008013"/>
-                </a:solidFill>
-                <a:effectLst/>
-                <a:latin typeface="Menlo"/>
-              </a:rPr>
-              <a:t>% Vector de tiempo</a:t>
-            </a:r>
-            <a:endParaRPr lang="es-ES" sz="1800" b="0" i="0" dirty="0">
-              <a:effectLst/>
-              <a:latin typeface="Menlo"/>
-            </a:endParaRPr>
-          </a:p>
-          <a:p>
-            <a:r>
-              <a:rPr lang="es-ES" sz="1800" b="0" i="0" dirty="0">
-                <a:effectLst/>
-                <a:latin typeface="Menlo"/>
-              </a:rPr>
-              <a:t>u = </a:t>
-            </a:r>
-            <a:r>
-              <a:rPr lang="es-ES" sz="1800" b="0" i="0" dirty="0" err="1">
-                <a:effectLst/>
-                <a:latin typeface="Menlo"/>
-              </a:rPr>
-              <a:t>ones</a:t>
-            </a:r>
-            <a:r>
-              <a:rPr lang="es-ES" sz="1800" b="0" i="0" dirty="0">
-                <a:effectLst/>
-                <a:latin typeface="Menlo"/>
-              </a:rPr>
-              <a:t>(</a:t>
-            </a:r>
-            <a:r>
-              <a:rPr lang="es-ES" sz="1800" b="0" i="0" dirty="0" err="1">
-                <a:effectLst/>
-                <a:latin typeface="Menlo"/>
-              </a:rPr>
-              <a:t>size</a:t>
-            </a:r>
-            <a:r>
-              <a:rPr lang="es-ES" sz="1800" b="0" i="0" dirty="0">
-                <a:effectLst/>
-                <a:latin typeface="Menlo"/>
-              </a:rPr>
-              <a:t>(t)); </a:t>
-            </a:r>
-            <a:r>
-              <a:rPr lang="es-ES" sz="1800" b="0" i="0" dirty="0">
-                <a:solidFill>
-                  <a:srgbClr val="008013"/>
-                </a:solidFill>
-                <a:effectLst/>
-                <a:latin typeface="Menlo"/>
-              </a:rPr>
-              <a:t>% Entrada escalón unitario</a:t>
-            </a:r>
-            <a:endParaRPr lang="es-ES" sz="1800" b="0" i="0" dirty="0">
-              <a:effectLst/>
-              <a:latin typeface="Menlo"/>
-            </a:endParaRPr>
-          </a:p>
-          <a:p>
-            <a:br>
-              <a:rPr lang="es-ES" sz="1800" b="0" i="0" dirty="0">
-                <a:effectLst/>
-                <a:latin typeface="Menlo"/>
-              </a:rPr>
-            </a:br>
-            <a:endParaRPr lang="es-ES" sz="1800" b="0" i="0" dirty="0">
-              <a:effectLst/>
-              <a:latin typeface="Menlo"/>
-            </a:endParaRPr>
-          </a:p>
-          <a:p>
-            <a:r>
-              <a:rPr lang="es-ES" sz="1800" b="0" i="0" dirty="0">
-                <a:solidFill>
-                  <a:srgbClr val="008013"/>
-                </a:solidFill>
-                <a:effectLst/>
-                <a:latin typeface="Menlo"/>
-              </a:rPr>
-              <a:t>% Obtener la respuesta en el dominio del tiempo</a:t>
-            </a:r>
-            <a:endParaRPr lang="es-ES" sz="1800" b="0" i="0" dirty="0">
-              <a:effectLst/>
-              <a:latin typeface="Menlo"/>
-            </a:endParaRPr>
-          </a:p>
-          <a:p>
-            <a:r>
-              <a:rPr lang="es-ES" sz="1800" b="0" i="0" dirty="0">
-                <a:effectLst/>
-                <a:latin typeface="Menlo"/>
-              </a:rPr>
-              <a:t>[y, t] = </a:t>
-            </a:r>
-            <a:r>
-              <a:rPr lang="es-ES" sz="1800" b="0" i="0" dirty="0" err="1">
-                <a:effectLst/>
-                <a:latin typeface="Menlo"/>
-              </a:rPr>
-              <a:t>lsim</a:t>
-            </a:r>
-            <a:r>
-              <a:rPr lang="es-ES" sz="1800" b="0" i="0" dirty="0">
-                <a:effectLst/>
-                <a:latin typeface="Menlo"/>
-              </a:rPr>
-              <a:t>(H, u, t);</a:t>
-            </a:r>
-          </a:p>
-          <a:p>
-            <a:br>
-              <a:rPr lang="es-ES" sz="1800" b="0" i="0" dirty="0">
-                <a:effectLst/>
-                <a:latin typeface="Menlo"/>
-              </a:rPr>
-            </a:br>
-            <a:endParaRPr lang="es-ES" sz="1800" b="0" i="0" dirty="0">
-              <a:effectLst/>
-              <a:latin typeface="Menlo"/>
-            </a:endParaRPr>
-          </a:p>
-          <a:p>
-            <a:r>
-              <a:rPr lang="es-ES" sz="1800" b="0" i="0" dirty="0">
-                <a:solidFill>
-                  <a:srgbClr val="008013"/>
-                </a:solidFill>
-                <a:effectLst/>
-                <a:latin typeface="Menlo"/>
-              </a:rPr>
-              <a:t>% Graficar la respuesta en el dominio del tiempo</a:t>
-            </a:r>
-            <a:endParaRPr lang="es-ES" sz="1800" b="0" i="0" dirty="0">
-              <a:effectLst/>
-              <a:latin typeface="Menlo"/>
-            </a:endParaRPr>
-          </a:p>
-          <a:p>
-            <a:r>
-              <a:rPr lang="es-ES" sz="1800" b="0" i="0" dirty="0" err="1">
-                <a:effectLst/>
-                <a:latin typeface="Menlo"/>
-              </a:rPr>
-              <a:t>plot</a:t>
-            </a:r>
-            <a:r>
-              <a:rPr lang="es-ES" sz="1800" b="0" i="0" dirty="0">
-                <a:effectLst/>
-                <a:latin typeface="Menlo"/>
-              </a:rPr>
-              <a:t>(t, y, </a:t>
-            </a:r>
-            <a:r>
-              <a:rPr lang="es-ES" sz="1800" b="0" i="0" dirty="0">
-                <a:solidFill>
-                  <a:srgbClr val="A709F5"/>
-                </a:solidFill>
-                <a:effectLst/>
-                <a:latin typeface="Menlo"/>
-              </a:rPr>
-              <a:t>'</a:t>
-            </a:r>
-            <a:r>
-              <a:rPr lang="es-ES" sz="1800" b="0" i="0" dirty="0" err="1">
-                <a:solidFill>
-                  <a:srgbClr val="A709F5"/>
-                </a:solidFill>
-                <a:effectLst/>
-                <a:latin typeface="Menlo"/>
-              </a:rPr>
-              <a:t>LineWidth</a:t>
-            </a:r>
-            <a:r>
-              <a:rPr lang="es-ES" sz="1800" b="0" i="0" dirty="0">
-                <a:solidFill>
-                  <a:srgbClr val="A709F5"/>
-                </a:solidFill>
-                <a:effectLst/>
-                <a:latin typeface="Menlo"/>
-              </a:rPr>
-              <a:t>'</a:t>
-            </a:r>
-            <a:r>
-              <a:rPr lang="es-ES" sz="1800" b="0" i="0" dirty="0">
-                <a:effectLst/>
-                <a:latin typeface="Menlo"/>
-              </a:rPr>
-              <a:t>, 2);</a:t>
-            </a:r>
-          </a:p>
-          <a:p>
-            <a:r>
-              <a:rPr lang="es-ES" sz="1800" b="0" i="0" dirty="0" err="1">
-                <a:effectLst/>
-                <a:latin typeface="Menlo"/>
-              </a:rPr>
-              <a:t>title</a:t>
-            </a:r>
-            <a:r>
-              <a:rPr lang="es-ES" sz="1800" b="0" i="0" dirty="0">
-                <a:effectLst/>
-                <a:latin typeface="Menlo"/>
-              </a:rPr>
-              <a:t>(</a:t>
-            </a:r>
-            <a:r>
-              <a:rPr lang="es-ES" sz="1800" b="0" i="0" dirty="0">
-                <a:solidFill>
-                  <a:srgbClr val="A709F5"/>
-                </a:solidFill>
-                <a:effectLst/>
-                <a:latin typeface="Menlo"/>
-              </a:rPr>
-              <a:t>'Respuesta en el Dominio del Tiempo de la Ecuación en Diferencias'</a:t>
-            </a:r>
-            <a:r>
-              <a:rPr lang="es-ES" sz="1800" b="0" i="0" dirty="0">
-                <a:effectLst/>
-                <a:latin typeface="Menlo"/>
-              </a:rPr>
-              <a:t>);</a:t>
-            </a:r>
-          </a:p>
-          <a:p>
-            <a:r>
-              <a:rPr lang="es-ES" sz="1800" b="0" i="0" dirty="0" err="1">
-                <a:effectLst/>
-                <a:latin typeface="Menlo"/>
-              </a:rPr>
-              <a:t>xlabel</a:t>
-            </a:r>
-            <a:r>
-              <a:rPr lang="es-ES" sz="1800" b="0" i="0" dirty="0">
-                <a:effectLst/>
-                <a:latin typeface="Menlo"/>
-              </a:rPr>
-              <a:t>(</a:t>
-            </a:r>
-            <a:r>
-              <a:rPr lang="es-ES" sz="1800" b="0" i="0" dirty="0">
-                <a:solidFill>
-                  <a:srgbClr val="A709F5"/>
-                </a:solidFill>
-                <a:effectLst/>
-                <a:latin typeface="Menlo"/>
-              </a:rPr>
-              <a:t>'Tiempo'</a:t>
-            </a:r>
-            <a:r>
-              <a:rPr lang="es-ES" sz="1800" b="0" i="0" dirty="0">
-                <a:effectLst/>
-                <a:latin typeface="Menlo"/>
-              </a:rPr>
-              <a:t>);</a:t>
-            </a:r>
-          </a:p>
-          <a:p>
-            <a:r>
-              <a:rPr lang="es-ES" sz="1800" b="0" i="0" dirty="0" err="1">
-                <a:effectLst/>
-                <a:latin typeface="Menlo"/>
-              </a:rPr>
-              <a:t>ylabel</a:t>
-            </a:r>
-            <a:r>
-              <a:rPr lang="es-ES" sz="1800" b="0" i="0" dirty="0">
-                <a:effectLst/>
-                <a:latin typeface="Menlo"/>
-              </a:rPr>
-              <a:t>(</a:t>
-            </a:r>
-            <a:r>
-              <a:rPr lang="es-ES" sz="1800" b="0" i="0" dirty="0">
-                <a:solidFill>
-                  <a:srgbClr val="A709F5"/>
-                </a:solidFill>
-                <a:effectLst/>
-                <a:latin typeface="Menlo"/>
-              </a:rPr>
-              <a:t>'y(t)'</a:t>
-            </a:r>
-            <a:r>
-              <a:rPr lang="es-ES" sz="1800" b="0" i="0" dirty="0">
-                <a:effectLst/>
-                <a:latin typeface="Menlo"/>
-              </a:rPr>
-              <a:t>);</a:t>
-            </a:r>
-          </a:p>
-          <a:p>
-            <a:r>
-              <a:rPr lang="es-ES" sz="1800" b="0" i="0" dirty="0" err="1">
-                <a:effectLst/>
-                <a:latin typeface="Menlo"/>
-              </a:rPr>
-              <a:t>grid</a:t>
-            </a:r>
-            <a:r>
-              <a:rPr lang="es-ES" sz="1800" b="0" i="0" dirty="0">
-                <a:effectLst/>
-                <a:latin typeface="Menlo"/>
-              </a:rPr>
-              <a:t> </a:t>
-            </a:r>
-            <a:r>
-              <a:rPr lang="es-ES" sz="1800" b="0" i="0" dirty="0" err="1">
-                <a:solidFill>
-                  <a:srgbClr val="A709F5"/>
-                </a:solidFill>
-                <a:effectLst/>
-                <a:latin typeface="Menlo"/>
-              </a:rPr>
-              <a:t>on</a:t>
-            </a:r>
-            <a:r>
-              <a:rPr lang="es-ES" sz="1800" b="0" i="0" dirty="0">
-                <a:effectLst/>
-                <a:latin typeface="Menlo"/>
-              </a:rPr>
-              <a:t>;</a:t>
-            </a:r>
-          </a:p>
-          <a:p>
-            <a:br>
-              <a:rPr lang="es-ES" sz="1800" b="0" i="0" dirty="0">
-                <a:effectLst/>
-                <a:latin typeface="Menlo"/>
-              </a:rPr>
-            </a:br>
-            <a:endParaRPr lang="es-ES" sz="1800" b="0" i="0" dirty="0">
-              <a:effectLst/>
-              <a:latin typeface="Menlo"/>
-            </a:endParaRPr>
-          </a:p>
           <a:p>
             <a:endParaRPr lang="en-US" dirty="0"/>
           </a:p>
@@ -4149,1119 +4290,11 @@
         <p:spPr/>
         <p:txBody>
           <a:bodyPr>
-            <a:normAutofit fontScale="25000" lnSpcReduction="20000"/>
+            <a:normAutofit/>
           </a:bodyPr>
           <a:lstStyle/>
           <a:p>
-            <a:r>
-              <a:rPr lang="en-US" sz="1800" b="0" i="0">
-                <a:solidFill>
-                  <a:srgbClr val="008013"/>
-                </a:solidFill>
-                <a:effectLst/>
-                <a:latin typeface="Menlo"/>
-              </a:rPr>
-              <a:t>% </a:t>
-            </a:r>
-            <a:r>
-              <a:rPr lang="en-US" sz="1800" b="0" i="0" err="1">
-                <a:solidFill>
-                  <a:srgbClr val="008013"/>
-                </a:solidFill>
-                <a:effectLst/>
-                <a:latin typeface="Menlo"/>
-              </a:rPr>
-              <a:t>Definir</a:t>
-            </a:r>
-            <a:r>
-              <a:rPr lang="en-US" sz="1800" b="0" i="0">
-                <a:solidFill>
-                  <a:srgbClr val="008013"/>
-                </a:solidFill>
-                <a:effectLst/>
-                <a:latin typeface="Menlo"/>
-              </a:rPr>
-              <a:t> </a:t>
-            </a:r>
-            <a:r>
-              <a:rPr lang="en-US" sz="1800" b="0" i="0" err="1">
-                <a:solidFill>
-                  <a:srgbClr val="008013"/>
-                </a:solidFill>
-                <a:effectLst/>
-                <a:latin typeface="Menlo"/>
-              </a:rPr>
-              <a:t>constantes</a:t>
-            </a:r>
-            <a:r>
-              <a:rPr lang="en-US" sz="1800" b="0" i="0">
-                <a:solidFill>
-                  <a:srgbClr val="008013"/>
-                </a:solidFill>
-                <a:effectLst/>
-                <a:latin typeface="Menlo"/>
-              </a:rPr>
-              <a:t> del </a:t>
-            </a:r>
-            <a:r>
-              <a:rPr lang="en-US" sz="1800" b="0" i="0" err="1">
-                <a:solidFill>
-                  <a:srgbClr val="008013"/>
-                </a:solidFill>
-                <a:effectLst/>
-                <a:latin typeface="Menlo"/>
-              </a:rPr>
-              <a:t>sistema</a:t>
-            </a:r>
-            <a:endParaRPr lang="en-US" sz="1800" b="0" i="0">
-              <a:effectLst/>
-              <a:latin typeface="Menlo"/>
-            </a:endParaRPr>
-          </a:p>
-          <a:p>
-            <a:r>
-              <a:rPr lang="en-US" sz="1800" b="0" i="0">
-                <a:effectLst/>
-                <a:latin typeface="Menlo"/>
-              </a:rPr>
-              <a:t>R = 1; </a:t>
-            </a:r>
-            <a:r>
-              <a:rPr lang="en-US" sz="1800" b="0" i="0">
-                <a:solidFill>
-                  <a:srgbClr val="008013"/>
-                </a:solidFill>
-                <a:effectLst/>
-                <a:latin typeface="Menlo"/>
-              </a:rPr>
-              <a:t>% Resistencia </a:t>
-            </a:r>
-            <a:r>
-              <a:rPr lang="en-US" sz="1800" b="0" i="0" err="1">
-                <a:solidFill>
-                  <a:srgbClr val="008013"/>
-                </a:solidFill>
-                <a:effectLst/>
-                <a:latin typeface="Menlo"/>
-              </a:rPr>
-              <a:t>en</a:t>
-            </a:r>
-            <a:r>
-              <a:rPr lang="en-US" sz="1800" b="0" i="0">
-                <a:solidFill>
-                  <a:srgbClr val="008013"/>
-                </a:solidFill>
-                <a:effectLst/>
-                <a:latin typeface="Menlo"/>
-              </a:rPr>
-              <a:t> ohms</a:t>
-            </a:r>
-            <a:endParaRPr lang="en-US" sz="1800" b="0" i="0">
-              <a:effectLst/>
-              <a:latin typeface="Menlo"/>
-            </a:endParaRPr>
-          </a:p>
-          <a:p>
-            <a:r>
-              <a:rPr lang="en-US" sz="1800" b="0" i="0">
-                <a:effectLst/>
-                <a:latin typeface="Menlo"/>
-              </a:rPr>
-              <a:t>C = 1; </a:t>
-            </a:r>
-            <a:r>
-              <a:rPr lang="en-US" sz="1800" b="0" i="0">
-                <a:solidFill>
-                  <a:srgbClr val="008013"/>
-                </a:solidFill>
-                <a:effectLst/>
-                <a:latin typeface="Menlo"/>
-              </a:rPr>
-              <a:t>% </a:t>
-            </a:r>
-            <a:r>
-              <a:rPr lang="en-US" sz="1800" b="0" i="0" err="1">
-                <a:solidFill>
-                  <a:srgbClr val="008013"/>
-                </a:solidFill>
-                <a:effectLst/>
-                <a:latin typeface="Menlo"/>
-              </a:rPr>
-              <a:t>Capacitancia</a:t>
-            </a:r>
-            <a:r>
-              <a:rPr lang="en-US" sz="1800" b="0" i="0">
-                <a:solidFill>
-                  <a:srgbClr val="008013"/>
-                </a:solidFill>
-                <a:effectLst/>
-                <a:latin typeface="Menlo"/>
-              </a:rPr>
-              <a:t> </a:t>
-            </a:r>
-            <a:r>
-              <a:rPr lang="en-US" sz="1800" b="0" i="0" err="1">
-                <a:solidFill>
-                  <a:srgbClr val="008013"/>
-                </a:solidFill>
-                <a:effectLst/>
-                <a:latin typeface="Menlo"/>
-              </a:rPr>
-              <a:t>en</a:t>
-            </a:r>
-            <a:r>
-              <a:rPr lang="en-US" sz="1800" b="0" i="0">
-                <a:solidFill>
-                  <a:srgbClr val="008013"/>
-                </a:solidFill>
-                <a:effectLst/>
-                <a:latin typeface="Menlo"/>
-              </a:rPr>
-              <a:t> </a:t>
-            </a:r>
-            <a:r>
-              <a:rPr lang="en-US" sz="1800" b="0" i="0" err="1">
-                <a:solidFill>
-                  <a:srgbClr val="008013"/>
-                </a:solidFill>
-                <a:effectLst/>
-                <a:latin typeface="Menlo"/>
-              </a:rPr>
-              <a:t>faradios</a:t>
-            </a:r>
-            <a:endParaRPr lang="en-US" sz="1800" b="0" i="0">
-              <a:effectLst/>
-              <a:latin typeface="Menlo"/>
-            </a:endParaRPr>
-          </a:p>
-          <a:p>
-            <a:r>
-              <a:rPr lang="en-US" sz="1800" b="0" i="0">
-                <a:effectLst/>
-                <a:latin typeface="Menlo"/>
-              </a:rPr>
-              <a:t>tau = R * C; </a:t>
-            </a:r>
-            <a:r>
-              <a:rPr lang="en-US" sz="1800" b="0" i="0">
-                <a:solidFill>
-                  <a:srgbClr val="008013"/>
-                </a:solidFill>
-                <a:effectLst/>
-                <a:latin typeface="Menlo"/>
-              </a:rPr>
-              <a:t>% </a:t>
-            </a:r>
-            <a:r>
-              <a:rPr lang="en-US" sz="1800" b="0" i="0" err="1">
-                <a:solidFill>
-                  <a:srgbClr val="008013"/>
-                </a:solidFill>
-                <a:effectLst/>
-                <a:latin typeface="Menlo"/>
-              </a:rPr>
-              <a:t>Constante</a:t>
-            </a:r>
-            <a:r>
-              <a:rPr lang="en-US" sz="1800" b="0" i="0">
-                <a:solidFill>
-                  <a:srgbClr val="008013"/>
-                </a:solidFill>
-                <a:effectLst/>
-                <a:latin typeface="Menlo"/>
-              </a:rPr>
-              <a:t> de </a:t>
-            </a:r>
-            <a:r>
-              <a:rPr lang="en-US" sz="1800" b="0" i="0" err="1">
-                <a:solidFill>
-                  <a:srgbClr val="008013"/>
-                </a:solidFill>
-                <a:effectLst/>
-                <a:latin typeface="Menlo"/>
-              </a:rPr>
-              <a:t>tiempo</a:t>
-            </a:r>
-            <a:endParaRPr lang="en-US" sz="1800" b="0" i="0">
-              <a:effectLst/>
-              <a:latin typeface="Menlo"/>
-            </a:endParaRPr>
-          </a:p>
-          <a:p>
-            <a:br>
-              <a:rPr lang="en-US" sz="1800" b="0" i="0">
-                <a:effectLst/>
-                <a:latin typeface="Menlo"/>
-              </a:rPr>
-            </a:br>
-            <a:endParaRPr lang="en-US" sz="1800" b="0" i="0">
-              <a:effectLst/>
-              <a:latin typeface="Menlo"/>
-            </a:endParaRPr>
-          </a:p>
-          <a:p>
-            <a:r>
-              <a:rPr lang="en-US" sz="1800" b="0" i="0">
-                <a:effectLst/>
-                <a:latin typeface="Menlo"/>
-              </a:rPr>
-              <a:t>K = 1; </a:t>
-            </a:r>
-            <a:r>
-              <a:rPr lang="en-US" sz="1800" b="0" i="0">
-                <a:solidFill>
-                  <a:srgbClr val="008013"/>
-                </a:solidFill>
-                <a:effectLst/>
-                <a:latin typeface="Menlo"/>
-              </a:rPr>
-              <a:t>% </a:t>
-            </a:r>
-            <a:r>
-              <a:rPr lang="en-US" sz="1800" b="0" i="0" err="1">
-                <a:solidFill>
-                  <a:srgbClr val="008013"/>
-                </a:solidFill>
-                <a:effectLst/>
-                <a:latin typeface="Menlo"/>
-              </a:rPr>
-              <a:t>Ganancia</a:t>
-            </a:r>
-            <a:endParaRPr lang="en-US" sz="1800" b="0" i="0">
-              <a:effectLst/>
-              <a:latin typeface="Menlo"/>
-            </a:endParaRPr>
-          </a:p>
-          <a:p>
-            <a:br>
-              <a:rPr lang="en-US" sz="1800" b="0" i="0">
-                <a:effectLst/>
-                <a:latin typeface="Menlo"/>
-              </a:rPr>
-            </a:br>
-            <a:endParaRPr lang="en-US" sz="1800" b="0" i="0">
-              <a:effectLst/>
-              <a:latin typeface="Menlo"/>
-            </a:endParaRPr>
-          </a:p>
-          <a:p>
-            <a:r>
-              <a:rPr lang="en-US" sz="1800" b="0" i="0">
-                <a:solidFill>
-                  <a:srgbClr val="008013"/>
-                </a:solidFill>
-                <a:effectLst/>
-                <a:latin typeface="Menlo"/>
-              </a:rPr>
-              <a:t>% </a:t>
-            </a:r>
-            <a:r>
-              <a:rPr lang="en-US" sz="1800" b="0" i="0" err="1">
-                <a:solidFill>
-                  <a:srgbClr val="008013"/>
-                </a:solidFill>
-                <a:effectLst/>
-                <a:latin typeface="Menlo"/>
-              </a:rPr>
-              <a:t>Definir</a:t>
-            </a:r>
-            <a:r>
-              <a:rPr lang="en-US" sz="1800" b="0" i="0">
-                <a:solidFill>
-                  <a:srgbClr val="008013"/>
-                </a:solidFill>
-                <a:effectLst/>
-                <a:latin typeface="Menlo"/>
-              </a:rPr>
-              <a:t> la variable de </a:t>
-            </a:r>
-            <a:r>
-              <a:rPr lang="en-US" sz="1800" b="0" i="0" err="1">
-                <a:solidFill>
-                  <a:srgbClr val="008013"/>
-                </a:solidFill>
-                <a:effectLst/>
-                <a:latin typeface="Menlo"/>
-              </a:rPr>
-              <a:t>estado</a:t>
-            </a:r>
-            <a:r>
-              <a:rPr lang="en-US" sz="1800" b="0" i="0">
-                <a:solidFill>
-                  <a:srgbClr val="008013"/>
-                </a:solidFill>
-                <a:effectLst/>
-                <a:latin typeface="Menlo"/>
-              </a:rPr>
-              <a:t> x(t)</a:t>
-            </a:r>
-            <a:endParaRPr lang="en-US" sz="1800" b="0" i="0">
-              <a:effectLst/>
-              <a:latin typeface="Menlo"/>
-            </a:endParaRPr>
-          </a:p>
-          <a:p>
-            <a:r>
-              <a:rPr lang="en-US" sz="1800" b="0" i="0" err="1">
-                <a:effectLst/>
-                <a:latin typeface="Menlo"/>
-              </a:rPr>
-              <a:t>syms</a:t>
-            </a:r>
-            <a:r>
-              <a:rPr lang="en-US" sz="1800" b="0" i="0">
-                <a:effectLst/>
-                <a:latin typeface="Menlo"/>
-              </a:rPr>
-              <a:t> </a:t>
-            </a:r>
-            <a:r>
-              <a:rPr lang="en-US" sz="1800" b="0" i="0">
-                <a:solidFill>
-                  <a:srgbClr val="A709F5"/>
-                </a:solidFill>
-                <a:effectLst/>
-                <a:latin typeface="Menlo"/>
-              </a:rPr>
-              <a:t>x(t)</a:t>
-            </a:r>
-            <a:r>
-              <a:rPr lang="en-US" sz="1800" b="0" i="0">
-                <a:effectLst/>
-                <a:latin typeface="Menlo"/>
-              </a:rPr>
-              <a:t>;</a:t>
-            </a:r>
-          </a:p>
-          <a:p>
-            <a:br>
-              <a:rPr lang="en-US" sz="1800" b="0" i="0">
-                <a:effectLst/>
-                <a:latin typeface="Menlo"/>
-              </a:rPr>
-            </a:br>
-            <a:endParaRPr lang="en-US" sz="1800" b="0" i="0">
-              <a:effectLst/>
-              <a:latin typeface="Menlo"/>
-            </a:endParaRPr>
-          </a:p>
-          <a:p>
-            <a:r>
-              <a:rPr lang="en-US" sz="1800" b="0" i="0">
-                <a:solidFill>
-                  <a:srgbClr val="008013"/>
-                </a:solidFill>
-                <a:effectLst/>
-                <a:latin typeface="Menlo"/>
-              </a:rPr>
-              <a:t>% </a:t>
-            </a:r>
-            <a:r>
-              <a:rPr lang="en-US" sz="1800" b="0" i="0" err="1">
-                <a:solidFill>
-                  <a:srgbClr val="008013"/>
-                </a:solidFill>
-                <a:effectLst/>
-                <a:latin typeface="Menlo"/>
-              </a:rPr>
-              <a:t>Ecuación</a:t>
-            </a:r>
-            <a:r>
-              <a:rPr lang="en-US" sz="1800" b="0" i="0">
-                <a:solidFill>
-                  <a:srgbClr val="008013"/>
-                </a:solidFill>
-                <a:effectLst/>
-                <a:latin typeface="Menlo"/>
-              </a:rPr>
-              <a:t> </a:t>
-            </a:r>
-            <a:r>
-              <a:rPr lang="en-US" sz="1800" b="0" i="0" err="1">
-                <a:solidFill>
-                  <a:srgbClr val="008013"/>
-                </a:solidFill>
-                <a:effectLst/>
-                <a:latin typeface="Menlo"/>
-              </a:rPr>
-              <a:t>diferencial</a:t>
-            </a:r>
-            <a:r>
-              <a:rPr lang="en-US" sz="1800" b="0" i="0">
-                <a:solidFill>
-                  <a:srgbClr val="008013"/>
-                </a:solidFill>
-                <a:effectLst/>
-                <a:latin typeface="Menlo"/>
-              </a:rPr>
-              <a:t> del </a:t>
-            </a:r>
-            <a:r>
-              <a:rPr lang="en-US" sz="1800" b="0" i="0" err="1">
-                <a:solidFill>
-                  <a:srgbClr val="008013"/>
-                </a:solidFill>
-                <a:effectLst/>
-                <a:latin typeface="Menlo"/>
-              </a:rPr>
-              <a:t>sistema</a:t>
-            </a:r>
-            <a:endParaRPr lang="en-US" sz="1800" b="0" i="0">
-              <a:effectLst/>
-              <a:latin typeface="Menlo"/>
-            </a:endParaRPr>
-          </a:p>
-          <a:p>
-            <a:r>
-              <a:rPr lang="en-US" sz="1800" b="0" i="0">
-                <a:effectLst/>
-                <a:latin typeface="Menlo"/>
-              </a:rPr>
-              <a:t>eq = tau * diff(x(t), t) + x(t) == K * </a:t>
-            </a:r>
-            <a:r>
-              <a:rPr lang="en-US" sz="1800" b="0" i="0" err="1">
-                <a:effectLst/>
-                <a:latin typeface="Menlo"/>
-              </a:rPr>
-              <a:t>heaviside</a:t>
-            </a:r>
-            <a:r>
-              <a:rPr lang="en-US" sz="1800" b="0" i="0">
-                <a:effectLst/>
-                <a:latin typeface="Menlo"/>
-              </a:rPr>
-              <a:t>(t);</a:t>
-            </a:r>
-          </a:p>
-          <a:p>
-            <a:br>
-              <a:rPr lang="en-US" sz="1800" b="0" i="0">
-                <a:effectLst/>
-                <a:latin typeface="Menlo"/>
-              </a:rPr>
-            </a:br>
-            <a:endParaRPr lang="en-US" sz="1800" b="0" i="0">
-              <a:effectLst/>
-              <a:latin typeface="Menlo"/>
-            </a:endParaRPr>
-          </a:p>
-          <a:p>
-            <a:r>
-              <a:rPr lang="en-US" sz="1800" b="0" i="0">
-                <a:solidFill>
-                  <a:srgbClr val="008013"/>
-                </a:solidFill>
-                <a:effectLst/>
-                <a:latin typeface="Menlo"/>
-              </a:rPr>
-              <a:t>% Resolver la </a:t>
-            </a:r>
-            <a:r>
-              <a:rPr lang="en-US" sz="1800" b="0" i="0" err="1">
-                <a:solidFill>
-                  <a:srgbClr val="008013"/>
-                </a:solidFill>
-                <a:effectLst/>
-                <a:latin typeface="Menlo"/>
-              </a:rPr>
-              <a:t>ecuación</a:t>
-            </a:r>
-            <a:r>
-              <a:rPr lang="en-US" sz="1800" b="0" i="0">
-                <a:solidFill>
-                  <a:srgbClr val="008013"/>
-                </a:solidFill>
-                <a:effectLst/>
-                <a:latin typeface="Menlo"/>
-              </a:rPr>
-              <a:t> </a:t>
-            </a:r>
-            <a:r>
-              <a:rPr lang="en-US" sz="1800" b="0" i="0" err="1">
-                <a:solidFill>
-                  <a:srgbClr val="008013"/>
-                </a:solidFill>
-                <a:effectLst/>
-                <a:latin typeface="Menlo"/>
-              </a:rPr>
-              <a:t>diferencial</a:t>
-            </a:r>
-            <a:endParaRPr lang="en-US" sz="1800" b="0" i="0">
-              <a:effectLst/>
-              <a:latin typeface="Menlo"/>
-            </a:endParaRPr>
-          </a:p>
-          <a:p>
-            <a:r>
-              <a:rPr lang="en-US" sz="1800" b="0" i="0">
-                <a:effectLst/>
-                <a:latin typeface="Menlo"/>
-              </a:rPr>
-              <a:t>sol = </a:t>
-            </a:r>
-            <a:r>
-              <a:rPr lang="en-US" sz="1800" b="0" i="0" err="1">
-                <a:effectLst/>
-                <a:latin typeface="Menlo"/>
-              </a:rPr>
-              <a:t>dsolve</a:t>
-            </a:r>
-            <a:r>
-              <a:rPr lang="en-US" sz="1800" b="0" i="0">
-                <a:effectLst/>
-                <a:latin typeface="Menlo"/>
-              </a:rPr>
-              <a:t>(eq, x(0) == 0);</a:t>
-            </a:r>
-          </a:p>
-          <a:p>
-            <a:br>
-              <a:rPr lang="en-US" sz="1800" b="0" i="0">
-                <a:effectLst/>
-                <a:latin typeface="Menlo"/>
-              </a:rPr>
-            </a:br>
-            <a:endParaRPr lang="en-US" sz="1800" b="0" i="0">
-              <a:effectLst/>
-              <a:latin typeface="Menlo"/>
-            </a:endParaRPr>
-          </a:p>
-          <a:p>
-            <a:r>
-              <a:rPr lang="en-US" sz="1800" b="0" i="0">
-                <a:solidFill>
-                  <a:srgbClr val="008013"/>
-                </a:solidFill>
-                <a:effectLst/>
-                <a:latin typeface="Menlo"/>
-              </a:rPr>
-              <a:t>% </a:t>
-            </a:r>
-            <a:r>
-              <a:rPr lang="en-US" sz="1800" b="0" i="0" err="1">
-                <a:solidFill>
-                  <a:srgbClr val="008013"/>
-                </a:solidFill>
-                <a:effectLst/>
-                <a:latin typeface="Menlo"/>
-              </a:rPr>
-              <a:t>Tiempo</a:t>
-            </a:r>
-            <a:r>
-              <a:rPr lang="en-US" sz="1800" b="0" i="0">
-                <a:solidFill>
-                  <a:srgbClr val="008013"/>
-                </a:solidFill>
-                <a:effectLst/>
-                <a:latin typeface="Menlo"/>
-              </a:rPr>
-              <a:t> continuo para las </a:t>
-            </a:r>
-            <a:r>
-              <a:rPr lang="en-US" sz="1800" b="0" i="0" err="1">
-                <a:solidFill>
-                  <a:srgbClr val="008013"/>
-                </a:solidFill>
-                <a:effectLst/>
-                <a:latin typeface="Menlo"/>
-              </a:rPr>
-              <a:t>respuestas</a:t>
-            </a:r>
-            <a:endParaRPr lang="en-US" sz="1800" b="0" i="0">
-              <a:effectLst/>
-              <a:latin typeface="Menlo"/>
-            </a:endParaRPr>
-          </a:p>
-          <a:p>
-            <a:r>
-              <a:rPr lang="en-US" sz="1800" b="0" i="0" err="1">
-                <a:effectLst/>
-                <a:latin typeface="Menlo"/>
-              </a:rPr>
-              <a:t>t_values</a:t>
-            </a:r>
-            <a:r>
-              <a:rPr lang="en-US" sz="1800" b="0" i="0">
-                <a:effectLst/>
-                <a:latin typeface="Menlo"/>
-              </a:rPr>
-              <a:t> = 0:0.1:10;</a:t>
-            </a:r>
-          </a:p>
-          <a:p>
-            <a:br>
-              <a:rPr lang="en-US" sz="1800" b="0" i="0">
-                <a:effectLst/>
-                <a:latin typeface="Menlo"/>
-              </a:rPr>
-            </a:br>
-            <a:endParaRPr lang="en-US" sz="1800" b="0" i="0">
-              <a:effectLst/>
-              <a:latin typeface="Menlo"/>
-            </a:endParaRPr>
-          </a:p>
-          <a:p>
-            <a:r>
-              <a:rPr lang="en-US" sz="1800" b="0" i="0">
-                <a:solidFill>
-                  <a:srgbClr val="008013"/>
-                </a:solidFill>
-                <a:effectLst/>
-                <a:latin typeface="Menlo"/>
-              </a:rPr>
-              <a:t>% Respuesta al </a:t>
-            </a:r>
-            <a:r>
-              <a:rPr lang="en-US" sz="1800" b="0" i="0" err="1">
-                <a:solidFill>
-                  <a:srgbClr val="008013"/>
-                </a:solidFill>
-                <a:effectLst/>
-                <a:latin typeface="Menlo"/>
-              </a:rPr>
-              <a:t>escalón</a:t>
-            </a:r>
-            <a:endParaRPr lang="en-US" sz="1800" b="0" i="0">
-              <a:effectLst/>
-              <a:latin typeface="Menlo"/>
-            </a:endParaRPr>
-          </a:p>
-          <a:p>
-            <a:r>
-              <a:rPr lang="en-US" sz="1800" b="0" i="0" err="1">
-                <a:effectLst/>
-                <a:latin typeface="Menlo"/>
-              </a:rPr>
-              <a:t>respuesta_escalon</a:t>
-            </a:r>
-            <a:r>
-              <a:rPr lang="en-US" sz="1800" b="0" i="0">
-                <a:effectLst/>
-                <a:latin typeface="Menlo"/>
-              </a:rPr>
-              <a:t> = subs(sol, t, </a:t>
-            </a:r>
-            <a:r>
-              <a:rPr lang="en-US" sz="1800" b="0" i="0" err="1">
-                <a:effectLst/>
-                <a:latin typeface="Menlo"/>
-              </a:rPr>
-              <a:t>t_values</a:t>
-            </a:r>
-            <a:r>
-              <a:rPr lang="en-US" sz="1800" b="0" i="0">
-                <a:effectLst/>
-                <a:latin typeface="Menlo"/>
-              </a:rPr>
-              <a:t>);</a:t>
-            </a:r>
-          </a:p>
-          <a:p>
-            <a:br>
-              <a:rPr lang="en-US" sz="1800" b="0" i="0">
-                <a:effectLst/>
-                <a:latin typeface="Menlo"/>
-              </a:rPr>
-            </a:br>
-            <a:endParaRPr lang="en-US" sz="1800" b="0" i="0">
-              <a:effectLst/>
-              <a:latin typeface="Menlo"/>
-            </a:endParaRPr>
-          </a:p>
-          <a:p>
-            <a:r>
-              <a:rPr lang="en-US" sz="1800" b="0" i="0">
-                <a:solidFill>
-                  <a:srgbClr val="008013"/>
-                </a:solidFill>
-                <a:effectLst/>
-                <a:latin typeface="Menlo"/>
-              </a:rPr>
-              <a:t>% Respuesta al </a:t>
-            </a:r>
-            <a:r>
-              <a:rPr lang="en-US" sz="1800" b="0" i="0" err="1">
-                <a:solidFill>
-                  <a:srgbClr val="008013"/>
-                </a:solidFill>
-                <a:effectLst/>
-                <a:latin typeface="Menlo"/>
-              </a:rPr>
-              <a:t>impulso</a:t>
-            </a:r>
-            <a:endParaRPr lang="en-US" sz="1800" b="0" i="0">
-              <a:effectLst/>
-              <a:latin typeface="Menlo"/>
-            </a:endParaRPr>
-          </a:p>
-          <a:p>
-            <a:r>
-              <a:rPr lang="en-US" sz="1800" b="0" i="0" err="1">
-                <a:effectLst/>
-                <a:latin typeface="Menlo"/>
-              </a:rPr>
-              <a:t>respuesta_impulso</a:t>
-            </a:r>
-            <a:r>
-              <a:rPr lang="en-US" sz="1800" b="0" i="0">
-                <a:effectLst/>
-                <a:latin typeface="Menlo"/>
-              </a:rPr>
-              <a:t> = subs(diff(sol, t), t, </a:t>
-            </a:r>
-            <a:r>
-              <a:rPr lang="en-US" sz="1800" b="0" i="0" err="1">
-                <a:effectLst/>
-                <a:latin typeface="Menlo"/>
-              </a:rPr>
-              <a:t>t_values</a:t>
-            </a:r>
-            <a:r>
-              <a:rPr lang="en-US" sz="1800" b="0" i="0">
-                <a:effectLst/>
-                <a:latin typeface="Menlo"/>
-              </a:rPr>
-              <a:t>);</a:t>
-            </a:r>
-          </a:p>
-          <a:p>
-            <a:br>
-              <a:rPr lang="en-US" sz="1800" b="0" i="0">
-                <a:effectLst/>
-                <a:latin typeface="Menlo"/>
-              </a:rPr>
-            </a:br>
-            <a:endParaRPr lang="en-US" sz="1800" b="0" i="0">
-              <a:effectLst/>
-              <a:latin typeface="Menlo"/>
-            </a:endParaRPr>
-          </a:p>
-          <a:p>
-            <a:r>
-              <a:rPr lang="en-US" sz="1800" b="0" i="0">
-                <a:solidFill>
-                  <a:srgbClr val="008013"/>
-                </a:solidFill>
-                <a:effectLst/>
-                <a:latin typeface="Menlo"/>
-              </a:rPr>
-              <a:t>% Respuesta a la rampa</a:t>
-            </a:r>
-            <a:endParaRPr lang="en-US" sz="1800" b="0" i="0">
-              <a:effectLst/>
-              <a:latin typeface="Menlo"/>
-            </a:endParaRPr>
-          </a:p>
-          <a:p>
-            <a:r>
-              <a:rPr lang="en-US" sz="1800" b="0" i="0" err="1">
-                <a:effectLst/>
-                <a:latin typeface="Menlo"/>
-              </a:rPr>
-              <a:t>respuesta_rampa</a:t>
-            </a:r>
-            <a:r>
-              <a:rPr lang="en-US" sz="1800" b="0" i="0">
-                <a:effectLst/>
-                <a:latin typeface="Menlo"/>
-              </a:rPr>
-              <a:t> = subs(int(sol, t), t, </a:t>
-            </a:r>
-            <a:r>
-              <a:rPr lang="en-US" sz="1800" b="0" i="0" err="1">
-                <a:effectLst/>
-                <a:latin typeface="Menlo"/>
-              </a:rPr>
-              <a:t>t_values</a:t>
-            </a:r>
-            <a:r>
-              <a:rPr lang="en-US" sz="1800" b="0" i="0">
-                <a:effectLst/>
-                <a:latin typeface="Menlo"/>
-              </a:rPr>
-              <a:t>);</a:t>
-            </a:r>
-          </a:p>
-          <a:p>
-            <a:br>
-              <a:rPr lang="en-US" sz="1800" b="0" i="0">
-                <a:effectLst/>
-                <a:latin typeface="Menlo"/>
-              </a:rPr>
-            </a:br>
-            <a:endParaRPr lang="en-US" sz="1800" b="0" i="0">
-              <a:effectLst/>
-              <a:latin typeface="Menlo"/>
-            </a:endParaRPr>
-          </a:p>
-          <a:p>
-            <a:r>
-              <a:rPr lang="en-US" sz="1800" b="0" i="0">
-                <a:solidFill>
-                  <a:srgbClr val="008013"/>
-                </a:solidFill>
-                <a:effectLst/>
-                <a:latin typeface="Menlo"/>
-              </a:rPr>
-              <a:t>% </a:t>
-            </a:r>
-            <a:r>
-              <a:rPr lang="en-US" sz="1800" b="0" i="0" err="1">
-                <a:solidFill>
-                  <a:srgbClr val="008013"/>
-                </a:solidFill>
-                <a:effectLst/>
-                <a:latin typeface="Menlo"/>
-              </a:rPr>
-              <a:t>Graficar</a:t>
-            </a:r>
-            <a:r>
-              <a:rPr lang="en-US" sz="1800" b="0" i="0">
-                <a:solidFill>
-                  <a:srgbClr val="008013"/>
-                </a:solidFill>
-                <a:effectLst/>
-                <a:latin typeface="Menlo"/>
-              </a:rPr>
-              <a:t> las </a:t>
-            </a:r>
-            <a:r>
-              <a:rPr lang="en-US" sz="1800" b="0" i="0" err="1">
-                <a:solidFill>
-                  <a:srgbClr val="008013"/>
-                </a:solidFill>
-                <a:effectLst/>
-                <a:latin typeface="Menlo"/>
-              </a:rPr>
-              <a:t>respuestas</a:t>
-            </a:r>
-            <a:endParaRPr lang="en-US" sz="1800" b="0" i="0">
-              <a:effectLst/>
-              <a:latin typeface="Menlo"/>
-            </a:endParaRPr>
-          </a:p>
-          <a:p>
-            <a:r>
-              <a:rPr lang="en-US" sz="1800" b="0" i="0">
-                <a:effectLst/>
-                <a:latin typeface="Menlo"/>
-              </a:rPr>
-              <a:t>figure;</a:t>
-            </a:r>
-          </a:p>
-          <a:p>
-            <a:br>
-              <a:rPr lang="en-US" sz="1800" b="0" i="0">
-                <a:effectLst/>
-                <a:latin typeface="Menlo"/>
-              </a:rPr>
-            </a:br>
-            <a:endParaRPr lang="en-US" sz="1800" b="0" i="0">
-              <a:effectLst/>
-              <a:latin typeface="Menlo"/>
-            </a:endParaRPr>
-          </a:p>
-          <a:p>
-            <a:r>
-              <a:rPr lang="en-US" sz="1800" b="0" i="0">
-                <a:effectLst/>
-                <a:latin typeface="Menlo"/>
-              </a:rPr>
-              <a:t>subplot(1, 1, 1);</a:t>
-            </a:r>
-          </a:p>
-          <a:p>
-            <a:r>
-              <a:rPr lang="en-US" sz="1800" b="0" i="0">
-                <a:effectLst/>
-                <a:latin typeface="Menlo"/>
-              </a:rPr>
-              <a:t>plot(</a:t>
-            </a:r>
-            <a:r>
-              <a:rPr lang="en-US" sz="1800" b="0" i="0" err="1">
-                <a:effectLst/>
-                <a:latin typeface="Menlo"/>
-              </a:rPr>
-              <a:t>t_values</a:t>
-            </a:r>
-            <a:r>
-              <a:rPr lang="en-US" sz="1800" b="0" i="0">
-                <a:effectLst/>
-                <a:latin typeface="Menlo"/>
-              </a:rPr>
-              <a:t>, double(</a:t>
-            </a:r>
-            <a:r>
-              <a:rPr lang="en-US" sz="1800" b="0" i="0" err="1">
-                <a:effectLst/>
-                <a:latin typeface="Menlo"/>
-              </a:rPr>
-              <a:t>respuesta_escalon</a:t>
-            </a:r>
-            <a:r>
-              <a:rPr lang="en-US" sz="1800" b="0" i="0">
-                <a:effectLst/>
-                <a:latin typeface="Menlo"/>
-              </a:rPr>
-              <a:t>));</a:t>
-            </a:r>
-          </a:p>
-          <a:p>
-            <a:r>
-              <a:rPr lang="en-US" sz="1800" b="0" i="0" err="1">
-                <a:effectLst/>
-                <a:latin typeface="Menlo"/>
-              </a:rPr>
-              <a:t>xlabel</a:t>
-            </a:r>
-            <a:r>
-              <a:rPr lang="en-US" sz="1800" b="0" i="0">
-                <a:effectLst/>
-                <a:latin typeface="Menlo"/>
-              </a:rPr>
-              <a:t>(</a:t>
-            </a:r>
-            <a:r>
-              <a:rPr lang="en-US" sz="1800" b="0" i="0">
-                <a:solidFill>
-                  <a:srgbClr val="A709F5"/>
-                </a:solidFill>
-                <a:effectLst/>
-                <a:latin typeface="Menlo"/>
-              </a:rPr>
-              <a:t>'</a:t>
-            </a:r>
-            <a:r>
-              <a:rPr lang="en-US" sz="1800" b="0" i="0" err="1">
-                <a:solidFill>
-                  <a:srgbClr val="A709F5"/>
-                </a:solidFill>
-                <a:effectLst/>
-                <a:latin typeface="Menlo"/>
-              </a:rPr>
-              <a:t>Tiempo</a:t>
-            </a:r>
-            <a:r>
-              <a:rPr lang="en-US" sz="1800" b="0" i="0">
-                <a:solidFill>
-                  <a:srgbClr val="A709F5"/>
-                </a:solidFill>
-                <a:effectLst/>
-                <a:latin typeface="Menlo"/>
-              </a:rPr>
-              <a:t> continuo (t)'</a:t>
-            </a:r>
-            <a:r>
-              <a:rPr lang="en-US" sz="1800" b="0" i="0">
-                <a:effectLst/>
-                <a:latin typeface="Menlo"/>
-              </a:rPr>
-              <a:t>);</a:t>
-            </a:r>
-          </a:p>
-          <a:p>
-            <a:r>
-              <a:rPr lang="en-US" sz="1800" b="0" i="0" err="1">
-                <a:effectLst/>
-                <a:latin typeface="Menlo"/>
-              </a:rPr>
-              <a:t>ylabel</a:t>
-            </a:r>
-            <a:r>
-              <a:rPr lang="en-US" sz="1800" b="0" i="0">
-                <a:effectLst/>
-                <a:latin typeface="Menlo"/>
-              </a:rPr>
-              <a:t>(</a:t>
-            </a:r>
-            <a:r>
-              <a:rPr lang="en-US" sz="1800" b="0" i="0">
-                <a:solidFill>
-                  <a:srgbClr val="A709F5"/>
-                </a:solidFill>
-                <a:effectLst/>
-                <a:latin typeface="Menlo"/>
-              </a:rPr>
-              <a:t>'Respuesta al </a:t>
-            </a:r>
-            <a:r>
-              <a:rPr lang="en-US" sz="1800" b="0" i="0" err="1">
-                <a:solidFill>
-                  <a:srgbClr val="A709F5"/>
-                </a:solidFill>
-                <a:effectLst/>
-                <a:latin typeface="Menlo"/>
-              </a:rPr>
-              <a:t>escalón</a:t>
-            </a:r>
-            <a:r>
-              <a:rPr lang="en-US" sz="1800" b="0" i="0">
-                <a:solidFill>
-                  <a:srgbClr val="A709F5"/>
-                </a:solidFill>
-                <a:effectLst/>
-                <a:latin typeface="Menlo"/>
-              </a:rPr>
-              <a:t>'</a:t>
-            </a:r>
-            <a:r>
-              <a:rPr lang="en-US" sz="1800" b="0" i="0">
-                <a:effectLst/>
-                <a:latin typeface="Menlo"/>
-              </a:rPr>
-              <a:t>);</a:t>
-            </a:r>
-          </a:p>
-          <a:p>
-            <a:r>
-              <a:rPr lang="en-US" sz="1800" b="0" i="0">
-                <a:effectLst/>
-                <a:latin typeface="Menlo"/>
-              </a:rPr>
-              <a:t>title(</a:t>
-            </a:r>
-            <a:r>
-              <a:rPr lang="en-US" sz="1800" b="0" i="0">
-                <a:solidFill>
-                  <a:srgbClr val="A709F5"/>
-                </a:solidFill>
-                <a:effectLst/>
-                <a:latin typeface="Menlo"/>
-              </a:rPr>
-              <a:t>'Respuesta al </a:t>
-            </a:r>
-            <a:r>
-              <a:rPr lang="en-US" sz="1800" b="0" i="0" err="1">
-                <a:solidFill>
-                  <a:srgbClr val="A709F5"/>
-                </a:solidFill>
-                <a:effectLst/>
-                <a:latin typeface="Menlo"/>
-              </a:rPr>
-              <a:t>Escalón</a:t>
-            </a:r>
-            <a:r>
-              <a:rPr lang="en-US" sz="1800" b="0" i="0">
-                <a:solidFill>
-                  <a:srgbClr val="A709F5"/>
-                </a:solidFill>
-                <a:effectLst/>
-                <a:latin typeface="Menlo"/>
-              </a:rPr>
-              <a:t>'</a:t>
-            </a:r>
-            <a:r>
-              <a:rPr lang="en-US" sz="1800" b="0" i="0">
-                <a:effectLst/>
-                <a:latin typeface="Menlo"/>
-              </a:rPr>
-              <a:t>);</a:t>
-            </a:r>
-          </a:p>
-          <a:p>
-            <a:endParaRPr lang="en-US"/>
+            <a:endParaRPr lang="en-US" dirty="0"/>
           </a:p>
         </p:txBody>
       </p:sp>
@@ -5349,1119 +4382,11 @@
         <p:spPr/>
         <p:txBody>
           <a:bodyPr>
-            <a:normAutofit fontScale="25000" lnSpcReduction="20000"/>
+            <a:normAutofit/>
           </a:bodyPr>
           <a:lstStyle/>
           <a:p>
-            <a:r>
-              <a:rPr lang="en-US" sz="1800" b="0" i="0">
-                <a:solidFill>
-                  <a:srgbClr val="008013"/>
-                </a:solidFill>
-                <a:effectLst/>
-                <a:latin typeface="Menlo"/>
-              </a:rPr>
-              <a:t>% </a:t>
-            </a:r>
-            <a:r>
-              <a:rPr lang="en-US" sz="1800" b="0" i="0" err="1">
-                <a:solidFill>
-                  <a:srgbClr val="008013"/>
-                </a:solidFill>
-                <a:effectLst/>
-                <a:latin typeface="Menlo"/>
-              </a:rPr>
-              <a:t>Definir</a:t>
-            </a:r>
-            <a:r>
-              <a:rPr lang="en-US" sz="1800" b="0" i="0">
-                <a:solidFill>
-                  <a:srgbClr val="008013"/>
-                </a:solidFill>
-                <a:effectLst/>
-                <a:latin typeface="Menlo"/>
-              </a:rPr>
-              <a:t> </a:t>
-            </a:r>
-            <a:r>
-              <a:rPr lang="en-US" sz="1800" b="0" i="0" err="1">
-                <a:solidFill>
-                  <a:srgbClr val="008013"/>
-                </a:solidFill>
-                <a:effectLst/>
-                <a:latin typeface="Menlo"/>
-              </a:rPr>
-              <a:t>constantes</a:t>
-            </a:r>
-            <a:r>
-              <a:rPr lang="en-US" sz="1800" b="0" i="0">
-                <a:solidFill>
-                  <a:srgbClr val="008013"/>
-                </a:solidFill>
-                <a:effectLst/>
-                <a:latin typeface="Menlo"/>
-              </a:rPr>
-              <a:t> del </a:t>
-            </a:r>
-            <a:r>
-              <a:rPr lang="en-US" sz="1800" b="0" i="0" err="1">
-                <a:solidFill>
-                  <a:srgbClr val="008013"/>
-                </a:solidFill>
-                <a:effectLst/>
-                <a:latin typeface="Menlo"/>
-              </a:rPr>
-              <a:t>sistema</a:t>
-            </a:r>
-            <a:endParaRPr lang="en-US" sz="1800" b="0" i="0">
-              <a:effectLst/>
-              <a:latin typeface="Menlo"/>
-            </a:endParaRPr>
-          </a:p>
-          <a:p>
-            <a:r>
-              <a:rPr lang="en-US" sz="1800" b="0" i="0">
-                <a:effectLst/>
-                <a:latin typeface="Menlo"/>
-              </a:rPr>
-              <a:t>R = 1; </a:t>
-            </a:r>
-            <a:r>
-              <a:rPr lang="en-US" sz="1800" b="0" i="0">
-                <a:solidFill>
-                  <a:srgbClr val="008013"/>
-                </a:solidFill>
-                <a:effectLst/>
-                <a:latin typeface="Menlo"/>
-              </a:rPr>
-              <a:t>% Resistencia </a:t>
-            </a:r>
-            <a:r>
-              <a:rPr lang="en-US" sz="1800" b="0" i="0" err="1">
-                <a:solidFill>
-                  <a:srgbClr val="008013"/>
-                </a:solidFill>
-                <a:effectLst/>
-                <a:latin typeface="Menlo"/>
-              </a:rPr>
-              <a:t>en</a:t>
-            </a:r>
-            <a:r>
-              <a:rPr lang="en-US" sz="1800" b="0" i="0">
-                <a:solidFill>
-                  <a:srgbClr val="008013"/>
-                </a:solidFill>
-                <a:effectLst/>
-                <a:latin typeface="Menlo"/>
-              </a:rPr>
-              <a:t> ohms</a:t>
-            </a:r>
-            <a:endParaRPr lang="en-US" sz="1800" b="0" i="0">
-              <a:effectLst/>
-              <a:latin typeface="Menlo"/>
-            </a:endParaRPr>
-          </a:p>
-          <a:p>
-            <a:r>
-              <a:rPr lang="en-US" sz="1800" b="0" i="0">
-                <a:effectLst/>
-                <a:latin typeface="Menlo"/>
-              </a:rPr>
-              <a:t>C = 1; </a:t>
-            </a:r>
-            <a:r>
-              <a:rPr lang="en-US" sz="1800" b="0" i="0">
-                <a:solidFill>
-                  <a:srgbClr val="008013"/>
-                </a:solidFill>
-                <a:effectLst/>
-                <a:latin typeface="Menlo"/>
-              </a:rPr>
-              <a:t>% </a:t>
-            </a:r>
-            <a:r>
-              <a:rPr lang="en-US" sz="1800" b="0" i="0" err="1">
-                <a:solidFill>
-                  <a:srgbClr val="008013"/>
-                </a:solidFill>
-                <a:effectLst/>
-                <a:latin typeface="Menlo"/>
-              </a:rPr>
-              <a:t>Capacitancia</a:t>
-            </a:r>
-            <a:r>
-              <a:rPr lang="en-US" sz="1800" b="0" i="0">
-                <a:solidFill>
-                  <a:srgbClr val="008013"/>
-                </a:solidFill>
-                <a:effectLst/>
-                <a:latin typeface="Menlo"/>
-              </a:rPr>
-              <a:t> </a:t>
-            </a:r>
-            <a:r>
-              <a:rPr lang="en-US" sz="1800" b="0" i="0" err="1">
-                <a:solidFill>
-                  <a:srgbClr val="008013"/>
-                </a:solidFill>
-                <a:effectLst/>
-                <a:latin typeface="Menlo"/>
-              </a:rPr>
-              <a:t>en</a:t>
-            </a:r>
-            <a:r>
-              <a:rPr lang="en-US" sz="1800" b="0" i="0">
-                <a:solidFill>
-                  <a:srgbClr val="008013"/>
-                </a:solidFill>
-                <a:effectLst/>
-                <a:latin typeface="Menlo"/>
-              </a:rPr>
-              <a:t> </a:t>
-            </a:r>
-            <a:r>
-              <a:rPr lang="en-US" sz="1800" b="0" i="0" err="1">
-                <a:solidFill>
-                  <a:srgbClr val="008013"/>
-                </a:solidFill>
-                <a:effectLst/>
-                <a:latin typeface="Menlo"/>
-              </a:rPr>
-              <a:t>faradios</a:t>
-            </a:r>
-            <a:endParaRPr lang="en-US" sz="1800" b="0" i="0">
-              <a:effectLst/>
-              <a:latin typeface="Menlo"/>
-            </a:endParaRPr>
-          </a:p>
-          <a:p>
-            <a:r>
-              <a:rPr lang="en-US" sz="1800" b="0" i="0">
-                <a:effectLst/>
-                <a:latin typeface="Menlo"/>
-              </a:rPr>
-              <a:t>tau = R * C; </a:t>
-            </a:r>
-            <a:r>
-              <a:rPr lang="en-US" sz="1800" b="0" i="0">
-                <a:solidFill>
-                  <a:srgbClr val="008013"/>
-                </a:solidFill>
-                <a:effectLst/>
-                <a:latin typeface="Menlo"/>
-              </a:rPr>
-              <a:t>% </a:t>
-            </a:r>
-            <a:r>
-              <a:rPr lang="en-US" sz="1800" b="0" i="0" err="1">
-                <a:solidFill>
-                  <a:srgbClr val="008013"/>
-                </a:solidFill>
-                <a:effectLst/>
-                <a:latin typeface="Menlo"/>
-              </a:rPr>
-              <a:t>Constante</a:t>
-            </a:r>
-            <a:r>
-              <a:rPr lang="en-US" sz="1800" b="0" i="0">
-                <a:solidFill>
-                  <a:srgbClr val="008013"/>
-                </a:solidFill>
-                <a:effectLst/>
-                <a:latin typeface="Menlo"/>
-              </a:rPr>
-              <a:t> de </a:t>
-            </a:r>
-            <a:r>
-              <a:rPr lang="en-US" sz="1800" b="0" i="0" err="1">
-                <a:solidFill>
-                  <a:srgbClr val="008013"/>
-                </a:solidFill>
-                <a:effectLst/>
-                <a:latin typeface="Menlo"/>
-              </a:rPr>
-              <a:t>tiempo</a:t>
-            </a:r>
-            <a:endParaRPr lang="en-US" sz="1800" b="0" i="0">
-              <a:effectLst/>
-              <a:latin typeface="Menlo"/>
-            </a:endParaRPr>
-          </a:p>
-          <a:p>
-            <a:br>
-              <a:rPr lang="en-US" sz="1800" b="0" i="0">
-                <a:effectLst/>
-                <a:latin typeface="Menlo"/>
-              </a:rPr>
-            </a:br>
-            <a:endParaRPr lang="en-US" sz="1800" b="0" i="0">
-              <a:effectLst/>
-              <a:latin typeface="Menlo"/>
-            </a:endParaRPr>
-          </a:p>
-          <a:p>
-            <a:r>
-              <a:rPr lang="en-US" sz="1800" b="0" i="0">
-                <a:effectLst/>
-                <a:latin typeface="Menlo"/>
-              </a:rPr>
-              <a:t>K = 1; </a:t>
-            </a:r>
-            <a:r>
-              <a:rPr lang="en-US" sz="1800" b="0" i="0">
-                <a:solidFill>
-                  <a:srgbClr val="008013"/>
-                </a:solidFill>
-                <a:effectLst/>
-                <a:latin typeface="Menlo"/>
-              </a:rPr>
-              <a:t>% </a:t>
-            </a:r>
-            <a:r>
-              <a:rPr lang="en-US" sz="1800" b="0" i="0" err="1">
-                <a:solidFill>
-                  <a:srgbClr val="008013"/>
-                </a:solidFill>
-                <a:effectLst/>
-                <a:latin typeface="Menlo"/>
-              </a:rPr>
-              <a:t>Ganancia</a:t>
-            </a:r>
-            <a:endParaRPr lang="en-US" sz="1800" b="0" i="0">
-              <a:effectLst/>
-              <a:latin typeface="Menlo"/>
-            </a:endParaRPr>
-          </a:p>
-          <a:p>
-            <a:br>
-              <a:rPr lang="en-US" sz="1800" b="0" i="0">
-                <a:effectLst/>
-                <a:latin typeface="Menlo"/>
-              </a:rPr>
-            </a:br>
-            <a:endParaRPr lang="en-US" sz="1800" b="0" i="0">
-              <a:effectLst/>
-              <a:latin typeface="Menlo"/>
-            </a:endParaRPr>
-          </a:p>
-          <a:p>
-            <a:r>
-              <a:rPr lang="en-US" sz="1800" b="0" i="0">
-                <a:solidFill>
-                  <a:srgbClr val="008013"/>
-                </a:solidFill>
-                <a:effectLst/>
-                <a:latin typeface="Menlo"/>
-              </a:rPr>
-              <a:t>% </a:t>
-            </a:r>
-            <a:r>
-              <a:rPr lang="en-US" sz="1800" b="0" i="0" err="1">
-                <a:solidFill>
-                  <a:srgbClr val="008013"/>
-                </a:solidFill>
-                <a:effectLst/>
-                <a:latin typeface="Menlo"/>
-              </a:rPr>
-              <a:t>Definir</a:t>
-            </a:r>
-            <a:r>
-              <a:rPr lang="en-US" sz="1800" b="0" i="0">
-                <a:solidFill>
-                  <a:srgbClr val="008013"/>
-                </a:solidFill>
-                <a:effectLst/>
-                <a:latin typeface="Menlo"/>
-              </a:rPr>
-              <a:t> la variable de </a:t>
-            </a:r>
-            <a:r>
-              <a:rPr lang="en-US" sz="1800" b="0" i="0" err="1">
-                <a:solidFill>
-                  <a:srgbClr val="008013"/>
-                </a:solidFill>
-                <a:effectLst/>
-                <a:latin typeface="Menlo"/>
-              </a:rPr>
-              <a:t>estado</a:t>
-            </a:r>
-            <a:r>
-              <a:rPr lang="en-US" sz="1800" b="0" i="0">
-                <a:solidFill>
-                  <a:srgbClr val="008013"/>
-                </a:solidFill>
-                <a:effectLst/>
-                <a:latin typeface="Menlo"/>
-              </a:rPr>
-              <a:t> x(t)</a:t>
-            </a:r>
-            <a:endParaRPr lang="en-US" sz="1800" b="0" i="0">
-              <a:effectLst/>
-              <a:latin typeface="Menlo"/>
-            </a:endParaRPr>
-          </a:p>
-          <a:p>
-            <a:r>
-              <a:rPr lang="en-US" sz="1800" b="0" i="0" err="1">
-                <a:effectLst/>
-                <a:latin typeface="Menlo"/>
-              </a:rPr>
-              <a:t>syms</a:t>
-            </a:r>
-            <a:r>
-              <a:rPr lang="en-US" sz="1800" b="0" i="0">
-                <a:effectLst/>
-                <a:latin typeface="Menlo"/>
-              </a:rPr>
-              <a:t> </a:t>
-            </a:r>
-            <a:r>
-              <a:rPr lang="en-US" sz="1800" b="0" i="0">
-                <a:solidFill>
-                  <a:srgbClr val="A709F5"/>
-                </a:solidFill>
-                <a:effectLst/>
-                <a:latin typeface="Menlo"/>
-              </a:rPr>
-              <a:t>x(t)</a:t>
-            </a:r>
-            <a:r>
-              <a:rPr lang="en-US" sz="1800" b="0" i="0">
-                <a:effectLst/>
-                <a:latin typeface="Menlo"/>
-              </a:rPr>
-              <a:t>;</a:t>
-            </a:r>
-          </a:p>
-          <a:p>
-            <a:br>
-              <a:rPr lang="en-US" sz="1800" b="0" i="0">
-                <a:effectLst/>
-                <a:latin typeface="Menlo"/>
-              </a:rPr>
-            </a:br>
-            <a:endParaRPr lang="en-US" sz="1800" b="0" i="0">
-              <a:effectLst/>
-              <a:latin typeface="Menlo"/>
-            </a:endParaRPr>
-          </a:p>
-          <a:p>
-            <a:r>
-              <a:rPr lang="en-US" sz="1800" b="0" i="0">
-                <a:solidFill>
-                  <a:srgbClr val="008013"/>
-                </a:solidFill>
-                <a:effectLst/>
-                <a:latin typeface="Menlo"/>
-              </a:rPr>
-              <a:t>% </a:t>
-            </a:r>
-            <a:r>
-              <a:rPr lang="en-US" sz="1800" b="0" i="0" err="1">
-                <a:solidFill>
-                  <a:srgbClr val="008013"/>
-                </a:solidFill>
-                <a:effectLst/>
-                <a:latin typeface="Menlo"/>
-              </a:rPr>
-              <a:t>Ecuación</a:t>
-            </a:r>
-            <a:r>
-              <a:rPr lang="en-US" sz="1800" b="0" i="0">
-                <a:solidFill>
-                  <a:srgbClr val="008013"/>
-                </a:solidFill>
-                <a:effectLst/>
-                <a:latin typeface="Menlo"/>
-              </a:rPr>
-              <a:t> </a:t>
-            </a:r>
-            <a:r>
-              <a:rPr lang="en-US" sz="1800" b="0" i="0" err="1">
-                <a:solidFill>
-                  <a:srgbClr val="008013"/>
-                </a:solidFill>
-                <a:effectLst/>
-                <a:latin typeface="Menlo"/>
-              </a:rPr>
-              <a:t>diferencial</a:t>
-            </a:r>
-            <a:r>
-              <a:rPr lang="en-US" sz="1800" b="0" i="0">
-                <a:solidFill>
-                  <a:srgbClr val="008013"/>
-                </a:solidFill>
-                <a:effectLst/>
-                <a:latin typeface="Menlo"/>
-              </a:rPr>
-              <a:t> del </a:t>
-            </a:r>
-            <a:r>
-              <a:rPr lang="en-US" sz="1800" b="0" i="0" err="1">
-                <a:solidFill>
-                  <a:srgbClr val="008013"/>
-                </a:solidFill>
-                <a:effectLst/>
-                <a:latin typeface="Menlo"/>
-              </a:rPr>
-              <a:t>sistema</a:t>
-            </a:r>
-            <a:endParaRPr lang="en-US" sz="1800" b="0" i="0">
-              <a:effectLst/>
-              <a:latin typeface="Menlo"/>
-            </a:endParaRPr>
-          </a:p>
-          <a:p>
-            <a:r>
-              <a:rPr lang="en-US" sz="1800" b="0" i="0">
-                <a:effectLst/>
-                <a:latin typeface="Menlo"/>
-              </a:rPr>
-              <a:t>eq = tau * diff(x(t), t) + x(t) == K * </a:t>
-            </a:r>
-            <a:r>
-              <a:rPr lang="en-US" sz="1800" b="0" i="0" err="1">
-                <a:effectLst/>
-                <a:latin typeface="Menlo"/>
-              </a:rPr>
-              <a:t>heaviside</a:t>
-            </a:r>
-            <a:r>
-              <a:rPr lang="en-US" sz="1800" b="0" i="0">
-                <a:effectLst/>
-                <a:latin typeface="Menlo"/>
-              </a:rPr>
-              <a:t>(t);</a:t>
-            </a:r>
-          </a:p>
-          <a:p>
-            <a:br>
-              <a:rPr lang="en-US" sz="1800" b="0" i="0">
-                <a:effectLst/>
-                <a:latin typeface="Menlo"/>
-              </a:rPr>
-            </a:br>
-            <a:endParaRPr lang="en-US" sz="1800" b="0" i="0">
-              <a:effectLst/>
-              <a:latin typeface="Menlo"/>
-            </a:endParaRPr>
-          </a:p>
-          <a:p>
-            <a:r>
-              <a:rPr lang="en-US" sz="1800" b="0" i="0">
-                <a:solidFill>
-                  <a:srgbClr val="008013"/>
-                </a:solidFill>
-                <a:effectLst/>
-                <a:latin typeface="Menlo"/>
-              </a:rPr>
-              <a:t>% Resolver la </a:t>
-            </a:r>
-            <a:r>
-              <a:rPr lang="en-US" sz="1800" b="0" i="0" err="1">
-                <a:solidFill>
-                  <a:srgbClr val="008013"/>
-                </a:solidFill>
-                <a:effectLst/>
-                <a:latin typeface="Menlo"/>
-              </a:rPr>
-              <a:t>ecuación</a:t>
-            </a:r>
-            <a:r>
-              <a:rPr lang="en-US" sz="1800" b="0" i="0">
-                <a:solidFill>
-                  <a:srgbClr val="008013"/>
-                </a:solidFill>
-                <a:effectLst/>
-                <a:latin typeface="Menlo"/>
-              </a:rPr>
-              <a:t> </a:t>
-            </a:r>
-            <a:r>
-              <a:rPr lang="en-US" sz="1800" b="0" i="0" err="1">
-                <a:solidFill>
-                  <a:srgbClr val="008013"/>
-                </a:solidFill>
-                <a:effectLst/>
-                <a:latin typeface="Menlo"/>
-              </a:rPr>
-              <a:t>diferencial</a:t>
-            </a:r>
-            <a:endParaRPr lang="en-US" sz="1800" b="0" i="0">
-              <a:effectLst/>
-              <a:latin typeface="Menlo"/>
-            </a:endParaRPr>
-          </a:p>
-          <a:p>
-            <a:r>
-              <a:rPr lang="en-US" sz="1800" b="0" i="0">
-                <a:effectLst/>
-                <a:latin typeface="Menlo"/>
-              </a:rPr>
-              <a:t>sol = </a:t>
-            </a:r>
-            <a:r>
-              <a:rPr lang="en-US" sz="1800" b="0" i="0" err="1">
-                <a:effectLst/>
-                <a:latin typeface="Menlo"/>
-              </a:rPr>
-              <a:t>dsolve</a:t>
-            </a:r>
-            <a:r>
-              <a:rPr lang="en-US" sz="1800" b="0" i="0">
-                <a:effectLst/>
-                <a:latin typeface="Menlo"/>
-              </a:rPr>
-              <a:t>(eq, x(0) == 0);</a:t>
-            </a:r>
-          </a:p>
-          <a:p>
-            <a:br>
-              <a:rPr lang="en-US" sz="1800" b="0" i="0">
-                <a:effectLst/>
-                <a:latin typeface="Menlo"/>
-              </a:rPr>
-            </a:br>
-            <a:endParaRPr lang="en-US" sz="1800" b="0" i="0">
-              <a:effectLst/>
-              <a:latin typeface="Menlo"/>
-            </a:endParaRPr>
-          </a:p>
-          <a:p>
-            <a:r>
-              <a:rPr lang="en-US" sz="1800" b="0" i="0">
-                <a:solidFill>
-                  <a:srgbClr val="008013"/>
-                </a:solidFill>
-                <a:effectLst/>
-                <a:latin typeface="Menlo"/>
-              </a:rPr>
-              <a:t>% </a:t>
-            </a:r>
-            <a:r>
-              <a:rPr lang="en-US" sz="1800" b="0" i="0" err="1">
-                <a:solidFill>
-                  <a:srgbClr val="008013"/>
-                </a:solidFill>
-                <a:effectLst/>
-                <a:latin typeface="Menlo"/>
-              </a:rPr>
-              <a:t>Tiempo</a:t>
-            </a:r>
-            <a:r>
-              <a:rPr lang="en-US" sz="1800" b="0" i="0">
-                <a:solidFill>
-                  <a:srgbClr val="008013"/>
-                </a:solidFill>
-                <a:effectLst/>
-                <a:latin typeface="Menlo"/>
-              </a:rPr>
-              <a:t> continuo para las </a:t>
-            </a:r>
-            <a:r>
-              <a:rPr lang="en-US" sz="1800" b="0" i="0" err="1">
-                <a:solidFill>
-                  <a:srgbClr val="008013"/>
-                </a:solidFill>
-                <a:effectLst/>
-                <a:latin typeface="Menlo"/>
-              </a:rPr>
-              <a:t>respuestas</a:t>
-            </a:r>
-            <a:endParaRPr lang="en-US" sz="1800" b="0" i="0">
-              <a:effectLst/>
-              <a:latin typeface="Menlo"/>
-            </a:endParaRPr>
-          </a:p>
-          <a:p>
-            <a:r>
-              <a:rPr lang="en-US" sz="1800" b="0" i="0" err="1">
-                <a:effectLst/>
-                <a:latin typeface="Menlo"/>
-              </a:rPr>
-              <a:t>t_values</a:t>
-            </a:r>
-            <a:r>
-              <a:rPr lang="en-US" sz="1800" b="0" i="0">
-                <a:effectLst/>
-                <a:latin typeface="Menlo"/>
-              </a:rPr>
-              <a:t> = 0:0.1:10;</a:t>
-            </a:r>
-          </a:p>
-          <a:p>
-            <a:br>
-              <a:rPr lang="en-US" sz="1800" b="0" i="0">
-                <a:effectLst/>
-                <a:latin typeface="Menlo"/>
-              </a:rPr>
-            </a:br>
-            <a:endParaRPr lang="en-US" sz="1800" b="0" i="0">
-              <a:effectLst/>
-              <a:latin typeface="Menlo"/>
-            </a:endParaRPr>
-          </a:p>
-          <a:p>
-            <a:r>
-              <a:rPr lang="en-US" sz="1800" b="0" i="0">
-                <a:solidFill>
-                  <a:srgbClr val="008013"/>
-                </a:solidFill>
-                <a:effectLst/>
-                <a:latin typeface="Menlo"/>
-              </a:rPr>
-              <a:t>% Respuesta al </a:t>
-            </a:r>
-            <a:r>
-              <a:rPr lang="en-US" sz="1800" b="0" i="0" err="1">
-                <a:solidFill>
-                  <a:srgbClr val="008013"/>
-                </a:solidFill>
-                <a:effectLst/>
-                <a:latin typeface="Menlo"/>
-              </a:rPr>
-              <a:t>escalón</a:t>
-            </a:r>
-            <a:endParaRPr lang="en-US" sz="1800" b="0" i="0">
-              <a:effectLst/>
-              <a:latin typeface="Menlo"/>
-            </a:endParaRPr>
-          </a:p>
-          <a:p>
-            <a:r>
-              <a:rPr lang="en-US" sz="1800" b="0" i="0" err="1">
-                <a:effectLst/>
-                <a:latin typeface="Menlo"/>
-              </a:rPr>
-              <a:t>respuesta_escalon</a:t>
-            </a:r>
-            <a:r>
-              <a:rPr lang="en-US" sz="1800" b="0" i="0">
-                <a:effectLst/>
-                <a:latin typeface="Menlo"/>
-              </a:rPr>
-              <a:t> = subs(sol, t, </a:t>
-            </a:r>
-            <a:r>
-              <a:rPr lang="en-US" sz="1800" b="0" i="0" err="1">
-                <a:effectLst/>
-                <a:latin typeface="Menlo"/>
-              </a:rPr>
-              <a:t>t_values</a:t>
-            </a:r>
-            <a:r>
-              <a:rPr lang="en-US" sz="1800" b="0" i="0">
-                <a:effectLst/>
-                <a:latin typeface="Menlo"/>
-              </a:rPr>
-              <a:t>);</a:t>
-            </a:r>
-          </a:p>
-          <a:p>
-            <a:br>
-              <a:rPr lang="en-US" sz="1800" b="0" i="0">
-                <a:effectLst/>
-                <a:latin typeface="Menlo"/>
-              </a:rPr>
-            </a:br>
-            <a:endParaRPr lang="en-US" sz="1800" b="0" i="0">
-              <a:effectLst/>
-              <a:latin typeface="Menlo"/>
-            </a:endParaRPr>
-          </a:p>
-          <a:p>
-            <a:r>
-              <a:rPr lang="en-US" sz="1800" b="0" i="0">
-                <a:solidFill>
-                  <a:srgbClr val="008013"/>
-                </a:solidFill>
-                <a:effectLst/>
-                <a:latin typeface="Menlo"/>
-              </a:rPr>
-              <a:t>% Respuesta al </a:t>
-            </a:r>
-            <a:r>
-              <a:rPr lang="en-US" sz="1800" b="0" i="0" err="1">
-                <a:solidFill>
-                  <a:srgbClr val="008013"/>
-                </a:solidFill>
-                <a:effectLst/>
-                <a:latin typeface="Menlo"/>
-              </a:rPr>
-              <a:t>impulso</a:t>
-            </a:r>
-            <a:endParaRPr lang="en-US" sz="1800" b="0" i="0">
-              <a:effectLst/>
-              <a:latin typeface="Menlo"/>
-            </a:endParaRPr>
-          </a:p>
-          <a:p>
-            <a:r>
-              <a:rPr lang="en-US" sz="1800" b="0" i="0" err="1">
-                <a:effectLst/>
-                <a:latin typeface="Menlo"/>
-              </a:rPr>
-              <a:t>respuesta_impulso</a:t>
-            </a:r>
-            <a:r>
-              <a:rPr lang="en-US" sz="1800" b="0" i="0">
-                <a:effectLst/>
-                <a:latin typeface="Menlo"/>
-              </a:rPr>
-              <a:t> = subs(diff(sol, t), t, </a:t>
-            </a:r>
-            <a:r>
-              <a:rPr lang="en-US" sz="1800" b="0" i="0" err="1">
-                <a:effectLst/>
-                <a:latin typeface="Menlo"/>
-              </a:rPr>
-              <a:t>t_values</a:t>
-            </a:r>
-            <a:r>
-              <a:rPr lang="en-US" sz="1800" b="0" i="0">
-                <a:effectLst/>
-                <a:latin typeface="Menlo"/>
-              </a:rPr>
-              <a:t>);</a:t>
-            </a:r>
-          </a:p>
-          <a:p>
-            <a:br>
-              <a:rPr lang="en-US" sz="1800" b="0" i="0">
-                <a:effectLst/>
-                <a:latin typeface="Menlo"/>
-              </a:rPr>
-            </a:br>
-            <a:endParaRPr lang="en-US" sz="1800" b="0" i="0">
-              <a:effectLst/>
-              <a:latin typeface="Menlo"/>
-            </a:endParaRPr>
-          </a:p>
-          <a:p>
-            <a:r>
-              <a:rPr lang="en-US" sz="1800" b="0" i="0">
-                <a:solidFill>
-                  <a:srgbClr val="008013"/>
-                </a:solidFill>
-                <a:effectLst/>
-                <a:latin typeface="Menlo"/>
-              </a:rPr>
-              <a:t>% Respuesta a la rampa</a:t>
-            </a:r>
-            <a:endParaRPr lang="en-US" sz="1800" b="0" i="0">
-              <a:effectLst/>
-              <a:latin typeface="Menlo"/>
-            </a:endParaRPr>
-          </a:p>
-          <a:p>
-            <a:r>
-              <a:rPr lang="en-US" sz="1800" b="0" i="0" err="1">
-                <a:effectLst/>
-                <a:latin typeface="Menlo"/>
-              </a:rPr>
-              <a:t>respuesta_rampa</a:t>
-            </a:r>
-            <a:r>
-              <a:rPr lang="en-US" sz="1800" b="0" i="0">
-                <a:effectLst/>
-                <a:latin typeface="Menlo"/>
-              </a:rPr>
-              <a:t> = subs(int(sol, t), t, </a:t>
-            </a:r>
-            <a:r>
-              <a:rPr lang="en-US" sz="1800" b="0" i="0" err="1">
-                <a:effectLst/>
-                <a:latin typeface="Menlo"/>
-              </a:rPr>
-              <a:t>t_values</a:t>
-            </a:r>
-            <a:r>
-              <a:rPr lang="en-US" sz="1800" b="0" i="0">
-                <a:effectLst/>
-                <a:latin typeface="Menlo"/>
-              </a:rPr>
-              <a:t>);</a:t>
-            </a:r>
-          </a:p>
-          <a:p>
-            <a:br>
-              <a:rPr lang="en-US" sz="1800" b="0" i="0">
-                <a:effectLst/>
-                <a:latin typeface="Menlo"/>
-              </a:rPr>
-            </a:br>
-            <a:endParaRPr lang="en-US" sz="1800" b="0" i="0">
-              <a:effectLst/>
-              <a:latin typeface="Menlo"/>
-            </a:endParaRPr>
-          </a:p>
-          <a:p>
-            <a:r>
-              <a:rPr lang="en-US" sz="1800" b="0" i="0">
-                <a:solidFill>
-                  <a:srgbClr val="008013"/>
-                </a:solidFill>
-                <a:effectLst/>
-                <a:latin typeface="Menlo"/>
-              </a:rPr>
-              <a:t>% </a:t>
-            </a:r>
-            <a:r>
-              <a:rPr lang="en-US" sz="1800" b="0" i="0" err="1">
-                <a:solidFill>
-                  <a:srgbClr val="008013"/>
-                </a:solidFill>
-                <a:effectLst/>
-                <a:latin typeface="Menlo"/>
-              </a:rPr>
-              <a:t>Graficar</a:t>
-            </a:r>
-            <a:r>
-              <a:rPr lang="en-US" sz="1800" b="0" i="0">
-                <a:solidFill>
-                  <a:srgbClr val="008013"/>
-                </a:solidFill>
-                <a:effectLst/>
-                <a:latin typeface="Menlo"/>
-              </a:rPr>
-              <a:t> las </a:t>
-            </a:r>
-            <a:r>
-              <a:rPr lang="en-US" sz="1800" b="0" i="0" err="1">
-                <a:solidFill>
-                  <a:srgbClr val="008013"/>
-                </a:solidFill>
-                <a:effectLst/>
-                <a:latin typeface="Menlo"/>
-              </a:rPr>
-              <a:t>respuestas</a:t>
-            </a:r>
-            <a:endParaRPr lang="en-US" sz="1800" b="0" i="0">
-              <a:effectLst/>
-              <a:latin typeface="Menlo"/>
-            </a:endParaRPr>
-          </a:p>
-          <a:p>
-            <a:r>
-              <a:rPr lang="en-US" sz="1800" b="0" i="0">
-                <a:effectLst/>
-                <a:latin typeface="Menlo"/>
-              </a:rPr>
-              <a:t>figure;</a:t>
-            </a:r>
-          </a:p>
-          <a:p>
-            <a:br>
-              <a:rPr lang="en-US" sz="1800" b="0" i="0">
-                <a:effectLst/>
-                <a:latin typeface="Menlo"/>
-              </a:rPr>
-            </a:br>
-            <a:endParaRPr lang="en-US" sz="1800" b="0" i="0">
-              <a:effectLst/>
-              <a:latin typeface="Menlo"/>
-            </a:endParaRPr>
-          </a:p>
-          <a:p>
-            <a:r>
-              <a:rPr lang="en-US" sz="1800" b="0" i="0">
-                <a:effectLst/>
-                <a:latin typeface="Menlo"/>
-              </a:rPr>
-              <a:t>subplot(1, 1, 1);</a:t>
-            </a:r>
-          </a:p>
-          <a:p>
-            <a:r>
-              <a:rPr lang="en-US" sz="1800" b="0" i="0">
-                <a:effectLst/>
-                <a:latin typeface="Menlo"/>
-              </a:rPr>
-              <a:t>plot(</a:t>
-            </a:r>
-            <a:r>
-              <a:rPr lang="en-US" sz="1800" b="0" i="0" err="1">
-                <a:effectLst/>
-                <a:latin typeface="Menlo"/>
-              </a:rPr>
-              <a:t>t_values</a:t>
-            </a:r>
-            <a:r>
-              <a:rPr lang="en-US" sz="1800" b="0" i="0">
-                <a:effectLst/>
-                <a:latin typeface="Menlo"/>
-              </a:rPr>
-              <a:t>, double(</a:t>
-            </a:r>
-            <a:r>
-              <a:rPr lang="en-US" sz="1800" b="0" i="0" err="1">
-                <a:effectLst/>
-                <a:latin typeface="Menlo"/>
-              </a:rPr>
-              <a:t>respuesta_escalon</a:t>
-            </a:r>
-            <a:r>
-              <a:rPr lang="en-US" sz="1800" b="0" i="0">
-                <a:effectLst/>
-                <a:latin typeface="Menlo"/>
-              </a:rPr>
-              <a:t>));</a:t>
-            </a:r>
-          </a:p>
-          <a:p>
-            <a:r>
-              <a:rPr lang="en-US" sz="1800" b="0" i="0" err="1">
-                <a:effectLst/>
-                <a:latin typeface="Menlo"/>
-              </a:rPr>
-              <a:t>xlabel</a:t>
-            </a:r>
-            <a:r>
-              <a:rPr lang="en-US" sz="1800" b="0" i="0">
-                <a:effectLst/>
-                <a:latin typeface="Menlo"/>
-              </a:rPr>
-              <a:t>(</a:t>
-            </a:r>
-            <a:r>
-              <a:rPr lang="en-US" sz="1800" b="0" i="0">
-                <a:solidFill>
-                  <a:srgbClr val="A709F5"/>
-                </a:solidFill>
-                <a:effectLst/>
-                <a:latin typeface="Menlo"/>
-              </a:rPr>
-              <a:t>'</a:t>
-            </a:r>
-            <a:r>
-              <a:rPr lang="en-US" sz="1800" b="0" i="0" err="1">
-                <a:solidFill>
-                  <a:srgbClr val="A709F5"/>
-                </a:solidFill>
-                <a:effectLst/>
-                <a:latin typeface="Menlo"/>
-              </a:rPr>
-              <a:t>Tiempo</a:t>
-            </a:r>
-            <a:r>
-              <a:rPr lang="en-US" sz="1800" b="0" i="0">
-                <a:solidFill>
-                  <a:srgbClr val="A709F5"/>
-                </a:solidFill>
-                <a:effectLst/>
-                <a:latin typeface="Menlo"/>
-              </a:rPr>
-              <a:t> continuo (t)'</a:t>
-            </a:r>
-            <a:r>
-              <a:rPr lang="en-US" sz="1800" b="0" i="0">
-                <a:effectLst/>
-                <a:latin typeface="Menlo"/>
-              </a:rPr>
-              <a:t>);</a:t>
-            </a:r>
-          </a:p>
-          <a:p>
-            <a:r>
-              <a:rPr lang="en-US" sz="1800" b="0" i="0" err="1">
-                <a:effectLst/>
-                <a:latin typeface="Menlo"/>
-              </a:rPr>
-              <a:t>ylabel</a:t>
-            </a:r>
-            <a:r>
-              <a:rPr lang="en-US" sz="1800" b="0" i="0">
-                <a:effectLst/>
-                <a:latin typeface="Menlo"/>
-              </a:rPr>
-              <a:t>(</a:t>
-            </a:r>
-            <a:r>
-              <a:rPr lang="en-US" sz="1800" b="0" i="0">
-                <a:solidFill>
-                  <a:srgbClr val="A709F5"/>
-                </a:solidFill>
-                <a:effectLst/>
-                <a:latin typeface="Menlo"/>
-              </a:rPr>
-              <a:t>'Respuesta al </a:t>
-            </a:r>
-            <a:r>
-              <a:rPr lang="en-US" sz="1800" b="0" i="0" err="1">
-                <a:solidFill>
-                  <a:srgbClr val="A709F5"/>
-                </a:solidFill>
-                <a:effectLst/>
-                <a:latin typeface="Menlo"/>
-              </a:rPr>
-              <a:t>escalón</a:t>
-            </a:r>
-            <a:r>
-              <a:rPr lang="en-US" sz="1800" b="0" i="0">
-                <a:solidFill>
-                  <a:srgbClr val="A709F5"/>
-                </a:solidFill>
-                <a:effectLst/>
-                <a:latin typeface="Menlo"/>
-              </a:rPr>
-              <a:t>'</a:t>
-            </a:r>
-            <a:r>
-              <a:rPr lang="en-US" sz="1800" b="0" i="0">
-                <a:effectLst/>
-                <a:latin typeface="Menlo"/>
-              </a:rPr>
-              <a:t>);</a:t>
-            </a:r>
-          </a:p>
-          <a:p>
-            <a:r>
-              <a:rPr lang="en-US" sz="1800" b="0" i="0">
-                <a:effectLst/>
-                <a:latin typeface="Menlo"/>
-              </a:rPr>
-              <a:t>title(</a:t>
-            </a:r>
-            <a:r>
-              <a:rPr lang="en-US" sz="1800" b="0" i="0">
-                <a:solidFill>
-                  <a:srgbClr val="A709F5"/>
-                </a:solidFill>
-                <a:effectLst/>
-                <a:latin typeface="Menlo"/>
-              </a:rPr>
-              <a:t>'Respuesta al </a:t>
-            </a:r>
-            <a:r>
-              <a:rPr lang="en-US" sz="1800" b="0" i="0" err="1">
-                <a:solidFill>
-                  <a:srgbClr val="A709F5"/>
-                </a:solidFill>
-                <a:effectLst/>
-                <a:latin typeface="Menlo"/>
-              </a:rPr>
-              <a:t>Escalón</a:t>
-            </a:r>
-            <a:r>
-              <a:rPr lang="en-US" sz="1800" b="0" i="0">
-                <a:solidFill>
-                  <a:srgbClr val="A709F5"/>
-                </a:solidFill>
-                <a:effectLst/>
-                <a:latin typeface="Menlo"/>
-              </a:rPr>
-              <a:t>'</a:t>
-            </a:r>
-            <a:r>
-              <a:rPr lang="en-US" sz="1800" b="0" i="0">
-                <a:effectLst/>
-                <a:latin typeface="Menlo"/>
-              </a:rPr>
-              <a:t>);</a:t>
-            </a:r>
-          </a:p>
-          <a:p>
-            <a:endParaRPr lang="en-US"/>
+            <a:endParaRPr lang="en-US" dirty="0"/>
           </a:p>
         </p:txBody>
       </p:sp>
@@ -6512,7 +4437,13 @@
   <p:cSld>
     <p:spTree>
       <p:nvGrpSpPr>
-        <p:cNvPr id="1" name=""/>
+        <p:cNvPr id="1" name="">
+          <a:extLst>
+            <a:ext uri="{FF2B5EF4-FFF2-40B4-BE49-F238E27FC236}">
+              <a16:creationId xmlns:a16="http://schemas.microsoft.com/office/drawing/2014/main" id="{9D816950-64E2-BF81-A8BC-2ED9BFD01D02}"/>
+            </a:ext>
+          </a:extLst>
+        </p:cNvPr>
         <p:cNvGrpSpPr/>
         <p:nvPr/>
       </p:nvGrpSpPr>
@@ -6526,7 +4457,13 @@
       </p:grpSpPr>
       <p:sp>
         <p:nvSpPr>
-          <p:cNvPr id="2" name="Marcador de imagen de diapositiva 1"/>
+          <p:cNvPr id="2" name="Marcador de imagen de diapositiva 1">
+            <a:extLst>
+              <a:ext uri="{FF2B5EF4-FFF2-40B4-BE49-F238E27FC236}">
+                <a16:creationId xmlns:a16="http://schemas.microsoft.com/office/drawing/2014/main" id="{E3A16FB2-A6FB-3D79-2D54-65C63364A121}"/>
+              </a:ext>
+            </a:extLst>
+          </p:cNvPr>
           <p:cNvSpPr>
             <a:spLocks noGrp="1" noRot="1" noChangeAspect="1"/>
           </p:cNvSpPr>
@@ -6538,7 +4475,13 @@
       </p:sp>
       <p:sp>
         <p:nvSpPr>
-          <p:cNvPr id="3" name="Marcador de notas 2"/>
+          <p:cNvPr id="3" name="Marcador de notas 2">
+            <a:extLst>
+              <a:ext uri="{FF2B5EF4-FFF2-40B4-BE49-F238E27FC236}">
+                <a16:creationId xmlns:a16="http://schemas.microsoft.com/office/drawing/2014/main" id="{07B5601A-B9C7-5242-C84F-AB81C85A529E}"/>
+              </a:ext>
+            </a:extLst>
+          </p:cNvPr>
           <p:cNvSpPr>
             <a:spLocks noGrp="1"/>
           </p:cNvSpPr>
@@ -6549,650 +4492,9 @@
         <p:spPr/>
         <p:txBody>
           <a:bodyPr>
-            <a:normAutofit fontScale="47500" lnSpcReduction="20000"/>
+            <a:normAutofit/>
           </a:bodyPr>
           <a:lstStyle/>
-          <a:p>
-            <a:r>
-              <a:rPr lang="es-ES" sz="1800" b="0" i="0" dirty="0">
-                <a:solidFill>
-                  <a:srgbClr val="008013"/>
-                </a:solidFill>
-                <a:effectLst/>
-                <a:latin typeface="Menlo"/>
-              </a:rPr>
-              <a:t>% Definir la ecuación en diferencias</a:t>
-            </a:r>
-            <a:endParaRPr lang="es-ES" sz="1800" b="0" i="0" dirty="0">
-              <a:effectLst/>
-              <a:latin typeface="Menlo"/>
-            </a:endParaRPr>
-          </a:p>
-          <a:p>
-            <a:r>
-              <a:rPr lang="es-ES" sz="1800" b="0" i="0" dirty="0" err="1">
-                <a:effectLst/>
-                <a:latin typeface="Menlo"/>
-              </a:rPr>
-              <a:t>numerator</a:t>
-            </a:r>
-            <a:r>
-              <a:rPr lang="es-ES" sz="1800" b="0" i="0" dirty="0">
-                <a:effectLst/>
-                <a:latin typeface="Menlo"/>
-              </a:rPr>
-              <a:t> = [1]; </a:t>
-            </a:r>
-            <a:r>
-              <a:rPr lang="es-ES" sz="1800" b="0" i="0" dirty="0">
-                <a:solidFill>
-                  <a:srgbClr val="008013"/>
-                </a:solidFill>
-                <a:effectLst/>
-                <a:latin typeface="Menlo"/>
-              </a:rPr>
-              <a:t>% Coeficiente del numerador (1)</a:t>
-            </a:r>
-            <a:endParaRPr lang="es-ES" sz="1800" b="0" i="0" dirty="0">
-              <a:effectLst/>
-              <a:latin typeface="Menlo"/>
-            </a:endParaRPr>
-          </a:p>
-          <a:p>
-            <a:r>
-              <a:rPr lang="es-ES" sz="1800" b="0" i="0" dirty="0" err="1">
-                <a:effectLst/>
-                <a:latin typeface="Menlo"/>
-              </a:rPr>
-              <a:t>denominator</a:t>
-            </a:r>
-            <a:r>
-              <a:rPr lang="es-ES" sz="1800" b="0" i="0" dirty="0">
-                <a:effectLst/>
-                <a:latin typeface="Menlo"/>
-              </a:rPr>
-              <a:t> = [1, 1]; </a:t>
-            </a:r>
-            <a:r>
-              <a:rPr lang="es-ES" sz="1800" b="0" i="0" dirty="0">
-                <a:solidFill>
-                  <a:srgbClr val="008013"/>
-                </a:solidFill>
-                <a:effectLst/>
-                <a:latin typeface="Menlo"/>
-              </a:rPr>
-              <a:t>% Coeficientes del denominador (z + 1)</a:t>
-            </a:r>
-            <a:endParaRPr lang="es-ES" sz="1800" b="0" i="0" dirty="0">
-              <a:effectLst/>
-              <a:latin typeface="Menlo"/>
-            </a:endParaRPr>
-          </a:p>
-          <a:p>
-            <a:br>
-              <a:rPr lang="es-ES" sz="1800" b="0" i="0" dirty="0">
-                <a:effectLst/>
-                <a:latin typeface="Menlo"/>
-              </a:rPr>
-            </a:br>
-            <a:endParaRPr lang="es-ES" sz="1800" b="0" i="0" dirty="0">
-              <a:effectLst/>
-              <a:latin typeface="Menlo"/>
-            </a:endParaRPr>
-          </a:p>
-          <a:p>
-            <a:r>
-              <a:rPr lang="es-ES" sz="1800" b="0" i="0" dirty="0">
-                <a:solidFill>
-                  <a:srgbClr val="008013"/>
-                </a:solidFill>
-                <a:effectLst/>
-                <a:latin typeface="Menlo"/>
-              </a:rPr>
-              <a:t>% Crear la función de transferencia en el dominio Z</a:t>
-            </a:r>
-            <a:endParaRPr lang="es-ES" sz="1800" b="0" i="0" dirty="0">
-              <a:effectLst/>
-              <a:latin typeface="Menlo"/>
-            </a:endParaRPr>
-          </a:p>
-          <a:p>
-            <a:r>
-              <a:rPr lang="es-ES" sz="1800" b="0" i="0" dirty="0">
-                <a:effectLst/>
-                <a:latin typeface="Menlo"/>
-              </a:rPr>
-              <a:t>H = </a:t>
-            </a:r>
-            <a:r>
-              <a:rPr lang="es-ES" sz="1800" b="0" i="0" dirty="0" err="1">
-                <a:effectLst/>
-                <a:latin typeface="Menlo"/>
-              </a:rPr>
-              <a:t>tf</a:t>
-            </a:r>
-            <a:r>
-              <a:rPr lang="es-ES" sz="1800" b="0" i="0" dirty="0">
-                <a:effectLst/>
-                <a:latin typeface="Menlo"/>
-              </a:rPr>
-              <a:t>(</a:t>
-            </a:r>
-            <a:r>
-              <a:rPr lang="es-ES" sz="1800" b="0" i="0" dirty="0" err="1">
-                <a:effectLst/>
-                <a:latin typeface="Menlo"/>
-              </a:rPr>
-              <a:t>numerator</a:t>
-            </a:r>
-            <a:r>
-              <a:rPr lang="es-ES" sz="1800" b="0" i="0" dirty="0">
-                <a:effectLst/>
-                <a:latin typeface="Menlo"/>
-              </a:rPr>
-              <a:t>, </a:t>
-            </a:r>
-            <a:r>
-              <a:rPr lang="es-ES" sz="1800" b="0" i="0" dirty="0" err="1">
-                <a:effectLst/>
-                <a:latin typeface="Menlo"/>
-              </a:rPr>
-              <a:t>denominator</a:t>
-            </a:r>
-            <a:r>
-              <a:rPr lang="es-ES" sz="1800" b="0" i="0" dirty="0">
-                <a:effectLst/>
-                <a:latin typeface="Menlo"/>
-              </a:rPr>
-              <a:t>, 1, </a:t>
-            </a:r>
-            <a:r>
-              <a:rPr lang="es-ES" sz="1800" b="0" i="0" dirty="0">
-                <a:solidFill>
-                  <a:srgbClr val="A709F5"/>
-                </a:solidFill>
-                <a:effectLst/>
-                <a:latin typeface="Menlo"/>
-              </a:rPr>
-              <a:t>'Variable'</a:t>
-            </a:r>
-            <a:r>
-              <a:rPr lang="es-ES" sz="1800" b="0" i="0" dirty="0">
-                <a:effectLst/>
-                <a:latin typeface="Menlo"/>
-              </a:rPr>
-              <a:t>, </a:t>
-            </a:r>
-            <a:r>
-              <a:rPr lang="es-ES" sz="1800" b="0" i="0" dirty="0">
-                <a:solidFill>
-                  <a:srgbClr val="A709F5"/>
-                </a:solidFill>
-                <a:effectLst/>
-                <a:latin typeface="Menlo"/>
-              </a:rPr>
-              <a:t>'z'</a:t>
-            </a:r>
-            <a:r>
-              <a:rPr lang="es-ES" sz="1800" b="0" i="0" dirty="0">
-                <a:effectLst/>
-                <a:latin typeface="Menlo"/>
-              </a:rPr>
-              <a:t>, </a:t>
-            </a:r>
-            <a:r>
-              <a:rPr lang="es-ES" sz="1800" b="0" i="0" dirty="0">
-                <a:solidFill>
-                  <a:srgbClr val="A709F5"/>
-                </a:solidFill>
-                <a:effectLst/>
-                <a:latin typeface="Menlo"/>
-              </a:rPr>
-              <a:t>'</a:t>
-            </a:r>
-            <a:r>
-              <a:rPr lang="es-ES" sz="1800" b="0" i="0" dirty="0" err="1">
-                <a:solidFill>
-                  <a:srgbClr val="A709F5"/>
-                </a:solidFill>
-                <a:effectLst/>
-                <a:latin typeface="Menlo"/>
-              </a:rPr>
-              <a:t>InputDelay</a:t>
-            </a:r>
-            <a:r>
-              <a:rPr lang="es-ES" sz="1800" b="0" i="0" dirty="0">
-                <a:solidFill>
-                  <a:srgbClr val="A709F5"/>
-                </a:solidFill>
-                <a:effectLst/>
-                <a:latin typeface="Menlo"/>
-              </a:rPr>
-              <a:t>'</a:t>
-            </a:r>
-            <a:r>
-              <a:rPr lang="es-ES" sz="1800" b="0" i="0" dirty="0">
-                <a:effectLst/>
-                <a:latin typeface="Menlo"/>
-              </a:rPr>
-              <a:t>, 0);</a:t>
-            </a:r>
-          </a:p>
-          <a:p>
-            <a:br>
-              <a:rPr lang="es-ES" sz="1800" b="0" i="0" dirty="0">
-                <a:effectLst/>
-                <a:latin typeface="Menlo"/>
-              </a:rPr>
-            </a:br>
-            <a:endParaRPr lang="es-ES" sz="1800" b="0" i="0" dirty="0">
-              <a:effectLst/>
-              <a:latin typeface="Menlo"/>
-            </a:endParaRPr>
-          </a:p>
-          <a:p>
-            <a:r>
-              <a:rPr lang="es-ES" sz="1800" b="0" i="0" dirty="0">
-                <a:solidFill>
-                  <a:srgbClr val="008013"/>
-                </a:solidFill>
-                <a:effectLst/>
-                <a:latin typeface="Menlo"/>
-              </a:rPr>
-              <a:t>% Definir la entrada discreta u[k]</a:t>
-            </a:r>
-            <a:endParaRPr lang="es-ES" sz="1800" b="0" i="0" dirty="0">
-              <a:effectLst/>
-              <a:latin typeface="Menlo"/>
-            </a:endParaRPr>
-          </a:p>
-          <a:p>
-            <a:r>
-              <a:rPr lang="es-ES" sz="1800" b="0" i="0" dirty="0">
-                <a:effectLst/>
-                <a:latin typeface="Menlo"/>
-              </a:rPr>
-              <a:t>k = 0:1:10; </a:t>
-            </a:r>
-            <a:r>
-              <a:rPr lang="es-ES" sz="1800" b="0" i="0" dirty="0">
-                <a:solidFill>
-                  <a:srgbClr val="008013"/>
-                </a:solidFill>
-                <a:effectLst/>
-                <a:latin typeface="Menlo"/>
-              </a:rPr>
-              <a:t>% Vector de índices de tiempo discreto</a:t>
-            </a:r>
-            <a:endParaRPr lang="es-ES" sz="1800" b="0" i="0" dirty="0">
-              <a:effectLst/>
-              <a:latin typeface="Menlo"/>
-            </a:endParaRPr>
-          </a:p>
-          <a:p>
-            <a:r>
-              <a:rPr lang="es-ES" sz="1800" b="0" i="0" dirty="0">
-                <a:effectLst/>
-                <a:latin typeface="Menlo"/>
-              </a:rPr>
-              <a:t>u = </a:t>
-            </a:r>
-            <a:r>
-              <a:rPr lang="es-ES" sz="1800" b="0" i="0" dirty="0" err="1">
-                <a:effectLst/>
-                <a:latin typeface="Menlo"/>
-              </a:rPr>
-              <a:t>ones</a:t>
-            </a:r>
-            <a:r>
-              <a:rPr lang="es-ES" sz="1800" b="0" i="0" dirty="0">
-                <a:effectLst/>
-                <a:latin typeface="Menlo"/>
-              </a:rPr>
-              <a:t>(</a:t>
-            </a:r>
-            <a:r>
-              <a:rPr lang="es-ES" sz="1800" b="0" i="0" dirty="0" err="1">
-                <a:effectLst/>
-                <a:latin typeface="Menlo"/>
-              </a:rPr>
-              <a:t>size</a:t>
-            </a:r>
-            <a:r>
-              <a:rPr lang="es-ES" sz="1800" b="0" i="0" dirty="0">
-                <a:effectLst/>
-                <a:latin typeface="Menlo"/>
-              </a:rPr>
-              <a:t>(k)); </a:t>
-            </a:r>
-            <a:r>
-              <a:rPr lang="es-ES" sz="1800" b="0" i="0" dirty="0">
-                <a:solidFill>
-                  <a:srgbClr val="008013"/>
-                </a:solidFill>
-                <a:effectLst/>
-                <a:latin typeface="Menlo"/>
-              </a:rPr>
-              <a:t>% Entrada escalón unitario discreto</a:t>
-            </a:r>
-            <a:endParaRPr lang="es-ES" sz="1800" b="0" i="0" dirty="0">
-              <a:effectLst/>
-              <a:latin typeface="Menlo"/>
-            </a:endParaRPr>
-          </a:p>
-          <a:p>
-            <a:br>
-              <a:rPr lang="es-ES" sz="1800" b="0" i="0" dirty="0">
-                <a:effectLst/>
-                <a:latin typeface="Menlo"/>
-              </a:rPr>
-            </a:br>
-            <a:endParaRPr lang="es-ES" sz="1800" b="0" i="0" dirty="0">
-              <a:effectLst/>
-              <a:latin typeface="Menlo"/>
-            </a:endParaRPr>
-          </a:p>
-          <a:p>
-            <a:r>
-              <a:rPr lang="es-ES" sz="1800" b="0" i="0" dirty="0">
-                <a:solidFill>
-                  <a:srgbClr val="008013"/>
-                </a:solidFill>
-                <a:effectLst/>
-                <a:latin typeface="Menlo"/>
-              </a:rPr>
-              <a:t>% Obtener la respuesta en el dominio discreto</a:t>
-            </a:r>
-            <a:endParaRPr lang="es-ES" sz="1800" b="0" i="0" dirty="0">
-              <a:effectLst/>
-              <a:latin typeface="Menlo"/>
-            </a:endParaRPr>
-          </a:p>
-          <a:p>
-            <a:r>
-              <a:rPr lang="es-ES" sz="1800" b="0" i="0" dirty="0">
-                <a:effectLst/>
-                <a:latin typeface="Menlo"/>
-              </a:rPr>
-              <a:t>[y, k] = </a:t>
-            </a:r>
-            <a:r>
-              <a:rPr lang="es-ES" sz="1800" b="0" i="0" dirty="0" err="1">
-                <a:effectLst/>
-                <a:latin typeface="Menlo"/>
-              </a:rPr>
-              <a:t>lsim</a:t>
-            </a:r>
-            <a:r>
-              <a:rPr lang="es-ES" sz="1800" b="0" i="0" dirty="0">
-                <a:effectLst/>
-                <a:latin typeface="Menlo"/>
-              </a:rPr>
-              <a:t>(H, u, k);</a:t>
-            </a:r>
-          </a:p>
-          <a:p>
-            <a:br>
-              <a:rPr lang="es-ES" sz="1800" b="0" i="0" dirty="0">
-                <a:effectLst/>
-                <a:latin typeface="Menlo"/>
-              </a:rPr>
-            </a:br>
-            <a:endParaRPr lang="es-ES" sz="1800" b="0" i="0" dirty="0">
-              <a:effectLst/>
-              <a:latin typeface="Menlo"/>
-            </a:endParaRPr>
-          </a:p>
-          <a:p>
-            <a:r>
-              <a:rPr lang="es-ES" sz="1800" b="0" i="0" dirty="0">
-                <a:solidFill>
-                  <a:srgbClr val="008013"/>
-                </a:solidFill>
-                <a:effectLst/>
-                <a:latin typeface="Menlo"/>
-              </a:rPr>
-              <a:t>% Graficar la respuesta en el dominio discreto</a:t>
-            </a:r>
-            <a:endParaRPr lang="es-ES" sz="1800" b="0" i="0" dirty="0">
-              <a:effectLst/>
-              <a:latin typeface="Menlo"/>
-            </a:endParaRPr>
-          </a:p>
-          <a:p>
-            <a:r>
-              <a:rPr lang="es-ES" sz="1800" b="0" i="0" dirty="0" err="1">
-                <a:effectLst/>
-                <a:latin typeface="Menlo"/>
-              </a:rPr>
-              <a:t>stem</a:t>
-            </a:r>
-            <a:r>
-              <a:rPr lang="es-ES" sz="1800" b="0" i="0" dirty="0">
-                <a:effectLst/>
-                <a:latin typeface="Menlo"/>
-              </a:rPr>
-              <a:t>(k, y, </a:t>
-            </a:r>
-            <a:r>
-              <a:rPr lang="es-ES" sz="1800" b="0" i="0" dirty="0">
-                <a:solidFill>
-                  <a:srgbClr val="A709F5"/>
-                </a:solidFill>
-                <a:effectLst/>
-                <a:latin typeface="Menlo"/>
-              </a:rPr>
-              <a:t>'</a:t>
-            </a:r>
-            <a:r>
-              <a:rPr lang="es-ES" sz="1800" b="0" i="0" dirty="0" err="1">
-                <a:solidFill>
-                  <a:srgbClr val="A709F5"/>
-                </a:solidFill>
-                <a:effectLst/>
-                <a:latin typeface="Menlo"/>
-              </a:rPr>
-              <a:t>filled</a:t>
-            </a:r>
-            <a:r>
-              <a:rPr lang="es-ES" sz="1800" b="0" i="0" dirty="0">
-                <a:solidFill>
-                  <a:srgbClr val="A709F5"/>
-                </a:solidFill>
-                <a:effectLst/>
-                <a:latin typeface="Menlo"/>
-              </a:rPr>
-              <a:t>'</a:t>
-            </a:r>
-            <a:r>
-              <a:rPr lang="es-ES" sz="1800" b="0" i="0" dirty="0">
-                <a:effectLst/>
-                <a:latin typeface="Menlo"/>
-              </a:rPr>
-              <a:t>, </a:t>
-            </a:r>
-            <a:r>
-              <a:rPr lang="es-ES" sz="1800" b="0" i="0" dirty="0">
-                <a:solidFill>
-                  <a:srgbClr val="A709F5"/>
-                </a:solidFill>
-                <a:effectLst/>
-                <a:latin typeface="Menlo"/>
-              </a:rPr>
-              <a:t>'</a:t>
-            </a:r>
-            <a:r>
-              <a:rPr lang="es-ES" sz="1800" b="0" i="0" dirty="0" err="1">
-                <a:solidFill>
-                  <a:srgbClr val="A709F5"/>
-                </a:solidFill>
-                <a:effectLst/>
-                <a:latin typeface="Menlo"/>
-              </a:rPr>
-              <a:t>LineWidth</a:t>
-            </a:r>
-            <a:r>
-              <a:rPr lang="es-ES" sz="1800" b="0" i="0" dirty="0">
-                <a:solidFill>
-                  <a:srgbClr val="A709F5"/>
-                </a:solidFill>
-                <a:effectLst/>
-                <a:latin typeface="Menlo"/>
-              </a:rPr>
-              <a:t>'</a:t>
-            </a:r>
-            <a:r>
-              <a:rPr lang="es-ES" sz="1800" b="0" i="0" dirty="0">
-                <a:effectLst/>
-                <a:latin typeface="Menlo"/>
-              </a:rPr>
-              <a:t>, 2);</a:t>
-            </a:r>
-          </a:p>
-          <a:p>
-            <a:r>
-              <a:rPr lang="es-ES" sz="1800" b="0" i="0" dirty="0" err="1">
-                <a:effectLst/>
-                <a:latin typeface="Menlo"/>
-              </a:rPr>
-              <a:t>title</a:t>
-            </a:r>
-            <a:r>
-              <a:rPr lang="es-ES" sz="1800" b="0" i="0" dirty="0">
-                <a:effectLst/>
-                <a:latin typeface="Menlo"/>
-              </a:rPr>
-              <a:t>(</a:t>
-            </a:r>
-            <a:r>
-              <a:rPr lang="es-ES" sz="1800" b="0" i="0" dirty="0">
-                <a:solidFill>
-                  <a:srgbClr val="A709F5"/>
-                </a:solidFill>
-                <a:effectLst/>
-                <a:latin typeface="Menlo"/>
-              </a:rPr>
-              <a:t>'Respuesta en el Dominio Discreto de la Ecuación en Diferencias'</a:t>
-            </a:r>
-            <a:r>
-              <a:rPr lang="es-ES" sz="1800" b="0" i="0" dirty="0">
-                <a:effectLst/>
-                <a:latin typeface="Menlo"/>
-              </a:rPr>
-              <a:t>);</a:t>
-            </a:r>
-          </a:p>
-          <a:p>
-            <a:r>
-              <a:rPr lang="es-ES" sz="1800" b="0" i="0" dirty="0" err="1">
-                <a:effectLst/>
-                <a:latin typeface="Menlo"/>
-              </a:rPr>
-              <a:t>xlabel</a:t>
-            </a:r>
-            <a:r>
-              <a:rPr lang="es-ES" sz="1800" b="0" i="0" dirty="0">
-                <a:effectLst/>
-                <a:latin typeface="Menlo"/>
-              </a:rPr>
-              <a:t>(</a:t>
-            </a:r>
-            <a:r>
-              <a:rPr lang="es-ES" sz="1800" b="0" i="0" dirty="0">
-                <a:solidFill>
-                  <a:srgbClr val="A709F5"/>
-                </a:solidFill>
-                <a:effectLst/>
-                <a:latin typeface="Menlo"/>
-              </a:rPr>
-              <a:t>'k (Índice de tiempo discreto)'</a:t>
-            </a:r>
-            <a:r>
-              <a:rPr lang="es-ES" sz="1800" b="0" i="0" dirty="0">
-                <a:effectLst/>
-                <a:latin typeface="Menlo"/>
-              </a:rPr>
-              <a:t>);</a:t>
-            </a:r>
-          </a:p>
-          <a:p>
-            <a:r>
-              <a:rPr lang="es-ES" sz="1800" b="0" i="0" dirty="0" err="1">
-                <a:effectLst/>
-                <a:latin typeface="Menlo"/>
-              </a:rPr>
-              <a:t>ylabel</a:t>
-            </a:r>
-            <a:r>
-              <a:rPr lang="es-ES" sz="1800" b="0" i="0" dirty="0">
-                <a:effectLst/>
-                <a:latin typeface="Menlo"/>
-              </a:rPr>
-              <a:t>(</a:t>
-            </a:r>
-            <a:r>
-              <a:rPr lang="es-ES" sz="1800" b="0" i="0" dirty="0">
-                <a:solidFill>
-                  <a:srgbClr val="A709F5"/>
-                </a:solidFill>
-                <a:effectLst/>
-                <a:latin typeface="Menlo"/>
-              </a:rPr>
-              <a:t>'y[k]'</a:t>
-            </a:r>
-            <a:r>
-              <a:rPr lang="es-ES" sz="1800" b="0" i="0" dirty="0">
-                <a:effectLst/>
-                <a:latin typeface="Menlo"/>
-              </a:rPr>
-              <a:t>);</a:t>
-            </a:r>
-          </a:p>
-          <a:p>
-            <a:r>
-              <a:rPr lang="es-ES" sz="1800" b="0" i="0" dirty="0" err="1">
-                <a:effectLst/>
-                <a:latin typeface="Menlo"/>
-              </a:rPr>
-              <a:t>grid</a:t>
-            </a:r>
-            <a:r>
-              <a:rPr lang="es-ES" sz="1800" b="0" i="0" dirty="0">
-                <a:effectLst/>
-                <a:latin typeface="Menlo"/>
-              </a:rPr>
-              <a:t> </a:t>
-            </a:r>
-            <a:r>
-              <a:rPr lang="es-ES" sz="1800" b="0" i="0" dirty="0" err="1">
-                <a:solidFill>
-                  <a:srgbClr val="A709F5"/>
-                </a:solidFill>
-                <a:effectLst/>
-                <a:latin typeface="Menlo"/>
-              </a:rPr>
-              <a:t>on</a:t>
-            </a:r>
-            <a:r>
-              <a:rPr lang="es-ES" sz="1800" b="0" i="0" dirty="0">
-                <a:effectLst/>
-                <a:latin typeface="Menlo"/>
-              </a:rPr>
-              <a:t>;</a:t>
-            </a:r>
-          </a:p>
-          <a:p>
-            <a:br>
-              <a:rPr lang="es-ES" sz="1800" b="0" i="0" dirty="0">
-                <a:effectLst/>
-                <a:latin typeface="Menlo"/>
-              </a:rPr>
-            </a:br>
-            <a:endParaRPr lang="es-ES" sz="1800" b="0" i="0" dirty="0">
-              <a:effectLst/>
-              <a:latin typeface="Menlo"/>
-            </a:endParaRPr>
-          </a:p>
           <a:p>
             <a:endParaRPr lang="en-US" dirty="0"/>
           </a:p>
@@ -7200,7 +4502,13 @@
       </p:sp>
       <p:sp>
         <p:nvSpPr>
-          <p:cNvPr id="4" name="Marcador de número de diapositiva 3"/>
+          <p:cNvPr id="4" name="Marcador de número de diapositiva 3">
+            <a:extLst>
+              <a:ext uri="{FF2B5EF4-FFF2-40B4-BE49-F238E27FC236}">
+                <a16:creationId xmlns:a16="http://schemas.microsoft.com/office/drawing/2014/main" id="{DF531D60-08B0-51B7-2154-F6A5B67107B1}"/>
+              </a:ext>
+            </a:extLst>
+          </p:cNvPr>
           <p:cNvSpPr>
             <a:spLocks noGrp="1"/>
           </p:cNvSpPr>
@@ -7221,7 +4529,7 @@
               <a:pPr>
                 <a:defRPr/>
               </a:pPr>
-              <a:t>16</a:t>
+              <a:t>12</a:t>
             </a:fld>
             <a:endParaRPr lang="es-CO" altLang="es-CO"/>
           </a:p>
@@ -7230,7 +4538,7 @@
     </p:spTree>
     <p:extLst>
       <p:ext uri="{BB962C8B-B14F-4D97-AF65-F5344CB8AC3E}">
-        <p14:creationId xmlns:p14="http://schemas.microsoft.com/office/powerpoint/2010/main" val="2521759513"/>
+        <p14:creationId xmlns:p14="http://schemas.microsoft.com/office/powerpoint/2010/main" val="1940628811"/>
       </p:ext>
     </p:extLst>
   </p:cSld>
@@ -7282,282 +4590,646 @@
         <p:spPr/>
         <p:txBody>
           <a:bodyPr>
-            <a:normAutofit fontScale="62500" lnSpcReduction="20000"/>
+            <a:normAutofit fontScale="47500" lnSpcReduction="20000"/>
           </a:bodyPr>
           <a:lstStyle/>
           <a:p>
             <a:r>
-              <a:rPr lang="es-CO" sz="1800" b="0" i="0" dirty="0">
+              <a:rPr lang="es-ES" sz="1800" b="0" i="0" dirty="0">
                 <a:solidFill>
                   <a:srgbClr val="008013"/>
                 </a:solidFill>
                 <a:effectLst/>
                 <a:latin typeface="Menlo"/>
               </a:rPr>
-              <a:t>% 0 --&gt; parte real 1--&gt;Z coeficiente de z</a:t>
-            </a:r>
-            <a:endParaRPr lang="es-CO" sz="1800" b="0" i="0" dirty="0">
+              <a:t>% Definir la ecuación en diferencias</a:t>
+            </a:r>
+            <a:endParaRPr lang="es-ES" sz="1800" b="0" i="0" dirty="0">
               <a:effectLst/>
               <a:latin typeface="Menlo"/>
             </a:endParaRPr>
           </a:p>
           <a:p>
             <a:r>
-              <a:rPr lang="es-CO" sz="1800" b="0" i="0" dirty="0">
+              <a:rPr lang="es-ES" sz="1800" b="0" i="0" dirty="0" err="1">
                 <a:effectLst/>
                 <a:latin typeface="Menlo"/>
               </a:rPr>
-              <a:t>b1 = [0 1];</a:t>
-            </a:r>
-          </a:p>
-          <a:p>
-            <a:r>
-              <a:rPr lang="es-CO" sz="1800" b="0" i="0" dirty="0">
-                <a:solidFill>
-                  <a:srgbClr val="008013"/>
-                </a:solidFill>
+              <a:t>numerator</a:t>
+            </a:r>
+            <a:r>
+              <a:rPr lang="es-ES" sz="1800" b="0" i="0" dirty="0">
                 <a:effectLst/>
                 <a:latin typeface="Menlo"/>
               </a:rPr>
-              <a:t>% 1 --&gt; parte real coeficiente -1--&gt;Z </a:t>
-            </a:r>
-            <a:endParaRPr lang="es-CO" sz="1800" b="0" i="0" dirty="0">
+              <a:t> = [1]; </a:t>
+            </a:r>
+            <a:r>
+              <a:rPr lang="es-ES" sz="1800" b="0" i="0" dirty="0">
+                <a:solidFill>
+                  <a:srgbClr val="008013"/>
+                </a:solidFill>
+                <a:effectLst/>
+                <a:latin typeface="Menlo"/>
+              </a:rPr>
+              <a:t>% Coeficiente del numerador (1)</a:t>
+            </a:r>
+            <a:endParaRPr lang="es-ES" sz="1800" b="0" i="0" dirty="0">
               <a:effectLst/>
               <a:latin typeface="Menlo"/>
             </a:endParaRPr>
           </a:p>
           <a:p>
             <a:r>
-              <a:rPr lang="es-CO" sz="1800" b="0" i="0" dirty="0">
+              <a:rPr lang="es-ES" sz="1800" b="0" i="0" dirty="0" err="1">
                 <a:effectLst/>
                 <a:latin typeface="Menlo"/>
               </a:rPr>
-              <a:t>a1 = [1 -1];</a:t>
-            </a:r>
-          </a:p>
-          <a:p>
-            <a:r>
-              <a:rPr lang="es-CO" sz="1800" b="0" i="0" dirty="0">
-                <a:solidFill>
-                  <a:srgbClr val="008013"/>
-                </a:solidFill>
+              <a:t>denominator</a:t>
+            </a:r>
+            <a:r>
+              <a:rPr lang="es-ES" sz="1800" b="0" i="0" dirty="0">
                 <a:effectLst/>
                 <a:latin typeface="Menlo"/>
               </a:rPr>
-              <a:t>% 1 --&gt; parte real coeficiente 0.5--&gt;Z coeficiente 0.2--&gt;Z^2</a:t>
-            </a:r>
-            <a:endParaRPr lang="es-CO" sz="1800" b="0" i="0" dirty="0">
+              <a:t> = [1, 1]; </a:t>
+            </a:r>
+            <a:r>
+              <a:rPr lang="es-ES" sz="1800" b="0" i="0" dirty="0">
+                <a:solidFill>
+                  <a:srgbClr val="008013"/>
+                </a:solidFill>
+                <a:effectLst/>
+                <a:latin typeface="Menlo"/>
+              </a:rPr>
+              <a:t>% Coeficientes del denominador (z + 1)</a:t>
+            </a:r>
+            <a:endParaRPr lang="es-ES" sz="1800" b="0" i="0" dirty="0">
               <a:effectLst/>
               <a:latin typeface="Menlo"/>
             </a:endParaRPr>
           </a:p>
           <a:p>
-            <a:r>
-              <a:rPr lang="es-CO" sz="1800" b="0" i="0" dirty="0">
+            <a:br>
+              <a:rPr lang="es-ES" sz="1800" b="0" i="0" dirty="0">
                 <a:effectLst/>
                 <a:latin typeface="Menlo"/>
               </a:rPr>
-              <a:t>a2 = [1 0.5 0.2];</a:t>
-            </a:r>
-          </a:p>
-          <a:p>
-            <a:r>
-              <a:rPr lang="es-CO" sz="1800" b="0" i="0" dirty="0">
+            </a:br>
+            <a:endParaRPr lang="es-ES" sz="1800" b="0" i="0" dirty="0">
+              <a:effectLst/>
+              <a:latin typeface="Menlo"/>
+            </a:endParaRPr>
+          </a:p>
+          <a:p>
+            <a:r>
+              <a:rPr lang="es-ES" sz="1800" b="0" i="0" dirty="0">
+                <a:solidFill>
+                  <a:srgbClr val="008013"/>
+                </a:solidFill>
                 <a:effectLst/>
                 <a:latin typeface="Menlo"/>
               </a:rPr>
-              <a:t>b = b1;</a:t>
-            </a:r>
-          </a:p>
-          <a:p>
-            <a:r>
-              <a:rPr lang="es-CO" sz="1800" b="0" i="0" dirty="0">
+              <a:t>% Crear la función de transferencia en el dominio Z</a:t>
+            </a:r>
+            <a:endParaRPr lang="es-ES" sz="1800" b="0" i="0" dirty="0">
+              <a:effectLst/>
+              <a:latin typeface="Menlo"/>
+            </a:endParaRPr>
+          </a:p>
+          <a:p>
+            <a:r>
+              <a:rPr lang="es-ES" sz="1800" b="0" i="0" dirty="0">
                 <a:effectLst/>
                 <a:latin typeface="Menlo"/>
               </a:rPr>
-              <a:t>a = </a:t>
-            </a:r>
-            <a:r>
-              <a:rPr lang="es-CO" sz="1800" b="0" i="0" dirty="0" err="1">
+              <a:t>H = </a:t>
+            </a:r>
+            <a:r>
+              <a:rPr lang="es-ES" sz="1800" b="0" i="0" dirty="0" err="1">
                 <a:effectLst/>
                 <a:latin typeface="Menlo"/>
               </a:rPr>
-              <a:t>conv</a:t>
-            </a:r>
-            <a:r>
-              <a:rPr lang="es-CO" sz="1800" b="0" i="0" dirty="0">
-                <a:effectLst/>
-                <a:latin typeface="Menlo"/>
-              </a:rPr>
-              <a:t>(a1,a2);</a:t>
-            </a:r>
-          </a:p>
-          <a:p>
-            <a:r>
-              <a:rPr lang="es-CO" sz="1800" b="0" i="0" dirty="0">
-                <a:effectLst/>
-                <a:latin typeface="Menlo"/>
-              </a:rPr>
-              <a:t>[</a:t>
-            </a:r>
-            <a:r>
-              <a:rPr lang="es-CO" sz="1800" b="0" i="0" dirty="0" err="1">
-                <a:effectLst/>
-                <a:latin typeface="Menlo"/>
-              </a:rPr>
-              <a:t>r,p,k</a:t>
-            </a:r>
-            <a:r>
-              <a:rPr lang="es-CO" sz="1800" b="0" i="0" dirty="0">
-                <a:effectLst/>
-                <a:latin typeface="Menlo"/>
-              </a:rPr>
-              <a:t>] = </a:t>
-            </a:r>
-            <a:r>
-              <a:rPr lang="es-CO" sz="1800" b="0" i="0" dirty="0" err="1">
-                <a:effectLst/>
-                <a:latin typeface="Menlo"/>
-              </a:rPr>
-              <a:t>residuez</a:t>
-            </a:r>
-            <a:r>
-              <a:rPr lang="es-CO" sz="1800" b="0" i="0" dirty="0">
+              <a:t>tf</a:t>
+            </a:r>
+            <a:r>
+              <a:rPr lang="es-ES" sz="1800" b="0" i="0" dirty="0">
                 <a:effectLst/>
                 <a:latin typeface="Menlo"/>
               </a:rPr>
               <a:t>(</a:t>
             </a:r>
             <a:r>
-              <a:rPr lang="es-CO" sz="1800" b="0" i="0" dirty="0" err="1">
+              <a:rPr lang="es-ES" sz="1800" b="0" i="0" dirty="0" err="1">
                 <a:effectLst/>
                 <a:latin typeface="Menlo"/>
               </a:rPr>
-              <a:t>b,a</a:t>
-            </a:r>
-            <a:r>
-              <a:rPr lang="es-CO" sz="1800" b="0" i="0" dirty="0">
+              <a:t>numerator</a:t>
+            </a:r>
+            <a:r>
+              <a:rPr lang="es-ES" sz="1800" b="0" i="0" dirty="0">
                 <a:effectLst/>
                 <a:latin typeface="Menlo"/>
               </a:rPr>
-              <a:t>)</a:t>
+              <a:t>, </a:t>
+            </a:r>
+            <a:r>
+              <a:rPr lang="es-ES" sz="1800" b="0" i="0" dirty="0" err="1">
+                <a:effectLst/>
+                <a:latin typeface="Menlo"/>
+              </a:rPr>
+              <a:t>denominator</a:t>
+            </a:r>
+            <a:r>
+              <a:rPr lang="es-ES" sz="1800" b="0" i="0" dirty="0">
+                <a:effectLst/>
+                <a:latin typeface="Menlo"/>
+              </a:rPr>
+              <a:t>, 1, </a:t>
+            </a:r>
+            <a:r>
+              <a:rPr lang="es-ES" sz="1800" b="0" i="0" dirty="0">
+                <a:solidFill>
+                  <a:srgbClr val="A709F5"/>
+                </a:solidFill>
+                <a:effectLst/>
+                <a:latin typeface="Menlo"/>
+              </a:rPr>
+              <a:t>'Variable'</a:t>
+            </a:r>
+            <a:r>
+              <a:rPr lang="es-ES" sz="1800" b="0" i="0" dirty="0">
+                <a:effectLst/>
+                <a:latin typeface="Menlo"/>
+              </a:rPr>
+              <a:t>, </a:t>
+            </a:r>
+            <a:r>
+              <a:rPr lang="es-ES" sz="1800" b="0" i="0" dirty="0">
+                <a:solidFill>
+                  <a:srgbClr val="A709F5"/>
+                </a:solidFill>
+                <a:effectLst/>
+                <a:latin typeface="Menlo"/>
+              </a:rPr>
+              <a:t>'z'</a:t>
+            </a:r>
+            <a:r>
+              <a:rPr lang="es-ES" sz="1800" b="0" i="0" dirty="0">
+                <a:effectLst/>
+                <a:latin typeface="Menlo"/>
+              </a:rPr>
+              <a:t>, </a:t>
+            </a:r>
+            <a:r>
+              <a:rPr lang="es-ES" sz="1800" b="0" i="0" dirty="0">
+                <a:solidFill>
+                  <a:srgbClr val="A709F5"/>
+                </a:solidFill>
+                <a:effectLst/>
+                <a:latin typeface="Menlo"/>
+              </a:rPr>
+              <a:t>'</a:t>
+            </a:r>
+            <a:r>
+              <a:rPr lang="es-ES" sz="1800" b="0" i="0" dirty="0" err="1">
+                <a:solidFill>
+                  <a:srgbClr val="A709F5"/>
+                </a:solidFill>
+                <a:effectLst/>
+                <a:latin typeface="Menlo"/>
+              </a:rPr>
+              <a:t>InputDelay</a:t>
+            </a:r>
+            <a:r>
+              <a:rPr lang="es-ES" sz="1800" b="0" i="0" dirty="0">
+                <a:solidFill>
+                  <a:srgbClr val="A709F5"/>
+                </a:solidFill>
+                <a:effectLst/>
+                <a:latin typeface="Menlo"/>
+              </a:rPr>
+              <a:t>'</a:t>
+            </a:r>
+            <a:r>
+              <a:rPr lang="es-ES" sz="1800" b="0" i="0" dirty="0">
+                <a:effectLst/>
+                <a:latin typeface="Menlo"/>
+              </a:rPr>
+              <a:t>, 0);</a:t>
             </a:r>
           </a:p>
           <a:p>
             <a:br>
-              <a:rPr lang="es-CO" sz="1800" b="0" i="0" dirty="0">
+              <a:rPr lang="es-ES" sz="1800" b="0" i="0" dirty="0">
                 <a:effectLst/>
                 <a:latin typeface="Menlo"/>
               </a:rPr>
             </a:br>
-            <a:endParaRPr lang="es-CO" sz="1800" b="0" i="0" dirty="0">
+            <a:endParaRPr lang="es-ES" sz="1800" b="0" i="0" dirty="0">
               <a:effectLst/>
               <a:latin typeface="Menlo"/>
             </a:endParaRPr>
           </a:p>
           <a:p>
+            <a:r>
+              <a:rPr lang="es-ES" sz="1800" b="0" i="0" dirty="0">
+                <a:solidFill>
+                  <a:srgbClr val="008013"/>
+                </a:solidFill>
+                <a:effectLst/>
+                <a:latin typeface="Menlo"/>
+              </a:rPr>
+              <a:t>% Definir la entrada discreta u[k]</a:t>
+            </a:r>
+            <a:endParaRPr lang="es-ES" sz="1800" b="0" i="0" dirty="0">
+              <a:effectLst/>
+              <a:latin typeface="Menlo"/>
+            </a:endParaRPr>
+          </a:p>
+          <a:p>
+            <a:r>
+              <a:rPr lang="es-ES" sz="1800" b="0" i="0" dirty="0">
+                <a:effectLst/>
+                <a:latin typeface="Menlo"/>
+              </a:rPr>
+              <a:t>k = 0:1:10; </a:t>
+            </a:r>
+            <a:r>
+              <a:rPr lang="es-ES" sz="1800" b="0" i="0" dirty="0">
+                <a:solidFill>
+                  <a:srgbClr val="008013"/>
+                </a:solidFill>
+                <a:effectLst/>
+                <a:latin typeface="Menlo"/>
+              </a:rPr>
+              <a:t>% Vector de índices de tiempo discreto</a:t>
+            </a:r>
+            <a:endParaRPr lang="es-ES" sz="1800" b="0" i="0" dirty="0">
+              <a:effectLst/>
+              <a:latin typeface="Menlo"/>
+            </a:endParaRPr>
+          </a:p>
+          <a:p>
+            <a:r>
+              <a:rPr lang="es-ES" sz="1800" b="0" i="0" dirty="0">
+                <a:effectLst/>
+                <a:latin typeface="Menlo"/>
+              </a:rPr>
+              <a:t>u = </a:t>
+            </a:r>
+            <a:r>
+              <a:rPr lang="es-ES" sz="1800" b="0" i="0" dirty="0" err="1">
+                <a:effectLst/>
+                <a:latin typeface="Menlo"/>
+              </a:rPr>
+              <a:t>ones</a:t>
+            </a:r>
+            <a:r>
+              <a:rPr lang="es-ES" sz="1800" b="0" i="0" dirty="0">
+                <a:effectLst/>
+                <a:latin typeface="Menlo"/>
+              </a:rPr>
+              <a:t>(</a:t>
+            </a:r>
+            <a:r>
+              <a:rPr lang="es-ES" sz="1800" b="0" i="0" dirty="0" err="1">
+                <a:effectLst/>
+                <a:latin typeface="Menlo"/>
+              </a:rPr>
+              <a:t>size</a:t>
+            </a:r>
+            <a:r>
+              <a:rPr lang="es-ES" sz="1800" b="0" i="0" dirty="0">
+                <a:effectLst/>
+                <a:latin typeface="Menlo"/>
+              </a:rPr>
+              <a:t>(k)); </a:t>
+            </a:r>
+            <a:r>
+              <a:rPr lang="es-ES" sz="1800" b="0" i="0" dirty="0">
+                <a:solidFill>
+                  <a:srgbClr val="008013"/>
+                </a:solidFill>
+                <a:effectLst/>
+                <a:latin typeface="Menlo"/>
+              </a:rPr>
+              <a:t>% Entrada escalón unitario discreto</a:t>
+            </a:r>
+            <a:endParaRPr lang="es-ES" sz="1800" b="0" i="0" dirty="0">
+              <a:effectLst/>
+              <a:latin typeface="Menlo"/>
+            </a:endParaRPr>
+          </a:p>
+          <a:p>
             <a:br>
-              <a:rPr lang="es-CO" sz="1800" b="0" i="0" dirty="0">
+              <a:rPr lang="es-ES" sz="1800" b="0" i="0" dirty="0">
                 <a:effectLst/>
                 <a:latin typeface="Menlo"/>
               </a:rPr>
             </a:br>
-            <a:endParaRPr lang="es-CO" sz="1800" b="0" i="0" dirty="0">
+            <a:endParaRPr lang="es-ES" sz="1800" b="0" i="0" dirty="0">
               <a:effectLst/>
               <a:latin typeface="Menlo"/>
             </a:endParaRPr>
           </a:p>
           <a:p>
             <a:r>
-              <a:rPr lang="es-CO" sz="1800" b="0" i="0" dirty="0">
+              <a:rPr lang="es-ES" sz="1800" b="0" i="0" dirty="0">
                 <a:solidFill>
                   <a:srgbClr val="008013"/>
                 </a:solidFill>
                 <a:effectLst/>
                 <a:latin typeface="Menlo"/>
               </a:rPr>
-              <a:t>%%</a:t>
-            </a:r>
-            <a:endParaRPr lang="es-CO" sz="1800" b="0" i="0" dirty="0">
+              <a:t>% Obtener la respuesta en el dominio discreto</a:t>
+            </a:r>
+            <a:endParaRPr lang="es-ES" sz="1800" b="0" i="0" dirty="0">
               <a:effectLst/>
               <a:latin typeface="Menlo"/>
             </a:endParaRPr>
           </a:p>
           <a:p>
             <a:r>
-              <a:rPr lang="es-CO" sz="1800" b="0" i="0" dirty="0" err="1">
+              <a:rPr lang="es-ES" sz="1800" b="0" i="0" dirty="0">
                 <a:effectLst/>
                 <a:latin typeface="Menlo"/>
               </a:rPr>
-              <a:t>syms</a:t>
-            </a:r>
-            <a:r>
-              <a:rPr lang="es-CO" sz="1800" b="0" i="0" dirty="0">
+              <a:t>[y, k] = </a:t>
+            </a:r>
+            <a:r>
+              <a:rPr lang="es-ES" sz="1800" b="0" i="0" dirty="0" err="1">
+                <a:effectLst/>
+                <a:latin typeface="Menlo"/>
+              </a:rPr>
+              <a:t>lsim</a:t>
+            </a:r>
+            <a:r>
+              <a:rPr lang="es-ES" sz="1800" b="0" i="0" dirty="0">
+                <a:effectLst/>
+                <a:latin typeface="Menlo"/>
+              </a:rPr>
+              <a:t>(H, u, k);</a:t>
+            </a:r>
+          </a:p>
+          <a:p>
+            <a:br>
+              <a:rPr lang="es-ES" sz="1800" b="0" i="0" dirty="0">
+                <a:effectLst/>
+                <a:latin typeface="Menlo"/>
+              </a:rPr>
+            </a:br>
+            <a:endParaRPr lang="es-ES" sz="1800" b="0" i="0" dirty="0">
+              <a:effectLst/>
+              <a:latin typeface="Menlo"/>
+            </a:endParaRPr>
+          </a:p>
+          <a:p>
+            <a:r>
+              <a:rPr lang="es-ES" sz="1800" b="0" i="0" dirty="0">
+                <a:solidFill>
+                  <a:srgbClr val="008013"/>
+                </a:solidFill>
+                <a:effectLst/>
+                <a:latin typeface="Menlo"/>
+              </a:rPr>
+              <a:t>% Graficar la respuesta en el dominio discreto</a:t>
+            </a:r>
+            <a:endParaRPr lang="es-ES" sz="1800" b="0" i="0" dirty="0">
+              <a:effectLst/>
+              <a:latin typeface="Menlo"/>
+            </a:endParaRPr>
+          </a:p>
+          <a:p>
+            <a:r>
+              <a:rPr lang="es-ES" sz="1800" b="0" i="0" dirty="0" err="1">
+                <a:effectLst/>
+                <a:latin typeface="Menlo"/>
+              </a:rPr>
+              <a:t>stem</a:t>
+            </a:r>
+            <a:r>
+              <a:rPr lang="es-ES" sz="1800" b="0" i="0" dirty="0">
+                <a:effectLst/>
+                <a:latin typeface="Menlo"/>
+              </a:rPr>
+              <a:t>(k, y, </a:t>
+            </a:r>
+            <a:r>
+              <a:rPr lang="es-ES" sz="1800" b="0" i="0" dirty="0">
+                <a:solidFill>
+                  <a:srgbClr val="A709F5"/>
+                </a:solidFill>
+                <a:effectLst/>
+                <a:latin typeface="Menlo"/>
+              </a:rPr>
+              <a:t>'</a:t>
+            </a:r>
+            <a:r>
+              <a:rPr lang="es-ES" sz="1800" b="0" i="0" dirty="0" err="1">
+                <a:solidFill>
+                  <a:srgbClr val="A709F5"/>
+                </a:solidFill>
+                <a:effectLst/>
+                <a:latin typeface="Menlo"/>
+              </a:rPr>
+              <a:t>filled</a:t>
+            </a:r>
+            <a:r>
+              <a:rPr lang="es-ES" sz="1800" b="0" i="0" dirty="0">
+                <a:solidFill>
+                  <a:srgbClr val="A709F5"/>
+                </a:solidFill>
+                <a:effectLst/>
+                <a:latin typeface="Menlo"/>
+              </a:rPr>
+              <a:t>'</a:t>
+            </a:r>
+            <a:r>
+              <a:rPr lang="es-ES" sz="1800" b="0" i="0" dirty="0">
+                <a:effectLst/>
+                <a:latin typeface="Menlo"/>
+              </a:rPr>
+              <a:t>, </a:t>
+            </a:r>
+            <a:r>
+              <a:rPr lang="es-ES" sz="1800" b="0" i="0" dirty="0">
+                <a:solidFill>
+                  <a:srgbClr val="A709F5"/>
+                </a:solidFill>
+                <a:effectLst/>
+                <a:latin typeface="Menlo"/>
+              </a:rPr>
+              <a:t>'</a:t>
+            </a:r>
+            <a:r>
+              <a:rPr lang="es-ES" sz="1800" b="0" i="0" dirty="0" err="1">
+                <a:solidFill>
+                  <a:srgbClr val="A709F5"/>
+                </a:solidFill>
+                <a:effectLst/>
+                <a:latin typeface="Menlo"/>
+              </a:rPr>
+              <a:t>LineWidth</a:t>
+            </a:r>
+            <a:r>
+              <a:rPr lang="es-ES" sz="1800" b="0" i="0" dirty="0">
+                <a:solidFill>
+                  <a:srgbClr val="A709F5"/>
+                </a:solidFill>
+                <a:effectLst/>
+                <a:latin typeface="Menlo"/>
+              </a:rPr>
+              <a:t>'</a:t>
+            </a:r>
+            <a:r>
+              <a:rPr lang="es-ES" sz="1800" b="0" i="0" dirty="0">
+                <a:effectLst/>
+                <a:latin typeface="Menlo"/>
+              </a:rPr>
+              <a:t>, 2);</a:t>
+            </a:r>
+          </a:p>
+          <a:p>
+            <a:r>
+              <a:rPr lang="es-ES" sz="1800" b="0" i="0" dirty="0" err="1">
+                <a:effectLst/>
+                <a:latin typeface="Menlo"/>
+              </a:rPr>
+              <a:t>title</a:t>
+            </a:r>
+            <a:r>
+              <a:rPr lang="es-ES" sz="1800" b="0" i="0" dirty="0">
+                <a:effectLst/>
+                <a:latin typeface="Menlo"/>
+              </a:rPr>
+              <a:t>(</a:t>
+            </a:r>
+            <a:r>
+              <a:rPr lang="es-ES" sz="1800" b="0" i="0" dirty="0">
+                <a:solidFill>
+                  <a:srgbClr val="A709F5"/>
+                </a:solidFill>
+                <a:effectLst/>
+                <a:latin typeface="Menlo"/>
+              </a:rPr>
+              <a:t>'Respuesta en el Dominio Discreto de la Ecuación en Diferencias'</a:t>
+            </a:r>
+            <a:r>
+              <a:rPr lang="es-ES" sz="1800" b="0" i="0" dirty="0">
+                <a:effectLst/>
+                <a:latin typeface="Menlo"/>
+              </a:rPr>
+              <a:t>);</a:t>
+            </a:r>
+          </a:p>
+          <a:p>
+            <a:r>
+              <a:rPr lang="es-ES" sz="1800" b="0" i="0" dirty="0" err="1">
+                <a:effectLst/>
+                <a:latin typeface="Menlo"/>
+              </a:rPr>
+              <a:t>xlabel</a:t>
+            </a:r>
+            <a:r>
+              <a:rPr lang="es-ES" sz="1800" b="0" i="0" dirty="0">
+                <a:effectLst/>
+                <a:latin typeface="Menlo"/>
+              </a:rPr>
+              <a:t>(</a:t>
+            </a:r>
+            <a:r>
+              <a:rPr lang="es-ES" sz="1800" b="0" i="0" dirty="0">
+                <a:solidFill>
+                  <a:srgbClr val="A709F5"/>
+                </a:solidFill>
+                <a:effectLst/>
+                <a:latin typeface="Menlo"/>
+              </a:rPr>
+              <a:t>'k (Índice de tiempo discreto)'</a:t>
+            </a:r>
+            <a:r>
+              <a:rPr lang="es-ES" sz="1800" b="0" i="0" dirty="0">
+                <a:effectLst/>
+                <a:latin typeface="Menlo"/>
+              </a:rPr>
+              <a:t>);</a:t>
+            </a:r>
+          </a:p>
+          <a:p>
+            <a:r>
+              <a:rPr lang="es-ES" sz="1800" b="0" i="0" dirty="0" err="1">
+                <a:effectLst/>
+                <a:latin typeface="Menlo"/>
+              </a:rPr>
+              <a:t>ylabel</a:t>
+            </a:r>
+            <a:r>
+              <a:rPr lang="es-ES" sz="1800" b="0" i="0" dirty="0">
+                <a:effectLst/>
+                <a:latin typeface="Menlo"/>
+              </a:rPr>
+              <a:t>(</a:t>
+            </a:r>
+            <a:r>
+              <a:rPr lang="es-ES" sz="1800" b="0" i="0" dirty="0">
+                <a:solidFill>
+                  <a:srgbClr val="A709F5"/>
+                </a:solidFill>
+                <a:effectLst/>
+                <a:latin typeface="Menlo"/>
+              </a:rPr>
+              <a:t>'y[k]'</a:t>
+            </a:r>
+            <a:r>
+              <a:rPr lang="es-ES" sz="1800" b="0" i="0" dirty="0">
+                <a:effectLst/>
+                <a:latin typeface="Menlo"/>
+              </a:rPr>
+              <a:t>);</a:t>
+            </a:r>
+          </a:p>
+          <a:p>
+            <a:r>
+              <a:rPr lang="es-ES" sz="1800" b="0" i="0" dirty="0" err="1">
+                <a:effectLst/>
+                <a:latin typeface="Menlo"/>
+              </a:rPr>
+              <a:t>grid</a:t>
+            </a:r>
+            <a:r>
+              <a:rPr lang="es-ES" sz="1800" b="0" i="0" dirty="0">
                 <a:effectLst/>
                 <a:latin typeface="Menlo"/>
               </a:rPr>
               <a:t> </a:t>
             </a:r>
             <a:r>
-              <a:rPr lang="es-CO" sz="1800" b="0" i="0" dirty="0">
+              <a:rPr lang="es-ES" sz="1800" b="0" i="0" dirty="0" err="1">
                 <a:solidFill>
                   <a:srgbClr val="A709F5"/>
                 </a:solidFill>
                 <a:effectLst/>
                 <a:latin typeface="Menlo"/>
               </a:rPr>
-              <a:t>z</a:t>
-            </a:r>
-            <a:endParaRPr lang="es-CO" sz="1800" b="0" i="0" dirty="0">
-              <a:effectLst/>
-              <a:latin typeface="Menlo"/>
-            </a:endParaRPr>
-          </a:p>
-          <a:p>
-            <a:r>
-              <a:rPr lang="es-CO" sz="1800" b="0" i="0" dirty="0">
+              <a:t>on</a:t>
+            </a:r>
+            <a:r>
+              <a:rPr lang="es-ES" sz="1800" b="0" i="0" dirty="0">
                 <a:effectLst/>
                 <a:latin typeface="Menlo"/>
               </a:rPr>
-              <a:t>F = (0.5882/(1-(1.0000 + 0.0000i)*z^(-1)));</a:t>
-            </a:r>
-          </a:p>
-          <a:p>
-            <a:r>
-              <a:rPr lang="es-CO" sz="1800" b="0" i="0" dirty="0" err="1">
-                <a:effectLst/>
-                <a:latin typeface="Menlo"/>
-              </a:rPr>
-              <a:t>iztrans</a:t>
-            </a:r>
-            <a:r>
-              <a:rPr lang="es-CO" sz="1800" b="0" i="0" dirty="0">
-                <a:effectLst/>
-                <a:latin typeface="Menlo"/>
-              </a:rPr>
-              <a:t>(F)</a:t>
+              <a:t>;</a:t>
             </a:r>
           </a:p>
           <a:p>
             <a:br>
-              <a:rPr lang="pl-PL" sz="1800" b="0" i="0" dirty="0">
+              <a:rPr lang="es-ES" sz="1800" b="0" i="0" dirty="0">
                 <a:effectLst/>
                 <a:latin typeface="Menlo"/>
               </a:rPr>
             </a:br>
-            <a:endParaRPr lang="pl-PL" sz="1800" b="0" i="0" dirty="0">
-              <a:effectLst/>
-              <a:latin typeface="Menlo"/>
-            </a:endParaRPr>
-          </a:p>
-          <a:p>
-            <a:br>
-              <a:rPr lang="pl-PL" sz="1800" b="0" i="0" dirty="0">
-                <a:effectLst/>
-                <a:latin typeface="Menlo"/>
-              </a:rPr>
-            </a:br>
-            <a:endParaRPr lang="pl-PL" sz="1800" b="0" i="0" dirty="0">
+            <a:endParaRPr lang="es-ES" sz="1800" b="0" i="0" dirty="0">
               <a:effectLst/>
               <a:latin typeface="Menlo"/>
             </a:endParaRPr>
@@ -7590,7 +5262,7 @@
               <a:pPr>
                 <a:defRPr/>
               </a:pPr>
-              <a:t>17</a:t>
+              <a:t>16</a:t>
             </a:fld>
             <a:endParaRPr lang="es-CO" altLang="es-CO"/>
           </a:p>
@@ -7599,7 +5271,7 @@
     </p:spTree>
     <p:extLst>
       <p:ext uri="{BB962C8B-B14F-4D97-AF65-F5344CB8AC3E}">
-        <p14:creationId xmlns:p14="http://schemas.microsoft.com/office/powerpoint/2010/main" val="3478874336"/>
+        <p14:creationId xmlns:p14="http://schemas.microsoft.com/office/powerpoint/2010/main" val="2521759513"/>
       </p:ext>
     </p:extLst>
   </p:cSld>
@@ -7663,7 +5335,7 @@
                 <a:effectLst/>
                 <a:latin typeface="Menlo"/>
               </a:rPr>
-              <a:t>% 0 --&gt; parte real 1--&gt;Z</a:t>
+              <a:t>% 0 --&gt; parte real 1--&gt;Z coeficiente de z</a:t>
             </a:r>
             <a:endParaRPr lang="es-CO" sz="1800" b="0" i="0" dirty="0">
               <a:effectLst/>
@@ -7959,7 +5631,7 @@
               <a:pPr>
                 <a:defRPr/>
               </a:pPr>
-              <a:t>19</a:t>
+              <a:t>17</a:t>
             </a:fld>
             <a:endParaRPr lang="es-CO" altLang="es-CO"/>
           </a:p>
@@ -7968,7 +5640,7 @@
     </p:spTree>
     <p:extLst>
       <p:ext uri="{BB962C8B-B14F-4D97-AF65-F5344CB8AC3E}">
-        <p14:creationId xmlns:p14="http://schemas.microsoft.com/office/powerpoint/2010/main" val="3207830483"/>
+        <p14:creationId xmlns:p14="http://schemas.microsoft.com/office/powerpoint/2010/main" val="3478874336"/>
       </p:ext>
     </p:extLst>
   </p:cSld>
@@ -8328,7 +6000,7 @@
               <a:pPr>
                 <a:defRPr/>
               </a:pPr>
-              <a:t>20</a:t>
+              <a:t>19</a:t>
             </a:fld>
             <a:endParaRPr lang="es-CO" altLang="es-CO"/>
           </a:p>
@@ -8337,7 +6009,7 @@
     </p:spTree>
     <p:extLst>
       <p:ext uri="{BB962C8B-B14F-4D97-AF65-F5344CB8AC3E}">
-        <p14:creationId xmlns:p14="http://schemas.microsoft.com/office/powerpoint/2010/main" val="257676237"/>
+        <p14:creationId xmlns:p14="http://schemas.microsoft.com/office/powerpoint/2010/main" val="3207830483"/>
       </p:ext>
     </p:extLst>
   </p:cSld>
@@ -8496,7 +6168,7 @@
           <a:p>
             <a:fld id="{9CF7635E-2D71-42E7-9E6C-FBB85A15A85F}" type="datetimeFigureOut">
               <a:rPr lang="es-CO" smtClean="0"/>
-              <a:t>4/01/2025</a:t>
+              <a:t>10/01/2025</a:t>
             </a:fld>
             <a:endParaRPr lang="es-CO"/>
           </a:p>
@@ -8762,7 +6434,7 @@
           <a:p>
             <a:fld id="{9CF7635E-2D71-42E7-9E6C-FBB85A15A85F}" type="datetimeFigureOut">
               <a:rPr lang="es-CO" smtClean="0"/>
-              <a:t>4/01/2025</a:t>
+              <a:t>10/01/2025</a:t>
             </a:fld>
             <a:endParaRPr lang="es-CO"/>
           </a:p>
@@ -8978,7 +6650,7 @@
           <a:p>
             <a:fld id="{9CF7635E-2D71-42E7-9E6C-FBB85A15A85F}" type="datetimeFigureOut">
               <a:rPr lang="es-CO" smtClean="0"/>
-              <a:t>4/01/2025</a:t>
+              <a:t>10/01/2025</a:t>
             </a:fld>
             <a:endParaRPr lang="es-CO"/>
           </a:p>
@@ -10607,7 +8279,7 @@
           <a:p>
             <a:fld id="{9CF7635E-2D71-42E7-9E6C-FBB85A15A85F}" type="datetimeFigureOut">
               <a:rPr lang="es-CO" smtClean="0"/>
-              <a:t>4/01/2025</a:t>
+              <a:t>10/01/2025</a:t>
             </a:fld>
             <a:endParaRPr lang="es-CO"/>
           </a:p>
@@ -11054,7 +8726,7 @@
           <a:p>
             <a:fld id="{9CF7635E-2D71-42E7-9E6C-FBB85A15A85F}" type="datetimeFigureOut">
               <a:rPr lang="es-CO" smtClean="0"/>
-              <a:t>4/01/2025</a:t>
+              <a:t>10/01/2025</a:t>
             </a:fld>
             <a:endParaRPr lang="es-CO"/>
           </a:p>
@@ -11328,7 +9000,7 @@
           <a:p>
             <a:fld id="{9CF7635E-2D71-42E7-9E6C-FBB85A15A85F}" type="datetimeFigureOut">
               <a:rPr lang="es-CO" smtClean="0"/>
-              <a:t>4/01/2025</a:t>
+              <a:t>10/01/2025</a:t>
             </a:fld>
             <a:endParaRPr lang="es-CO"/>
           </a:p>
@@ -11749,7 +9421,7 @@
           <a:p>
             <a:fld id="{9CF7635E-2D71-42E7-9E6C-FBB85A15A85F}" type="datetimeFigureOut">
               <a:rPr lang="es-CO" smtClean="0"/>
-              <a:t>4/01/2025</a:t>
+              <a:t>10/01/2025</a:t>
             </a:fld>
             <a:endParaRPr lang="es-CO"/>
           </a:p>
@@ -11897,7 +9569,7 @@
           <a:p>
             <a:fld id="{9CF7635E-2D71-42E7-9E6C-FBB85A15A85F}" type="datetimeFigureOut">
               <a:rPr lang="es-CO" smtClean="0"/>
-              <a:t>4/01/2025</a:t>
+              <a:t>10/01/2025</a:t>
             </a:fld>
             <a:endParaRPr lang="es-CO"/>
           </a:p>
@@ -12016,7 +9688,7 @@
           <a:p>
             <a:fld id="{9CF7635E-2D71-42E7-9E6C-FBB85A15A85F}" type="datetimeFigureOut">
               <a:rPr lang="es-CO" smtClean="0"/>
-              <a:t>4/01/2025</a:t>
+              <a:t>10/01/2025</a:t>
             </a:fld>
             <a:endParaRPr lang="es-CO"/>
           </a:p>
@@ -12335,7 +10007,7 @@
           <a:p>
             <a:fld id="{9CF7635E-2D71-42E7-9E6C-FBB85A15A85F}" type="datetimeFigureOut">
               <a:rPr lang="es-CO" smtClean="0"/>
-              <a:t>4/01/2025</a:t>
+              <a:t>10/01/2025</a:t>
             </a:fld>
             <a:endParaRPr lang="es-CO"/>
           </a:p>
@@ -12630,7 +10302,7 @@
           <a:p>
             <a:fld id="{9CF7635E-2D71-42E7-9E6C-FBB85A15A85F}" type="datetimeFigureOut">
               <a:rPr lang="es-CO" smtClean="0"/>
-              <a:t>4/01/2025</a:t>
+              <a:t>10/01/2025</a:t>
             </a:fld>
             <a:endParaRPr lang="es-CO"/>
           </a:p>
@@ -12879,7 +10551,7 @@
           <a:p>
             <a:fld id="{9CF7635E-2D71-42E7-9E6C-FBB85A15A85F}" type="datetimeFigureOut">
               <a:rPr lang="es-CO" smtClean="0"/>
-              <a:t>4/01/2025</a:t>
+              <a:t>10/01/2025</a:t>
             </a:fld>
             <a:endParaRPr lang="es-CO"/>
           </a:p>
@@ -14426,7 +12098,7 @@
             <a:pPr algn="ctr"/>
             <a:r>
               <a:rPr lang="es-CO" b="1" dirty="0"/>
-              <a:t>Ejercicio 2</a:t>
+              <a:t>Ejercicio de repaso 2</a:t>
             </a:r>
           </a:p>
         </p:txBody>
@@ -14446,7 +12118,7 @@
         <p:spPr>
           <a:xfrm>
             <a:off x="1115616" y="2420888"/>
-            <a:ext cx="6984776" cy="3693319"/>
+            <a:ext cx="6984776" cy="3416320"/>
           </a:xfrm>
           <a:prstGeom prst="rect">
             <a:avLst/>
@@ -14479,9 +12151,6 @@
               <a:rPr lang="es-CO" dirty="0"/>
               <a:t>Calcular la respuesta al escalón unitario para un circuito RC de primer orden</a:t>
             </a:r>
-          </a:p>
-          <a:p>
-            <a:endParaRPr lang="es-CO" dirty="0"/>
           </a:p>
           <a:p>
             <a:endParaRPr lang="es-CO" dirty="0"/>
@@ -15055,7 +12724,7 @@
             <a:pPr algn="ctr"/>
             <a:r>
               <a:rPr lang="es-CO" b="1" dirty="0"/>
-              <a:t>Ejercicio 2</a:t>
+              <a:t>Ejercicio de repaso 2</a:t>
             </a:r>
           </a:p>
         </p:txBody>
@@ -15136,7 +12805,7 @@
             </p:nvSpPr>
             <p:spPr>
               <a:xfrm>
-                <a:off x="1843707" y="3602666"/>
+                <a:off x="1843707" y="3515803"/>
                 <a:ext cx="4582756" cy="659411"/>
               </a:xfrm>
               <a:prstGeom prst="rect">
@@ -15320,7 +12989,7 @@
             </p:nvSpPr>
             <p:spPr>
               <a:xfrm>
-                <a:off x="1843707" y="3602666"/>
+                <a:off x="1843707" y="3515803"/>
                 <a:ext cx="4582756" cy="659411"/>
               </a:xfrm>
               <a:prstGeom prst="rect">
@@ -16005,7 +13674,13 @@
   <p:cSld>
     <p:spTree>
       <p:nvGrpSpPr>
-        <p:cNvPr id="1" name=""/>
+        <p:cNvPr id="1" name="">
+          <a:extLst>
+            <a:ext uri="{FF2B5EF4-FFF2-40B4-BE49-F238E27FC236}">
+              <a16:creationId xmlns:a16="http://schemas.microsoft.com/office/drawing/2014/main" id="{5DE8DC7D-755F-21EE-67A4-071916307525}"/>
+            </a:ext>
+          </a:extLst>
+        </p:cNvPr>
         <p:cNvGrpSpPr/>
         <p:nvPr/>
       </p:nvGrpSpPr>
@@ -16022,7 +13697,7 @@
           <p:cNvPr id="10" name="1 Título">
             <a:extLst>
               <a:ext uri="{FF2B5EF4-FFF2-40B4-BE49-F238E27FC236}">
-                <a16:creationId xmlns:a16="http://schemas.microsoft.com/office/drawing/2014/main" id="{AF4E183E-A171-4923-A99E-D149888CEC37}"/>
+                <a16:creationId xmlns:a16="http://schemas.microsoft.com/office/drawing/2014/main" id="{536C90CA-E86D-544E-0FEA-0F2BD3D52F57}"/>
               </a:ext>
             </a:extLst>
           </p:cNvPr>
@@ -16221,7 +13896,7 @@
           <p:cNvPr id="14" name="Picture 4" descr="Programas - Intranet ETITC">
             <a:extLst>
               <a:ext uri="{FF2B5EF4-FFF2-40B4-BE49-F238E27FC236}">
-                <a16:creationId xmlns:a16="http://schemas.microsoft.com/office/drawing/2014/main" id="{EC83F540-C4A2-EE56-0418-B8CD7CA17275}"/>
+                <a16:creationId xmlns:a16="http://schemas.microsoft.com/office/drawing/2014/main" id="{646B1C3C-46FE-3982-13E2-E34AAF04A341}"/>
               </a:ext>
             </a:extLst>
           </p:cNvPr>
@@ -16231,7 +13906,7 @@
           <p:nvPr/>
         </p:nvPicPr>
         <p:blipFill>
-          <a:blip r:embed="rId2">
+          <a:blip r:embed="rId3">
             <a:extLst>
               <a:ext uri="{28A0092B-C50C-407E-A947-70E740481C1C}">
                 <a14:useLocalDpi xmlns:a14="http://schemas.microsoft.com/office/drawing/2010/main" val="0"/>
@@ -16268,7 +13943,7 @@
           <p:cNvPr id="5" name="2 Subtítulo">
             <a:extLst>
               <a:ext uri="{FF2B5EF4-FFF2-40B4-BE49-F238E27FC236}">
-                <a16:creationId xmlns:a16="http://schemas.microsoft.com/office/drawing/2014/main" id="{AD83FA30-4A3C-43B8-17CD-C08519129156}"/>
+                <a16:creationId xmlns:a16="http://schemas.microsoft.com/office/drawing/2014/main" id="{A3DC3541-C656-47D4-1682-5385B4A072CF}"/>
               </a:ext>
             </a:extLst>
           </p:cNvPr>
@@ -16492,10 +14167,10 @@
       </p:sp>
       <p:sp>
         <p:nvSpPr>
-          <p:cNvPr id="16" name="Título 1">
+          <p:cNvPr id="4" name="Título 1">
             <a:extLst>
               <a:ext uri="{FF2B5EF4-FFF2-40B4-BE49-F238E27FC236}">
-                <a16:creationId xmlns:a16="http://schemas.microsoft.com/office/drawing/2014/main" id="{61C30305-C78C-F687-635F-1E0E3726D49F}"/>
+                <a16:creationId xmlns:a16="http://schemas.microsoft.com/office/drawing/2014/main" id="{236D12C1-1036-68C3-370D-9080C4F8157D}"/>
               </a:ext>
             </a:extLst>
           </p:cNvPr>
@@ -16508,7 +14183,7 @@
         </p:nvSpPr>
         <p:spPr>
           <a:xfrm>
-            <a:off x="1922790" y="1642261"/>
+            <a:off x="1843707" y="1170004"/>
             <a:ext cx="5456585" cy="1162050"/>
           </a:xfrm>
         </p:spPr>
@@ -16519,45 +14194,901 @@
             <a:pPr algn="ctr"/>
             <a:r>
               <a:rPr lang="es-CO" b="1" dirty="0"/>
-              <a:t>¿Cómo solucionamos ecuaciones en diferencias mediante la transformada Z?</a:t>
+              <a:t>Taller de repaso</a:t>
             </a:r>
           </a:p>
         </p:txBody>
       </p:sp>
+      <mc:AlternateContent xmlns:mc="http://schemas.openxmlformats.org/markup-compatibility/2006" xmlns:a14="http://schemas.microsoft.com/office/drawing/2010/main">
+        <mc:Choice Requires="a14">
+          <p:sp>
+            <p:nvSpPr>
+              <p:cNvPr id="2" name="CuadroTexto 1">
+                <a:extLst>
+                  <a:ext uri="{FF2B5EF4-FFF2-40B4-BE49-F238E27FC236}">
+                    <a16:creationId xmlns:a16="http://schemas.microsoft.com/office/drawing/2014/main" id="{B0B03F2D-55F3-B25B-6DFA-7779F985A81B}"/>
+                  </a:ext>
+                </a:extLst>
+              </p:cNvPr>
+              <p:cNvSpPr txBox="1"/>
+              <p:nvPr/>
+            </p:nvSpPr>
+            <p:spPr>
+              <a:xfrm>
+                <a:off x="2716651" y="2873207"/>
+                <a:ext cx="3710696" cy="555793"/>
+              </a:xfrm>
+              <a:prstGeom prst="rect">
+                <a:avLst/>
+              </a:prstGeom>
+              <a:noFill/>
+            </p:spPr>
+            <p:txBody>
+              <a:bodyPr wrap="none" lIns="0" tIns="0" rIns="0" bIns="0" rtlCol="0">
+                <a:spAutoFit/>
+              </a:bodyPr>
+              <a:lstStyle/>
+              <a:p>
+                <a:pPr/>
+                <a14:m>
+                  <m:oMathPara xmlns:m="http://schemas.openxmlformats.org/officeDocument/2006/math">
+                    <m:oMathParaPr>
+                      <m:jc m:val="centerGroup"/>
+                    </m:oMathParaPr>
+                    <m:oMath xmlns:m="http://schemas.openxmlformats.org/officeDocument/2006/math">
+                      <m:f>
+                        <m:fPr>
+                          <m:ctrlPr>
+                            <a:rPr lang="es-CO" b="0" i="1" smtClean="0">
+                              <a:latin typeface="Cambria Math" panose="02040503050406030204" pitchFamily="18" charset="0"/>
+                            </a:rPr>
+                          </m:ctrlPr>
+                        </m:fPr>
+                        <m:num>
+                          <m:sSup>
+                            <m:sSupPr>
+                              <m:ctrlPr>
+                                <a:rPr lang="es-CO" b="0" i="1" smtClean="0">
+                                  <a:latin typeface="Cambria Math" panose="02040503050406030204" pitchFamily="18" charset="0"/>
+                                </a:rPr>
+                              </m:ctrlPr>
+                            </m:sSupPr>
+                            <m:e>
+                              <m:r>
+                                <a:rPr lang="es-CO" b="0" i="1" smtClean="0">
+                                  <a:latin typeface="Cambria Math" panose="02040503050406030204" pitchFamily="18" charset="0"/>
+                                </a:rPr>
+                                <m:t>𝑑</m:t>
+                              </m:r>
+                            </m:e>
+                            <m:sup>
+                              <m:r>
+                                <a:rPr lang="es-CO" b="0" i="1" smtClean="0">
+                                  <a:latin typeface="Cambria Math" panose="02040503050406030204" pitchFamily="18" charset="0"/>
+                                </a:rPr>
+                                <m:t>2</m:t>
+                              </m:r>
+                            </m:sup>
+                          </m:sSup>
+                          <m:r>
+                            <a:rPr lang="es-CO" b="0" i="1" smtClean="0">
+                              <a:latin typeface="Cambria Math" panose="02040503050406030204" pitchFamily="18" charset="0"/>
+                            </a:rPr>
+                            <m:t>𝑓</m:t>
+                          </m:r>
+                          <m:r>
+                            <a:rPr lang="es-CO" b="0" i="1" smtClean="0">
+                              <a:latin typeface="Cambria Math" panose="02040503050406030204" pitchFamily="18" charset="0"/>
+                            </a:rPr>
+                            <m:t>(</m:t>
+                          </m:r>
+                          <m:r>
+                            <a:rPr lang="es-CO" b="0" i="1" smtClean="0">
+                              <a:latin typeface="Cambria Math" panose="02040503050406030204" pitchFamily="18" charset="0"/>
+                            </a:rPr>
+                            <m:t>𝑡</m:t>
+                          </m:r>
+                          <m:r>
+                            <a:rPr lang="es-CO" b="0" i="1" smtClean="0">
+                              <a:latin typeface="Cambria Math" panose="02040503050406030204" pitchFamily="18" charset="0"/>
+                            </a:rPr>
+                            <m:t>)</m:t>
+                          </m:r>
+                        </m:num>
+                        <m:den>
+                          <m:r>
+                            <a:rPr lang="es-CO" b="0" i="1" smtClean="0">
+                              <a:latin typeface="Cambria Math" panose="02040503050406030204" pitchFamily="18" charset="0"/>
+                            </a:rPr>
+                            <m:t>𝑑</m:t>
+                          </m:r>
+                          <m:sSup>
+                            <m:sSupPr>
+                              <m:ctrlPr>
+                                <a:rPr lang="es-CO" b="0" i="1" smtClean="0">
+                                  <a:latin typeface="Cambria Math" panose="02040503050406030204" pitchFamily="18" charset="0"/>
+                                </a:rPr>
+                              </m:ctrlPr>
+                            </m:sSupPr>
+                            <m:e>
+                              <m:r>
+                                <a:rPr lang="es-CO" b="0" i="1" smtClean="0">
+                                  <a:latin typeface="Cambria Math" panose="02040503050406030204" pitchFamily="18" charset="0"/>
+                                </a:rPr>
+                                <m:t>𝑡</m:t>
+                              </m:r>
+                            </m:e>
+                            <m:sup>
+                              <m:r>
+                                <a:rPr lang="es-CO" b="0" i="1" smtClean="0">
+                                  <a:latin typeface="Cambria Math" panose="02040503050406030204" pitchFamily="18" charset="0"/>
+                                </a:rPr>
+                                <m:t>2</m:t>
+                              </m:r>
+                            </m:sup>
+                          </m:sSup>
+                        </m:den>
+                      </m:f>
+                      <m:r>
+                        <a:rPr lang="es-CO" b="0" i="1" smtClean="0">
+                          <a:latin typeface="Cambria Math" panose="02040503050406030204" pitchFamily="18" charset="0"/>
+                        </a:rPr>
+                        <m:t>+5</m:t>
+                      </m:r>
+                      <m:f>
+                        <m:fPr>
+                          <m:ctrlPr>
+                            <a:rPr lang="es-CO" b="0" i="1" smtClean="0">
+                              <a:latin typeface="Cambria Math" panose="02040503050406030204" pitchFamily="18" charset="0"/>
+                            </a:rPr>
+                          </m:ctrlPr>
+                        </m:fPr>
+                        <m:num>
+                          <m:r>
+                            <a:rPr lang="es-CO" b="0" i="1" smtClean="0">
+                              <a:latin typeface="Cambria Math" panose="02040503050406030204" pitchFamily="18" charset="0"/>
+                            </a:rPr>
+                            <m:t>𝑑𝑓</m:t>
+                          </m:r>
+                          <m:r>
+                            <a:rPr lang="es-CO" b="0" i="1" smtClean="0">
+                              <a:latin typeface="Cambria Math" panose="02040503050406030204" pitchFamily="18" charset="0"/>
+                            </a:rPr>
+                            <m:t>(</m:t>
+                          </m:r>
+                          <m:r>
+                            <a:rPr lang="es-CO" b="0" i="1" smtClean="0">
+                              <a:latin typeface="Cambria Math" panose="02040503050406030204" pitchFamily="18" charset="0"/>
+                            </a:rPr>
+                            <m:t>𝑡</m:t>
+                          </m:r>
+                          <m:r>
+                            <a:rPr lang="es-CO" b="0" i="1" smtClean="0">
+                              <a:latin typeface="Cambria Math" panose="02040503050406030204" pitchFamily="18" charset="0"/>
+                            </a:rPr>
+                            <m:t>)</m:t>
+                          </m:r>
+                        </m:num>
+                        <m:den>
+                          <m:r>
+                            <a:rPr lang="es-CO" b="0" i="1" smtClean="0">
+                              <a:latin typeface="Cambria Math" panose="02040503050406030204" pitchFamily="18" charset="0"/>
+                            </a:rPr>
+                            <m:t>𝑑𝑡</m:t>
+                          </m:r>
+                        </m:den>
+                      </m:f>
+                      <m:r>
+                        <a:rPr lang="es-CO" b="0" i="1" smtClean="0">
+                          <a:latin typeface="Cambria Math" panose="02040503050406030204" pitchFamily="18" charset="0"/>
+                        </a:rPr>
+                        <m:t>+4</m:t>
+                      </m:r>
+                      <m:r>
+                        <a:rPr lang="es-CO" b="0" i="1" smtClean="0">
+                          <a:latin typeface="Cambria Math" panose="02040503050406030204" pitchFamily="18" charset="0"/>
+                        </a:rPr>
+                        <m:t>𝑓</m:t>
+                      </m:r>
+                      <m:d>
+                        <m:dPr>
+                          <m:ctrlPr>
+                            <a:rPr lang="es-CO" b="0" i="1" smtClean="0">
+                              <a:latin typeface="Cambria Math" panose="02040503050406030204" pitchFamily="18" charset="0"/>
+                            </a:rPr>
+                          </m:ctrlPr>
+                        </m:dPr>
+                        <m:e>
+                          <m:r>
+                            <a:rPr lang="es-CO" b="0" i="1" smtClean="0">
+                              <a:latin typeface="Cambria Math" panose="02040503050406030204" pitchFamily="18" charset="0"/>
+                            </a:rPr>
+                            <m:t>𝑡</m:t>
+                          </m:r>
+                        </m:e>
+                      </m:d>
+                      <m:r>
+                        <a:rPr lang="es-CO" b="0" i="1" smtClean="0">
+                          <a:latin typeface="Cambria Math" panose="02040503050406030204" pitchFamily="18" charset="0"/>
+                        </a:rPr>
+                        <m:t>=</m:t>
+                      </m:r>
+                      <m:sSup>
+                        <m:sSupPr>
+                          <m:ctrlPr>
+                            <a:rPr lang="es-CO" b="0" i="1" smtClean="0">
+                              <a:latin typeface="Cambria Math" panose="02040503050406030204" pitchFamily="18" charset="0"/>
+                            </a:rPr>
+                          </m:ctrlPr>
+                        </m:sSupPr>
+                        <m:e>
+                          <m:r>
+                            <a:rPr lang="es-CO" b="0" i="1" smtClean="0">
+                              <a:latin typeface="Cambria Math" panose="02040503050406030204" pitchFamily="18" charset="0"/>
+                            </a:rPr>
+                            <m:t>𝑒</m:t>
+                          </m:r>
+                        </m:e>
+                        <m:sup>
+                          <m:r>
+                            <a:rPr lang="es-CO" b="0" i="1" smtClean="0">
+                              <a:latin typeface="Cambria Math" panose="02040503050406030204" pitchFamily="18" charset="0"/>
+                            </a:rPr>
+                            <m:t>−2</m:t>
+                          </m:r>
+                          <m:r>
+                            <a:rPr lang="es-CO" b="0" i="1" smtClean="0">
+                              <a:latin typeface="Cambria Math" panose="02040503050406030204" pitchFamily="18" charset="0"/>
+                            </a:rPr>
+                            <m:t>𝑡</m:t>
+                          </m:r>
+                        </m:sup>
+                      </m:sSup>
+                      <m:r>
+                        <a:rPr lang="es-CO" b="0" i="1" smtClean="0">
+                          <a:latin typeface="Cambria Math" panose="02040503050406030204" pitchFamily="18" charset="0"/>
+                        </a:rPr>
+                        <m:t>𝑢</m:t>
+                      </m:r>
+                      <m:r>
+                        <a:rPr lang="es-CO" b="0" i="1" smtClean="0">
+                          <a:latin typeface="Cambria Math" panose="02040503050406030204" pitchFamily="18" charset="0"/>
+                        </a:rPr>
+                        <m:t>(</m:t>
+                      </m:r>
+                      <m:r>
+                        <a:rPr lang="es-CO" b="0" i="1" smtClean="0">
+                          <a:latin typeface="Cambria Math" panose="02040503050406030204" pitchFamily="18" charset="0"/>
+                        </a:rPr>
+                        <m:t>𝑡</m:t>
+                      </m:r>
+                      <m:r>
+                        <a:rPr lang="es-CO" b="0" i="1" smtClean="0">
+                          <a:latin typeface="Cambria Math" panose="02040503050406030204" pitchFamily="18" charset="0"/>
+                        </a:rPr>
+                        <m:t>)</m:t>
+                      </m:r>
+                    </m:oMath>
+                  </m:oMathPara>
+                </a14:m>
+                <a:endParaRPr lang="en-US" dirty="0"/>
+              </a:p>
+            </p:txBody>
+          </p:sp>
+        </mc:Choice>
+        <mc:Fallback xmlns="">
+          <p:sp>
+            <p:nvSpPr>
+              <p:cNvPr id="2" name="CuadroTexto 1">
+                <a:extLst>
+                  <a:ext uri="{FF2B5EF4-FFF2-40B4-BE49-F238E27FC236}">
+                    <a16:creationId xmlns:a16="http://schemas.microsoft.com/office/drawing/2014/main" id="{B0B03F2D-55F3-B25B-6DFA-7779F985A81B}"/>
+                  </a:ext>
+                </a:extLst>
+              </p:cNvPr>
+              <p:cNvSpPr txBox="1">
+                <a:spLocks noRot="1" noChangeAspect="1" noMove="1" noResize="1" noEditPoints="1" noAdjustHandles="1" noChangeArrowheads="1" noChangeShapeType="1" noTextEdit="1"/>
+              </p:cNvSpPr>
+              <p:nvPr/>
+            </p:nvSpPr>
+            <p:spPr>
+              <a:xfrm>
+                <a:off x="2716651" y="2873207"/>
+                <a:ext cx="3710696" cy="555793"/>
+              </a:xfrm>
+              <a:prstGeom prst="rect">
+                <a:avLst/>
+              </a:prstGeom>
+              <a:blipFill>
+                <a:blip r:embed="rId4"/>
+                <a:stretch>
+                  <a:fillRect/>
+                </a:stretch>
+              </a:blipFill>
+            </p:spPr>
+            <p:txBody>
+              <a:bodyPr/>
+              <a:lstStyle/>
+              <a:p>
+                <a:r>
+                  <a:rPr lang="es-CO">
+                    <a:noFill/>
+                  </a:rPr>
+                  <a:t> </a:t>
+                </a:r>
+              </a:p>
+            </p:txBody>
+          </p:sp>
+        </mc:Fallback>
+      </mc:AlternateContent>
+      <p:sp>
+        <p:nvSpPr>
+          <p:cNvPr id="9" name="CuadroTexto 8">
+            <a:extLst>
+              <a:ext uri="{FF2B5EF4-FFF2-40B4-BE49-F238E27FC236}">
+                <a16:creationId xmlns:a16="http://schemas.microsoft.com/office/drawing/2014/main" id="{DAEA6B7C-6647-D4BA-7611-BE3FD5E2B8A4}"/>
+              </a:ext>
+            </a:extLst>
+          </p:cNvPr>
+          <p:cNvSpPr txBox="1"/>
+          <p:nvPr/>
+        </p:nvSpPr>
+        <p:spPr>
+          <a:xfrm>
+            <a:off x="1569720" y="2293248"/>
+            <a:ext cx="6131560" cy="2862322"/>
+          </a:xfrm>
+          <a:prstGeom prst="rect">
+            <a:avLst/>
+          </a:prstGeom>
+          <a:noFill/>
+        </p:spPr>
+        <p:txBody>
+          <a:bodyPr wrap="square">
+            <a:spAutoFit/>
+          </a:bodyPr>
+          <a:lstStyle/>
+          <a:p>
+            <a:r>
+              <a:rPr lang="es-CO" dirty="0"/>
+              <a:t>Resolver y graficar</a:t>
+            </a:r>
+          </a:p>
+          <a:p>
+            <a:endParaRPr lang="es-CO" dirty="0"/>
+          </a:p>
+          <a:p>
+            <a:endParaRPr lang="es-CO" dirty="0"/>
+          </a:p>
+          <a:p>
+            <a:endParaRPr lang="es-CO" dirty="0"/>
+          </a:p>
+          <a:p>
+            <a:endParaRPr lang="es-CO" dirty="0"/>
+          </a:p>
+          <a:p>
+            <a:r>
+              <a:rPr lang="es-ES" dirty="0"/>
+              <a:t>Encuentra las transformadas de Laplace de las siguientes funciones.</a:t>
+            </a:r>
+          </a:p>
+          <a:p>
+            <a:endParaRPr lang="es-CO" dirty="0"/>
+          </a:p>
+          <a:p>
+            <a:endParaRPr lang="es-CO" dirty="0"/>
+          </a:p>
+          <a:p>
+            <a:endParaRPr lang="es-CO" dirty="0"/>
+          </a:p>
+        </p:txBody>
+      </p:sp>
+      <mc:AlternateContent xmlns:mc="http://schemas.openxmlformats.org/markup-compatibility/2006" xmlns:a14="http://schemas.microsoft.com/office/drawing/2010/main">
+        <mc:Choice Requires="a14">
+          <p:sp>
+            <p:nvSpPr>
+              <p:cNvPr id="6" name="CuadroTexto 5">
+                <a:extLst>
+                  <a:ext uri="{FF2B5EF4-FFF2-40B4-BE49-F238E27FC236}">
+                    <a16:creationId xmlns:a16="http://schemas.microsoft.com/office/drawing/2014/main" id="{D628E028-1848-D955-4B4B-C600999539E0}"/>
+                  </a:ext>
+                </a:extLst>
+              </p:cNvPr>
+              <p:cNvSpPr txBox="1"/>
+              <p:nvPr/>
+            </p:nvSpPr>
+            <p:spPr>
+              <a:xfrm>
+                <a:off x="80387" y="4421915"/>
+                <a:ext cx="4642338" cy="661912"/>
+              </a:xfrm>
+              <a:prstGeom prst="rect">
+                <a:avLst/>
+              </a:prstGeom>
+              <a:noFill/>
+            </p:spPr>
+            <p:txBody>
+              <a:bodyPr wrap="square">
+                <a:spAutoFit/>
+              </a:bodyPr>
+              <a:lstStyle/>
+              <a:p>
+                <a:pPr/>
+                <a14:m>
+                  <m:oMathPara xmlns:m="http://schemas.openxmlformats.org/officeDocument/2006/math">
+                    <m:oMathParaPr>
+                      <m:jc m:val="centerGroup"/>
+                    </m:oMathParaPr>
+                    <m:oMath xmlns:m="http://schemas.openxmlformats.org/officeDocument/2006/math">
+                      <m:f>
+                        <m:fPr>
+                          <m:ctrlPr>
+                            <a:rPr lang="es-CO" b="0" i="1" smtClean="0">
+                              <a:latin typeface="Cambria Math" panose="02040503050406030204" pitchFamily="18" charset="0"/>
+                            </a:rPr>
+                          </m:ctrlPr>
+                        </m:fPr>
+                        <m:num>
+                          <m:r>
+                            <a:rPr lang="es-CO" b="0" i="1" smtClean="0">
+                              <a:latin typeface="Cambria Math" panose="02040503050406030204" pitchFamily="18" charset="0"/>
+                            </a:rPr>
+                            <m:t>1</m:t>
+                          </m:r>
+                        </m:num>
+                        <m:den>
+                          <m:r>
+                            <a:rPr lang="es-CO" b="0" i="1" smtClean="0">
+                              <a:latin typeface="Cambria Math" panose="02040503050406030204" pitchFamily="18" charset="0"/>
+                            </a:rPr>
+                            <m:t>𝑠</m:t>
+                          </m:r>
+                          <m:r>
+                            <a:rPr lang="es-CO" b="0" i="1" smtClean="0">
+                              <a:latin typeface="Cambria Math" panose="02040503050406030204" pitchFamily="18" charset="0"/>
+                            </a:rPr>
+                            <m:t>(</m:t>
+                          </m:r>
+                          <m:r>
+                            <a:rPr lang="es-CO" b="0" i="1" smtClean="0">
+                              <a:latin typeface="Cambria Math" panose="02040503050406030204" pitchFamily="18" charset="0"/>
+                            </a:rPr>
+                            <m:t>𝑠</m:t>
+                          </m:r>
+                          <m:r>
+                            <a:rPr lang="es-CO" b="0" i="1" smtClean="0">
+                              <a:latin typeface="Cambria Math" panose="02040503050406030204" pitchFamily="18" charset="0"/>
+                            </a:rPr>
+                            <m:t>+2)(</m:t>
+                          </m:r>
+                          <m:r>
+                            <a:rPr lang="es-CO" b="0" i="1" smtClean="0">
+                              <a:latin typeface="Cambria Math" panose="02040503050406030204" pitchFamily="18" charset="0"/>
+                            </a:rPr>
+                            <m:t>𝑠</m:t>
+                          </m:r>
+                          <m:r>
+                            <a:rPr lang="es-CO" b="0" i="1" smtClean="0">
+                              <a:latin typeface="Cambria Math" panose="02040503050406030204" pitchFamily="18" charset="0"/>
+                            </a:rPr>
+                            <m:t>+3)</m:t>
+                          </m:r>
+                        </m:den>
+                      </m:f>
+                    </m:oMath>
+                  </m:oMathPara>
+                </a14:m>
+                <a:endParaRPr lang="es-CO" dirty="0"/>
+              </a:p>
+            </p:txBody>
+          </p:sp>
+        </mc:Choice>
+        <mc:Fallback xmlns="">
+          <p:sp>
+            <p:nvSpPr>
+              <p:cNvPr id="6" name="CuadroTexto 5">
+                <a:extLst>
+                  <a:ext uri="{FF2B5EF4-FFF2-40B4-BE49-F238E27FC236}">
+                    <a16:creationId xmlns:a16="http://schemas.microsoft.com/office/drawing/2014/main" id="{D628E028-1848-D955-4B4B-C600999539E0}"/>
+                  </a:ext>
+                </a:extLst>
+              </p:cNvPr>
+              <p:cNvSpPr txBox="1">
+                <a:spLocks noRot="1" noChangeAspect="1" noMove="1" noResize="1" noEditPoints="1" noAdjustHandles="1" noChangeArrowheads="1" noChangeShapeType="1" noTextEdit="1"/>
+              </p:cNvSpPr>
+              <p:nvPr/>
+            </p:nvSpPr>
+            <p:spPr>
+              <a:xfrm>
+                <a:off x="80387" y="4421915"/>
+                <a:ext cx="4642338" cy="661912"/>
+              </a:xfrm>
+              <a:prstGeom prst="rect">
+                <a:avLst/>
+              </a:prstGeom>
+              <a:blipFill>
+                <a:blip r:embed="rId5"/>
+                <a:stretch>
+                  <a:fillRect/>
+                </a:stretch>
+              </a:blipFill>
+            </p:spPr>
+            <p:txBody>
+              <a:bodyPr/>
+              <a:lstStyle/>
+              <a:p>
+                <a:r>
+                  <a:rPr lang="es-CO">
+                    <a:noFill/>
+                  </a:rPr>
+                  <a:t> </a:t>
+                </a:r>
+              </a:p>
+            </p:txBody>
+          </p:sp>
+        </mc:Fallback>
+      </mc:AlternateContent>
+      <mc:AlternateContent xmlns:mc="http://schemas.openxmlformats.org/markup-compatibility/2006" xmlns:a14="http://schemas.microsoft.com/office/drawing/2010/main">
+        <mc:Choice Requires="a14">
+          <p:sp>
+            <p:nvSpPr>
+              <p:cNvPr id="8" name="CuadroTexto 7">
+                <a:extLst>
+                  <a:ext uri="{FF2B5EF4-FFF2-40B4-BE49-F238E27FC236}">
+                    <a16:creationId xmlns:a16="http://schemas.microsoft.com/office/drawing/2014/main" id="{755B4A05-9038-7DF9-CFC0-B65B7CFE93BD}"/>
+                  </a:ext>
+                </a:extLst>
+              </p:cNvPr>
+              <p:cNvSpPr txBox="1"/>
+              <p:nvPr/>
+            </p:nvSpPr>
+            <p:spPr>
+              <a:xfrm>
+                <a:off x="2250830" y="4457787"/>
+                <a:ext cx="4642338" cy="661912"/>
+              </a:xfrm>
+              <a:prstGeom prst="rect">
+                <a:avLst/>
+              </a:prstGeom>
+              <a:noFill/>
+            </p:spPr>
+            <p:txBody>
+              <a:bodyPr wrap="square">
+                <a:spAutoFit/>
+              </a:bodyPr>
+              <a:lstStyle/>
+              <a:p>
+                <a:pPr/>
+                <a14:m>
+                  <m:oMathPara xmlns:m="http://schemas.openxmlformats.org/officeDocument/2006/math">
+                    <m:oMathParaPr>
+                      <m:jc m:val="centerGroup"/>
+                    </m:oMathParaPr>
+                    <m:oMath xmlns:m="http://schemas.openxmlformats.org/officeDocument/2006/math">
+                      <m:f>
+                        <m:fPr>
+                          <m:ctrlPr>
+                            <a:rPr lang="es-CO" b="0" i="1" smtClean="0">
+                              <a:latin typeface="Cambria Math" panose="02040503050406030204" pitchFamily="18" charset="0"/>
+                            </a:rPr>
+                          </m:ctrlPr>
+                        </m:fPr>
+                        <m:num>
+                          <m:r>
+                            <a:rPr lang="es-CO" b="0" i="1" smtClean="0">
+                              <a:latin typeface="Cambria Math" panose="02040503050406030204" pitchFamily="18" charset="0"/>
+                            </a:rPr>
+                            <m:t>10</m:t>
+                          </m:r>
+                        </m:num>
+                        <m:den>
+                          <m:sSup>
+                            <m:sSupPr>
+                              <m:ctrlPr>
+                                <a:rPr lang="es-CO" b="0" i="1" smtClean="0">
+                                  <a:latin typeface="Cambria Math" panose="02040503050406030204" pitchFamily="18" charset="0"/>
+                                </a:rPr>
+                              </m:ctrlPr>
+                            </m:sSupPr>
+                            <m:e>
+                              <m:d>
+                                <m:dPr>
+                                  <m:ctrlPr>
+                                    <a:rPr lang="es-CO" b="0" i="1" smtClean="0">
+                                      <a:latin typeface="Cambria Math" panose="02040503050406030204" pitchFamily="18" charset="0"/>
+                                    </a:rPr>
+                                  </m:ctrlPr>
+                                </m:dPr>
+                                <m:e>
+                                  <m:r>
+                                    <a:rPr lang="es-CO" b="0" i="1" smtClean="0">
+                                      <a:latin typeface="Cambria Math" panose="02040503050406030204" pitchFamily="18" charset="0"/>
+                                    </a:rPr>
+                                    <m:t>𝑠</m:t>
+                                  </m:r>
+                                  <m:r>
+                                    <a:rPr lang="es-CO" b="0" i="1" smtClean="0">
+                                      <a:latin typeface="Cambria Math" panose="02040503050406030204" pitchFamily="18" charset="0"/>
+                                    </a:rPr>
+                                    <m:t>+1</m:t>
+                                  </m:r>
+                                </m:e>
+                              </m:d>
+                            </m:e>
+                            <m:sup>
+                              <m:r>
+                                <a:rPr lang="es-CO" b="0" i="1" smtClean="0">
+                                  <a:latin typeface="Cambria Math" panose="02040503050406030204" pitchFamily="18" charset="0"/>
+                                </a:rPr>
+                                <m:t>2</m:t>
+                              </m:r>
+                            </m:sup>
+                          </m:sSup>
+                          <m:r>
+                            <a:rPr lang="es-CO" b="0" i="1" smtClean="0">
+                              <a:latin typeface="Cambria Math" panose="02040503050406030204" pitchFamily="18" charset="0"/>
+                            </a:rPr>
+                            <m:t>(</m:t>
+                          </m:r>
+                          <m:r>
+                            <a:rPr lang="es-CO" b="0" i="1" smtClean="0">
+                              <a:latin typeface="Cambria Math" panose="02040503050406030204" pitchFamily="18" charset="0"/>
+                            </a:rPr>
+                            <m:t>𝑠</m:t>
+                          </m:r>
+                          <m:r>
+                            <a:rPr lang="es-CO" b="0" i="1" smtClean="0">
+                              <a:latin typeface="Cambria Math" panose="02040503050406030204" pitchFamily="18" charset="0"/>
+                            </a:rPr>
+                            <m:t>+3)</m:t>
+                          </m:r>
+                        </m:den>
+                      </m:f>
+                    </m:oMath>
+                  </m:oMathPara>
+                </a14:m>
+                <a:endParaRPr lang="es-CO" dirty="0"/>
+              </a:p>
+            </p:txBody>
+          </p:sp>
+        </mc:Choice>
+        <mc:Fallback xmlns="">
+          <p:sp>
+            <p:nvSpPr>
+              <p:cNvPr id="8" name="CuadroTexto 7">
+                <a:extLst>
+                  <a:ext uri="{FF2B5EF4-FFF2-40B4-BE49-F238E27FC236}">
+                    <a16:creationId xmlns:a16="http://schemas.microsoft.com/office/drawing/2014/main" id="{755B4A05-9038-7DF9-CFC0-B65B7CFE93BD}"/>
+                  </a:ext>
+                </a:extLst>
+              </p:cNvPr>
+              <p:cNvSpPr txBox="1">
+                <a:spLocks noRot="1" noChangeAspect="1" noMove="1" noResize="1" noEditPoints="1" noAdjustHandles="1" noChangeArrowheads="1" noChangeShapeType="1" noTextEdit="1"/>
+              </p:cNvSpPr>
+              <p:nvPr/>
+            </p:nvSpPr>
+            <p:spPr>
+              <a:xfrm>
+                <a:off x="2250830" y="4457787"/>
+                <a:ext cx="4642338" cy="661912"/>
+              </a:xfrm>
+              <a:prstGeom prst="rect">
+                <a:avLst/>
+              </a:prstGeom>
+              <a:blipFill>
+                <a:blip r:embed="rId6"/>
+                <a:stretch>
+                  <a:fillRect/>
+                </a:stretch>
+              </a:blipFill>
+            </p:spPr>
+            <p:txBody>
+              <a:bodyPr/>
+              <a:lstStyle/>
+              <a:p>
+                <a:r>
+                  <a:rPr lang="es-CO">
+                    <a:noFill/>
+                  </a:rPr>
+                  <a:t> </a:t>
+                </a:r>
+              </a:p>
+            </p:txBody>
+          </p:sp>
+        </mc:Fallback>
+      </mc:AlternateContent>
       <p:pic>
         <p:nvPicPr>
-          <p:cNvPr id="3" name="Imagen 2">
+          <p:cNvPr id="1026" name="Picture 2">
             <a:extLst>
               <a:ext uri="{FF2B5EF4-FFF2-40B4-BE49-F238E27FC236}">
-                <a16:creationId xmlns:a16="http://schemas.microsoft.com/office/drawing/2014/main" id="{A32301FE-1D07-52AF-A8B9-491DE8B53899}"/>
+                <a16:creationId xmlns:a16="http://schemas.microsoft.com/office/drawing/2014/main" id="{94912372-232D-A8C3-4453-A3AA04E62259}"/>
               </a:ext>
             </a:extLst>
           </p:cNvPr>
           <p:cNvPicPr>
-            <a:picLocks noChangeAspect="1"/>
+            <a:picLocks noChangeAspect="1" noChangeArrowheads="1"/>
           </p:cNvPicPr>
           <p:nvPr/>
         </p:nvPicPr>
         <p:blipFill>
-          <a:blip r:embed="rId3"/>
+          <a:blip r:embed="rId7">
+            <a:extLst>
+              <a:ext uri="{28A0092B-C50C-407E-A947-70E740481C1C}">
+                <a14:useLocalDpi xmlns:a14="http://schemas.microsoft.com/office/drawing/2010/main" val="0"/>
+              </a:ext>
+            </a:extLst>
+          </a:blip>
+          <a:srcRect/>
           <a:stretch>
             <a:fillRect/>
           </a:stretch>
         </p:blipFill>
-        <p:spPr>
+        <p:spPr bwMode="auto">
           <a:xfrm>
-            <a:off x="2431447" y="2923409"/>
-            <a:ext cx="4439270" cy="3115110"/>
+            <a:off x="6023935" y="4421915"/>
+            <a:ext cx="2055126" cy="679085"/>
           </a:xfrm>
           <a:prstGeom prst="rect">
             <a:avLst/>
           </a:prstGeom>
+          <a:noFill/>
+          <a:extLst>
+            <a:ext uri="{909E8E84-426E-40DD-AFC4-6F175D3DCCD1}">
+              <a14:hiddenFill xmlns:a14="http://schemas.microsoft.com/office/drawing/2010/main">
+                <a:solidFill>
+                  <a:srgbClr val="FFFFFF"/>
+                </a:solidFill>
+              </a14:hiddenFill>
+            </a:ext>
+          </a:extLst>
+        </p:spPr>
+      </p:pic>
+      <p:pic>
+        <p:nvPicPr>
+          <p:cNvPr id="1028" name="Picture 4">
+            <a:extLst>
+              <a:ext uri="{FF2B5EF4-FFF2-40B4-BE49-F238E27FC236}">
+                <a16:creationId xmlns:a16="http://schemas.microsoft.com/office/drawing/2014/main" id="{12EF86B8-C9C2-A955-DC10-E9D1CD31C292}"/>
+              </a:ext>
+            </a:extLst>
+          </p:cNvPr>
+          <p:cNvPicPr>
+            <a:picLocks noChangeAspect="1" noChangeArrowheads="1"/>
+          </p:cNvPicPr>
+          <p:nvPr/>
+        </p:nvPicPr>
+        <p:blipFill>
+          <a:blip r:embed="rId8">
+            <a:extLst>
+              <a:ext uri="{28A0092B-C50C-407E-A947-70E740481C1C}">
+                <a14:useLocalDpi xmlns:a14="http://schemas.microsoft.com/office/drawing/2010/main" val="0"/>
+              </a:ext>
+            </a:extLst>
+          </a:blip>
+          <a:srcRect/>
+          <a:stretch>
+            <a:fillRect/>
+          </a:stretch>
+        </p:blipFill>
+        <p:spPr bwMode="auto">
+          <a:xfrm>
+            <a:off x="1985637" y="5101000"/>
+            <a:ext cx="831837" cy="658538"/>
+          </a:xfrm>
+          <a:prstGeom prst="rect">
+            <a:avLst/>
+          </a:prstGeom>
+          <a:noFill/>
+          <a:extLst>
+            <a:ext uri="{909E8E84-426E-40DD-AFC4-6F175D3DCCD1}">
+              <a14:hiddenFill xmlns:a14="http://schemas.microsoft.com/office/drawing/2010/main">
+                <a:solidFill>
+                  <a:srgbClr val="FFFFFF"/>
+                </a:solidFill>
+              </a14:hiddenFill>
+            </a:ext>
+          </a:extLst>
+        </p:spPr>
+      </p:pic>
+      <p:pic>
+        <p:nvPicPr>
+          <p:cNvPr id="1030" name="Picture 6">
+            <a:extLst>
+              <a:ext uri="{FF2B5EF4-FFF2-40B4-BE49-F238E27FC236}">
+                <a16:creationId xmlns:a16="http://schemas.microsoft.com/office/drawing/2014/main" id="{E7BD4E41-443F-6E92-EF92-ED294D2BD7A3}"/>
+              </a:ext>
+            </a:extLst>
+          </p:cNvPr>
+          <p:cNvPicPr>
+            <a:picLocks noChangeAspect="1" noChangeArrowheads="1"/>
+          </p:cNvPicPr>
+          <p:nvPr/>
+        </p:nvPicPr>
+        <p:blipFill>
+          <a:blip r:embed="rId9">
+            <a:extLst>
+              <a:ext uri="{28A0092B-C50C-407E-A947-70E740481C1C}">
+                <a14:useLocalDpi xmlns:a14="http://schemas.microsoft.com/office/drawing/2010/main" val="0"/>
+              </a:ext>
+            </a:extLst>
+          </a:blip>
+          <a:srcRect/>
+          <a:stretch>
+            <a:fillRect/>
+          </a:stretch>
+        </p:blipFill>
+        <p:spPr bwMode="auto">
+          <a:xfrm>
+            <a:off x="4121895" y="5191442"/>
+            <a:ext cx="1108800" cy="547200"/>
+          </a:xfrm>
+          <a:prstGeom prst="rect">
+            <a:avLst/>
+          </a:prstGeom>
+          <a:noFill/>
+          <a:extLst>
+            <a:ext uri="{909E8E84-426E-40DD-AFC4-6F175D3DCCD1}">
+              <a14:hiddenFill xmlns:a14="http://schemas.microsoft.com/office/drawing/2010/main">
+                <a:solidFill>
+                  <a:srgbClr val="FFFFFF"/>
+                </a:solidFill>
+              </a14:hiddenFill>
+            </a:ext>
+          </a:extLst>
+        </p:spPr>
+      </p:pic>
+      <p:pic>
+        <p:nvPicPr>
+          <p:cNvPr id="1032" name="Picture 8">
+            <a:extLst>
+              <a:ext uri="{FF2B5EF4-FFF2-40B4-BE49-F238E27FC236}">
+                <a16:creationId xmlns:a16="http://schemas.microsoft.com/office/drawing/2014/main" id="{66BCEB49-FEE2-67B0-BB88-2F59B115F3AC}"/>
+              </a:ext>
+            </a:extLst>
+          </p:cNvPr>
+          <p:cNvPicPr>
+            <a:picLocks noChangeAspect="1" noChangeArrowheads="1"/>
+          </p:cNvPicPr>
+          <p:nvPr/>
+        </p:nvPicPr>
+        <p:blipFill>
+          <a:blip r:embed="rId10">
+            <a:extLst>
+              <a:ext uri="{28A0092B-C50C-407E-A947-70E740481C1C}">
+                <a14:useLocalDpi xmlns:a14="http://schemas.microsoft.com/office/drawing/2010/main" val="0"/>
+              </a:ext>
+            </a:extLst>
+          </a:blip>
+          <a:srcRect/>
+          <a:stretch>
+            <a:fillRect/>
+          </a:stretch>
+        </p:blipFill>
+        <p:spPr bwMode="auto">
+          <a:xfrm>
+            <a:off x="6023935" y="5191442"/>
+            <a:ext cx="1887840" cy="547200"/>
+          </a:xfrm>
+          <a:prstGeom prst="rect">
+            <a:avLst/>
+          </a:prstGeom>
+          <a:noFill/>
+          <a:extLst>
+            <a:ext uri="{909E8E84-426E-40DD-AFC4-6F175D3DCCD1}">
+              <a14:hiddenFill xmlns:a14="http://schemas.microsoft.com/office/drawing/2010/main">
+                <a:solidFill>
+                  <a:srgbClr val="FFFFFF"/>
+                </a:solidFill>
+              </a14:hiddenFill>
+            </a:ext>
+          </a:extLst>
         </p:spPr>
       </p:pic>
     </p:spTree>
     <p:extLst>
       <p:ext uri="{BB962C8B-B14F-4D97-AF65-F5344CB8AC3E}">
-        <p14:creationId xmlns:p14="http://schemas.microsoft.com/office/powerpoint/2010/main" val="1671357769"/>
+        <p14:creationId xmlns:p14="http://schemas.microsoft.com/office/powerpoint/2010/main" val="2893005592"/>
       </p:ext>
     </p:extLst>
   </p:cSld>
@@ -17106,7 +15637,7 @@
         <p:spPr>
           <a:xfrm>
             <a:off x="1754975" y="2563470"/>
-            <a:ext cx="5545317" cy="646331"/>
+            <a:ext cx="5545317" cy="2862322"/>
           </a:xfrm>
           <a:prstGeom prst="rect">
             <a:avLst/>
@@ -17134,6 +15665,34 @@
               <a:rPr lang="es-CO" dirty="0"/>
               <a:t>mediante la transformada.</a:t>
             </a:r>
+          </a:p>
+          <a:p>
+            <a:r>
+              <a:rPr lang="es-CO" dirty="0"/>
+              <a:t>2. Manipular las ecuaciones algebraicas transformadas y resolverlas para la variable de salida.</a:t>
+            </a:r>
+          </a:p>
+          <a:p>
+            <a:endParaRPr lang="es-CO" dirty="0"/>
+          </a:p>
+          <a:p>
+            <a:r>
+              <a:rPr lang="es-CO" dirty="0"/>
+              <a:t>3. Realizar la expansión en fracciones parciales de la ecuación algebraica transformada.</a:t>
+            </a:r>
+          </a:p>
+          <a:p>
+            <a:endParaRPr lang="es-CO" dirty="0"/>
+          </a:p>
+          <a:p>
+            <a:r>
+              <a:rPr lang="es-CO" dirty="0"/>
+              <a:t>4. Obtener la transformada inversa Z.</a:t>
+            </a:r>
+            <a:endParaRPr lang="en-US" dirty="0"/>
+          </a:p>
+          <a:p>
+            <a:endParaRPr lang="es-CO" dirty="0"/>
           </a:p>
         </p:txBody>
       </p:sp>
@@ -17360,9 +15919,10 @@
           <a:p>
             <a:pPr algn="ctr" eaLnBrk="1" hangingPunct="1"/>
             <a:r>
-              <a:rPr lang="es-CO" altLang="es-CO" sz="3600" b="0" dirty="0"/>
+              <a:rPr lang="es-CO" altLang="es-CO" sz="3600" b="0"/>
               <a:t>14</a:t>
             </a:r>
+            <a:endParaRPr lang="es-CO" altLang="es-CO" sz="3600" b="0" dirty="0"/>
           </a:p>
         </p:txBody>
       </p:sp>
@@ -17658,7 +16218,7 @@
         </p:nvSpPr>
         <p:spPr>
           <a:xfrm>
-            <a:off x="1843707" y="1170004"/>
+            <a:off x="1922790" y="1642261"/>
             <a:ext cx="5456585" cy="1162050"/>
           </a:xfrm>
         </p:spPr>
@@ -17669,72 +16229,45 @@
             <a:pPr algn="ctr"/>
             <a:r>
               <a:rPr lang="es-CO" b="1" dirty="0"/>
-              <a:t>¿Cómo solucionamos ecuaciones en diferencias mediante la transformada de Z?</a:t>
+              <a:t>¿Cómo solucionamos ecuaciones en diferencias mediante la transformada Z?</a:t>
             </a:r>
           </a:p>
         </p:txBody>
       </p:sp>
-      <p:sp>
-        <p:nvSpPr>
-          <p:cNvPr id="4" name="CuadroTexto 3">
+      <p:pic>
+        <p:nvPicPr>
+          <p:cNvPr id="3" name="Imagen 2">
             <a:extLst>
               <a:ext uri="{FF2B5EF4-FFF2-40B4-BE49-F238E27FC236}">
-                <a16:creationId xmlns:a16="http://schemas.microsoft.com/office/drawing/2014/main" id="{1D19A4C0-0ED0-D747-2A46-766766BA30BE}"/>
+                <a16:creationId xmlns:a16="http://schemas.microsoft.com/office/drawing/2014/main" id="{A32301FE-1D07-52AF-A8B9-491DE8B53899}"/>
               </a:ext>
             </a:extLst>
           </p:cNvPr>
-          <p:cNvSpPr txBox="1"/>
+          <p:cNvPicPr>
+            <a:picLocks noChangeAspect="1"/>
+          </p:cNvPicPr>
           <p:nvPr/>
-        </p:nvSpPr>
+        </p:nvPicPr>
+        <p:blipFill>
+          <a:blip r:embed="rId3"/>
+          <a:stretch>
+            <a:fillRect/>
+          </a:stretch>
+        </p:blipFill>
         <p:spPr>
           <a:xfrm>
-            <a:off x="2267744" y="2885942"/>
-            <a:ext cx="4633274" cy="2585323"/>
+            <a:off x="2431447" y="2923409"/>
+            <a:ext cx="4439270" cy="3115110"/>
           </a:xfrm>
           <a:prstGeom prst="rect">
             <a:avLst/>
           </a:prstGeom>
-          <a:noFill/>
         </p:spPr>
-        <p:txBody>
-          <a:bodyPr wrap="square">
-            <a:spAutoFit/>
-          </a:bodyPr>
-          <a:lstStyle/>
-          <a:p>
-            <a:r>
-              <a:rPr lang="es-CO" dirty="0"/>
-              <a:t>2. Manipular las ecuaciones algebraicas transformadas y resolverlas para la variable de salida.</a:t>
-            </a:r>
-          </a:p>
-          <a:p>
-            <a:endParaRPr lang="es-CO" dirty="0"/>
-          </a:p>
-          <a:p>
-            <a:r>
-              <a:rPr lang="es-CO" dirty="0"/>
-              <a:t>3. Realizar la expansión en fracciones parciales de la ecuación algebraica transformada.</a:t>
-            </a:r>
-          </a:p>
-          <a:p>
-            <a:endParaRPr lang="es-CO" dirty="0"/>
-          </a:p>
-          <a:p>
-            <a:r>
-              <a:rPr lang="es-CO" dirty="0"/>
-              <a:t>4. Obtener la transformada inversa Z.</a:t>
-            </a:r>
-            <a:endParaRPr lang="en-US" dirty="0"/>
-          </a:p>
-          <a:p>
-            <a:endParaRPr lang="es-CO" dirty="0"/>
-          </a:p>
-        </p:txBody>
-      </p:sp>
+      </p:pic>
     </p:spTree>
     <p:extLst>
       <p:ext uri="{BB962C8B-B14F-4D97-AF65-F5344CB8AC3E}">
-        <p14:creationId xmlns:p14="http://schemas.microsoft.com/office/powerpoint/2010/main" val="382074344"/>
+        <p14:creationId xmlns:p14="http://schemas.microsoft.com/office/powerpoint/2010/main" val="1671357769"/>
       </p:ext>
     </p:extLst>
   </p:cSld>
@@ -18268,8 +16801,8 @@
           </a:p>
         </p:txBody>
       </p:sp>
-      <mc:AlternateContent xmlns:mc="http://schemas.openxmlformats.org/markup-compatibility/2006">
-        <mc:Choice xmlns:a14="http://schemas.microsoft.com/office/drawing/2010/main" Requires="a14">
+      <mc:AlternateContent xmlns:mc="http://schemas.openxmlformats.org/markup-compatibility/2006" xmlns:a14="http://schemas.microsoft.com/office/drawing/2010/main">
+        <mc:Choice Requires="a14">
           <p:sp>
             <p:nvSpPr>
               <p:cNvPr id="2" name="CuadroTexto 1">
@@ -18377,7 +16910,7 @@
             </p:txBody>
           </p:sp>
         </mc:Choice>
-        <mc:Fallback>
+        <mc:Fallback xmlns="">
           <p:sp>
             <p:nvSpPr>
               <p:cNvPr id="2" name="CuadroTexto 1">
@@ -20025,7 +18558,7 @@
         </p:nvSpPr>
         <p:spPr>
           <a:xfrm>
-            <a:off x="1115616" y="3883115"/>
+            <a:off x="1115616" y="3790782"/>
             <a:ext cx="6984776" cy="646331"/>
           </a:xfrm>
           <a:prstGeom prst="rect">
@@ -20069,7 +18602,7 @@
         </p:nvSpPr>
         <p:spPr>
           <a:xfrm>
-            <a:off x="1115616" y="4779983"/>
+            <a:off x="1115616" y="4677583"/>
             <a:ext cx="6984776" cy="369332"/>
           </a:xfrm>
           <a:prstGeom prst="rect">
@@ -20128,8 +18661,8 @@
         </p:blipFill>
         <p:spPr>
           <a:xfrm>
-            <a:off x="803288" y="5340706"/>
-            <a:ext cx="7880540" cy="1472536"/>
+            <a:off x="1323498" y="5326166"/>
+            <a:ext cx="6497004" cy="1214012"/>
           </a:xfrm>
           <a:prstGeom prst="rect">
             <a:avLst/>
@@ -29427,8 +27960,8 @@
           <a:p>
             <a:pPr algn="ctr"/>
             <a:r>
-              <a:rPr lang="es-CO" b="1"/>
-              <a:t>¿Cómo solucionábamos ecuaciones diferenciales mediante la transformada de Laplace?</a:t>
+              <a:rPr lang="es-CO" b="1" dirty="0"/>
+              <a:t>¿Cómo solucionamos ecuaciones diferenciales mediante la transformada de Laplace?</a:t>
             </a:r>
           </a:p>
         </p:txBody>
@@ -30595,7 +29128,7 @@
         </p:nvSpPr>
         <p:spPr>
           <a:xfrm>
-            <a:off x="1115616" y="2420888"/>
+            <a:off x="1079612" y="2455011"/>
             <a:ext cx="6984776" cy="369332"/>
           </a:xfrm>
           <a:prstGeom prst="rect">
@@ -30920,7 +29453,7 @@
             </p:nvSpPr>
             <p:spPr>
               <a:xfrm>
-                <a:off x="2267744" y="4371630"/>
+                <a:off x="2282058" y="3710490"/>
                 <a:ext cx="4579882" cy="646331"/>
               </a:xfrm>
               <a:prstGeom prst="rect">
@@ -31058,7 +29591,7 @@
             </p:nvSpPr>
             <p:spPr>
               <a:xfrm>
-                <a:off x="2267744" y="4371630"/>
+                <a:off x="2282058" y="3710490"/>
                 <a:ext cx="4579882" cy="646331"/>
               </a:xfrm>
               <a:prstGeom prst="rect">
@@ -31067,7 +29600,7 @@
               <a:blipFill>
                 <a:blip r:embed="rId4"/>
                 <a:stretch>
-                  <a:fillRect b="-3774"/>
+                  <a:fillRect b="-2830"/>
                 </a:stretch>
               </a:blipFill>
             </p:spPr>
@@ -31108,7 +29641,7 @@
         </p:blipFill>
         <p:spPr>
           <a:xfrm>
-            <a:off x="1753621" y="5425147"/>
+            <a:off x="1630571" y="4439876"/>
             <a:ext cx="5882855" cy="1266871"/>
           </a:xfrm>
           <a:prstGeom prst="rect">
@@ -31637,7 +30170,7 @@
         </p:nvSpPr>
         <p:spPr>
           <a:xfrm>
-            <a:off x="1843707" y="1054544"/>
+            <a:off x="1843707" y="178862"/>
             <a:ext cx="5456585" cy="1162050"/>
           </a:xfrm>
         </p:spPr>
@@ -31667,7 +30200,7 @@
         </p:nvSpPr>
         <p:spPr>
           <a:xfrm>
-            <a:off x="1115616" y="2420888"/>
+            <a:off x="1115616" y="1545206"/>
             <a:ext cx="6984776" cy="369332"/>
           </a:xfrm>
           <a:prstGeom prst="rect">
@@ -31708,7 +30241,7 @@
             </p:nvSpPr>
             <p:spPr>
               <a:xfrm>
-                <a:off x="2868648" y="2586278"/>
+                <a:off x="2868648" y="1710596"/>
                 <a:ext cx="3406702" cy="555793"/>
               </a:xfrm>
               <a:prstGeom prst="rect">
@@ -31948,7 +30481,7 @@
             </p:nvSpPr>
             <p:spPr>
               <a:xfrm>
-                <a:off x="2868648" y="2586278"/>
+                <a:off x="2868648" y="1710596"/>
                 <a:ext cx="3406702" cy="555793"/>
               </a:xfrm>
               <a:prstGeom prst="rect">
@@ -31966,7 +30499,7 @@
               <a:lstStyle/>
               <a:p>
                 <a:r>
-                  <a:rPr lang="en-US">
+                  <a:rPr lang="es-CO">
                     <a:noFill/>
                   </a:rPr>
                   <a:t> </a:t>
@@ -31992,7 +30525,7 @@
             </p:nvSpPr>
             <p:spPr>
               <a:xfrm>
-                <a:off x="1742155" y="3362214"/>
+                <a:off x="1742155" y="2486532"/>
                 <a:ext cx="5449119" cy="526041"/>
               </a:xfrm>
               <a:prstGeom prst="rect">
@@ -32268,7 +30801,7 @@
             </p:nvSpPr>
             <p:spPr>
               <a:xfrm>
-                <a:off x="1742155" y="3362214"/>
+                <a:off x="1742155" y="2486532"/>
                 <a:ext cx="5449119" cy="526041"/>
               </a:xfrm>
               <a:prstGeom prst="rect">
@@ -32286,7 +30819,7 @@
               <a:lstStyle/>
               <a:p>
                 <a:r>
-                  <a:rPr lang="en-US">
+                  <a:rPr lang="es-CO">
                     <a:noFill/>
                   </a:rPr>
                   <a:t> </a:t>
@@ -32312,7 +30845,7 @@
             </p:nvSpPr>
             <p:spPr>
               <a:xfrm>
-                <a:off x="2081638" y="4127095"/>
+                <a:off x="2081638" y="3251413"/>
                 <a:ext cx="4770152" cy="526041"/>
               </a:xfrm>
               <a:prstGeom prst="rect">
@@ -32556,7 +31089,7 @@
             </p:nvSpPr>
             <p:spPr>
               <a:xfrm>
-                <a:off x="2081638" y="4127095"/>
+                <a:off x="2081638" y="3251413"/>
                 <a:ext cx="4770152" cy="526041"/>
               </a:xfrm>
               <a:prstGeom prst="rect">
@@ -32574,7 +31107,7 @@
               <a:lstStyle/>
               <a:p>
                 <a:r>
-                  <a:rPr lang="en-US">
+                  <a:rPr lang="es-CO">
                     <a:noFill/>
                   </a:rPr>
                   <a:t> </a:t>
@@ -32600,7 +31133,7 @@
             </p:nvSpPr>
             <p:spPr>
               <a:xfrm>
-                <a:off x="3084671" y="4797152"/>
+                <a:off x="3094831" y="4107799"/>
                 <a:ext cx="2383473" cy="604974"/>
               </a:xfrm>
               <a:prstGeom prst="rect">
@@ -32779,7 +31312,7 @@
             </p:nvSpPr>
             <p:spPr>
               <a:xfrm>
-                <a:off x="3084671" y="4797152"/>
+                <a:off x="3094831" y="4107799"/>
                 <a:ext cx="2383473" cy="604974"/>
               </a:xfrm>
               <a:prstGeom prst="rect">
@@ -32797,7 +31330,7 @@
               <a:lstStyle/>
               <a:p>
                 <a:r>
-                  <a:rPr lang="en-US">
+                  <a:rPr lang="es-CO">
                     <a:noFill/>
                   </a:rPr>
                   <a:t> </a:t>
@@ -32823,7 +31356,7 @@
             </p:nvSpPr>
             <p:spPr>
               <a:xfrm>
-                <a:off x="2967201" y="5949280"/>
+                <a:off x="2967201" y="5043118"/>
                 <a:ext cx="2999026" cy="593432"/>
               </a:xfrm>
               <a:prstGeom prst="rect">
@@ -33073,7 +31606,7 @@
             </p:nvSpPr>
             <p:spPr>
               <a:xfrm>
-                <a:off x="2967201" y="5949280"/>
+                <a:off x="2967201" y="5043118"/>
                 <a:ext cx="2999026" cy="593432"/>
               </a:xfrm>
               <a:prstGeom prst="rect">
@@ -33091,7 +31624,7 @@
               <a:lstStyle/>
               <a:p>
                 <a:r>
-                  <a:rPr lang="en-US">
+                  <a:rPr lang="es-CO">
                     <a:noFill/>
                   </a:rPr>
                   <a:t> </a:t>
@@ -33101,36 +31634,6 @@
           </p:sp>
         </mc:Fallback>
       </mc:AlternateContent>
-      <p:pic>
-        <p:nvPicPr>
-          <p:cNvPr id="11" name="Imagen 10">
-            <a:extLst>
-              <a:ext uri="{FF2B5EF4-FFF2-40B4-BE49-F238E27FC236}">
-                <a16:creationId xmlns:a16="http://schemas.microsoft.com/office/drawing/2014/main" id="{506CDE22-CDC9-46F7-6E53-F32B7A651572}"/>
-              </a:ext>
-            </a:extLst>
-          </p:cNvPr>
-          <p:cNvPicPr>
-            <a:picLocks noChangeAspect="1"/>
-          </p:cNvPicPr>
-          <p:nvPr/>
-        </p:nvPicPr>
-        <p:blipFill>
-          <a:blip r:embed="rId8"/>
-          <a:stretch>
-            <a:fillRect/>
-          </a:stretch>
-        </p:blipFill>
-        <p:spPr>
-          <a:xfrm>
-            <a:off x="2251869" y="592308"/>
-            <a:ext cx="5668166" cy="1190791"/>
-          </a:xfrm>
-          <a:prstGeom prst="rect">
-            <a:avLst/>
-          </a:prstGeom>
-        </p:spPr>
-      </p:pic>
     </p:spTree>
     <p:extLst>
       <p:ext uri="{BB962C8B-B14F-4D97-AF65-F5344CB8AC3E}">
@@ -36206,6 +34709,14 @@
 </file>
 
 <file path=customXml/item1.xml><?xml version="1.0" encoding="utf-8"?>
+<p:properties xmlns:p="http://schemas.microsoft.com/office/2006/metadata/properties" xmlns:xsi="http://www.w3.org/2001/XMLSchema-instance" xmlns:pc="http://schemas.microsoft.com/office/infopath/2007/PartnerControls">
+  <documentManagement>
+    <_activity xmlns="bdc56f61-abc0-4f7e-bfec-a93ccd1ae886" xsi:nil="true"/>
+  </documentManagement>
+</p:properties>
+</file>
+
+<file path=customXml/item2.xml><?xml version="1.0" encoding="utf-8"?>
 <?mso-contentType ?>
 <FormTemplates xmlns="http://schemas.microsoft.com/sharepoint/v3/contenttype/forms">
   <Display>DocumentLibraryForm</Display>
@@ -36214,7 +34725,7 @@
 </FormTemplates>
 </file>
 
-<file path=customXml/item2.xml><?xml version="1.0" encoding="utf-8"?>
+<file path=customXml/item3.xml><?xml version="1.0" encoding="utf-8"?>
 <ct:contentTypeSchema xmlns:ct="http://schemas.microsoft.com/office/2006/metadata/contentType" xmlns:ma="http://schemas.microsoft.com/office/2006/metadata/properties/metaAttributes" ct:_="" ma:_="" ma:contentTypeName="Documento" ma:contentTypeID="0x0101007A62137D465CE64A8C883A4664514BF8" ma:contentTypeVersion="15" ma:contentTypeDescription="Crear nuevo documento." ma:contentTypeScope="" ma:versionID="a1bd1d59f691eb9bca6952b111268275">
   <xsd:schema xmlns:xsd="http://www.w3.org/2001/XMLSchema" xmlns:xs="http://www.w3.org/2001/XMLSchema" xmlns:p="http://schemas.microsoft.com/office/2006/metadata/properties" xmlns:ns3="669280c1-d17e-4d1d-bd7f-b4f14cc6bf1d" xmlns:ns4="bdc56f61-abc0-4f7e-bfec-a93ccd1ae886" targetNamespace="http://schemas.microsoft.com/office/2006/metadata/properties" ma:root="true" ma:fieldsID="d02990a02f19f0f9fc7b999b1809cae4" ns3:_="" ns4:_="">
     <xsd:import namespace="669280c1-d17e-4d1d-bd7f-b4f14cc6bf1d"/>
@@ -36449,15 +34960,24 @@
 </ct:contentTypeSchema>
 </file>
 
-<file path=customXml/item3.xml><?xml version="1.0" encoding="utf-8"?>
-<p:properties xmlns:p="http://schemas.microsoft.com/office/2006/metadata/properties" xmlns:xsi="http://www.w3.org/2001/XMLSchema-instance" xmlns:pc="http://schemas.microsoft.com/office/infopath/2007/PartnerControls">
-  <documentManagement>
-    <_activity xmlns="bdc56f61-abc0-4f7e-bfec-a93ccd1ae886" xsi:nil="true"/>
-  </documentManagement>
-</p:properties>
+<file path=customXml/itemProps1.xml><?xml version="1.0" encoding="utf-8"?>
+<ds:datastoreItem xmlns:ds="http://schemas.openxmlformats.org/officeDocument/2006/customXml" ds:itemID="{0825853C-1B27-4995-A583-4D39F900BB7F}">
+  <ds:schemaRefs>
+    <ds:schemaRef ds:uri="669280c1-d17e-4d1d-bd7f-b4f14cc6bf1d"/>
+    <ds:schemaRef ds:uri="bdc56f61-abc0-4f7e-bfec-a93ccd1ae886"/>
+    <ds:schemaRef ds:uri="http://purl.org/dc/dcmitype/"/>
+    <ds:schemaRef ds:uri="http://purl.org/dc/elements/1.1/"/>
+    <ds:schemaRef ds:uri="http://purl.org/dc/terms/"/>
+    <ds:schemaRef ds:uri="http://schemas.microsoft.com/office/2006/documentManagement/types"/>
+    <ds:schemaRef ds:uri="http://schemas.microsoft.com/office/2006/metadata/properties"/>
+    <ds:schemaRef ds:uri="http://schemas.microsoft.com/office/infopath/2007/PartnerControls"/>
+    <ds:schemaRef ds:uri="http://schemas.openxmlformats.org/package/2006/metadata/core-properties"/>
+    <ds:schemaRef ds:uri="http://www.w3.org/XML/1998/namespace"/>
+  </ds:schemaRefs>
+</ds:datastoreItem>
 </file>
 
-<file path=customXml/itemProps1.xml><?xml version="1.0" encoding="utf-8"?>
+<file path=customXml/itemProps2.xml><?xml version="1.0" encoding="utf-8"?>
 <ds:datastoreItem xmlns:ds="http://schemas.openxmlformats.org/officeDocument/2006/customXml" ds:itemID="{4E8623C8-32E1-48B0-9F0A-13F2E9582B7E}">
   <ds:schemaRefs>
     <ds:schemaRef ds:uri="http://schemas.microsoft.com/sharepoint/v3/contenttype/forms"/>
@@ -36465,7 +34985,7 @@
 </ds:datastoreItem>
 </file>
 
-<file path=customXml/itemProps2.xml><?xml version="1.0" encoding="utf-8"?>
+<file path=customXml/itemProps3.xml><?xml version="1.0" encoding="utf-8"?>
 <ds:datastoreItem xmlns:ds="http://schemas.openxmlformats.org/officeDocument/2006/customXml" ds:itemID="{025820C3-FD82-4EFC-BF14-EAF1F9613F52}">
   <ds:schemaRefs>
     <ds:schemaRef ds:uri="669280c1-d17e-4d1d-bd7f-b4f14cc6bf1d"/>
@@ -36482,21 +35002,4 @@
     <ds:schemaRef ds:uri="http://www.w3.org/2001/XMLSchema"/>
   </ds:schemaRefs>
 </ds:datastoreItem>
-</file>
-
-<file path=customXml/itemProps3.xml><?xml version="1.0" encoding="utf-8"?>
-<ds:datastoreItem xmlns:ds="http://schemas.openxmlformats.org/officeDocument/2006/customXml" ds:itemID="{0825853C-1B27-4995-A583-4D39F900BB7F}">
-  <ds:schemaRefs>
-    <ds:schemaRef ds:uri="669280c1-d17e-4d1d-bd7f-b4f14cc6bf1d"/>
-    <ds:schemaRef ds:uri="bdc56f61-abc0-4f7e-bfec-a93ccd1ae886"/>
-    <ds:schemaRef ds:uri="http://purl.org/dc/dcmitype/"/>
-    <ds:schemaRef ds:uri="http://purl.org/dc/elements/1.1/"/>
-    <ds:schemaRef ds:uri="http://purl.org/dc/terms/"/>
-    <ds:schemaRef ds:uri="http://schemas.microsoft.com/office/2006/documentManagement/types"/>
-    <ds:schemaRef ds:uri="http://schemas.microsoft.com/office/2006/metadata/properties"/>
-    <ds:schemaRef ds:uri="http://schemas.microsoft.com/office/infopath/2007/PartnerControls"/>
-    <ds:schemaRef ds:uri="http://schemas.openxmlformats.org/package/2006/metadata/core-properties"/>
-    <ds:schemaRef ds:uri="http://www.w3.org/XML/1998/namespace"/>
-  </ds:schemaRefs>
-</ds:datastoreItem>
 </file>
--- a/Sesión_3/Representacion Sistemas Transformada Z.pptx
+++ b/Sesión_3/Representacion Sistemas Transformada Z.pptx
@@ -5,10 +5,10 @@
     <p:sldMasterId id="2147483778" r:id="rId4"/>
   </p:sldMasterIdLst>
   <p:notesMasterIdLst>
-    <p:notesMasterId r:id="rId27"/>
+    <p:notesMasterId r:id="rId25"/>
   </p:notesMasterIdLst>
   <p:handoutMasterIdLst>
-    <p:handoutMasterId r:id="rId28"/>
+    <p:handoutMasterId r:id="rId26"/>
   </p:handoutMasterIdLst>
   <p:sldIdLst>
     <p:sldId id="256" r:id="rId5"/>
@@ -28,11 +28,9 @@
     <p:sldId id="284" r:id="rId19"/>
     <p:sldId id="285" r:id="rId20"/>
     <p:sldId id="289" r:id="rId21"/>
-    <p:sldId id="293" r:id="rId22"/>
-    <p:sldId id="292" r:id="rId23"/>
-    <p:sldId id="290" r:id="rId24"/>
-    <p:sldId id="291" r:id="rId25"/>
-    <p:sldId id="286" r:id="rId26"/>
+    <p:sldId id="292" r:id="rId22"/>
+    <p:sldId id="290" r:id="rId23"/>
+    <p:sldId id="291" r:id="rId24"/>
   </p:sldIdLst>
   <p:sldSz cx="9144000" cy="6858000" type="letter"/>
   <p:notesSz cx="6858000" cy="9144000"/>
@@ -153,11 +151,9 @@
             <p14:sldId id="284"/>
             <p14:sldId id="285"/>
             <p14:sldId id="289"/>
-            <p14:sldId id="293"/>
             <p14:sldId id="292"/>
             <p14:sldId id="290"/>
             <p14:sldId id="291"/>
-            <p14:sldId id="286"/>
           </p14:sldIdLst>
         </p14:section>
       </p14:sectionLst>
@@ -207,7 +203,7 @@
   <pc:docChgLst>
     <pc:chgData name="JHEYSON FABIAN VILLAVISAN BUITRAGO" userId="e5ced5c2-d787-455d-b115-4f08a699b8c8" providerId="ADAL" clId="{56CA7A21-DA9A-4EF9-85E3-4002D69F4F5C}"/>
     <pc:docChg chg="undo custSel addSld delSld modSld sldOrd modSection">
-      <pc:chgData name="JHEYSON FABIAN VILLAVISAN BUITRAGO" userId="e5ced5c2-d787-455d-b115-4f08a699b8c8" providerId="ADAL" clId="{56CA7A21-DA9A-4EF9-85E3-4002D69F4F5C}" dt="2025-01-11T00:25:49.917" v="254" actId="20577"/>
+      <pc:chgData name="JHEYSON FABIAN VILLAVISAN BUITRAGO" userId="e5ced5c2-d787-455d-b115-4f08a699b8c8" providerId="ADAL" clId="{56CA7A21-DA9A-4EF9-85E3-4002D69F4F5C}" dt="2025-01-11T02:45:56.213" v="274" actId="20577"/>
       <pc:docMkLst>
         <pc:docMk/>
       </pc:docMkLst>
@@ -426,6 +422,13 @@
           </ac:picMkLst>
         </pc:picChg>
       </pc:sldChg>
+      <pc:sldChg chg="del">
+        <pc:chgData name="JHEYSON FABIAN VILLAVISAN BUITRAGO" userId="e5ced5c2-d787-455d-b115-4f08a699b8c8" providerId="ADAL" clId="{56CA7A21-DA9A-4EF9-85E3-4002D69F4F5C}" dt="2025-01-11T02:42:36.919" v="264" actId="47"/>
+        <pc:sldMkLst>
+          <pc:docMk/>
+          <pc:sldMk cId="2611572295" sldId="286"/>
+        </pc:sldMkLst>
+      </pc:sldChg>
       <pc:sldChg chg="modSp mod modNotes modNotesTx">
         <pc:chgData name="JHEYSON FABIAN VILLAVISAN BUITRAGO" userId="e5ced5c2-d787-455d-b115-4f08a699b8c8" providerId="ADAL" clId="{56CA7A21-DA9A-4EF9-85E3-4002D69F4F5C}" dt="2025-01-11T00:21:52.477" v="219" actId="20577"/>
         <pc:sldMkLst>
@@ -472,14 +475,14 @@
           </ac:spMkLst>
         </pc:spChg>
       </pc:sldChg>
-      <pc:sldChg chg="modSp mod">
-        <pc:chgData name="JHEYSON FABIAN VILLAVISAN BUITRAGO" userId="e5ced5c2-d787-455d-b115-4f08a699b8c8" providerId="ADAL" clId="{56CA7A21-DA9A-4EF9-85E3-4002D69F4F5C}" dt="2025-01-11T00:25:26.630" v="252" actId="1076"/>
+      <pc:sldChg chg="modSp mod modNotesTx">
+        <pc:chgData name="JHEYSON FABIAN VILLAVISAN BUITRAGO" userId="e5ced5c2-d787-455d-b115-4f08a699b8c8" providerId="ADAL" clId="{56CA7A21-DA9A-4EF9-85E3-4002D69F4F5C}" dt="2025-01-11T02:45:56.213" v="274" actId="20577"/>
         <pc:sldMkLst>
           <pc:docMk/>
           <pc:sldMk cId="913173106" sldId="289"/>
         </pc:sldMkLst>
         <pc:spChg chg="mod">
-          <ac:chgData name="JHEYSON FABIAN VILLAVISAN BUITRAGO" userId="e5ced5c2-d787-455d-b115-4f08a699b8c8" providerId="ADAL" clId="{56CA7A21-DA9A-4EF9-85E3-4002D69F4F5C}" dt="2025-01-09T15:46:58.316" v="8" actId="1076"/>
+          <ac:chgData name="JHEYSON FABIAN VILLAVISAN BUITRAGO" userId="e5ced5c2-d787-455d-b115-4f08a699b8c8" providerId="ADAL" clId="{56CA7A21-DA9A-4EF9-85E3-4002D69F4F5C}" dt="2025-01-11T01:54:28.103" v="261" actId="20577"/>
           <ac:spMkLst>
             <pc:docMk/>
             <pc:sldMk cId="913173106" sldId="289"/>
@@ -495,13 +498,49 @@
           </ac:spMkLst>
         </pc:spChg>
         <pc:picChg chg="mod">
-          <ac:chgData name="JHEYSON FABIAN VILLAVISAN BUITRAGO" userId="e5ced5c2-d787-455d-b115-4f08a699b8c8" providerId="ADAL" clId="{56CA7A21-DA9A-4EF9-85E3-4002D69F4F5C}" dt="2025-01-11T00:25:26.630" v="252" actId="1076"/>
+          <ac:chgData name="JHEYSON FABIAN VILLAVISAN BUITRAGO" userId="e5ced5c2-d787-455d-b115-4f08a699b8c8" providerId="ADAL" clId="{56CA7A21-DA9A-4EF9-85E3-4002D69F4F5C}" dt="2025-01-11T01:54:31.690" v="262" actId="1076"/>
           <ac:picMkLst>
             <pc:docMk/>
             <pc:sldMk cId="913173106" sldId="289"/>
             <ac:picMk id="2" creationId="{36771CDF-18B3-BC57-1F78-5E2AC7A235D9}"/>
           </ac:picMkLst>
         </pc:picChg>
+      </pc:sldChg>
+      <pc:sldChg chg="modNotesTx">
+        <pc:chgData name="JHEYSON FABIAN VILLAVISAN BUITRAGO" userId="e5ced5c2-d787-455d-b115-4f08a699b8c8" providerId="ADAL" clId="{56CA7A21-DA9A-4EF9-85E3-4002D69F4F5C}" dt="2025-01-11T02:45:49.725" v="270" actId="20577"/>
+        <pc:sldMkLst>
+          <pc:docMk/>
+          <pc:sldMk cId="3072102049" sldId="290"/>
+        </pc:sldMkLst>
+      </pc:sldChg>
+      <pc:sldChg chg="modNotesTx">
+        <pc:chgData name="JHEYSON FABIAN VILLAVISAN BUITRAGO" userId="e5ced5c2-d787-455d-b115-4f08a699b8c8" providerId="ADAL" clId="{56CA7A21-DA9A-4EF9-85E3-4002D69F4F5C}" dt="2025-01-11T02:45:46.333" v="268" actId="20577"/>
+        <pc:sldMkLst>
+          <pc:docMk/>
+          <pc:sldMk cId="1160462119" sldId="291"/>
+        </pc:sldMkLst>
+      </pc:sldChg>
+      <pc:sldChg chg="modSp mod modNotesTx">
+        <pc:chgData name="JHEYSON FABIAN VILLAVISAN BUITRAGO" userId="e5ced5c2-d787-455d-b115-4f08a699b8c8" providerId="ADAL" clId="{56CA7A21-DA9A-4EF9-85E3-4002D69F4F5C}" dt="2025-01-11T02:45:52.889" v="272" actId="20577"/>
+        <pc:sldMkLst>
+          <pc:docMk/>
+          <pc:sldMk cId="2173724309" sldId="292"/>
+        </pc:sldMkLst>
+        <pc:picChg chg="mod">
+          <ac:chgData name="JHEYSON FABIAN VILLAVISAN BUITRAGO" userId="e5ced5c2-d787-455d-b115-4f08a699b8c8" providerId="ADAL" clId="{56CA7A21-DA9A-4EF9-85E3-4002D69F4F5C}" dt="2025-01-11T02:39:48.822" v="263" actId="1076"/>
+          <ac:picMkLst>
+            <pc:docMk/>
+            <pc:sldMk cId="2173724309" sldId="292"/>
+            <ac:picMk id="15" creationId="{5ABD7414-77CB-64EA-8078-78F356571E6C}"/>
+          </ac:picMkLst>
+        </pc:picChg>
+      </pc:sldChg>
+      <pc:sldChg chg="add del">
+        <pc:chgData name="JHEYSON FABIAN VILLAVISAN BUITRAGO" userId="e5ced5c2-d787-455d-b115-4f08a699b8c8" providerId="ADAL" clId="{56CA7A21-DA9A-4EF9-85E3-4002D69F4F5C}" dt="2025-01-11T02:45:38.850" v="265" actId="47"/>
+        <pc:sldMkLst>
+          <pc:docMk/>
+          <pc:sldMk cId="1787319643" sldId="293"/>
+        </pc:sldMkLst>
       </pc:sldChg>
       <pc:sldChg chg="addSp delSp modSp add mod ord modNotes modNotesTx">
         <pc:chgData name="JHEYSON FABIAN VILLAVISAN BUITRAGO" userId="e5ced5c2-d787-455d-b115-4f08a699b8c8" providerId="ADAL" clId="{56CA7A21-DA9A-4EF9-85E3-4002D69F4F5C}" dt="2025-01-11T00:21:59.944" v="241" actId="20577"/>
@@ -2437,271 +2476,6 @@
           </a:bodyPr>
           <a:lstStyle/>
           <a:p>
-            <a:r>
-              <a:rPr lang="es-CO" sz="1800" b="0" i="0" dirty="0">
-                <a:solidFill>
-                  <a:srgbClr val="008013"/>
-                </a:solidFill>
-                <a:effectLst/>
-                <a:latin typeface="Menlo"/>
-              </a:rPr>
-              <a:t>% 0 --&gt; parte real 1--&gt;Z</a:t>
-            </a:r>
-            <a:endParaRPr lang="es-CO" sz="1800" b="0" i="0" dirty="0">
-              <a:effectLst/>
-              <a:latin typeface="Menlo"/>
-            </a:endParaRPr>
-          </a:p>
-          <a:p>
-            <a:r>
-              <a:rPr lang="es-CO" sz="1800" b="0" i="0" dirty="0">
-                <a:effectLst/>
-                <a:latin typeface="Menlo"/>
-              </a:rPr>
-              <a:t>b1 = [0 1];</a:t>
-            </a:r>
-          </a:p>
-          <a:p>
-            <a:r>
-              <a:rPr lang="es-CO" sz="1800" b="0" i="0" dirty="0">
-                <a:solidFill>
-                  <a:srgbClr val="008013"/>
-                </a:solidFill>
-                <a:effectLst/>
-                <a:latin typeface="Menlo"/>
-              </a:rPr>
-              <a:t>% 1 --&gt; parte real coeficiente -1--&gt;Z </a:t>
-            </a:r>
-            <a:endParaRPr lang="es-CO" sz="1800" b="0" i="0" dirty="0">
-              <a:effectLst/>
-              <a:latin typeface="Menlo"/>
-            </a:endParaRPr>
-          </a:p>
-          <a:p>
-            <a:r>
-              <a:rPr lang="es-CO" sz="1800" b="0" i="0" dirty="0">
-                <a:effectLst/>
-                <a:latin typeface="Menlo"/>
-              </a:rPr>
-              <a:t>a1 = [1 -1];</a:t>
-            </a:r>
-          </a:p>
-          <a:p>
-            <a:r>
-              <a:rPr lang="es-CO" sz="1800" b="0" i="0" dirty="0">
-                <a:solidFill>
-                  <a:srgbClr val="008013"/>
-                </a:solidFill>
-                <a:effectLst/>
-                <a:latin typeface="Menlo"/>
-              </a:rPr>
-              <a:t>% 1 --&gt; parte real coeficiente 0.5--&gt;Z coeficiente 0.2--&gt;Z^2</a:t>
-            </a:r>
-            <a:endParaRPr lang="es-CO" sz="1800" b="0" i="0" dirty="0">
-              <a:effectLst/>
-              <a:latin typeface="Menlo"/>
-            </a:endParaRPr>
-          </a:p>
-          <a:p>
-            <a:r>
-              <a:rPr lang="es-CO" sz="1800" b="0" i="0" dirty="0">
-                <a:effectLst/>
-                <a:latin typeface="Menlo"/>
-              </a:rPr>
-              <a:t>a2 = [1 0.5 0.2];</a:t>
-            </a:r>
-          </a:p>
-          <a:p>
-            <a:r>
-              <a:rPr lang="es-CO" sz="1800" b="0" i="0" dirty="0">
-                <a:effectLst/>
-                <a:latin typeface="Menlo"/>
-              </a:rPr>
-              <a:t>b = b1;</a:t>
-            </a:r>
-          </a:p>
-          <a:p>
-            <a:r>
-              <a:rPr lang="es-CO" sz="1800" b="0" i="0" dirty="0">
-                <a:effectLst/>
-                <a:latin typeface="Menlo"/>
-              </a:rPr>
-              <a:t>a = </a:t>
-            </a:r>
-            <a:r>
-              <a:rPr lang="es-CO" sz="1800" b="0" i="0" dirty="0" err="1">
-                <a:effectLst/>
-                <a:latin typeface="Menlo"/>
-              </a:rPr>
-              <a:t>conv</a:t>
-            </a:r>
-            <a:r>
-              <a:rPr lang="es-CO" sz="1800" b="0" i="0" dirty="0">
-                <a:effectLst/>
-                <a:latin typeface="Menlo"/>
-              </a:rPr>
-              <a:t>(a1,a2);</a:t>
-            </a:r>
-          </a:p>
-          <a:p>
-            <a:r>
-              <a:rPr lang="es-CO" sz="1800" b="0" i="0" dirty="0">
-                <a:effectLst/>
-                <a:latin typeface="Menlo"/>
-              </a:rPr>
-              <a:t>[</a:t>
-            </a:r>
-            <a:r>
-              <a:rPr lang="es-CO" sz="1800" b="0" i="0" dirty="0" err="1">
-                <a:effectLst/>
-                <a:latin typeface="Menlo"/>
-              </a:rPr>
-              <a:t>r,p,k</a:t>
-            </a:r>
-            <a:r>
-              <a:rPr lang="es-CO" sz="1800" b="0" i="0" dirty="0">
-                <a:effectLst/>
-                <a:latin typeface="Menlo"/>
-              </a:rPr>
-              <a:t>] = </a:t>
-            </a:r>
-            <a:r>
-              <a:rPr lang="es-CO" sz="1800" b="0" i="0" dirty="0" err="1">
-                <a:effectLst/>
-                <a:latin typeface="Menlo"/>
-              </a:rPr>
-              <a:t>residuez</a:t>
-            </a:r>
-            <a:r>
-              <a:rPr lang="es-CO" sz="1800" b="0" i="0" dirty="0">
-                <a:effectLst/>
-                <a:latin typeface="Menlo"/>
-              </a:rPr>
-              <a:t>(</a:t>
-            </a:r>
-            <a:r>
-              <a:rPr lang="es-CO" sz="1800" b="0" i="0" dirty="0" err="1">
-                <a:effectLst/>
-                <a:latin typeface="Menlo"/>
-              </a:rPr>
-              <a:t>b,a</a:t>
-            </a:r>
-            <a:r>
-              <a:rPr lang="es-CO" sz="1800" b="0" i="0" dirty="0">
-                <a:effectLst/>
-                <a:latin typeface="Menlo"/>
-              </a:rPr>
-              <a:t>)</a:t>
-            </a:r>
-          </a:p>
-          <a:p>
-            <a:br>
-              <a:rPr lang="es-CO" sz="1800" b="0" i="0" dirty="0">
-                <a:effectLst/>
-                <a:latin typeface="Menlo"/>
-              </a:rPr>
-            </a:br>
-            <a:endParaRPr lang="es-CO" sz="1800" b="0" i="0" dirty="0">
-              <a:effectLst/>
-              <a:latin typeface="Menlo"/>
-            </a:endParaRPr>
-          </a:p>
-          <a:p>
-            <a:br>
-              <a:rPr lang="es-CO" sz="1800" b="0" i="0" dirty="0">
-                <a:effectLst/>
-                <a:latin typeface="Menlo"/>
-              </a:rPr>
-            </a:br>
-            <a:endParaRPr lang="es-CO" sz="1800" b="0" i="0" dirty="0">
-              <a:effectLst/>
-              <a:latin typeface="Menlo"/>
-            </a:endParaRPr>
-          </a:p>
-          <a:p>
-            <a:r>
-              <a:rPr lang="es-CO" sz="1800" b="0" i="0" dirty="0">
-                <a:solidFill>
-                  <a:srgbClr val="008013"/>
-                </a:solidFill>
-                <a:effectLst/>
-                <a:latin typeface="Menlo"/>
-              </a:rPr>
-              <a:t>%%</a:t>
-            </a:r>
-            <a:endParaRPr lang="es-CO" sz="1800" b="0" i="0" dirty="0">
-              <a:effectLst/>
-              <a:latin typeface="Menlo"/>
-            </a:endParaRPr>
-          </a:p>
-          <a:p>
-            <a:r>
-              <a:rPr lang="es-CO" sz="1800" b="0" i="0" dirty="0" err="1">
-                <a:effectLst/>
-                <a:latin typeface="Menlo"/>
-              </a:rPr>
-              <a:t>syms</a:t>
-            </a:r>
-            <a:r>
-              <a:rPr lang="es-CO" sz="1800" b="0" i="0" dirty="0">
-                <a:effectLst/>
-                <a:latin typeface="Menlo"/>
-              </a:rPr>
-              <a:t> </a:t>
-            </a:r>
-            <a:r>
-              <a:rPr lang="es-CO" sz="1800" b="0" i="0" dirty="0">
-                <a:solidFill>
-                  <a:srgbClr val="A709F5"/>
-                </a:solidFill>
-                <a:effectLst/>
-                <a:latin typeface="Menlo"/>
-              </a:rPr>
-              <a:t>z</a:t>
-            </a:r>
-            <a:endParaRPr lang="es-CO" sz="1800" b="0" i="0" dirty="0">
-              <a:effectLst/>
-              <a:latin typeface="Menlo"/>
-            </a:endParaRPr>
-          </a:p>
-          <a:p>
-            <a:r>
-              <a:rPr lang="es-CO" sz="1800" b="0" i="0" dirty="0">
-                <a:effectLst/>
-                <a:latin typeface="Menlo"/>
-              </a:rPr>
-              <a:t>F = (0.5882/(1-(1.0000 + 0.0000i)*z^(-1)));</a:t>
-            </a:r>
-          </a:p>
-          <a:p>
-            <a:r>
-              <a:rPr lang="es-CO" sz="1800" b="0" i="0" dirty="0" err="1">
-                <a:effectLst/>
-                <a:latin typeface="Menlo"/>
-              </a:rPr>
-              <a:t>iztrans</a:t>
-            </a:r>
-            <a:r>
-              <a:rPr lang="es-CO" sz="1800" b="0" i="0" dirty="0">
-                <a:effectLst/>
-                <a:latin typeface="Menlo"/>
-              </a:rPr>
-              <a:t>(F)</a:t>
-            </a:r>
-          </a:p>
-          <a:p>
-            <a:br>
-              <a:rPr lang="pl-PL" sz="1800" b="0" i="0" dirty="0">
-                <a:effectLst/>
-                <a:latin typeface="Menlo"/>
-              </a:rPr>
-            </a:br>
-            <a:endParaRPr lang="pl-PL" sz="1800" b="0" i="0" dirty="0">
-              <a:effectLst/>
-              <a:latin typeface="Menlo"/>
-            </a:endParaRPr>
-          </a:p>
-          <a:p>
             <a:br>
               <a:rPr lang="pl-PL" sz="1800" b="0" i="0" dirty="0">
                 <a:effectLst/>
@@ -2741,7 +2515,7 @@
               <a:pPr>
                 <a:defRPr/>
               </a:pPr>
-              <a:t>20</a:t>
+              <a:t>19</a:t>
             </a:fld>
             <a:endParaRPr lang="es-CO" altLang="es-CO"/>
           </a:p>
@@ -2806,259 +2580,6 @@
           </a:bodyPr>
           <a:lstStyle/>
           <a:p>
-            <a:r>
-              <a:rPr lang="es-CO" sz="1800" b="0" i="0" dirty="0">
-                <a:solidFill>
-                  <a:srgbClr val="008013"/>
-                </a:solidFill>
-                <a:effectLst/>
-                <a:latin typeface="Menlo"/>
-              </a:rPr>
-              <a:t>% 0 --&gt; parte real 1--&gt;Z</a:t>
-            </a:r>
-            <a:endParaRPr lang="es-CO" sz="1800" b="0" i="0" dirty="0">
-              <a:effectLst/>
-              <a:latin typeface="Menlo"/>
-            </a:endParaRPr>
-          </a:p>
-          <a:p>
-            <a:r>
-              <a:rPr lang="es-CO" sz="1800" b="0" i="0" dirty="0">
-                <a:effectLst/>
-                <a:latin typeface="Menlo"/>
-              </a:rPr>
-              <a:t>b1 = [0 1];</a:t>
-            </a:r>
-          </a:p>
-          <a:p>
-            <a:r>
-              <a:rPr lang="es-CO" sz="1800" b="0" i="0" dirty="0">
-                <a:solidFill>
-                  <a:srgbClr val="008013"/>
-                </a:solidFill>
-                <a:effectLst/>
-                <a:latin typeface="Menlo"/>
-              </a:rPr>
-              <a:t>% 1 --&gt; parte real coeficiente -1--&gt;Z </a:t>
-            </a:r>
-            <a:endParaRPr lang="es-CO" sz="1800" b="0" i="0" dirty="0">
-              <a:effectLst/>
-              <a:latin typeface="Menlo"/>
-            </a:endParaRPr>
-          </a:p>
-          <a:p>
-            <a:r>
-              <a:rPr lang="es-CO" sz="1800" b="0" i="0" dirty="0">
-                <a:effectLst/>
-                <a:latin typeface="Menlo"/>
-              </a:rPr>
-              <a:t>a1 = [1 -1];</a:t>
-            </a:r>
-          </a:p>
-          <a:p>
-            <a:r>
-              <a:rPr lang="es-CO" sz="1800" b="0" i="0" dirty="0">
-                <a:solidFill>
-                  <a:srgbClr val="008013"/>
-                </a:solidFill>
-                <a:effectLst/>
-                <a:latin typeface="Menlo"/>
-              </a:rPr>
-              <a:t>% 1 --&gt; parte real coeficiente 0.5--&gt;Z coeficiente 0.2--&gt;Z^2</a:t>
-            </a:r>
-            <a:endParaRPr lang="es-CO" sz="1800" b="0" i="0" dirty="0">
-              <a:effectLst/>
-              <a:latin typeface="Menlo"/>
-            </a:endParaRPr>
-          </a:p>
-          <a:p>
-            <a:r>
-              <a:rPr lang="es-CO" sz="1800" b="0" i="0" dirty="0">
-                <a:effectLst/>
-                <a:latin typeface="Menlo"/>
-              </a:rPr>
-              <a:t>a2 = [1 0.5 0.2];</a:t>
-            </a:r>
-          </a:p>
-          <a:p>
-            <a:r>
-              <a:rPr lang="es-CO" sz="1800" b="0" i="0" dirty="0">
-                <a:effectLst/>
-                <a:latin typeface="Menlo"/>
-              </a:rPr>
-              <a:t>b = b1;</a:t>
-            </a:r>
-          </a:p>
-          <a:p>
-            <a:r>
-              <a:rPr lang="es-CO" sz="1800" b="0" i="0" dirty="0">
-                <a:effectLst/>
-                <a:latin typeface="Menlo"/>
-              </a:rPr>
-              <a:t>a = </a:t>
-            </a:r>
-            <a:r>
-              <a:rPr lang="es-CO" sz="1800" b="0" i="0" dirty="0" err="1">
-                <a:effectLst/>
-                <a:latin typeface="Menlo"/>
-              </a:rPr>
-              <a:t>conv</a:t>
-            </a:r>
-            <a:r>
-              <a:rPr lang="es-CO" sz="1800" b="0" i="0" dirty="0">
-                <a:effectLst/>
-                <a:latin typeface="Menlo"/>
-              </a:rPr>
-              <a:t>(a1,a2);</a:t>
-            </a:r>
-          </a:p>
-          <a:p>
-            <a:r>
-              <a:rPr lang="es-CO" sz="1800" b="0" i="0" dirty="0">
-                <a:effectLst/>
-                <a:latin typeface="Menlo"/>
-              </a:rPr>
-              <a:t>[</a:t>
-            </a:r>
-            <a:r>
-              <a:rPr lang="es-CO" sz="1800" b="0" i="0" dirty="0" err="1">
-                <a:effectLst/>
-                <a:latin typeface="Menlo"/>
-              </a:rPr>
-              <a:t>r,p,k</a:t>
-            </a:r>
-            <a:r>
-              <a:rPr lang="es-CO" sz="1800" b="0" i="0" dirty="0">
-                <a:effectLst/>
-                <a:latin typeface="Menlo"/>
-              </a:rPr>
-              <a:t>] = </a:t>
-            </a:r>
-            <a:r>
-              <a:rPr lang="es-CO" sz="1800" b="0" i="0" dirty="0" err="1">
-                <a:effectLst/>
-                <a:latin typeface="Menlo"/>
-              </a:rPr>
-              <a:t>residuez</a:t>
-            </a:r>
-            <a:r>
-              <a:rPr lang="es-CO" sz="1800" b="0" i="0" dirty="0">
-                <a:effectLst/>
-                <a:latin typeface="Menlo"/>
-              </a:rPr>
-              <a:t>(</a:t>
-            </a:r>
-            <a:r>
-              <a:rPr lang="es-CO" sz="1800" b="0" i="0" dirty="0" err="1">
-                <a:effectLst/>
-                <a:latin typeface="Menlo"/>
-              </a:rPr>
-              <a:t>b,a</a:t>
-            </a:r>
-            <a:r>
-              <a:rPr lang="es-CO" sz="1800" b="0" i="0" dirty="0">
-                <a:effectLst/>
-                <a:latin typeface="Menlo"/>
-              </a:rPr>
-              <a:t>)</a:t>
-            </a:r>
-          </a:p>
-          <a:p>
-            <a:br>
-              <a:rPr lang="es-CO" sz="1800" b="0" i="0" dirty="0">
-                <a:effectLst/>
-                <a:latin typeface="Menlo"/>
-              </a:rPr>
-            </a:br>
-            <a:endParaRPr lang="es-CO" sz="1800" b="0" i="0" dirty="0">
-              <a:effectLst/>
-              <a:latin typeface="Menlo"/>
-            </a:endParaRPr>
-          </a:p>
-          <a:p>
-            <a:br>
-              <a:rPr lang="es-CO" sz="1800" b="0" i="0" dirty="0">
-                <a:effectLst/>
-                <a:latin typeface="Menlo"/>
-              </a:rPr>
-            </a:br>
-            <a:endParaRPr lang="es-CO" sz="1800" b="0" i="0" dirty="0">
-              <a:effectLst/>
-              <a:latin typeface="Menlo"/>
-            </a:endParaRPr>
-          </a:p>
-          <a:p>
-            <a:r>
-              <a:rPr lang="es-CO" sz="1800" b="0" i="0" dirty="0">
-                <a:solidFill>
-                  <a:srgbClr val="008013"/>
-                </a:solidFill>
-                <a:effectLst/>
-                <a:latin typeface="Menlo"/>
-              </a:rPr>
-              <a:t>%%</a:t>
-            </a:r>
-            <a:endParaRPr lang="es-CO" sz="1800" b="0" i="0" dirty="0">
-              <a:effectLst/>
-              <a:latin typeface="Menlo"/>
-            </a:endParaRPr>
-          </a:p>
-          <a:p>
-            <a:r>
-              <a:rPr lang="es-CO" sz="1800" b="0" i="0" dirty="0" err="1">
-                <a:effectLst/>
-                <a:latin typeface="Menlo"/>
-              </a:rPr>
-              <a:t>syms</a:t>
-            </a:r>
-            <a:r>
-              <a:rPr lang="es-CO" sz="1800" b="0" i="0" dirty="0">
-                <a:effectLst/>
-                <a:latin typeface="Menlo"/>
-              </a:rPr>
-              <a:t> </a:t>
-            </a:r>
-            <a:r>
-              <a:rPr lang="es-CO" sz="1800" b="0" i="0" dirty="0">
-                <a:solidFill>
-                  <a:srgbClr val="A709F5"/>
-                </a:solidFill>
-                <a:effectLst/>
-                <a:latin typeface="Menlo"/>
-              </a:rPr>
-              <a:t>z</a:t>
-            </a:r>
-            <a:endParaRPr lang="es-CO" sz="1800" b="0" i="0" dirty="0">
-              <a:effectLst/>
-              <a:latin typeface="Menlo"/>
-            </a:endParaRPr>
-          </a:p>
-          <a:p>
-            <a:r>
-              <a:rPr lang="es-CO" sz="1800" b="0" i="0" dirty="0">
-                <a:effectLst/>
-                <a:latin typeface="Menlo"/>
-              </a:rPr>
-              <a:t>F = (0.5882/(1-(1.0000 + 0.0000i)*z^(-1)));</a:t>
-            </a:r>
-          </a:p>
-          <a:p>
-            <a:r>
-              <a:rPr lang="es-CO" sz="1800" b="0" i="0" dirty="0" err="1">
-                <a:effectLst/>
-                <a:latin typeface="Menlo"/>
-              </a:rPr>
-              <a:t>iztrans</a:t>
-            </a:r>
-            <a:r>
-              <a:rPr lang="es-CO" sz="1800" b="0" i="0" dirty="0">
-                <a:effectLst/>
-                <a:latin typeface="Menlo"/>
-              </a:rPr>
-              <a:t>(F)</a:t>
-            </a:r>
-          </a:p>
-          <a:p>
             <a:br>
               <a:rPr lang="pl-PL" sz="1800" b="0" i="0" dirty="0">
                 <a:effectLst/>
@@ -3110,7 +2631,7 @@
               <a:pPr>
                 <a:defRPr/>
               </a:pPr>
-              <a:t>21</a:t>
+              <a:t>20</a:t>
             </a:fld>
             <a:endParaRPr lang="es-CO" altLang="es-CO"/>
           </a:p>
@@ -3120,739 +2641,6 @@
     <p:extLst>
       <p:ext uri="{BB962C8B-B14F-4D97-AF65-F5344CB8AC3E}">
         <p14:creationId xmlns:p14="http://schemas.microsoft.com/office/powerpoint/2010/main" val="4232031985"/>
-      </p:ext>
-    </p:extLst>
-  </p:cSld>
-  <p:clrMapOvr>
-    <a:masterClrMapping/>
-  </p:clrMapOvr>
-</p:notes>
-</file>
-
-<file path=ppt/notesSlides/notesSlide12.xml><?xml version="1.0" encoding="utf-8"?>
-<p:notes xmlns:a="http://schemas.openxmlformats.org/drawingml/2006/main" xmlns:r="http://schemas.openxmlformats.org/officeDocument/2006/relationships" xmlns:p="http://schemas.openxmlformats.org/presentationml/2006/main">
-  <p:cSld>
-    <p:spTree>
-      <p:nvGrpSpPr>
-        <p:cNvPr id="1" name=""/>
-        <p:cNvGrpSpPr/>
-        <p:nvPr/>
-      </p:nvGrpSpPr>
-      <p:grpSpPr>
-        <a:xfrm>
-          <a:off x="0" y="0"/>
-          <a:ext cx="0" cy="0"/>
-          <a:chOff x="0" y="0"/>
-          <a:chExt cx="0" cy="0"/>
-        </a:xfrm>
-      </p:grpSpPr>
-      <p:sp>
-        <p:nvSpPr>
-          <p:cNvPr id="2" name="Marcador de imagen de diapositiva 1"/>
-          <p:cNvSpPr>
-            <a:spLocks noGrp="1" noRot="1" noChangeAspect="1"/>
-          </p:cNvSpPr>
-          <p:nvPr>
-            <p:ph type="sldImg"/>
-          </p:nvPr>
-        </p:nvSpPr>
-        <p:spPr/>
-      </p:sp>
-      <p:sp>
-        <p:nvSpPr>
-          <p:cNvPr id="3" name="Marcador de notas 2"/>
-          <p:cNvSpPr>
-            <a:spLocks noGrp="1"/>
-          </p:cNvSpPr>
-          <p:nvPr>
-            <p:ph type="body" idx="1"/>
-          </p:nvPr>
-        </p:nvSpPr>
-        <p:spPr/>
-        <p:txBody>
-          <a:bodyPr>
-            <a:normAutofit fontScale="47500" lnSpcReduction="20000"/>
-          </a:bodyPr>
-          <a:lstStyle/>
-          <a:p>
-            <a:r>
-              <a:rPr lang="es-ES" sz="1800" b="0" i="0" dirty="0">
-                <a:solidFill>
-                  <a:srgbClr val="008013"/>
-                </a:solidFill>
-                <a:effectLst/>
-                <a:latin typeface="Menlo"/>
-              </a:rPr>
-              <a:t>% Definir la ecuación en diferencias</a:t>
-            </a:r>
-            <a:endParaRPr lang="es-ES" sz="1800" b="0" i="0" dirty="0">
-              <a:effectLst/>
-              <a:latin typeface="Menlo"/>
-            </a:endParaRPr>
-          </a:p>
-          <a:p>
-            <a:r>
-              <a:rPr lang="es-ES" sz="1800" b="0" i="0" dirty="0" err="1">
-                <a:effectLst/>
-                <a:latin typeface="Menlo"/>
-              </a:rPr>
-              <a:t>numerator</a:t>
-            </a:r>
-            <a:r>
-              <a:rPr lang="es-ES" sz="1800" b="0" i="0" dirty="0">
-                <a:effectLst/>
-                <a:latin typeface="Menlo"/>
-              </a:rPr>
-              <a:t> = [1]; </a:t>
-            </a:r>
-            <a:r>
-              <a:rPr lang="es-ES" sz="1800" b="0" i="0" dirty="0">
-                <a:solidFill>
-                  <a:srgbClr val="008013"/>
-                </a:solidFill>
-                <a:effectLst/>
-                <a:latin typeface="Menlo"/>
-              </a:rPr>
-              <a:t>% Coeficiente del numerador (1)</a:t>
-            </a:r>
-            <a:endParaRPr lang="es-ES" sz="1800" b="0" i="0" dirty="0">
-              <a:effectLst/>
-              <a:latin typeface="Menlo"/>
-            </a:endParaRPr>
-          </a:p>
-          <a:p>
-            <a:r>
-              <a:rPr lang="es-ES" sz="1800" b="0" i="0" dirty="0" err="1">
-                <a:effectLst/>
-                <a:latin typeface="Menlo"/>
-              </a:rPr>
-              <a:t>denominator</a:t>
-            </a:r>
-            <a:r>
-              <a:rPr lang="es-ES" sz="1800" b="0" i="0" dirty="0">
-                <a:effectLst/>
-                <a:latin typeface="Menlo"/>
-              </a:rPr>
-              <a:t> = [1, 1]; </a:t>
-            </a:r>
-            <a:r>
-              <a:rPr lang="es-ES" sz="1800" b="0" i="0" dirty="0">
-                <a:solidFill>
-                  <a:srgbClr val="008013"/>
-                </a:solidFill>
-                <a:effectLst/>
-                <a:latin typeface="Menlo"/>
-              </a:rPr>
-              <a:t>% Coeficientes del denominador (z + 1)</a:t>
-            </a:r>
-            <a:endParaRPr lang="es-ES" sz="1800" b="0" i="0" dirty="0">
-              <a:effectLst/>
-              <a:latin typeface="Menlo"/>
-            </a:endParaRPr>
-          </a:p>
-          <a:p>
-            <a:br>
-              <a:rPr lang="es-ES" sz="1800" b="0" i="0" dirty="0">
-                <a:effectLst/>
-                <a:latin typeface="Menlo"/>
-              </a:rPr>
-            </a:br>
-            <a:endParaRPr lang="es-ES" sz="1800" b="0" i="0" dirty="0">
-              <a:effectLst/>
-              <a:latin typeface="Menlo"/>
-            </a:endParaRPr>
-          </a:p>
-          <a:p>
-            <a:r>
-              <a:rPr lang="es-ES" sz="1800" b="0" i="0" dirty="0">
-                <a:solidFill>
-                  <a:srgbClr val="008013"/>
-                </a:solidFill>
-                <a:effectLst/>
-                <a:latin typeface="Menlo"/>
-              </a:rPr>
-              <a:t>% Crear la función de transferencia en el dominio Z</a:t>
-            </a:r>
-            <a:endParaRPr lang="es-ES" sz="1800" b="0" i="0" dirty="0">
-              <a:effectLst/>
-              <a:latin typeface="Menlo"/>
-            </a:endParaRPr>
-          </a:p>
-          <a:p>
-            <a:r>
-              <a:rPr lang="es-ES" sz="1800" b="0" i="0" dirty="0">
-                <a:effectLst/>
-                <a:latin typeface="Menlo"/>
-              </a:rPr>
-              <a:t>H = </a:t>
-            </a:r>
-            <a:r>
-              <a:rPr lang="es-ES" sz="1800" b="0" i="0" dirty="0" err="1">
-                <a:effectLst/>
-                <a:latin typeface="Menlo"/>
-              </a:rPr>
-              <a:t>tf</a:t>
-            </a:r>
-            <a:r>
-              <a:rPr lang="es-ES" sz="1800" b="0" i="0" dirty="0">
-                <a:effectLst/>
-                <a:latin typeface="Menlo"/>
-              </a:rPr>
-              <a:t>(</a:t>
-            </a:r>
-            <a:r>
-              <a:rPr lang="es-ES" sz="1800" b="0" i="0" dirty="0" err="1">
-                <a:effectLst/>
-                <a:latin typeface="Menlo"/>
-              </a:rPr>
-              <a:t>numerator</a:t>
-            </a:r>
-            <a:r>
-              <a:rPr lang="es-ES" sz="1800" b="0" i="0" dirty="0">
-                <a:effectLst/>
-                <a:latin typeface="Menlo"/>
-              </a:rPr>
-              <a:t>, </a:t>
-            </a:r>
-            <a:r>
-              <a:rPr lang="es-ES" sz="1800" b="0" i="0" dirty="0" err="1">
-                <a:effectLst/>
-                <a:latin typeface="Menlo"/>
-              </a:rPr>
-              <a:t>denominator</a:t>
-            </a:r>
-            <a:r>
-              <a:rPr lang="es-ES" sz="1800" b="0" i="0" dirty="0">
-                <a:effectLst/>
-                <a:latin typeface="Menlo"/>
-              </a:rPr>
-              <a:t>, 1, </a:t>
-            </a:r>
-            <a:r>
-              <a:rPr lang="es-ES" sz="1800" b="0" i="0" dirty="0">
-                <a:solidFill>
-                  <a:srgbClr val="A709F5"/>
-                </a:solidFill>
-                <a:effectLst/>
-                <a:latin typeface="Menlo"/>
-              </a:rPr>
-              <a:t>'Variable'</a:t>
-            </a:r>
-            <a:r>
-              <a:rPr lang="es-ES" sz="1800" b="0" i="0" dirty="0">
-                <a:effectLst/>
-                <a:latin typeface="Menlo"/>
-              </a:rPr>
-              <a:t>, </a:t>
-            </a:r>
-            <a:r>
-              <a:rPr lang="es-ES" sz="1800" b="0" i="0" dirty="0">
-                <a:solidFill>
-                  <a:srgbClr val="A709F5"/>
-                </a:solidFill>
-                <a:effectLst/>
-                <a:latin typeface="Menlo"/>
-              </a:rPr>
-              <a:t>'z'</a:t>
-            </a:r>
-            <a:r>
-              <a:rPr lang="es-ES" sz="1800" b="0" i="0" dirty="0">
-                <a:effectLst/>
-                <a:latin typeface="Menlo"/>
-              </a:rPr>
-              <a:t>, </a:t>
-            </a:r>
-            <a:r>
-              <a:rPr lang="es-ES" sz="1800" b="0" i="0" dirty="0">
-                <a:solidFill>
-                  <a:srgbClr val="A709F5"/>
-                </a:solidFill>
-                <a:effectLst/>
-                <a:latin typeface="Menlo"/>
-              </a:rPr>
-              <a:t>'</a:t>
-            </a:r>
-            <a:r>
-              <a:rPr lang="es-ES" sz="1800" b="0" i="0" dirty="0" err="1">
-                <a:solidFill>
-                  <a:srgbClr val="A709F5"/>
-                </a:solidFill>
-                <a:effectLst/>
-                <a:latin typeface="Menlo"/>
-              </a:rPr>
-              <a:t>InputDelay</a:t>
-            </a:r>
-            <a:r>
-              <a:rPr lang="es-ES" sz="1800" b="0" i="0" dirty="0">
-                <a:solidFill>
-                  <a:srgbClr val="A709F5"/>
-                </a:solidFill>
-                <a:effectLst/>
-                <a:latin typeface="Menlo"/>
-              </a:rPr>
-              <a:t>'</a:t>
-            </a:r>
-            <a:r>
-              <a:rPr lang="es-ES" sz="1800" b="0" i="0" dirty="0">
-                <a:effectLst/>
-                <a:latin typeface="Menlo"/>
-              </a:rPr>
-              <a:t>, 0);</a:t>
-            </a:r>
-          </a:p>
-          <a:p>
-            <a:br>
-              <a:rPr lang="es-ES" sz="1800" b="0" i="0" dirty="0">
-                <a:effectLst/>
-                <a:latin typeface="Menlo"/>
-              </a:rPr>
-            </a:br>
-            <a:endParaRPr lang="es-ES" sz="1800" b="0" i="0" dirty="0">
-              <a:effectLst/>
-              <a:latin typeface="Menlo"/>
-            </a:endParaRPr>
-          </a:p>
-          <a:p>
-            <a:r>
-              <a:rPr lang="es-ES" sz="1800" b="0" i="0" dirty="0">
-                <a:solidFill>
-                  <a:srgbClr val="008013"/>
-                </a:solidFill>
-                <a:effectLst/>
-                <a:latin typeface="Menlo"/>
-              </a:rPr>
-              <a:t>% Definir la entrada discreta u[k]</a:t>
-            </a:r>
-            <a:endParaRPr lang="es-ES" sz="1800" b="0" i="0" dirty="0">
-              <a:effectLst/>
-              <a:latin typeface="Menlo"/>
-            </a:endParaRPr>
-          </a:p>
-          <a:p>
-            <a:r>
-              <a:rPr lang="es-ES" sz="1800" b="0" i="0" dirty="0">
-                <a:effectLst/>
-                <a:latin typeface="Menlo"/>
-              </a:rPr>
-              <a:t>k = 0:1:10; </a:t>
-            </a:r>
-            <a:r>
-              <a:rPr lang="es-ES" sz="1800" b="0" i="0" dirty="0">
-                <a:solidFill>
-                  <a:srgbClr val="008013"/>
-                </a:solidFill>
-                <a:effectLst/>
-                <a:latin typeface="Menlo"/>
-              </a:rPr>
-              <a:t>% Vector de índices de tiempo discreto</a:t>
-            </a:r>
-            <a:endParaRPr lang="es-ES" sz="1800" b="0" i="0" dirty="0">
-              <a:effectLst/>
-              <a:latin typeface="Menlo"/>
-            </a:endParaRPr>
-          </a:p>
-          <a:p>
-            <a:r>
-              <a:rPr lang="es-ES" sz="1800" b="0" i="0" dirty="0">
-                <a:effectLst/>
-                <a:latin typeface="Menlo"/>
-              </a:rPr>
-              <a:t>u = </a:t>
-            </a:r>
-            <a:r>
-              <a:rPr lang="es-ES" sz="1800" b="0" i="0" dirty="0" err="1">
-                <a:effectLst/>
-                <a:latin typeface="Menlo"/>
-              </a:rPr>
-              <a:t>ones</a:t>
-            </a:r>
-            <a:r>
-              <a:rPr lang="es-ES" sz="1800" b="0" i="0" dirty="0">
-                <a:effectLst/>
-                <a:latin typeface="Menlo"/>
-              </a:rPr>
-              <a:t>(</a:t>
-            </a:r>
-            <a:r>
-              <a:rPr lang="es-ES" sz="1800" b="0" i="0" dirty="0" err="1">
-                <a:effectLst/>
-                <a:latin typeface="Menlo"/>
-              </a:rPr>
-              <a:t>size</a:t>
-            </a:r>
-            <a:r>
-              <a:rPr lang="es-ES" sz="1800" b="0" i="0" dirty="0">
-                <a:effectLst/>
-                <a:latin typeface="Menlo"/>
-              </a:rPr>
-              <a:t>(k)); </a:t>
-            </a:r>
-            <a:r>
-              <a:rPr lang="es-ES" sz="1800" b="0" i="0" dirty="0">
-                <a:solidFill>
-                  <a:srgbClr val="008013"/>
-                </a:solidFill>
-                <a:effectLst/>
-                <a:latin typeface="Menlo"/>
-              </a:rPr>
-              <a:t>% Entrada escalón unitario discreto</a:t>
-            </a:r>
-            <a:endParaRPr lang="es-ES" sz="1800" b="0" i="0" dirty="0">
-              <a:effectLst/>
-              <a:latin typeface="Menlo"/>
-            </a:endParaRPr>
-          </a:p>
-          <a:p>
-            <a:br>
-              <a:rPr lang="es-ES" sz="1800" b="0" i="0" dirty="0">
-                <a:effectLst/>
-                <a:latin typeface="Menlo"/>
-              </a:rPr>
-            </a:br>
-            <a:endParaRPr lang="es-ES" sz="1800" b="0" i="0" dirty="0">
-              <a:effectLst/>
-              <a:latin typeface="Menlo"/>
-            </a:endParaRPr>
-          </a:p>
-          <a:p>
-            <a:r>
-              <a:rPr lang="es-ES" sz="1800" b="0" i="0" dirty="0">
-                <a:solidFill>
-                  <a:srgbClr val="008013"/>
-                </a:solidFill>
-                <a:effectLst/>
-                <a:latin typeface="Menlo"/>
-              </a:rPr>
-              <a:t>% Obtener la respuesta en el dominio discreto</a:t>
-            </a:r>
-            <a:endParaRPr lang="es-ES" sz="1800" b="0" i="0" dirty="0">
-              <a:effectLst/>
-              <a:latin typeface="Menlo"/>
-            </a:endParaRPr>
-          </a:p>
-          <a:p>
-            <a:r>
-              <a:rPr lang="es-ES" sz="1800" b="0" i="0" dirty="0">
-                <a:effectLst/>
-                <a:latin typeface="Menlo"/>
-              </a:rPr>
-              <a:t>[y, k] = </a:t>
-            </a:r>
-            <a:r>
-              <a:rPr lang="es-ES" sz="1800" b="0" i="0" dirty="0" err="1">
-                <a:effectLst/>
-                <a:latin typeface="Menlo"/>
-              </a:rPr>
-              <a:t>lsim</a:t>
-            </a:r>
-            <a:r>
-              <a:rPr lang="es-ES" sz="1800" b="0" i="0" dirty="0">
-                <a:effectLst/>
-                <a:latin typeface="Menlo"/>
-              </a:rPr>
-              <a:t>(H, u, k);</a:t>
-            </a:r>
-          </a:p>
-          <a:p>
-            <a:br>
-              <a:rPr lang="es-ES" sz="1800" b="0" i="0" dirty="0">
-                <a:effectLst/>
-                <a:latin typeface="Menlo"/>
-              </a:rPr>
-            </a:br>
-            <a:endParaRPr lang="es-ES" sz="1800" b="0" i="0" dirty="0">
-              <a:effectLst/>
-              <a:latin typeface="Menlo"/>
-            </a:endParaRPr>
-          </a:p>
-          <a:p>
-            <a:r>
-              <a:rPr lang="es-ES" sz="1800" b="0" i="0" dirty="0">
-                <a:solidFill>
-                  <a:srgbClr val="008013"/>
-                </a:solidFill>
-                <a:effectLst/>
-                <a:latin typeface="Menlo"/>
-              </a:rPr>
-              <a:t>% Graficar la respuesta en el dominio discreto</a:t>
-            </a:r>
-            <a:endParaRPr lang="es-ES" sz="1800" b="0" i="0" dirty="0">
-              <a:effectLst/>
-              <a:latin typeface="Menlo"/>
-            </a:endParaRPr>
-          </a:p>
-          <a:p>
-            <a:r>
-              <a:rPr lang="es-ES" sz="1800" b="0" i="0" dirty="0" err="1">
-                <a:effectLst/>
-                <a:latin typeface="Menlo"/>
-              </a:rPr>
-              <a:t>stem</a:t>
-            </a:r>
-            <a:r>
-              <a:rPr lang="es-ES" sz="1800" b="0" i="0" dirty="0">
-                <a:effectLst/>
-                <a:latin typeface="Menlo"/>
-              </a:rPr>
-              <a:t>(k, y, </a:t>
-            </a:r>
-            <a:r>
-              <a:rPr lang="es-ES" sz="1800" b="0" i="0" dirty="0">
-                <a:solidFill>
-                  <a:srgbClr val="A709F5"/>
-                </a:solidFill>
-                <a:effectLst/>
-                <a:latin typeface="Menlo"/>
-              </a:rPr>
-              <a:t>'</a:t>
-            </a:r>
-            <a:r>
-              <a:rPr lang="es-ES" sz="1800" b="0" i="0" dirty="0" err="1">
-                <a:solidFill>
-                  <a:srgbClr val="A709F5"/>
-                </a:solidFill>
-                <a:effectLst/>
-                <a:latin typeface="Menlo"/>
-              </a:rPr>
-              <a:t>filled</a:t>
-            </a:r>
-            <a:r>
-              <a:rPr lang="es-ES" sz="1800" b="0" i="0" dirty="0">
-                <a:solidFill>
-                  <a:srgbClr val="A709F5"/>
-                </a:solidFill>
-                <a:effectLst/>
-                <a:latin typeface="Menlo"/>
-              </a:rPr>
-              <a:t>'</a:t>
-            </a:r>
-            <a:r>
-              <a:rPr lang="es-ES" sz="1800" b="0" i="0" dirty="0">
-                <a:effectLst/>
-                <a:latin typeface="Menlo"/>
-              </a:rPr>
-              <a:t>, </a:t>
-            </a:r>
-            <a:r>
-              <a:rPr lang="es-ES" sz="1800" b="0" i="0" dirty="0">
-                <a:solidFill>
-                  <a:srgbClr val="A709F5"/>
-                </a:solidFill>
-                <a:effectLst/>
-                <a:latin typeface="Menlo"/>
-              </a:rPr>
-              <a:t>'</a:t>
-            </a:r>
-            <a:r>
-              <a:rPr lang="es-ES" sz="1800" b="0" i="0" dirty="0" err="1">
-                <a:solidFill>
-                  <a:srgbClr val="A709F5"/>
-                </a:solidFill>
-                <a:effectLst/>
-                <a:latin typeface="Menlo"/>
-              </a:rPr>
-              <a:t>LineWidth</a:t>
-            </a:r>
-            <a:r>
-              <a:rPr lang="es-ES" sz="1800" b="0" i="0" dirty="0">
-                <a:solidFill>
-                  <a:srgbClr val="A709F5"/>
-                </a:solidFill>
-                <a:effectLst/>
-                <a:latin typeface="Menlo"/>
-              </a:rPr>
-              <a:t>'</a:t>
-            </a:r>
-            <a:r>
-              <a:rPr lang="es-ES" sz="1800" b="0" i="0" dirty="0">
-                <a:effectLst/>
-                <a:latin typeface="Menlo"/>
-              </a:rPr>
-              <a:t>, 2);</a:t>
-            </a:r>
-          </a:p>
-          <a:p>
-            <a:r>
-              <a:rPr lang="es-ES" sz="1800" b="0" i="0" dirty="0" err="1">
-                <a:effectLst/>
-                <a:latin typeface="Menlo"/>
-              </a:rPr>
-              <a:t>title</a:t>
-            </a:r>
-            <a:r>
-              <a:rPr lang="es-ES" sz="1800" b="0" i="0" dirty="0">
-                <a:effectLst/>
-                <a:latin typeface="Menlo"/>
-              </a:rPr>
-              <a:t>(</a:t>
-            </a:r>
-            <a:r>
-              <a:rPr lang="es-ES" sz="1800" b="0" i="0" dirty="0">
-                <a:solidFill>
-                  <a:srgbClr val="A709F5"/>
-                </a:solidFill>
-                <a:effectLst/>
-                <a:latin typeface="Menlo"/>
-              </a:rPr>
-              <a:t>'Respuesta en el Dominio Discreto de la Ecuación en Diferencias'</a:t>
-            </a:r>
-            <a:r>
-              <a:rPr lang="es-ES" sz="1800" b="0" i="0" dirty="0">
-                <a:effectLst/>
-                <a:latin typeface="Menlo"/>
-              </a:rPr>
-              <a:t>);</a:t>
-            </a:r>
-          </a:p>
-          <a:p>
-            <a:r>
-              <a:rPr lang="es-ES" sz="1800" b="0" i="0" dirty="0" err="1">
-                <a:effectLst/>
-                <a:latin typeface="Menlo"/>
-              </a:rPr>
-              <a:t>xlabel</a:t>
-            </a:r>
-            <a:r>
-              <a:rPr lang="es-ES" sz="1800" b="0" i="0" dirty="0">
-                <a:effectLst/>
-                <a:latin typeface="Menlo"/>
-              </a:rPr>
-              <a:t>(</a:t>
-            </a:r>
-            <a:r>
-              <a:rPr lang="es-ES" sz="1800" b="0" i="0" dirty="0">
-                <a:solidFill>
-                  <a:srgbClr val="A709F5"/>
-                </a:solidFill>
-                <a:effectLst/>
-                <a:latin typeface="Menlo"/>
-              </a:rPr>
-              <a:t>'k (Índice de tiempo discreto)'</a:t>
-            </a:r>
-            <a:r>
-              <a:rPr lang="es-ES" sz="1800" b="0" i="0" dirty="0">
-                <a:effectLst/>
-                <a:latin typeface="Menlo"/>
-              </a:rPr>
-              <a:t>);</a:t>
-            </a:r>
-          </a:p>
-          <a:p>
-            <a:r>
-              <a:rPr lang="es-ES" sz="1800" b="0" i="0" dirty="0" err="1">
-                <a:effectLst/>
-                <a:latin typeface="Menlo"/>
-              </a:rPr>
-              <a:t>ylabel</a:t>
-            </a:r>
-            <a:r>
-              <a:rPr lang="es-ES" sz="1800" b="0" i="0" dirty="0">
-                <a:effectLst/>
-                <a:latin typeface="Menlo"/>
-              </a:rPr>
-              <a:t>(</a:t>
-            </a:r>
-            <a:r>
-              <a:rPr lang="es-ES" sz="1800" b="0" i="0" dirty="0">
-                <a:solidFill>
-                  <a:srgbClr val="A709F5"/>
-                </a:solidFill>
-                <a:effectLst/>
-                <a:latin typeface="Menlo"/>
-              </a:rPr>
-              <a:t>'y[k]'</a:t>
-            </a:r>
-            <a:r>
-              <a:rPr lang="es-ES" sz="1800" b="0" i="0" dirty="0">
-                <a:effectLst/>
-                <a:latin typeface="Menlo"/>
-              </a:rPr>
-              <a:t>);</a:t>
-            </a:r>
-          </a:p>
-          <a:p>
-            <a:r>
-              <a:rPr lang="es-ES" sz="1800" b="0" i="0" dirty="0" err="1">
-                <a:effectLst/>
-                <a:latin typeface="Menlo"/>
-              </a:rPr>
-              <a:t>grid</a:t>
-            </a:r>
-            <a:r>
-              <a:rPr lang="es-ES" sz="1800" b="0" i="0" dirty="0">
-                <a:effectLst/>
-                <a:latin typeface="Menlo"/>
-              </a:rPr>
-              <a:t> </a:t>
-            </a:r>
-            <a:r>
-              <a:rPr lang="es-ES" sz="1800" b="0" i="0" dirty="0" err="1">
-                <a:solidFill>
-                  <a:srgbClr val="A709F5"/>
-                </a:solidFill>
-                <a:effectLst/>
-                <a:latin typeface="Menlo"/>
-              </a:rPr>
-              <a:t>on</a:t>
-            </a:r>
-            <a:r>
-              <a:rPr lang="es-ES" sz="1800" b="0" i="0" dirty="0">
-                <a:effectLst/>
-                <a:latin typeface="Menlo"/>
-              </a:rPr>
-              <a:t>;</a:t>
-            </a:r>
-          </a:p>
-          <a:p>
-            <a:br>
-              <a:rPr lang="es-ES" sz="1800" b="0" i="0" dirty="0">
-                <a:effectLst/>
-                <a:latin typeface="Menlo"/>
-              </a:rPr>
-            </a:br>
-            <a:endParaRPr lang="es-ES" sz="1800" b="0" i="0" dirty="0">
-              <a:effectLst/>
-              <a:latin typeface="Menlo"/>
-            </a:endParaRPr>
-          </a:p>
-          <a:p>
-            <a:endParaRPr lang="en-US" dirty="0"/>
-          </a:p>
-        </p:txBody>
-      </p:sp>
-      <p:sp>
-        <p:nvSpPr>
-          <p:cNvPr id="4" name="Marcador de número de diapositiva 3"/>
-          <p:cNvSpPr>
-            <a:spLocks noGrp="1"/>
-          </p:cNvSpPr>
-          <p:nvPr>
-            <p:ph type="sldNum" sz="quarter" idx="5"/>
-          </p:nvPr>
-        </p:nvSpPr>
-        <p:spPr/>
-        <p:txBody>
-          <a:bodyPr/>
-          <a:lstStyle/>
-          <a:p>
-            <a:pPr>
-              <a:defRPr/>
-            </a:pPr>
-            <a:fld id="{2D1E0FDF-8C6F-43B4-8722-700C06D0C414}" type="slidenum">
-              <a:rPr lang="es-CO" altLang="es-CO" smtClean="0"/>
-              <a:pPr>
-                <a:defRPr/>
-              </a:pPr>
-              <a:t>22</a:t>
-            </a:fld>
-            <a:endParaRPr lang="es-CO" altLang="es-CO"/>
-          </a:p>
-        </p:txBody>
-      </p:sp>
-    </p:spTree>
-    <p:extLst>
-      <p:ext uri="{BB962C8B-B14F-4D97-AF65-F5344CB8AC3E}">
-        <p14:creationId xmlns:p14="http://schemas.microsoft.com/office/powerpoint/2010/main" val="1221787298"/>
       </p:ext>
     </p:extLst>
   </p:cSld>
@@ -5327,259 +4115,6 @@
           </a:bodyPr>
           <a:lstStyle/>
           <a:p>
-            <a:r>
-              <a:rPr lang="es-CO" sz="1800" b="0" i="0" dirty="0">
-                <a:solidFill>
-                  <a:srgbClr val="008013"/>
-                </a:solidFill>
-                <a:effectLst/>
-                <a:latin typeface="Menlo"/>
-              </a:rPr>
-              <a:t>% 0 --&gt; parte real 1--&gt;Z coeficiente de z</a:t>
-            </a:r>
-            <a:endParaRPr lang="es-CO" sz="1800" b="0" i="0" dirty="0">
-              <a:effectLst/>
-              <a:latin typeface="Menlo"/>
-            </a:endParaRPr>
-          </a:p>
-          <a:p>
-            <a:r>
-              <a:rPr lang="es-CO" sz="1800" b="0" i="0" dirty="0">
-                <a:effectLst/>
-                <a:latin typeface="Menlo"/>
-              </a:rPr>
-              <a:t>b1 = [0 1];</a:t>
-            </a:r>
-          </a:p>
-          <a:p>
-            <a:r>
-              <a:rPr lang="es-CO" sz="1800" b="0" i="0" dirty="0">
-                <a:solidFill>
-                  <a:srgbClr val="008013"/>
-                </a:solidFill>
-                <a:effectLst/>
-                <a:latin typeface="Menlo"/>
-              </a:rPr>
-              <a:t>% 1 --&gt; parte real coeficiente -1--&gt;Z </a:t>
-            </a:r>
-            <a:endParaRPr lang="es-CO" sz="1800" b="0" i="0" dirty="0">
-              <a:effectLst/>
-              <a:latin typeface="Menlo"/>
-            </a:endParaRPr>
-          </a:p>
-          <a:p>
-            <a:r>
-              <a:rPr lang="es-CO" sz="1800" b="0" i="0" dirty="0">
-                <a:effectLst/>
-                <a:latin typeface="Menlo"/>
-              </a:rPr>
-              <a:t>a1 = [1 -1];</a:t>
-            </a:r>
-          </a:p>
-          <a:p>
-            <a:r>
-              <a:rPr lang="es-CO" sz="1800" b="0" i="0" dirty="0">
-                <a:solidFill>
-                  <a:srgbClr val="008013"/>
-                </a:solidFill>
-                <a:effectLst/>
-                <a:latin typeface="Menlo"/>
-              </a:rPr>
-              <a:t>% 1 --&gt; parte real coeficiente 0.5--&gt;Z coeficiente 0.2--&gt;Z^2</a:t>
-            </a:r>
-            <a:endParaRPr lang="es-CO" sz="1800" b="0" i="0" dirty="0">
-              <a:effectLst/>
-              <a:latin typeface="Menlo"/>
-            </a:endParaRPr>
-          </a:p>
-          <a:p>
-            <a:r>
-              <a:rPr lang="es-CO" sz="1800" b="0" i="0" dirty="0">
-                <a:effectLst/>
-                <a:latin typeface="Menlo"/>
-              </a:rPr>
-              <a:t>a2 = [1 0.5 0.2];</a:t>
-            </a:r>
-          </a:p>
-          <a:p>
-            <a:r>
-              <a:rPr lang="es-CO" sz="1800" b="0" i="0" dirty="0">
-                <a:effectLst/>
-                <a:latin typeface="Menlo"/>
-              </a:rPr>
-              <a:t>b = b1;</a:t>
-            </a:r>
-          </a:p>
-          <a:p>
-            <a:r>
-              <a:rPr lang="es-CO" sz="1800" b="0" i="0" dirty="0">
-                <a:effectLst/>
-                <a:latin typeface="Menlo"/>
-              </a:rPr>
-              <a:t>a = </a:t>
-            </a:r>
-            <a:r>
-              <a:rPr lang="es-CO" sz="1800" b="0" i="0" dirty="0" err="1">
-                <a:effectLst/>
-                <a:latin typeface="Menlo"/>
-              </a:rPr>
-              <a:t>conv</a:t>
-            </a:r>
-            <a:r>
-              <a:rPr lang="es-CO" sz="1800" b="0" i="0" dirty="0">
-                <a:effectLst/>
-                <a:latin typeface="Menlo"/>
-              </a:rPr>
-              <a:t>(a1,a2);</a:t>
-            </a:r>
-          </a:p>
-          <a:p>
-            <a:r>
-              <a:rPr lang="es-CO" sz="1800" b="0" i="0" dirty="0">
-                <a:effectLst/>
-                <a:latin typeface="Menlo"/>
-              </a:rPr>
-              <a:t>[</a:t>
-            </a:r>
-            <a:r>
-              <a:rPr lang="es-CO" sz="1800" b="0" i="0" dirty="0" err="1">
-                <a:effectLst/>
-                <a:latin typeface="Menlo"/>
-              </a:rPr>
-              <a:t>r,p,k</a:t>
-            </a:r>
-            <a:r>
-              <a:rPr lang="es-CO" sz="1800" b="0" i="0" dirty="0">
-                <a:effectLst/>
-                <a:latin typeface="Menlo"/>
-              </a:rPr>
-              <a:t>] = </a:t>
-            </a:r>
-            <a:r>
-              <a:rPr lang="es-CO" sz="1800" b="0" i="0" dirty="0" err="1">
-                <a:effectLst/>
-                <a:latin typeface="Menlo"/>
-              </a:rPr>
-              <a:t>residuez</a:t>
-            </a:r>
-            <a:r>
-              <a:rPr lang="es-CO" sz="1800" b="0" i="0" dirty="0">
-                <a:effectLst/>
-                <a:latin typeface="Menlo"/>
-              </a:rPr>
-              <a:t>(</a:t>
-            </a:r>
-            <a:r>
-              <a:rPr lang="es-CO" sz="1800" b="0" i="0" dirty="0" err="1">
-                <a:effectLst/>
-                <a:latin typeface="Menlo"/>
-              </a:rPr>
-              <a:t>b,a</a:t>
-            </a:r>
-            <a:r>
-              <a:rPr lang="es-CO" sz="1800" b="0" i="0" dirty="0">
-                <a:effectLst/>
-                <a:latin typeface="Menlo"/>
-              </a:rPr>
-              <a:t>)</a:t>
-            </a:r>
-          </a:p>
-          <a:p>
-            <a:br>
-              <a:rPr lang="es-CO" sz="1800" b="0" i="0" dirty="0">
-                <a:effectLst/>
-                <a:latin typeface="Menlo"/>
-              </a:rPr>
-            </a:br>
-            <a:endParaRPr lang="es-CO" sz="1800" b="0" i="0" dirty="0">
-              <a:effectLst/>
-              <a:latin typeface="Menlo"/>
-            </a:endParaRPr>
-          </a:p>
-          <a:p>
-            <a:br>
-              <a:rPr lang="es-CO" sz="1800" b="0" i="0" dirty="0">
-                <a:effectLst/>
-                <a:latin typeface="Menlo"/>
-              </a:rPr>
-            </a:br>
-            <a:endParaRPr lang="es-CO" sz="1800" b="0" i="0" dirty="0">
-              <a:effectLst/>
-              <a:latin typeface="Menlo"/>
-            </a:endParaRPr>
-          </a:p>
-          <a:p>
-            <a:r>
-              <a:rPr lang="es-CO" sz="1800" b="0" i="0" dirty="0">
-                <a:solidFill>
-                  <a:srgbClr val="008013"/>
-                </a:solidFill>
-                <a:effectLst/>
-                <a:latin typeface="Menlo"/>
-              </a:rPr>
-              <a:t>%%</a:t>
-            </a:r>
-            <a:endParaRPr lang="es-CO" sz="1800" b="0" i="0" dirty="0">
-              <a:effectLst/>
-              <a:latin typeface="Menlo"/>
-            </a:endParaRPr>
-          </a:p>
-          <a:p>
-            <a:r>
-              <a:rPr lang="es-CO" sz="1800" b="0" i="0" dirty="0" err="1">
-                <a:effectLst/>
-                <a:latin typeface="Menlo"/>
-              </a:rPr>
-              <a:t>syms</a:t>
-            </a:r>
-            <a:r>
-              <a:rPr lang="es-CO" sz="1800" b="0" i="0" dirty="0">
-                <a:effectLst/>
-                <a:latin typeface="Menlo"/>
-              </a:rPr>
-              <a:t> </a:t>
-            </a:r>
-            <a:r>
-              <a:rPr lang="es-CO" sz="1800" b="0" i="0" dirty="0">
-                <a:solidFill>
-                  <a:srgbClr val="A709F5"/>
-                </a:solidFill>
-                <a:effectLst/>
-                <a:latin typeface="Menlo"/>
-              </a:rPr>
-              <a:t>z</a:t>
-            </a:r>
-            <a:endParaRPr lang="es-CO" sz="1800" b="0" i="0" dirty="0">
-              <a:effectLst/>
-              <a:latin typeface="Menlo"/>
-            </a:endParaRPr>
-          </a:p>
-          <a:p>
-            <a:r>
-              <a:rPr lang="es-CO" sz="1800" b="0" i="0" dirty="0">
-                <a:effectLst/>
-                <a:latin typeface="Menlo"/>
-              </a:rPr>
-              <a:t>F = (0.5882/(1-(1.0000 + 0.0000i)*z^(-1)));</a:t>
-            </a:r>
-          </a:p>
-          <a:p>
-            <a:r>
-              <a:rPr lang="es-CO" sz="1800" b="0" i="0" dirty="0" err="1">
-                <a:effectLst/>
-                <a:latin typeface="Menlo"/>
-              </a:rPr>
-              <a:t>iztrans</a:t>
-            </a:r>
-            <a:r>
-              <a:rPr lang="es-CO" sz="1800" b="0" i="0" dirty="0">
-                <a:effectLst/>
-                <a:latin typeface="Menlo"/>
-              </a:rPr>
-              <a:t>(F)</a:t>
-            </a:r>
-          </a:p>
-          <a:p>
             <a:br>
               <a:rPr lang="pl-PL" sz="1800" b="0" i="0" dirty="0">
                 <a:effectLst/>
@@ -5696,259 +4231,6 @@
           </a:bodyPr>
           <a:lstStyle/>
           <a:p>
-            <a:r>
-              <a:rPr lang="es-CO" sz="1800" b="0" i="0" dirty="0">
-                <a:solidFill>
-                  <a:srgbClr val="008013"/>
-                </a:solidFill>
-                <a:effectLst/>
-                <a:latin typeface="Menlo"/>
-              </a:rPr>
-              <a:t>% 0 --&gt; parte real 1--&gt;Z</a:t>
-            </a:r>
-            <a:endParaRPr lang="es-CO" sz="1800" b="0" i="0" dirty="0">
-              <a:effectLst/>
-              <a:latin typeface="Menlo"/>
-            </a:endParaRPr>
-          </a:p>
-          <a:p>
-            <a:r>
-              <a:rPr lang="es-CO" sz="1800" b="0" i="0" dirty="0">
-                <a:effectLst/>
-                <a:latin typeface="Menlo"/>
-              </a:rPr>
-              <a:t>b1 = [0 1];</a:t>
-            </a:r>
-          </a:p>
-          <a:p>
-            <a:r>
-              <a:rPr lang="es-CO" sz="1800" b="0" i="0" dirty="0">
-                <a:solidFill>
-                  <a:srgbClr val="008013"/>
-                </a:solidFill>
-                <a:effectLst/>
-                <a:latin typeface="Menlo"/>
-              </a:rPr>
-              <a:t>% 1 --&gt; parte real coeficiente -1--&gt;Z </a:t>
-            </a:r>
-            <a:endParaRPr lang="es-CO" sz="1800" b="0" i="0" dirty="0">
-              <a:effectLst/>
-              <a:latin typeface="Menlo"/>
-            </a:endParaRPr>
-          </a:p>
-          <a:p>
-            <a:r>
-              <a:rPr lang="es-CO" sz="1800" b="0" i="0" dirty="0">
-                <a:effectLst/>
-                <a:latin typeface="Menlo"/>
-              </a:rPr>
-              <a:t>a1 = [1 -1];</a:t>
-            </a:r>
-          </a:p>
-          <a:p>
-            <a:r>
-              <a:rPr lang="es-CO" sz="1800" b="0" i="0" dirty="0">
-                <a:solidFill>
-                  <a:srgbClr val="008013"/>
-                </a:solidFill>
-                <a:effectLst/>
-                <a:latin typeface="Menlo"/>
-              </a:rPr>
-              <a:t>% 1 --&gt; parte real coeficiente 0.5--&gt;Z coeficiente 0.2--&gt;Z^2</a:t>
-            </a:r>
-            <a:endParaRPr lang="es-CO" sz="1800" b="0" i="0" dirty="0">
-              <a:effectLst/>
-              <a:latin typeface="Menlo"/>
-            </a:endParaRPr>
-          </a:p>
-          <a:p>
-            <a:r>
-              <a:rPr lang="es-CO" sz="1800" b="0" i="0" dirty="0">
-                <a:effectLst/>
-                <a:latin typeface="Menlo"/>
-              </a:rPr>
-              <a:t>a2 = [1 0.5 0.2];</a:t>
-            </a:r>
-          </a:p>
-          <a:p>
-            <a:r>
-              <a:rPr lang="es-CO" sz="1800" b="0" i="0" dirty="0">
-                <a:effectLst/>
-                <a:latin typeface="Menlo"/>
-              </a:rPr>
-              <a:t>b = b1;</a:t>
-            </a:r>
-          </a:p>
-          <a:p>
-            <a:r>
-              <a:rPr lang="es-CO" sz="1800" b="0" i="0" dirty="0">
-                <a:effectLst/>
-                <a:latin typeface="Menlo"/>
-              </a:rPr>
-              <a:t>a = </a:t>
-            </a:r>
-            <a:r>
-              <a:rPr lang="es-CO" sz="1800" b="0" i="0" dirty="0" err="1">
-                <a:effectLst/>
-                <a:latin typeface="Menlo"/>
-              </a:rPr>
-              <a:t>conv</a:t>
-            </a:r>
-            <a:r>
-              <a:rPr lang="es-CO" sz="1800" b="0" i="0" dirty="0">
-                <a:effectLst/>
-                <a:latin typeface="Menlo"/>
-              </a:rPr>
-              <a:t>(a1,a2);</a:t>
-            </a:r>
-          </a:p>
-          <a:p>
-            <a:r>
-              <a:rPr lang="es-CO" sz="1800" b="0" i="0" dirty="0">
-                <a:effectLst/>
-                <a:latin typeface="Menlo"/>
-              </a:rPr>
-              <a:t>[</a:t>
-            </a:r>
-            <a:r>
-              <a:rPr lang="es-CO" sz="1800" b="0" i="0" dirty="0" err="1">
-                <a:effectLst/>
-                <a:latin typeface="Menlo"/>
-              </a:rPr>
-              <a:t>r,p,k</a:t>
-            </a:r>
-            <a:r>
-              <a:rPr lang="es-CO" sz="1800" b="0" i="0" dirty="0">
-                <a:effectLst/>
-                <a:latin typeface="Menlo"/>
-              </a:rPr>
-              <a:t>] = </a:t>
-            </a:r>
-            <a:r>
-              <a:rPr lang="es-CO" sz="1800" b="0" i="0" dirty="0" err="1">
-                <a:effectLst/>
-                <a:latin typeface="Menlo"/>
-              </a:rPr>
-              <a:t>residuez</a:t>
-            </a:r>
-            <a:r>
-              <a:rPr lang="es-CO" sz="1800" b="0" i="0" dirty="0">
-                <a:effectLst/>
-                <a:latin typeface="Menlo"/>
-              </a:rPr>
-              <a:t>(</a:t>
-            </a:r>
-            <a:r>
-              <a:rPr lang="es-CO" sz="1800" b="0" i="0" dirty="0" err="1">
-                <a:effectLst/>
-                <a:latin typeface="Menlo"/>
-              </a:rPr>
-              <a:t>b,a</a:t>
-            </a:r>
-            <a:r>
-              <a:rPr lang="es-CO" sz="1800" b="0" i="0" dirty="0">
-                <a:effectLst/>
-                <a:latin typeface="Menlo"/>
-              </a:rPr>
-              <a:t>)</a:t>
-            </a:r>
-          </a:p>
-          <a:p>
-            <a:br>
-              <a:rPr lang="es-CO" sz="1800" b="0" i="0" dirty="0">
-                <a:effectLst/>
-                <a:latin typeface="Menlo"/>
-              </a:rPr>
-            </a:br>
-            <a:endParaRPr lang="es-CO" sz="1800" b="0" i="0" dirty="0">
-              <a:effectLst/>
-              <a:latin typeface="Menlo"/>
-            </a:endParaRPr>
-          </a:p>
-          <a:p>
-            <a:br>
-              <a:rPr lang="es-CO" sz="1800" b="0" i="0" dirty="0">
-                <a:effectLst/>
-                <a:latin typeface="Menlo"/>
-              </a:rPr>
-            </a:br>
-            <a:endParaRPr lang="es-CO" sz="1800" b="0" i="0" dirty="0">
-              <a:effectLst/>
-              <a:latin typeface="Menlo"/>
-            </a:endParaRPr>
-          </a:p>
-          <a:p>
-            <a:r>
-              <a:rPr lang="es-CO" sz="1800" b="0" i="0" dirty="0">
-                <a:solidFill>
-                  <a:srgbClr val="008013"/>
-                </a:solidFill>
-                <a:effectLst/>
-                <a:latin typeface="Menlo"/>
-              </a:rPr>
-              <a:t>%%</a:t>
-            </a:r>
-            <a:endParaRPr lang="es-CO" sz="1800" b="0" i="0" dirty="0">
-              <a:effectLst/>
-              <a:latin typeface="Menlo"/>
-            </a:endParaRPr>
-          </a:p>
-          <a:p>
-            <a:r>
-              <a:rPr lang="es-CO" sz="1800" b="0" i="0" dirty="0" err="1">
-                <a:effectLst/>
-                <a:latin typeface="Menlo"/>
-              </a:rPr>
-              <a:t>syms</a:t>
-            </a:r>
-            <a:r>
-              <a:rPr lang="es-CO" sz="1800" b="0" i="0" dirty="0">
-                <a:effectLst/>
-                <a:latin typeface="Menlo"/>
-              </a:rPr>
-              <a:t> </a:t>
-            </a:r>
-            <a:r>
-              <a:rPr lang="es-CO" sz="1800" b="0" i="0" dirty="0">
-                <a:solidFill>
-                  <a:srgbClr val="A709F5"/>
-                </a:solidFill>
-                <a:effectLst/>
-                <a:latin typeface="Menlo"/>
-              </a:rPr>
-              <a:t>z</a:t>
-            </a:r>
-            <a:endParaRPr lang="es-CO" sz="1800" b="0" i="0" dirty="0">
-              <a:effectLst/>
-              <a:latin typeface="Menlo"/>
-            </a:endParaRPr>
-          </a:p>
-          <a:p>
-            <a:r>
-              <a:rPr lang="es-CO" sz="1800" b="0" i="0" dirty="0">
-                <a:effectLst/>
-                <a:latin typeface="Menlo"/>
-              </a:rPr>
-              <a:t>F = (0.5882/(1-(1.0000 + 0.0000i)*z^(-1)));</a:t>
-            </a:r>
-          </a:p>
-          <a:p>
-            <a:r>
-              <a:rPr lang="es-CO" sz="1800" b="0" i="0" dirty="0" err="1">
-                <a:effectLst/>
-                <a:latin typeface="Menlo"/>
-              </a:rPr>
-              <a:t>iztrans</a:t>
-            </a:r>
-            <a:r>
-              <a:rPr lang="es-CO" sz="1800" b="0" i="0" dirty="0">
-                <a:effectLst/>
-                <a:latin typeface="Menlo"/>
-              </a:rPr>
-              <a:t>(F)</a:t>
-            </a:r>
-          </a:p>
-          <a:p>
             <a:br>
               <a:rPr lang="pl-PL" sz="1800" b="0" i="0" dirty="0">
                 <a:effectLst/>
@@ -6000,7 +4282,7 @@
               <a:pPr>
                 <a:defRPr/>
               </a:pPr>
-              <a:t>19</a:t>
+              <a:t>18</a:t>
             </a:fld>
             <a:endParaRPr lang="es-CO" altLang="es-CO"/>
           </a:p>
@@ -18578,11 +16860,11 @@
             </a:r>
             <a:r>
               <a:rPr lang="es-CO" dirty="0" err="1"/>
-              <a:t>residuez</a:t>
+              <a:t>residue</a:t>
             </a:r>
             <a:r>
               <a:rPr lang="es-CO" dirty="0"/>
-              <a:t>) realice la expansión en fracciones parciales de la transformada z.</a:t>
+              <a:t>) realice la expansión en fracciones parciales.</a:t>
             </a:r>
             <a:endParaRPr lang="en-US" dirty="0"/>
           </a:p>
@@ -18661,7 +16943,7 @@
         </p:blipFill>
         <p:spPr>
           <a:xfrm>
-            <a:off x="1323498" y="5326166"/>
+            <a:off x="1359502" y="5271811"/>
             <a:ext cx="6497004" cy="1214012"/>
           </a:xfrm>
           <a:prstGeom prst="rect">
@@ -18683,340 +16965,6 @@
 </file>
 
 <file path=ppt/slides/slide18.xml><?xml version="1.0" encoding="utf-8"?>
-<p:sld xmlns:a="http://schemas.openxmlformats.org/drawingml/2006/main" xmlns:r="http://schemas.openxmlformats.org/officeDocument/2006/relationships" xmlns:p="http://schemas.openxmlformats.org/presentationml/2006/main">
-  <p:cSld>
-    <p:spTree>
-      <p:nvGrpSpPr>
-        <p:cNvPr id="1" name=""/>
-        <p:cNvGrpSpPr/>
-        <p:nvPr/>
-      </p:nvGrpSpPr>
-      <p:grpSpPr>
-        <a:xfrm>
-          <a:off x="0" y="0"/>
-          <a:ext cx="0" cy="0"/>
-          <a:chOff x="0" y="0"/>
-          <a:chExt cx="0" cy="0"/>
-        </a:xfrm>
-      </p:grpSpPr>
-      <mc:AlternateContent xmlns:mc="http://schemas.openxmlformats.org/markup-compatibility/2006" xmlns:a14="http://schemas.microsoft.com/office/drawing/2010/main">
-        <mc:Choice Requires="a14">
-          <p:sp>
-            <p:nvSpPr>
-              <p:cNvPr id="5" name="CuadroTexto 4">
-                <a:extLst>
-                  <a:ext uri="{FF2B5EF4-FFF2-40B4-BE49-F238E27FC236}">
-                    <a16:creationId xmlns:a16="http://schemas.microsoft.com/office/drawing/2014/main" id="{4FC2DDF8-45E0-562C-3FF0-CC07E9459A24}"/>
-                  </a:ext>
-                </a:extLst>
-              </p:cNvPr>
-              <p:cNvSpPr txBox="1"/>
-              <p:nvPr/>
-            </p:nvSpPr>
-            <p:spPr>
-              <a:xfrm>
-                <a:off x="2249088" y="2877681"/>
-                <a:ext cx="4645824" cy="438646"/>
-              </a:xfrm>
-              <a:prstGeom prst="rect">
-                <a:avLst/>
-              </a:prstGeom>
-              <a:noFill/>
-            </p:spPr>
-            <p:txBody>
-              <a:bodyPr wrap="none" lIns="0" tIns="0" rIns="0" bIns="0" rtlCol="0">
-                <a:spAutoFit/>
-              </a:bodyPr>
-              <a:lstStyle/>
-              <a:p>
-                <a:r>
-                  <a:rPr lang="es-CO" b="0" dirty="0"/>
-                  <a:t>Y(z)=</a:t>
-                </a:r>
-                <a14:m>
-                  <m:oMath xmlns:m="http://schemas.openxmlformats.org/officeDocument/2006/math">
-                    <m:f>
-                      <m:fPr>
-                        <m:ctrlPr>
-                          <a:rPr lang="es-CO" b="0" i="1" smtClean="0">
-                            <a:latin typeface="Cambria Math" panose="02040503050406030204" pitchFamily="18" charset="0"/>
-                          </a:rPr>
-                        </m:ctrlPr>
-                      </m:fPr>
-                      <m:num>
-                        <m:r>
-                          <a:rPr lang="es-CO" b="0" i="1" smtClean="0">
-                            <a:latin typeface="Cambria Math" panose="02040503050406030204" pitchFamily="18" charset="0"/>
-                          </a:rPr>
-                          <m:t>0,588</m:t>
-                        </m:r>
-                      </m:num>
-                      <m:den>
-                        <m:sSup>
-                          <m:sSupPr>
-                            <m:ctrlPr>
-                              <a:rPr lang="es-CO" b="0" i="1" smtClean="0">
-                                <a:latin typeface="Cambria Math" panose="02040503050406030204" pitchFamily="18" charset="0"/>
-                              </a:rPr>
-                            </m:ctrlPr>
-                          </m:sSupPr>
-                          <m:e>
-                            <m:r>
-                              <a:rPr lang="es-CO" i="1">
-                                <a:latin typeface="Cambria Math" panose="02040503050406030204" pitchFamily="18" charset="0"/>
-                              </a:rPr>
-                              <m:t>1−</m:t>
-                            </m:r>
-                            <m:r>
-                              <a:rPr lang="es-CO" b="0" i="1" smtClean="0">
-                                <a:latin typeface="Cambria Math" panose="02040503050406030204" pitchFamily="18" charset="0"/>
-                              </a:rPr>
-                              <m:t>1∗</m:t>
-                            </m:r>
-                            <m:r>
-                              <a:rPr lang="es-CO" b="0" i="1" smtClean="0">
-                                <a:latin typeface="Cambria Math" panose="02040503050406030204" pitchFamily="18" charset="0"/>
-                              </a:rPr>
-                              <m:t>𝑧</m:t>
-                            </m:r>
-                          </m:e>
-                          <m:sup>
-                            <m:r>
-                              <a:rPr lang="es-CO" b="0" i="1" smtClean="0">
-                                <a:latin typeface="Cambria Math" panose="02040503050406030204" pitchFamily="18" charset="0"/>
-                              </a:rPr>
-                              <m:t>−1</m:t>
-                            </m:r>
-                          </m:sup>
-                        </m:sSup>
-                      </m:den>
-                    </m:f>
-                    <m:r>
-                      <a:rPr lang="es-CO" b="0" i="1" smtClean="0">
-                        <a:latin typeface="Cambria Math" panose="02040503050406030204" pitchFamily="18" charset="0"/>
-                      </a:rPr>
-                      <m:t>+</m:t>
-                    </m:r>
-                    <m:f>
-                      <m:fPr>
-                        <m:ctrlPr>
-                          <a:rPr lang="es-CO" b="0" i="1" smtClean="0">
-                            <a:latin typeface="Cambria Math" panose="02040503050406030204" pitchFamily="18" charset="0"/>
-                          </a:rPr>
-                        </m:ctrlPr>
-                      </m:fPr>
-                      <m:num>
-                        <m:r>
-                          <a:rPr lang="es-CO" b="0" i="1" smtClean="0">
-                            <a:latin typeface="Cambria Math" panose="02040503050406030204" pitchFamily="18" charset="0"/>
-                          </a:rPr>
-                          <m:t>−0,2941−0,3569</m:t>
-                        </m:r>
-                        <m:r>
-                          <a:rPr lang="es-CO" b="0" i="1" smtClean="0">
-                            <a:latin typeface="Cambria Math" panose="02040503050406030204" pitchFamily="18" charset="0"/>
-                          </a:rPr>
-                          <m:t>𝑖</m:t>
-                        </m:r>
-                      </m:num>
-                      <m:den>
-                        <m:r>
-                          <a:rPr lang="es-CO" b="0" i="1" smtClean="0">
-                            <a:latin typeface="Cambria Math" panose="02040503050406030204" pitchFamily="18" charset="0"/>
-                          </a:rPr>
-                          <m:t>1−</m:t>
-                        </m:r>
-                        <m:sSup>
-                          <m:sSupPr>
-                            <m:ctrlPr>
-                              <a:rPr lang="es-CO" b="0" i="1" smtClean="0">
-                                <a:latin typeface="Cambria Math" panose="02040503050406030204" pitchFamily="18" charset="0"/>
-                              </a:rPr>
-                            </m:ctrlPr>
-                          </m:sSupPr>
-                          <m:e>
-                            <m:r>
-                              <a:rPr lang="es-CO" b="0" i="1" smtClean="0">
-                                <a:latin typeface="Cambria Math" panose="02040503050406030204" pitchFamily="18" charset="0"/>
-                              </a:rPr>
-                              <m:t>𝑧</m:t>
-                            </m:r>
-                          </m:e>
-                          <m:sup>
-                            <m:r>
-                              <a:rPr lang="es-CO" b="0" i="1" smtClean="0">
-                                <a:latin typeface="Cambria Math" panose="02040503050406030204" pitchFamily="18" charset="0"/>
-                              </a:rPr>
-                              <m:t>−1</m:t>
-                            </m:r>
-                          </m:sup>
-                        </m:sSup>
-                        <m:r>
-                          <a:rPr lang="es-CO" b="0" i="1" smtClean="0">
-                            <a:latin typeface="Cambria Math" panose="02040503050406030204" pitchFamily="18" charset="0"/>
-                          </a:rPr>
-                          <m:t>(−,25+,37</m:t>
-                        </m:r>
-                        <m:r>
-                          <a:rPr lang="es-CO" b="0" i="1" smtClean="0">
-                            <a:latin typeface="Cambria Math" panose="02040503050406030204" pitchFamily="18" charset="0"/>
-                          </a:rPr>
-                          <m:t>𝑖</m:t>
-                        </m:r>
-                        <m:r>
-                          <a:rPr lang="es-CO" b="0" i="1" smtClean="0">
-                            <a:latin typeface="Cambria Math" panose="02040503050406030204" pitchFamily="18" charset="0"/>
-                          </a:rPr>
-                          <m:t>)</m:t>
-                        </m:r>
-                      </m:den>
-                    </m:f>
-                    <m:r>
-                      <a:rPr lang="es-CO" b="0" i="1" smtClean="0">
-                        <a:latin typeface="Cambria Math" panose="02040503050406030204" pitchFamily="18" charset="0"/>
-                      </a:rPr>
-                      <m:t>+</m:t>
-                    </m:r>
-                    <m:f>
-                      <m:fPr>
-                        <m:ctrlPr>
-                          <a:rPr lang="es-CO" b="0" i="1" smtClean="0">
-                            <a:latin typeface="Cambria Math" panose="02040503050406030204" pitchFamily="18" charset="0"/>
-                          </a:rPr>
-                        </m:ctrlPr>
-                      </m:fPr>
-                      <m:num>
-                        <m:r>
-                          <a:rPr lang="es-CO" b="0" i="1" smtClean="0">
-                            <a:latin typeface="Cambria Math" panose="02040503050406030204" pitchFamily="18" charset="0"/>
-                          </a:rPr>
-                          <m:t>−0,2941+0,3569</m:t>
-                        </m:r>
-                        <m:r>
-                          <a:rPr lang="es-CO" b="0" i="1" smtClean="0">
-                            <a:latin typeface="Cambria Math" panose="02040503050406030204" pitchFamily="18" charset="0"/>
-                          </a:rPr>
-                          <m:t>𝑖</m:t>
-                        </m:r>
-                      </m:num>
-                      <m:den>
-                        <m:r>
-                          <a:rPr lang="es-CO" b="0" i="1" smtClean="0">
-                            <a:latin typeface="Cambria Math" panose="02040503050406030204" pitchFamily="18" charset="0"/>
-                          </a:rPr>
-                          <m:t>1−</m:t>
-                        </m:r>
-                        <m:sSup>
-                          <m:sSupPr>
-                            <m:ctrlPr>
-                              <a:rPr lang="es-CO" b="0" i="1" smtClean="0">
-                                <a:latin typeface="Cambria Math" panose="02040503050406030204" pitchFamily="18" charset="0"/>
-                              </a:rPr>
-                            </m:ctrlPr>
-                          </m:sSupPr>
-                          <m:e>
-                            <m:r>
-                              <a:rPr lang="es-CO" b="0" i="1" smtClean="0">
-                                <a:latin typeface="Cambria Math" panose="02040503050406030204" pitchFamily="18" charset="0"/>
-                              </a:rPr>
-                              <m:t>𝑧</m:t>
-                            </m:r>
-                          </m:e>
-                          <m:sup>
-                            <m:r>
-                              <a:rPr lang="es-CO" b="0" i="1" smtClean="0">
-                                <a:latin typeface="Cambria Math" panose="02040503050406030204" pitchFamily="18" charset="0"/>
-                              </a:rPr>
-                              <m:t>−1</m:t>
-                            </m:r>
-                          </m:sup>
-                        </m:sSup>
-                        <m:r>
-                          <a:rPr lang="es-CO" b="0" i="1" smtClean="0">
-                            <a:latin typeface="Cambria Math" panose="02040503050406030204" pitchFamily="18" charset="0"/>
-                          </a:rPr>
-                          <m:t>(−,25−0,37</m:t>
-                        </m:r>
-                        <m:r>
-                          <a:rPr lang="es-CO" b="0" i="1" smtClean="0">
-                            <a:latin typeface="Cambria Math" panose="02040503050406030204" pitchFamily="18" charset="0"/>
-                          </a:rPr>
-                          <m:t>𝑖</m:t>
-                        </m:r>
-                        <m:r>
-                          <a:rPr lang="es-CO" b="0" i="1" smtClean="0">
-                            <a:latin typeface="Cambria Math" panose="02040503050406030204" pitchFamily="18" charset="0"/>
-                          </a:rPr>
-                          <m:t>)</m:t>
-                        </m:r>
-                      </m:den>
-                    </m:f>
-                  </m:oMath>
-                </a14:m>
-                <a:endParaRPr lang="en-US" dirty="0"/>
-              </a:p>
-            </p:txBody>
-          </p:sp>
-        </mc:Choice>
-        <mc:Fallback xmlns="">
-          <p:sp>
-            <p:nvSpPr>
-              <p:cNvPr id="5" name="CuadroTexto 4">
-                <a:extLst>
-                  <a:ext uri="{FF2B5EF4-FFF2-40B4-BE49-F238E27FC236}">
-                    <a16:creationId xmlns:a16="http://schemas.microsoft.com/office/drawing/2014/main" id="{4FC2DDF8-45E0-562C-3FF0-CC07E9459A24}"/>
-                  </a:ext>
-                </a:extLst>
-              </p:cNvPr>
-              <p:cNvSpPr txBox="1">
-                <a:spLocks noRot="1" noChangeAspect="1" noMove="1" noResize="1" noEditPoints="1" noAdjustHandles="1" noChangeArrowheads="1" noChangeShapeType="1" noTextEdit="1"/>
-              </p:cNvSpPr>
-              <p:nvPr/>
-            </p:nvSpPr>
-            <p:spPr>
-              <a:xfrm>
-                <a:off x="2249088" y="2877681"/>
-                <a:ext cx="4645824" cy="438646"/>
-              </a:xfrm>
-              <a:prstGeom prst="rect">
-                <a:avLst/>
-              </a:prstGeom>
-              <a:blipFill>
-                <a:blip r:embed="rId2"/>
-                <a:stretch>
-                  <a:fillRect l="-3150" t="-2778" r="-1050" b="-18056"/>
-                </a:stretch>
-              </a:blipFill>
-            </p:spPr>
-            <p:txBody>
-              <a:bodyPr/>
-              <a:lstStyle/>
-              <a:p>
-                <a:r>
-                  <a:rPr lang="es-CO">
-                    <a:noFill/>
-                  </a:rPr>
-                  <a:t> </a:t>
-                </a:r>
-              </a:p>
-            </p:txBody>
-          </p:sp>
-        </mc:Fallback>
-      </mc:AlternateContent>
-    </p:spTree>
-    <p:extLst>
-      <p:ext uri="{BB962C8B-B14F-4D97-AF65-F5344CB8AC3E}">
-        <p14:creationId xmlns:p14="http://schemas.microsoft.com/office/powerpoint/2010/main" val="1787319643"/>
-      </p:ext>
-    </p:extLst>
-  </p:cSld>
-  <p:clrMapOvr>
-    <a:masterClrMapping/>
-  </p:clrMapOvr>
-</p:sld>
-</file>
-
-<file path=ppt/slides/slide19.xml><?xml version="1.0" encoding="utf-8"?>
 <p:sld xmlns:a="http://schemas.openxmlformats.org/drawingml/2006/main" xmlns:r="http://schemas.openxmlformats.org/officeDocument/2006/relationships" xmlns:p="http://schemas.openxmlformats.org/presentationml/2006/main">
   <p:cSld>
     <p:spTree>
@@ -19784,7 +17732,7 @@
         </p:blipFill>
         <p:spPr>
           <a:xfrm>
-            <a:off x="2267744" y="3985901"/>
+            <a:off x="2267744" y="3877993"/>
             <a:ext cx="3820058" cy="1810003"/>
           </a:xfrm>
           <a:prstGeom prst="rect">
@@ -19874,6 +17822,1348 @@
     <p:extLst>
       <p:ext uri="{BB962C8B-B14F-4D97-AF65-F5344CB8AC3E}">
         <p14:creationId xmlns:p14="http://schemas.microsoft.com/office/powerpoint/2010/main" val="2173724309"/>
+      </p:ext>
+    </p:extLst>
+  </p:cSld>
+  <p:clrMapOvr>
+    <a:masterClrMapping/>
+  </p:clrMapOvr>
+</p:sld>
+</file>
+
+<file path=ppt/slides/slide19.xml><?xml version="1.0" encoding="utf-8"?>
+<p:sld xmlns:a="http://schemas.openxmlformats.org/drawingml/2006/main" xmlns:r="http://schemas.openxmlformats.org/officeDocument/2006/relationships" xmlns:p="http://schemas.openxmlformats.org/presentationml/2006/main">
+  <p:cSld>
+    <p:spTree>
+      <p:nvGrpSpPr>
+        <p:cNvPr id="1" name=""/>
+        <p:cNvGrpSpPr/>
+        <p:nvPr/>
+      </p:nvGrpSpPr>
+      <p:grpSpPr>
+        <a:xfrm>
+          <a:off x="0" y="0"/>
+          <a:ext cx="0" cy="0"/>
+          <a:chOff x="0" y="0"/>
+          <a:chExt cx="0" cy="0"/>
+        </a:xfrm>
+      </p:grpSpPr>
+      <p:sp>
+        <p:nvSpPr>
+          <p:cNvPr id="10" name="1 Título">
+            <a:extLst>
+              <a:ext uri="{FF2B5EF4-FFF2-40B4-BE49-F238E27FC236}">
+                <a16:creationId xmlns:a16="http://schemas.microsoft.com/office/drawing/2014/main" id="{AF4E183E-A171-4923-A99E-D149888CEC37}"/>
+              </a:ext>
+            </a:extLst>
+          </p:cNvPr>
+          <p:cNvSpPr txBox="1">
+            <a:spLocks/>
+          </p:cNvSpPr>
+          <p:nvPr/>
+        </p:nvSpPr>
+        <p:spPr bwMode="auto">
+          <a:xfrm>
+            <a:off x="0" y="-28575"/>
+            <a:ext cx="779463" cy="720725"/>
+          </a:xfrm>
+          <a:prstGeom prst="rect">
+            <a:avLst/>
+          </a:prstGeom>
+          <a:noFill/>
+          <a:ln>
+            <a:noFill/>
+          </a:ln>
+          <a:extLst>
+            <a:ext uri="{909E8E84-426E-40DD-AFC4-6F175D3DCCD1}">
+              <a14:hiddenFill xmlns:a14="http://schemas.microsoft.com/office/drawing/2010/main">
+                <a:solidFill>
+                  <a:srgbClr val="FFFFFF"/>
+                </a:solidFill>
+              </a14:hiddenFill>
+            </a:ext>
+            <a:ext uri="{91240B29-F687-4F45-9708-019B960494DF}">
+              <a14:hiddenLine xmlns:a14="http://schemas.microsoft.com/office/drawing/2010/main" w="9525">
+                <a:solidFill>
+                  <a:srgbClr val="000000"/>
+                </a:solidFill>
+                <a:miter lim="800000"/>
+                <a:headEnd/>
+                <a:tailEnd/>
+              </a14:hiddenLine>
+            </a:ext>
+          </a:extLst>
+        </p:spPr>
+        <p:txBody>
+          <a:bodyPr vert="horz" wrap="square" lIns="91440" tIns="45720" rIns="91440" bIns="45720" numCol="1" anchor="b" anchorCtr="0" compatLnSpc="1">
+            <a:prstTxWarp prst="textNoShape">
+              <a:avLst/>
+            </a:prstTxWarp>
+          </a:bodyPr>
+          <a:lstStyle>
+            <a:lvl1pPr algn="l" rtl="0" eaLnBrk="0" fontAlgn="base" hangingPunct="0">
+              <a:spcBef>
+                <a:spcPct val="0"/>
+              </a:spcBef>
+              <a:spcAft>
+                <a:spcPct val="0"/>
+              </a:spcAft>
+              <a:defRPr sz="2000" b="1" kern="1200">
+                <a:solidFill>
+                  <a:schemeClr val="tx1"/>
+                </a:solidFill>
+                <a:latin typeface="Arial" pitchFamily="34" charset="0"/>
+                <a:ea typeface="+mj-ea"/>
+                <a:cs typeface="Arial" pitchFamily="34" charset="0"/>
+              </a:defRPr>
+            </a:lvl1pPr>
+            <a:lvl2pPr algn="l" rtl="0" eaLnBrk="0" fontAlgn="base" hangingPunct="0">
+              <a:spcBef>
+                <a:spcPct val="0"/>
+              </a:spcBef>
+              <a:spcAft>
+                <a:spcPct val="0"/>
+              </a:spcAft>
+              <a:defRPr sz="4400">
+                <a:solidFill>
+                  <a:schemeClr val="tx1"/>
+                </a:solidFill>
+                <a:latin typeface="Arial" charset="0"/>
+                <a:cs typeface="Arial" charset="0"/>
+              </a:defRPr>
+            </a:lvl2pPr>
+            <a:lvl3pPr algn="l" rtl="0" eaLnBrk="0" fontAlgn="base" hangingPunct="0">
+              <a:spcBef>
+                <a:spcPct val="0"/>
+              </a:spcBef>
+              <a:spcAft>
+                <a:spcPct val="0"/>
+              </a:spcAft>
+              <a:defRPr sz="4400">
+                <a:solidFill>
+                  <a:schemeClr val="tx1"/>
+                </a:solidFill>
+                <a:latin typeface="Arial" charset="0"/>
+                <a:cs typeface="Arial" charset="0"/>
+              </a:defRPr>
+            </a:lvl3pPr>
+            <a:lvl4pPr algn="l" rtl="0" eaLnBrk="0" fontAlgn="base" hangingPunct="0">
+              <a:spcBef>
+                <a:spcPct val="0"/>
+              </a:spcBef>
+              <a:spcAft>
+                <a:spcPct val="0"/>
+              </a:spcAft>
+              <a:defRPr sz="4400">
+                <a:solidFill>
+                  <a:schemeClr val="tx1"/>
+                </a:solidFill>
+                <a:latin typeface="Arial" charset="0"/>
+                <a:cs typeface="Arial" charset="0"/>
+              </a:defRPr>
+            </a:lvl4pPr>
+            <a:lvl5pPr algn="l" rtl="0" eaLnBrk="0" fontAlgn="base" hangingPunct="0">
+              <a:spcBef>
+                <a:spcPct val="0"/>
+              </a:spcBef>
+              <a:spcAft>
+                <a:spcPct val="0"/>
+              </a:spcAft>
+              <a:defRPr sz="4400">
+                <a:solidFill>
+                  <a:schemeClr val="tx1"/>
+                </a:solidFill>
+                <a:latin typeface="Arial" charset="0"/>
+                <a:cs typeface="Arial" charset="0"/>
+              </a:defRPr>
+            </a:lvl5pPr>
+            <a:lvl6pPr marL="457200" algn="l" rtl="0" fontAlgn="base">
+              <a:spcBef>
+                <a:spcPct val="0"/>
+              </a:spcBef>
+              <a:spcAft>
+                <a:spcPct val="0"/>
+              </a:spcAft>
+              <a:defRPr sz="4400">
+                <a:solidFill>
+                  <a:schemeClr val="tx1"/>
+                </a:solidFill>
+                <a:latin typeface="Arial" charset="0"/>
+                <a:cs typeface="Arial" charset="0"/>
+              </a:defRPr>
+            </a:lvl6pPr>
+            <a:lvl7pPr marL="914400" algn="l" rtl="0" fontAlgn="base">
+              <a:spcBef>
+                <a:spcPct val="0"/>
+              </a:spcBef>
+              <a:spcAft>
+                <a:spcPct val="0"/>
+              </a:spcAft>
+              <a:defRPr sz="4400">
+                <a:solidFill>
+                  <a:schemeClr val="tx1"/>
+                </a:solidFill>
+                <a:latin typeface="Arial" charset="0"/>
+                <a:cs typeface="Arial" charset="0"/>
+              </a:defRPr>
+            </a:lvl7pPr>
+            <a:lvl8pPr marL="1371600" algn="l" rtl="0" fontAlgn="base">
+              <a:spcBef>
+                <a:spcPct val="0"/>
+              </a:spcBef>
+              <a:spcAft>
+                <a:spcPct val="0"/>
+              </a:spcAft>
+              <a:defRPr sz="4400">
+                <a:solidFill>
+                  <a:schemeClr val="tx1"/>
+                </a:solidFill>
+                <a:latin typeface="Arial" charset="0"/>
+                <a:cs typeface="Arial" charset="0"/>
+              </a:defRPr>
+            </a:lvl8pPr>
+            <a:lvl9pPr marL="1828800" algn="l" rtl="0" fontAlgn="base">
+              <a:spcBef>
+                <a:spcPct val="0"/>
+              </a:spcBef>
+              <a:spcAft>
+                <a:spcPct val="0"/>
+              </a:spcAft>
+              <a:defRPr sz="4400">
+                <a:solidFill>
+                  <a:schemeClr val="tx1"/>
+                </a:solidFill>
+                <a:latin typeface="Arial" charset="0"/>
+                <a:cs typeface="Arial" charset="0"/>
+              </a:defRPr>
+            </a:lvl9pPr>
+          </a:lstStyle>
+          <a:p>
+            <a:pPr algn="ctr" eaLnBrk="1" hangingPunct="1"/>
+            <a:r>
+              <a:rPr lang="es-CO" altLang="es-CO" sz="3600" b="0" dirty="0"/>
+              <a:t>19</a:t>
+            </a:r>
+          </a:p>
+        </p:txBody>
+      </p:sp>
+      <p:pic>
+        <p:nvPicPr>
+          <p:cNvPr id="14" name="Picture 4" descr="Programas - Intranet ETITC">
+            <a:extLst>
+              <a:ext uri="{FF2B5EF4-FFF2-40B4-BE49-F238E27FC236}">
+                <a16:creationId xmlns:a16="http://schemas.microsoft.com/office/drawing/2014/main" id="{EC83F540-C4A2-EE56-0418-B8CD7CA17275}"/>
+              </a:ext>
+            </a:extLst>
+          </p:cNvPr>
+          <p:cNvPicPr>
+            <a:picLocks noChangeAspect="1" noChangeArrowheads="1"/>
+          </p:cNvPicPr>
+          <p:nvPr/>
+        </p:nvPicPr>
+        <p:blipFill>
+          <a:blip r:embed="rId3">
+            <a:extLst>
+              <a:ext uri="{28A0092B-C50C-407E-A947-70E740481C1C}">
+                <a14:useLocalDpi xmlns:a14="http://schemas.microsoft.com/office/drawing/2010/main" val="0"/>
+              </a:ext>
+            </a:extLst>
+          </a:blip>
+          <a:srcRect/>
+          <a:stretch>
+            <a:fillRect/>
+          </a:stretch>
+        </p:blipFill>
+        <p:spPr bwMode="auto">
+          <a:xfrm>
+            <a:off x="795338" y="44758"/>
+            <a:ext cx="2483768" cy="794720"/>
+          </a:xfrm>
+          <a:prstGeom prst="rect">
+            <a:avLst/>
+          </a:prstGeom>
+          <a:noFill/>
+          <a:extLst>
+            <a:ext uri="{909E8E84-426E-40DD-AFC4-6F175D3DCCD1}">
+              <a14:hiddenFill xmlns:a14="http://schemas.microsoft.com/office/drawing/2010/main">
+                <a:solidFill>
+                  <a:srgbClr val="FFFFFF"/>
+                </a:solidFill>
+              </a14:hiddenFill>
+            </a:ext>
+          </a:extLst>
+        </p:spPr>
+      </p:pic>
+      <p:sp>
+        <p:nvSpPr>
+          <p:cNvPr id="5" name="2 Subtítulo">
+            <a:extLst>
+              <a:ext uri="{FF2B5EF4-FFF2-40B4-BE49-F238E27FC236}">
+                <a16:creationId xmlns:a16="http://schemas.microsoft.com/office/drawing/2014/main" id="{AD83FA30-4A3C-43B8-17CD-C08519129156}"/>
+              </a:ext>
+            </a:extLst>
+          </p:cNvPr>
+          <p:cNvSpPr txBox="1">
+            <a:spLocks/>
+          </p:cNvSpPr>
+          <p:nvPr/>
+        </p:nvSpPr>
+        <p:spPr bwMode="auto">
+          <a:xfrm>
+            <a:off x="2267744" y="259824"/>
+            <a:ext cx="6400800" cy="500063"/>
+          </a:xfrm>
+          <a:prstGeom prst="rect">
+            <a:avLst/>
+          </a:prstGeom>
+          <a:noFill/>
+          <a:ln>
+            <a:noFill/>
+          </a:ln>
+          <a:extLst>
+            <a:ext uri="{909E8E84-426E-40DD-AFC4-6F175D3DCCD1}">
+              <a14:hiddenFill xmlns:a14="http://schemas.microsoft.com/office/drawing/2010/main">
+                <a:solidFill>
+                  <a:srgbClr val="FFFFFF"/>
+                </a:solidFill>
+              </a14:hiddenFill>
+            </a:ext>
+            <a:ext uri="{91240B29-F687-4F45-9708-019B960494DF}">
+              <a14:hiddenLine xmlns:a14="http://schemas.microsoft.com/office/drawing/2010/main" w="9525">
+                <a:solidFill>
+                  <a:srgbClr val="000000"/>
+                </a:solidFill>
+                <a:miter lim="800000"/>
+                <a:headEnd/>
+                <a:tailEnd/>
+              </a14:hiddenLine>
+            </a:ext>
+          </a:extLst>
+        </p:spPr>
+        <p:txBody>
+          <a:bodyPr vert="horz" wrap="square" lIns="91440" tIns="45720" rIns="91440" bIns="45720" numCol="1" rtlCol="0" anchor="t" anchorCtr="0" compatLnSpc="1">
+            <a:prstTxWarp prst="textNoShape">
+              <a:avLst/>
+            </a:prstTxWarp>
+            <a:noAutofit/>
+          </a:bodyPr>
+          <a:lstStyle>
+            <a:lvl1pPr marL="342900" indent="-342900" algn="l" rtl="0" eaLnBrk="0" fontAlgn="base" hangingPunct="0">
+              <a:spcBef>
+                <a:spcPct val="20000"/>
+              </a:spcBef>
+              <a:spcAft>
+                <a:spcPct val="0"/>
+              </a:spcAft>
+              <a:buFont typeface="Arial" panose="020B0604020202020204" pitchFamily="34" charset="0"/>
+              <a:buChar char="•"/>
+              <a:defRPr sz="3200" kern="1200">
+                <a:solidFill>
+                  <a:schemeClr val="tx1"/>
+                </a:solidFill>
+                <a:latin typeface="Arial" pitchFamily="34" charset="0"/>
+                <a:ea typeface="+mn-ea"/>
+                <a:cs typeface="Arial" pitchFamily="34" charset="0"/>
+              </a:defRPr>
+            </a:lvl1pPr>
+            <a:lvl2pPr marL="742950" indent="-285750" algn="l" rtl="0" eaLnBrk="0" fontAlgn="base" hangingPunct="0">
+              <a:spcBef>
+                <a:spcPct val="20000"/>
+              </a:spcBef>
+              <a:spcAft>
+                <a:spcPct val="0"/>
+              </a:spcAft>
+              <a:buFont typeface="Arial" panose="020B0604020202020204" pitchFamily="34" charset="0"/>
+              <a:buChar char="–"/>
+              <a:defRPr sz="2800" kern="1200">
+                <a:solidFill>
+                  <a:schemeClr val="tx1"/>
+                </a:solidFill>
+                <a:latin typeface="Arial" pitchFamily="34" charset="0"/>
+                <a:ea typeface="+mn-ea"/>
+                <a:cs typeface="Arial" pitchFamily="34" charset="0"/>
+              </a:defRPr>
+            </a:lvl2pPr>
+            <a:lvl3pPr marL="1143000" indent="-228600" algn="l" rtl="0" eaLnBrk="0" fontAlgn="base" hangingPunct="0">
+              <a:spcBef>
+                <a:spcPct val="20000"/>
+              </a:spcBef>
+              <a:spcAft>
+                <a:spcPct val="0"/>
+              </a:spcAft>
+              <a:buFont typeface="Arial" panose="020B0604020202020204" pitchFamily="34" charset="0"/>
+              <a:buChar char="•"/>
+              <a:defRPr sz="2400" kern="1200">
+                <a:solidFill>
+                  <a:schemeClr val="tx1"/>
+                </a:solidFill>
+                <a:latin typeface="Arial" pitchFamily="34" charset="0"/>
+                <a:ea typeface="+mn-ea"/>
+                <a:cs typeface="Arial" pitchFamily="34" charset="0"/>
+              </a:defRPr>
+            </a:lvl3pPr>
+            <a:lvl4pPr marL="1600200" indent="-228600" algn="l" rtl="0" eaLnBrk="0" fontAlgn="base" hangingPunct="0">
+              <a:spcBef>
+                <a:spcPct val="20000"/>
+              </a:spcBef>
+              <a:spcAft>
+                <a:spcPct val="0"/>
+              </a:spcAft>
+              <a:buFont typeface="Arial" panose="020B0604020202020204" pitchFamily="34" charset="0"/>
+              <a:buChar char="–"/>
+              <a:defRPr sz="2000" kern="1200">
+                <a:solidFill>
+                  <a:schemeClr val="tx1"/>
+                </a:solidFill>
+                <a:latin typeface="Arial" pitchFamily="34" charset="0"/>
+                <a:ea typeface="+mn-ea"/>
+                <a:cs typeface="Arial" pitchFamily="34" charset="0"/>
+              </a:defRPr>
+            </a:lvl4pPr>
+            <a:lvl5pPr marL="2057400" indent="-228600" algn="l" rtl="0" eaLnBrk="0" fontAlgn="base" hangingPunct="0">
+              <a:spcBef>
+                <a:spcPct val="20000"/>
+              </a:spcBef>
+              <a:spcAft>
+                <a:spcPct val="0"/>
+              </a:spcAft>
+              <a:buFont typeface="Arial" panose="020B0604020202020204" pitchFamily="34" charset="0"/>
+              <a:buChar char="»"/>
+              <a:defRPr sz="2000" kern="1200">
+                <a:solidFill>
+                  <a:schemeClr val="tx1"/>
+                </a:solidFill>
+                <a:latin typeface="Arial" pitchFamily="34" charset="0"/>
+                <a:ea typeface="+mn-ea"/>
+                <a:cs typeface="Arial" pitchFamily="34" charset="0"/>
+              </a:defRPr>
+            </a:lvl5pPr>
+            <a:lvl6pPr marL="2514600" indent="-228600" algn="l" defTabSz="914400" rtl="0" eaLnBrk="1" latinLnBrk="0" hangingPunct="1">
+              <a:spcBef>
+                <a:spcPct val="20000"/>
+              </a:spcBef>
+              <a:buFont typeface="Arial" pitchFamily="34" charset="0"/>
+              <a:buChar char="•"/>
+              <a:defRPr sz="2000" kern="1200">
+                <a:solidFill>
+                  <a:schemeClr val="tx1"/>
+                </a:solidFill>
+                <a:latin typeface="+mn-lt"/>
+                <a:ea typeface="+mn-ea"/>
+                <a:cs typeface="+mn-cs"/>
+              </a:defRPr>
+            </a:lvl6pPr>
+            <a:lvl7pPr marL="2971800" indent="-228600" algn="l" defTabSz="914400" rtl="0" eaLnBrk="1" latinLnBrk="0" hangingPunct="1">
+              <a:spcBef>
+                <a:spcPct val="20000"/>
+              </a:spcBef>
+              <a:buFont typeface="Arial" pitchFamily="34" charset="0"/>
+              <a:buChar char="•"/>
+              <a:defRPr sz="2000" kern="1200">
+                <a:solidFill>
+                  <a:schemeClr val="tx1"/>
+                </a:solidFill>
+                <a:latin typeface="+mn-lt"/>
+                <a:ea typeface="+mn-ea"/>
+                <a:cs typeface="+mn-cs"/>
+              </a:defRPr>
+            </a:lvl7pPr>
+            <a:lvl8pPr marL="3429000" indent="-228600" algn="l" defTabSz="914400" rtl="0" eaLnBrk="1" latinLnBrk="0" hangingPunct="1">
+              <a:spcBef>
+                <a:spcPct val="20000"/>
+              </a:spcBef>
+              <a:buFont typeface="Arial" pitchFamily="34" charset="0"/>
+              <a:buChar char="•"/>
+              <a:defRPr sz="2000" kern="1200">
+                <a:solidFill>
+                  <a:schemeClr val="tx1"/>
+                </a:solidFill>
+                <a:latin typeface="+mn-lt"/>
+                <a:ea typeface="+mn-ea"/>
+                <a:cs typeface="+mn-cs"/>
+              </a:defRPr>
+            </a:lvl8pPr>
+            <a:lvl9pPr marL="3886200" indent="-228600" algn="l" defTabSz="914400" rtl="0" eaLnBrk="1" latinLnBrk="0" hangingPunct="1">
+              <a:spcBef>
+                <a:spcPct val="20000"/>
+              </a:spcBef>
+              <a:buFont typeface="Arial" pitchFamily="34" charset="0"/>
+              <a:buChar char="•"/>
+              <a:defRPr sz="2000" kern="1200">
+                <a:solidFill>
+                  <a:schemeClr val="tx1"/>
+                </a:solidFill>
+                <a:latin typeface="+mn-lt"/>
+                <a:ea typeface="+mn-ea"/>
+                <a:cs typeface="+mn-cs"/>
+              </a:defRPr>
+            </a:lvl9pPr>
+          </a:lstStyle>
+          <a:p>
+            <a:pPr marL="0" indent="0" algn="r" eaLnBrk="1" fontAlgn="auto" hangingPunct="1">
+              <a:spcAft>
+                <a:spcPts val="0"/>
+              </a:spcAft>
+              <a:buNone/>
+              <a:defRPr/>
+            </a:pPr>
+            <a:r>
+              <a:rPr lang="es-CO" sz="2000" b="1">
+                <a:solidFill>
+                  <a:schemeClr val="tx1">
+                    <a:lumMod val="75000"/>
+                    <a:lumOff val="25000"/>
+                  </a:schemeClr>
+                </a:solidFill>
+              </a:rPr>
+              <a:t> 6065 SISTEMAS DE CONTROL II</a:t>
+            </a:r>
+          </a:p>
+        </p:txBody>
+      </p:sp>
+      <p:sp>
+        <p:nvSpPr>
+          <p:cNvPr id="4" name="Título 1">
+            <a:extLst>
+              <a:ext uri="{FF2B5EF4-FFF2-40B4-BE49-F238E27FC236}">
+                <a16:creationId xmlns:a16="http://schemas.microsoft.com/office/drawing/2014/main" id="{E1BD31A4-91A5-4B10-B0CD-D5E8F2A5981A}"/>
+              </a:ext>
+            </a:extLst>
+          </p:cNvPr>
+          <p:cNvSpPr>
+            <a:spLocks noGrp="1"/>
+          </p:cNvSpPr>
+          <p:nvPr>
+            <p:ph type="title"/>
+          </p:nvPr>
+        </p:nvSpPr>
+        <p:spPr>
+          <a:xfrm>
+            <a:off x="1843707" y="1170004"/>
+            <a:ext cx="5456585" cy="1162050"/>
+          </a:xfrm>
+        </p:spPr>
+        <p:txBody>
+          <a:bodyPr/>
+          <a:lstStyle/>
+          <a:p>
+            <a:pPr algn="ctr"/>
+            <a:r>
+              <a:rPr lang="es-CO" b="1" dirty="0"/>
+              <a:t>Taller</a:t>
+            </a:r>
+          </a:p>
+        </p:txBody>
+      </p:sp>
+      <p:sp>
+        <p:nvSpPr>
+          <p:cNvPr id="12" name="CuadroTexto 11">
+            <a:extLst>
+              <a:ext uri="{FF2B5EF4-FFF2-40B4-BE49-F238E27FC236}">
+                <a16:creationId xmlns:a16="http://schemas.microsoft.com/office/drawing/2014/main" id="{098DDFB6-73CD-62B0-BA05-919118667F90}"/>
+              </a:ext>
+            </a:extLst>
+          </p:cNvPr>
+          <p:cNvSpPr txBox="1"/>
+          <p:nvPr/>
+        </p:nvSpPr>
+        <p:spPr>
+          <a:xfrm>
+            <a:off x="1115616" y="4606462"/>
+            <a:ext cx="6984776" cy="646331"/>
+          </a:xfrm>
+          <a:prstGeom prst="rect">
+            <a:avLst/>
+          </a:prstGeom>
+          <a:noFill/>
+        </p:spPr>
+        <p:txBody>
+          <a:bodyPr wrap="square" rtlCol="0">
+            <a:spAutoFit/>
+          </a:bodyPr>
+          <a:lstStyle/>
+          <a:p>
+            <a:r>
+              <a:rPr lang="es-CO" dirty="0"/>
+              <a:t>1, Usando Matlab (función </a:t>
+            </a:r>
+            <a:r>
+              <a:rPr lang="es-CO" dirty="0" err="1"/>
+              <a:t>residuez</a:t>
+            </a:r>
+            <a:r>
+              <a:rPr lang="es-CO" dirty="0"/>
+              <a:t>) realice la expansión en fracciones parciales de la transformada z.</a:t>
+            </a:r>
+            <a:endParaRPr lang="en-US" dirty="0"/>
+          </a:p>
+        </p:txBody>
+      </p:sp>
+      <p:sp>
+        <p:nvSpPr>
+          <p:cNvPr id="17" name="CuadroTexto 16">
+            <a:extLst>
+              <a:ext uri="{FF2B5EF4-FFF2-40B4-BE49-F238E27FC236}">
+                <a16:creationId xmlns:a16="http://schemas.microsoft.com/office/drawing/2014/main" id="{5D2E6BA1-E777-783E-2263-DFBC44E5F894}"/>
+              </a:ext>
+            </a:extLst>
+          </p:cNvPr>
+          <p:cNvSpPr txBox="1"/>
+          <p:nvPr/>
+        </p:nvSpPr>
+        <p:spPr>
+          <a:xfrm>
+            <a:off x="1115616" y="5503330"/>
+            <a:ext cx="6984776" cy="369332"/>
+          </a:xfrm>
+          <a:prstGeom prst="rect">
+            <a:avLst/>
+          </a:prstGeom>
+          <a:noFill/>
+        </p:spPr>
+        <p:txBody>
+          <a:bodyPr wrap="square" rtlCol="0">
+            <a:spAutoFit/>
+          </a:bodyPr>
+          <a:lstStyle/>
+          <a:p>
+            <a:r>
+              <a:rPr lang="es-CO" dirty="0"/>
+              <a:t>2, Usando Matlab (función </a:t>
+            </a:r>
+            <a:r>
+              <a:rPr lang="es-CO" dirty="0" err="1"/>
+              <a:t>iztrans</a:t>
+            </a:r>
+            <a:r>
+              <a:rPr lang="es-CO" dirty="0"/>
+              <a:t>) obtenga la transformada </a:t>
+            </a:r>
+            <a:r>
+              <a:rPr lang="es-CO" dirty="0" err="1"/>
+              <a:t>inverza</a:t>
+            </a:r>
+            <a:r>
+              <a:rPr lang="es-CO" dirty="0"/>
+              <a:t> z.</a:t>
+            </a:r>
+            <a:endParaRPr lang="en-US" dirty="0"/>
+          </a:p>
+        </p:txBody>
+      </p:sp>
+      <mc:AlternateContent xmlns:mc="http://schemas.openxmlformats.org/markup-compatibility/2006" xmlns:a14="http://schemas.microsoft.com/office/drawing/2010/main">
+        <mc:Choice Requires="a14">
+          <p:sp>
+            <p:nvSpPr>
+              <p:cNvPr id="2" name="CuadroTexto 1">
+                <a:extLst>
+                  <a:ext uri="{FF2B5EF4-FFF2-40B4-BE49-F238E27FC236}">
+                    <a16:creationId xmlns:a16="http://schemas.microsoft.com/office/drawing/2014/main" id="{5E4A77ED-7ADC-792F-98E9-E16E98F6F845}"/>
+                  </a:ext>
+                </a:extLst>
+              </p:cNvPr>
+              <p:cNvSpPr txBox="1"/>
+              <p:nvPr/>
+            </p:nvSpPr>
+            <p:spPr>
+              <a:xfrm>
+                <a:off x="1115616" y="3032966"/>
+                <a:ext cx="2408480" cy="569580"/>
+              </a:xfrm>
+              <a:prstGeom prst="rect">
+                <a:avLst/>
+              </a:prstGeom>
+              <a:noFill/>
+            </p:spPr>
+            <p:txBody>
+              <a:bodyPr wrap="none" lIns="0" tIns="0" rIns="0" bIns="0" rtlCol="0">
+                <a:spAutoFit/>
+              </a:bodyPr>
+              <a:lstStyle/>
+              <a:p>
+                <a:pPr/>
+                <a14:m>
+                  <m:oMathPara xmlns:m="http://schemas.openxmlformats.org/officeDocument/2006/math">
+                    <m:oMathParaPr>
+                      <m:jc m:val="centerGroup"/>
+                    </m:oMathParaPr>
+                    <m:oMath xmlns:m="http://schemas.openxmlformats.org/officeDocument/2006/math">
+                      <m:r>
+                        <a:rPr lang="es-CO" b="0" i="1" smtClean="0">
+                          <a:latin typeface="Cambria Math" panose="02040503050406030204" pitchFamily="18" charset="0"/>
+                        </a:rPr>
+                        <m:t>𝑌</m:t>
+                      </m:r>
+                      <m:d>
+                        <m:dPr>
+                          <m:ctrlPr>
+                            <a:rPr lang="es-CO" b="0" i="1" smtClean="0">
+                              <a:latin typeface="Cambria Math" panose="02040503050406030204" pitchFamily="18" charset="0"/>
+                            </a:rPr>
+                          </m:ctrlPr>
+                        </m:dPr>
+                        <m:e>
+                          <m:r>
+                            <a:rPr lang="es-CO" b="0" i="1" smtClean="0">
+                              <a:latin typeface="Cambria Math" panose="02040503050406030204" pitchFamily="18" charset="0"/>
+                            </a:rPr>
+                            <m:t>𝑧</m:t>
+                          </m:r>
+                        </m:e>
+                      </m:d>
+                      <m:r>
+                        <a:rPr lang="es-CO" b="0" i="1" smtClean="0">
+                          <a:latin typeface="Cambria Math" panose="02040503050406030204" pitchFamily="18" charset="0"/>
+                        </a:rPr>
+                        <m:t>=</m:t>
+                      </m:r>
+                      <m:f>
+                        <m:fPr>
+                          <m:ctrlPr>
+                            <a:rPr lang="es-CO" b="0" i="1" smtClean="0">
+                              <a:latin typeface="Cambria Math" panose="02040503050406030204" pitchFamily="18" charset="0"/>
+                            </a:rPr>
+                          </m:ctrlPr>
+                        </m:fPr>
+                        <m:num>
+                          <m:r>
+                            <a:rPr lang="es-CO" b="0" i="1" smtClean="0">
+                              <a:latin typeface="Cambria Math" panose="02040503050406030204" pitchFamily="18" charset="0"/>
+                            </a:rPr>
+                            <m:t>10</m:t>
+                          </m:r>
+                          <m:r>
+                            <a:rPr lang="es-CO" b="0" i="1" smtClean="0">
+                              <a:latin typeface="Cambria Math" panose="02040503050406030204" pitchFamily="18" charset="0"/>
+                            </a:rPr>
+                            <m:t>𝑧</m:t>
+                          </m:r>
+                        </m:num>
+                        <m:den>
+                          <m:r>
+                            <a:rPr lang="es-CO" b="0" i="1" smtClean="0">
+                              <a:latin typeface="Cambria Math" panose="02040503050406030204" pitchFamily="18" charset="0"/>
+                            </a:rPr>
+                            <m:t>(</m:t>
+                          </m:r>
+                          <m:r>
+                            <a:rPr lang="es-CO" b="0" i="1" smtClean="0">
+                              <a:latin typeface="Cambria Math" panose="02040503050406030204" pitchFamily="18" charset="0"/>
+                            </a:rPr>
+                            <m:t>𝑧</m:t>
+                          </m:r>
+                          <m:r>
+                            <a:rPr lang="es-CO" b="0" i="1" smtClean="0">
+                              <a:latin typeface="Cambria Math" panose="02040503050406030204" pitchFamily="18" charset="0"/>
+                            </a:rPr>
+                            <m:t>−1)(</m:t>
+                          </m:r>
+                          <m:r>
+                            <a:rPr lang="es-CO" b="0" i="1" smtClean="0">
+                              <a:latin typeface="Cambria Math" panose="02040503050406030204" pitchFamily="18" charset="0"/>
+                            </a:rPr>
+                            <m:t>𝑧</m:t>
+                          </m:r>
+                          <m:r>
+                            <a:rPr lang="es-CO" b="0" i="1" smtClean="0">
+                              <a:latin typeface="Cambria Math" panose="02040503050406030204" pitchFamily="18" charset="0"/>
+                            </a:rPr>
+                            <m:t>−0,2)</m:t>
+                          </m:r>
+                        </m:den>
+                      </m:f>
+                    </m:oMath>
+                  </m:oMathPara>
+                </a14:m>
+                <a:endParaRPr lang="en-US" dirty="0"/>
+              </a:p>
+            </p:txBody>
+          </p:sp>
+        </mc:Choice>
+        <mc:Fallback xmlns="">
+          <p:sp>
+            <p:nvSpPr>
+              <p:cNvPr id="2" name="CuadroTexto 1">
+                <a:extLst>
+                  <a:ext uri="{FF2B5EF4-FFF2-40B4-BE49-F238E27FC236}">
+                    <a16:creationId xmlns:a16="http://schemas.microsoft.com/office/drawing/2014/main" id="{5E4A77ED-7ADC-792F-98E9-E16E98F6F845}"/>
+                  </a:ext>
+                </a:extLst>
+              </p:cNvPr>
+              <p:cNvSpPr txBox="1">
+                <a:spLocks noRot="1" noChangeAspect="1" noMove="1" noResize="1" noEditPoints="1" noAdjustHandles="1" noChangeArrowheads="1" noChangeShapeType="1" noTextEdit="1"/>
+              </p:cNvSpPr>
+              <p:nvPr/>
+            </p:nvSpPr>
+            <p:spPr>
+              <a:xfrm>
+                <a:off x="1115616" y="3032966"/>
+                <a:ext cx="2408480" cy="569580"/>
+              </a:xfrm>
+              <a:prstGeom prst="rect">
+                <a:avLst/>
+              </a:prstGeom>
+              <a:blipFill>
+                <a:blip r:embed="rId4"/>
+                <a:stretch>
+                  <a:fillRect/>
+                </a:stretch>
+              </a:blipFill>
+            </p:spPr>
+            <p:txBody>
+              <a:bodyPr/>
+              <a:lstStyle/>
+              <a:p>
+                <a:r>
+                  <a:rPr lang="es-CO">
+                    <a:noFill/>
+                  </a:rPr>
+                  <a:t> </a:t>
+                </a:r>
+              </a:p>
+            </p:txBody>
+          </p:sp>
+        </mc:Fallback>
+      </mc:AlternateContent>
+      <mc:AlternateContent xmlns:mc="http://schemas.openxmlformats.org/markup-compatibility/2006" xmlns:a14="http://schemas.microsoft.com/office/drawing/2010/main">
+        <mc:Choice Requires="a14">
+          <p:sp>
+            <p:nvSpPr>
+              <p:cNvPr id="3" name="CuadroTexto 2">
+                <a:extLst>
+                  <a:ext uri="{FF2B5EF4-FFF2-40B4-BE49-F238E27FC236}">
+                    <a16:creationId xmlns:a16="http://schemas.microsoft.com/office/drawing/2014/main" id="{E4C3F3A4-7075-91E8-2ECF-415D2C376860}"/>
+                  </a:ext>
+                </a:extLst>
+              </p:cNvPr>
+              <p:cNvSpPr txBox="1"/>
+              <p:nvPr/>
+            </p:nvSpPr>
+            <p:spPr>
+              <a:xfrm>
+                <a:off x="4810304" y="2982470"/>
+                <a:ext cx="2536720" cy="521618"/>
+              </a:xfrm>
+              <a:prstGeom prst="rect">
+                <a:avLst/>
+              </a:prstGeom>
+              <a:noFill/>
+            </p:spPr>
+            <p:txBody>
+              <a:bodyPr wrap="none" lIns="0" tIns="0" rIns="0" bIns="0" rtlCol="0">
+                <a:spAutoFit/>
+              </a:bodyPr>
+              <a:lstStyle/>
+              <a:p>
+                <a:pPr/>
+                <a14:m>
+                  <m:oMathPara xmlns:m="http://schemas.openxmlformats.org/officeDocument/2006/math">
+                    <m:oMathParaPr>
+                      <m:jc m:val="centerGroup"/>
+                    </m:oMathParaPr>
+                    <m:oMath xmlns:m="http://schemas.openxmlformats.org/officeDocument/2006/math">
+                      <m:r>
+                        <a:rPr lang="es-CO" b="0" i="1" smtClean="0">
+                          <a:latin typeface="Cambria Math" panose="02040503050406030204" pitchFamily="18" charset="0"/>
+                        </a:rPr>
+                        <m:t>𝑌</m:t>
+                      </m:r>
+                      <m:d>
+                        <m:dPr>
+                          <m:ctrlPr>
+                            <a:rPr lang="es-CO" b="0" i="1" smtClean="0">
+                              <a:latin typeface="Cambria Math" panose="02040503050406030204" pitchFamily="18" charset="0"/>
+                            </a:rPr>
+                          </m:ctrlPr>
+                        </m:dPr>
+                        <m:e>
+                          <m:r>
+                            <a:rPr lang="es-CO" b="0" i="1" smtClean="0">
+                              <a:latin typeface="Cambria Math" panose="02040503050406030204" pitchFamily="18" charset="0"/>
+                            </a:rPr>
+                            <m:t>𝑧</m:t>
+                          </m:r>
+                        </m:e>
+                      </m:d>
+                      <m:r>
+                        <a:rPr lang="es-CO" b="0" i="1" smtClean="0">
+                          <a:latin typeface="Cambria Math" panose="02040503050406030204" pitchFamily="18" charset="0"/>
+                        </a:rPr>
+                        <m:t>=</m:t>
+                      </m:r>
+                      <m:f>
+                        <m:fPr>
+                          <m:ctrlPr>
+                            <a:rPr lang="es-CO" b="0" i="1" smtClean="0">
+                              <a:latin typeface="Cambria Math" panose="02040503050406030204" pitchFamily="18" charset="0"/>
+                            </a:rPr>
+                          </m:ctrlPr>
+                        </m:fPr>
+                        <m:num>
+                          <m:r>
+                            <a:rPr lang="es-CO" b="0" i="1" smtClean="0">
+                              <a:latin typeface="Cambria Math" panose="02040503050406030204" pitchFamily="18" charset="0"/>
+                            </a:rPr>
+                            <m:t>𝑧</m:t>
+                          </m:r>
+                        </m:num>
+                        <m:den>
+                          <m:r>
+                            <a:rPr lang="es-CO" b="0" i="1" smtClean="0">
+                              <a:latin typeface="Cambria Math" panose="02040503050406030204" pitchFamily="18" charset="0"/>
+                            </a:rPr>
+                            <m:t>(</m:t>
+                          </m:r>
+                          <m:r>
+                            <a:rPr lang="es-CO" b="0" i="1" smtClean="0">
+                              <a:latin typeface="Cambria Math" panose="02040503050406030204" pitchFamily="18" charset="0"/>
+                            </a:rPr>
+                            <m:t>𝑧</m:t>
+                          </m:r>
+                          <m:r>
+                            <a:rPr lang="es-CO" b="0" i="1" smtClean="0">
+                              <a:latin typeface="Cambria Math" panose="02040503050406030204" pitchFamily="18" charset="0"/>
+                            </a:rPr>
+                            <m:t>−1)(</m:t>
+                          </m:r>
+                          <m:r>
+                            <a:rPr lang="es-CO" b="0" i="1" smtClean="0">
+                              <a:latin typeface="Cambria Math" panose="02040503050406030204" pitchFamily="18" charset="0"/>
+                            </a:rPr>
+                            <m:t>𝑧</m:t>
+                          </m:r>
+                          <m:r>
+                            <a:rPr lang="es-CO" b="0" i="1" smtClean="0">
+                              <a:latin typeface="Cambria Math" panose="02040503050406030204" pitchFamily="18" charset="0"/>
+                            </a:rPr>
+                            <m:t>−0,85)</m:t>
+                          </m:r>
+                        </m:den>
+                      </m:f>
+                    </m:oMath>
+                  </m:oMathPara>
+                </a14:m>
+                <a:endParaRPr lang="en-US" dirty="0"/>
+              </a:p>
+            </p:txBody>
+          </p:sp>
+        </mc:Choice>
+        <mc:Fallback xmlns="">
+          <p:sp>
+            <p:nvSpPr>
+              <p:cNvPr id="3" name="CuadroTexto 2">
+                <a:extLst>
+                  <a:ext uri="{FF2B5EF4-FFF2-40B4-BE49-F238E27FC236}">
+                    <a16:creationId xmlns:a16="http://schemas.microsoft.com/office/drawing/2014/main" id="{E4C3F3A4-7075-91E8-2ECF-415D2C376860}"/>
+                  </a:ext>
+                </a:extLst>
+              </p:cNvPr>
+              <p:cNvSpPr txBox="1">
+                <a:spLocks noRot="1" noChangeAspect="1" noMove="1" noResize="1" noEditPoints="1" noAdjustHandles="1" noChangeArrowheads="1" noChangeShapeType="1" noTextEdit="1"/>
+              </p:cNvSpPr>
+              <p:nvPr/>
+            </p:nvSpPr>
+            <p:spPr>
+              <a:xfrm>
+                <a:off x="4810304" y="2982470"/>
+                <a:ext cx="2536720" cy="521618"/>
+              </a:xfrm>
+              <a:prstGeom prst="rect">
+                <a:avLst/>
+              </a:prstGeom>
+              <a:blipFill>
+                <a:blip r:embed="rId5"/>
+                <a:stretch>
+                  <a:fillRect/>
+                </a:stretch>
+              </a:blipFill>
+            </p:spPr>
+            <p:txBody>
+              <a:bodyPr/>
+              <a:lstStyle/>
+              <a:p>
+                <a:r>
+                  <a:rPr lang="es-CO">
+                    <a:noFill/>
+                  </a:rPr>
+                  <a:t> </a:t>
+                </a:r>
+              </a:p>
+            </p:txBody>
+          </p:sp>
+        </mc:Fallback>
+      </mc:AlternateContent>
+      <mc:AlternateContent xmlns:mc="http://schemas.openxmlformats.org/markup-compatibility/2006" xmlns:a14="http://schemas.microsoft.com/office/drawing/2010/main">
+        <mc:Choice Requires="a14">
+          <p:sp>
+            <p:nvSpPr>
+              <p:cNvPr id="6" name="CuadroTexto 5">
+                <a:extLst>
+                  <a:ext uri="{FF2B5EF4-FFF2-40B4-BE49-F238E27FC236}">
+                    <a16:creationId xmlns:a16="http://schemas.microsoft.com/office/drawing/2014/main" id="{3BCCA290-D212-041E-849B-A48CEE512FCF}"/>
+                  </a:ext>
+                </a:extLst>
+              </p:cNvPr>
+              <p:cNvSpPr txBox="1"/>
+              <p:nvPr/>
+            </p:nvSpPr>
+            <p:spPr>
+              <a:xfrm>
+                <a:off x="1268016" y="3783506"/>
+                <a:ext cx="2738698" cy="521618"/>
+              </a:xfrm>
+              <a:prstGeom prst="rect">
+                <a:avLst/>
+              </a:prstGeom>
+              <a:noFill/>
+            </p:spPr>
+            <p:txBody>
+              <a:bodyPr wrap="none" lIns="0" tIns="0" rIns="0" bIns="0" rtlCol="0">
+                <a:spAutoFit/>
+              </a:bodyPr>
+              <a:lstStyle/>
+              <a:p>
+                <a:pPr/>
+                <a14:m>
+                  <m:oMathPara xmlns:m="http://schemas.openxmlformats.org/officeDocument/2006/math">
+                    <m:oMathParaPr>
+                      <m:jc m:val="centerGroup"/>
+                    </m:oMathParaPr>
+                    <m:oMath xmlns:m="http://schemas.openxmlformats.org/officeDocument/2006/math">
+                      <m:r>
+                        <a:rPr lang="es-CO" b="0" i="1" smtClean="0">
+                          <a:latin typeface="Cambria Math" panose="02040503050406030204" pitchFamily="18" charset="0"/>
+                        </a:rPr>
+                        <m:t>𝑌</m:t>
+                      </m:r>
+                      <m:d>
+                        <m:dPr>
+                          <m:ctrlPr>
+                            <a:rPr lang="es-CO" b="0" i="1" smtClean="0">
+                              <a:latin typeface="Cambria Math" panose="02040503050406030204" pitchFamily="18" charset="0"/>
+                            </a:rPr>
+                          </m:ctrlPr>
+                        </m:dPr>
+                        <m:e>
+                          <m:r>
+                            <a:rPr lang="es-CO" b="0" i="1" smtClean="0">
+                              <a:latin typeface="Cambria Math" panose="02040503050406030204" pitchFamily="18" charset="0"/>
+                            </a:rPr>
+                            <m:t>𝑧</m:t>
+                          </m:r>
+                        </m:e>
+                      </m:d>
+                      <m:r>
+                        <a:rPr lang="es-CO" b="0" i="1" smtClean="0">
+                          <a:latin typeface="Cambria Math" panose="02040503050406030204" pitchFamily="18" charset="0"/>
+                        </a:rPr>
+                        <m:t>=</m:t>
+                      </m:r>
+                      <m:f>
+                        <m:fPr>
+                          <m:ctrlPr>
+                            <a:rPr lang="es-CO" b="0" i="1" smtClean="0">
+                              <a:latin typeface="Cambria Math" panose="02040503050406030204" pitchFamily="18" charset="0"/>
+                            </a:rPr>
+                          </m:ctrlPr>
+                        </m:fPr>
+                        <m:num>
+                          <m:r>
+                            <a:rPr lang="es-CO" b="0" i="1" smtClean="0">
+                              <a:latin typeface="Cambria Math" panose="02040503050406030204" pitchFamily="18" charset="0"/>
+                            </a:rPr>
+                            <m:t>𝑧</m:t>
+                          </m:r>
+                        </m:num>
+                        <m:den>
+                          <m:r>
+                            <a:rPr lang="es-CO" b="0" i="1" smtClean="0">
+                              <a:latin typeface="Cambria Math" panose="02040503050406030204" pitchFamily="18" charset="0"/>
+                            </a:rPr>
+                            <m:t>(</m:t>
+                          </m:r>
+                          <m:r>
+                            <a:rPr lang="es-CO" b="0" i="1" smtClean="0">
+                              <a:latin typeface="Cambria Math" panose="02040503050406030204" pitchFamily="18" charset="0"/>
+                            </a:rPr>
+                            <m:t>𝑧</m:t>
+                          </m:r>
+                          <m:r>
+                            <a:rPr lang="es-CO" b="0" i="1" smtClean="0">
+                              <a:latin typeface="Cambria Math" panose="02040503050406030204" pitchFamily="18" charset="0"/>
+                            </a:rPr>
+                            <m:t>−1)(</m:t>
+                          </m:r>
+                          <m:sSup>
+                            <m:sSupPr>
+                              <m:ctrlPr>
+                                <a:rPr lang="es-CO" b="0" i="1" smtClean="0">
+                                  <a:latin typeface="Cambria Math" panose="02040503050406030204" pitchFamily="18" charset="0"/>
+                                </a:rPr>
+                              </m:ctrlPr>
+                            </m:sSupPr>
+                            <m:e>
+                              <m:r>
+                                <a:rPr lang="es-CO" b="0" i="1" smtClean="0">
+                                  <a:latin typeface="Cambria Math" panose="02040503050406030204" pitchFamily="18" charset="0"/>
+                                </a:rPr>
+                                <m:t>𝑧</m:t>
+                              </m:r>
+                            </m:e>
+                            <m:sup>
+                              <m:r>
+                                <a:rPr lang="es-CO" b="0" i="1" smtClean="0">
+                                  <a:latin typeface="Cambria Math" panose="02040503050406030204" pitchFamily="18" charset="0"/>
+                                </a:rPr>
+                                <m:t>2</m:t>
+                              </m:r>
+                            </m:sup>
+                          </m:sSup>
+                          <m:r>
+                            <a:rPr lang="es-CO" b="0" i="1" smtClean="0">
+                              <a:latin typeface="Cambria Math" panose="02040503050406030204" pitchFamily="18" charset="0"/>
+                            </a:rPr>
+                            <m:t>+</m:t>
+                          </m:r>
+                          <m:r>
+                            <a:rPr lang="es-CO" b="0" i="1" smtClean="0">
+                              <a:latin typeface="Cambria Math" panose="02040503050406030204" pitchFamily="18" charset="0"/>
+                            </a:rPr>
+                            <m:t>𝑧</m:t>
+                          </m:r>
+                          <m:r>
+                            <a:rPr lang="es-CO" b="0" i="1" smtClean="0">
+                              <a:latin typeface="Cambria Math" panose="02040503050406030204" pitchFamily="18" charset="0"/>
+                            </a:rPr>
+                            <m:t>+1)</m:t>
+                          </m:r>
+                        </m:den>
+                      </m:f>
+                    </m:oMath>
+                  </m:oMathPara>
+                </a14:m>
+                <a:endParaRPr lang="en-US" dirty="0"/>
+              </a:p>
+            </p:txBody>
+          </p:sp>
+        </mc:Choice>
+        <mc:Fallback xmlns="">
+          <p:sp>
+            <p:nvSpPr>
+              <p:cNvPr id="6" name="CuadroTexto 5">
+                <a:extLst>
+                  <a:ext uri="{FF2B5EF4-FFF2-40B4-BE49-F238E27FC236}">
+                    <a16:creationId xmlns:a16="http://schemas.microsoft.com/office/drawing/2014/main" id="{3BCCA290-D212-041E-849B-A48CEE512FCF}"/>
+                  </a:ext>
+                </a:extLst>
+              </p:cNvPr>
+              <p:cNvSpPr txBox="1">
+                <a:spLocks noRot="1" noChangeAspect="1" noMove="1" noResize="1" noEditPoints="1" noAdjustHandles="1" noChangeArrowheads="1" noChangeShapeType="1" noTextEdit="1"/>
+              </p:cNvSpPr>
+              <p:nvPr/>
+            </p:nvSpPr>
+            <p:spPr>
+              <a:xfrm>
+                <a:off x="1268016" y="3783506"/>
+                <a:ext cx="2738698" cy="521618"/>
+              </a:xfrm>
+              <a:prstGeom prst="rect">
+                <a:avLst/>
+              </a:prstGeom>
+              <a:blipFill>
+                <a:blip r:embed="rId6"/>
+                <a:stretch>
+                  <a:fillRect/>
+                </a:stretch>
+              </a:blipFill>
+            </p:spPr>
+            <p:txBody>
+              <a:bodyPr/>
+              <a:lstStyle/>
+              <a:p>
+                <a:r>
+                  <a:rPr lang="es-CO">
+                    <a:noFill/>
+                  </a:rPr>
+                  <a:t> </a:t>
+                </a:r>
+              </a:p>
+            </p:txBody>
+          </p:sp>
+        </mc:Fallback>
+      </mc:AlternateContent>
+      <mc:AlternateContent xmlns:mc="http://schemas.openxmlformats.org/markup-compatibility/2006" xmlns:a14="http://schemas.microsoft.com/office/drawing/2010/main">
+        <mc:Choice Requires="a14">
+          <p:sp>
+            <p:nvSpPr>
+              <p:cNvPr id="7" name="CuadroTexto 6">
+                <a:extLst>
+                  <a:ext uri="{FF2B5EF4-FFF2-40B4-BE49-F238E27FC236}">
+                    <a16:creationId xmlns:a16="http://schemas.microsoft.com/office/drawing/2014/main" id="{97596ADE-20B6-4641-E42B-915F984742C7}"/>
+                  </a:ext>
+                </a:extLst>
+              </p:cNvPr>
+              <p:cNvSpPr txBox="1"/>
+              <p:nvPr/>
+            </p:nvSpPr>
+            <p:spPr>
+              <a:xfrm>
+                <a:off x="4891812" y="3727589"/>
+                <a:ext cx="2408480" cy="569580"/>
+              </a:xfrm>
+              <a:prstGeom prst="rect">
+                <a:avLst/>
+              </a:prstGeom>
+              <a:noFill/>
+            </p:spPr>
+            <p:txBody>
+              <a:bodyPr wrap="none" lIns="0" tIns="0" rIns="0" bIns="0" rtlCol="0">
+                <a:spAutoFit/>
+              </a:bodyPr>
+              <a:lstStyle/>
+              <a:p>
+                <a:pPr/>
+                <a14:m>
+                  <m:oMathPara xmlns:m="http://schemas.openxmlformats.org/officeDocument/2006/math">
+                    <m:oMathParaPr>
+                      <m:jc m:val="centerGroup"/>
+                    </m:oMathParaPr>
+                    <m:oMath xmlns:m="http://schemas.openxmlformats.org/officeDocument/2006/math">
+                      <m:r>
+                        <a:rPr lang="es-CO" b="0" i="1" smtClean="0">
+                          <a:latin typeface="Cambria Math" panose="02040503050406030204" pitchFamily="18" charset="0"/>
+                        </a:rPr>
+                        <m:t>𝑌</m:t>
+                      </m:r>
+                      <m:d>
+                        <m:dPr>
+                          <m:ctrlPr>
+                            <a:rPr lang="es-CO" b="0" i="1" smtClean="0">
+                              <a:latin typeface="Cambria Math" panose="02040503050406030204" pitchFamily="18" charset="0"/>
+                            </a:rPr>
+                          </m:ctrlPr>
+                        </m:dPr>
+                        <m:e>
+                          <m:r>
+                            <a:rPr lang="es-CO" b="0" i="1" smtClean="0">
+                              <a:latin typeface="Cambria Math" panose="02040503050406030204" pitchFamily="18" charset="0"/>
+                            </a:rPr>
+                            <m:t>𝑧</m:t>
+                          </m:r>
+                        </m:e>
+                      </m:d>
+                      <m:r>
+                        <a:rPr lang="es-CO" b="0" i="1" smtClean="0">
+                          <a:latin typeface="Cambria Math" panose="02040503050406030204" pitchFamily="18" charset="0"/>
+                        </a:rPr>
+                        <m:t>=</m:t>
+                      </m:r>
+                      <m:f>
+                        <m:fPr>
+                          <m:ctrlPr>
+                            <a:rPr lang="es-CO" b="0" i="1" smtClean="0">
+                              <a:latin typeface="Cambria Math" panose="02040503050406030204" pitchFamily="18" charset="0"/>
+                            </a:rPr>
+                          </m:ctrlPr>
+                        </m:fPr>
+                        <m:num>
+                          <m:r>
+                            <a:rPr lang="es-CO" b="0" i="1" smtClean="0">
+                              <a:latin typeface="Cambria Math" panose="02040503050406030204" pitchFamily="18" charset="0"/>
+                            </a:rPr>
+                            <m:t>10</m:t>
+                          </m:r>
+                        </m:num>
+                        <m:den>
+                          <m:r>
+                            <a:rPr lang="es-CO" b="0" i="1" smtClean="0">
+                              <a:latin typeface="Cambria Math" panose="02040503050406030204" pitchFamily="18" charset="0"/>
+                            </a:rPr>
+                            <m:t>(</m:t>
+                          </m:r>
+                          <m:r>
+                            <a:rPr lang="es-CO" b="0" i="1" smtClean="0">
+                              <a:latin typeface="Cambria Math" panose="02040503050406030204" pitchFamily="18" charset="0"/>
+                            </a:rPr>
+                            <m:t>𝑧</m:t>
+                          </m:r>
+                          <m:r>
+                            <a:rPr lang="es-CO" b="0" i="1" smtClean="0">
+                              <a:latin typeface="Cambria Math" panose="02040503050406030204" pitchFamily="18" charset="0"/>
+                            </a:rPr>
+                            <m:t>−1)(</m:t>
+                          </m:r>
+                          <m:r>
+                            <a:rPr lang="es-CO" b="0" i="1" smtClean="0">
+                              <a:latin typeface="Cambria Math" panose="02040503050406030204" pitchFamily="18" charset="0"/>
+                            </a:rPr>
+                            <m:t>𝑧</m:t>
+                          </m:r>
+                          <m:r>
+                            <a:rPr lang="es-CO" b="0" i="1" smtClean="0">
+                              <a:latin typeface="Cambria Math" panose="02040503050406030204" pitchFamily="18" charset="0"/>
+                            </a:rPr>
+                            <m:t>−0,5)</m:t>
+                          </m:r>
+                        </m:den>
+                      </m:f>
+                    </m:oMath>
+                  </m:oMathPara>
+                </a14:m>
+                <a:endParaRPr lang="en-US" dirty="0"/>
+              </a:p>
+            </p:txBody>
+          </p:sp>
+        </mc:Choice>
+        <mc:Fallback xmlns="">
+          <p:sp>
+            <p:nvSpPr>
+              <p:cNvPr id="7" name="CuadroTexto 6">
+                <a:extLst>
+                  <a:ext uri="{FF2B5EF4-FFF2-40B4-BE49-F238E27FC236}">
+                    <a16:creationId xmlns:a16="http://schemas.microsoft.com/office/drawing/2014/main" id="{97596ADE-20B6-4641-E42B-915F984742C7}"/>
+                  </a:ext>
+                </a:extLst>
+              </p:cNvPr>
+              <p:cNvSpPr txBox="1">
+                <a:spLocks noRot="1" noChangeAspect="1" noMove="1" noResize="1" noEditPoints="1" noAdjustHandles="1" noChangeArrowheads="1" noChangeShapeType="1" noTextEdit="1"/>
+              </p:cNvSpPr>
+              <p:nvPr/>
+            </p:nvSpPr>
+            <p:spPr>
+              <a:xfrm>
+                <a:off x="4891812" y="3727589"/>
+                <a:ext cx="2408480" cy="569580"/>
+              </a:xfrm>
+              <a:prstGeom prst="rect">
+                <a:avLst/>
+              </a:prstGeom>
+              <a:blipFill>
+                <a:blip r:embed="rId7"/>
+                <a:stretch>
+                  <a:fillRect/>
+                </a:stretch>
+              </a:blipFill>
+            </p:spPr>
+            <p:txBody>
+              <a:bodyPr/>
+              <a:lstStyle/>
+              <a:p>
+                <a:r>
+                  <a:rPr lang="es-CO">
+                    <a:noFill/>
+                  </a:rPr>
+                  <a:t> </a:t>
+                </a:r>
+              </a:p>
+            </p:txBody>
+          </p:sp>
+        </mc:Fallback>
+      </mc:AlternateContent>
+    </p:spTree>
+    <p:extLst>
+      <p:ext uri="{BB962C8B-B14F-4D97-AF65-F5344CB8AC3E}">
+        <p14:creationId xmlns:p14="http://schemas.microsoft.com/office/powerpoint/2010/main" val="3072102049"/>
       </p:ext>
     </p:extLst>
   </p:cSld>
@@ -24063,1348 +23353,6 @@
             <a:pPr algn="ctr" eaLnBrk="1" hangingPunct="1"/>
             <a:r>
               <a:rPr lang="es-CO" altLang="es-CO" sz="3600" b="0" dirty="0"/>
-              <a:t>19</a:t>
-            </a:r>
-          </a:p>
-        </p:txBody>
-      </p:sp>
-      <p:pic>
-        <p:nvPicPr>
-          <p:cNvPr id="14" name="Picture 4" descr="Programas - Intranet ETITC">
-            <a:extLst>
-              <a:ext uri="{FF2B5EF4-FFF2-40B4-BE49-F238E27FC236}">
-                <a16:creationId xmlns:a16="http://schemas.microsoft.com/office/drawing/2014/main" id="{EC83F540-C4A2-EE56-0418-B8CD7CA17275}"/>
-              </a:ext>
-            </a:extLst>
-          </p:cNvPr>
-          <p:cNvPicPr>
-            <a:picLocks noChangeAspect="1" noChangeArrowheads="1"/>
-          </p:cNvPicPr>
-          <p:nvPr/>
-        </p:nvPicPr>
-        <p:blipFill>
-          <a:blip r:embed="rId3">
-            <a:extLst>
-              <a:ext uri="{28A0092B-C50C-407E-A947-70E740481C1C}">
-                <a14:useLocalDpi xmlns:a14="http://schemas.microsoft.com/office/drawing/2010/main" val="0"/>
-              </a:ext>
-            </a:extLst>
-          </a:blip>
-          <a:srcRect/>
-          <a:stretch>
-            <a:fillRect/>
-          </a:stretch>
-        </p:blipFill>
-        <p:spPr bwMode="auto">
-          <a:xfrm>
-            <a:off x="795338" y="44758"/>
-            <a:ext cx="2483768" cy="794720"/>
-          </a:xfrm>
-          <a:prstGeom prst="rect">
-            <a:avLst/>
-          </a:prstGeom>
-          <a:noFill/>
-          <a:extLst>
-            <a:ext uri="{909E8E84-426E-40DD-AFC4-6F175D3DCCD1}">
-              <a14:hiddenFill xmlns:a14="http://schemas.microsoft.com/office/drawing/2010/main">
-                <a:solidFill>
-                  <a:srgbClr val="FFFFFF"/>
-                </a:solidFill>
-              </a14:hiddenFill>
-            </a:ext>
-          </a:extLst>
-        </p:spPr>
-      </p:pic>
-      <p:sp>
-        <p:nvSpPr>
-          <p:cNvPr id="5" name="2 Subtítulo">
-            <a:extLst>
-              <a:ext uri="{FF2B5EF4-FFF2-40B4-BE49-F238E27FC236}">
-                <a16:creationId xmlns:a16="http://schemas.microsoft.com/office/drawing/2014/main" id="{AD83FA30-4A3C-43B8-17CD-C08519129156}"/>
-              </a:ext>
-            </a:extLst>
-          </p:cNvPr>
-          <p:cNvSpPr txBox="1">
-            <a:spLocks/>
-          </p:cNvSpPr>
-          <p:nvPr/>
-        </p:nvSpPr>
-        <p:spPr bwMode="auto">
-          <a:xfrm>
-            <a:off x="2267744" y="259824"/>
-            <a:ext cx="6400800" cy="500063"/>
-          </a:xfrm>
-          <a:prstGeom prst="rect">
-            <a:avLst/>
-          </a:prstGeom>
-          <a:noFill/>
-          <a:ln>
-            <a:noFill/>
-          </a:ln>
-          <a:extLst>
-            <a:ext uri="{909E8E84-426E-40DD-AFC4-6F175D3DCCD1}">
-              <a14:hiddenFill xmlns:a14="http://schemas.microsoft.com/office/drawing/2010/main">
-                <a:solidFill>
-                  <a:srgbClr val="FFFFFF"/>
-                </a:solidFill>
-              </a14:hiddenFill>
-            </a:ext>
-            <a:ext uri="{91240B29-F687-4F45-9708-019B960494DF}">
-              <a14:hiddenLine xmlns:a14="http://schemas.microsoft.com/office/drawing/2010/main" w="9525">
-                <a:solidFill>
-                  <a:srgbClr val="000000"/>
-                </a:solidFill>
-                <a:miter lim="800000"/>
-                <a:headEnd/>
-                <a:tailEnd/>
-              </a14:hiddenLine>
-            </a:ext>
-          </a:extLst>
-        </p:spPr>
-        <p:txBody>
-          <a:bodyPr vert="horz" wrap="square" lIns="91440" tIns="45720" rIns="91440" bIns="45720" numCol="1" rtlCol="0" anchor="t" anchorCtr="0" compatLnSpc="1">
-            <a:prstTxWarp prst="textNoShape">
-              <a:avLst/>
-            </a:prstTxWarp>
-            <a:noAutofit/>
-          </a:bodyPr>
-          <a:lstStyle>
-            <a:lvl1pPr marL="342900" indent="-342900" algn="l" rtl="0" eaLnBrk="0" fontAlgn="base" hangingPunct="0">
-              <a:spcBef>
-                <a:spcPct val="20000"/>
-              </a:spcBef>
-              <a:spcAft>
-                <a:spcPct val="0"/>
-              </a:spcAft>
-              <a:buFont typeface="Arial" panose="020B0604020202020204" pitchFamily="34" charset="0"/>
-              <a:buChar char="•"/>
-              <a:defRPr sz="3200" kern="1200">
-                <a:solidFill>
-                  <a:schemeClr val="tx1"/>
-                </a:solidFill>
-                <a:latin typeface="Arial" pitchFamily="34" charset="0"/>
-                <a:ea typeface="+mn-ea"/>
-                <a:cs typeface="Arial" pitchFamily="34" charset="0"/>
-              </a:defRPr>
-            </a:lvl1pPr>
-            <a:lvl2pPr marL="742950" indent="-285750" algn="l" rtl="0" eaLnBrk="0" fontAlgn="base" hangingPunct="0">
-              <a:spcBef>
-                <a:spcPct val="20000"/>
-              </a:spcBef>
-              <a:spcAft>
-                <a:spcPct val="0"/>
-              </a:spcAft>
-              <a:buFont typeface="Arial" panose="020B0604020202020204" pitchFamily="34" charset="0"/>
-              <a:buChar char="–"/>
-              <a:defRPr sz="2800" kern="1200">
-                <a:solidFill>
-                  <a:schemeClr val="tx1"/>
-                </a:solidFill>
-                <a:latin typeface="Arial" pitchFamily="34" charset="0"/>
-                <a:ea typeface="+mn-ea"/>
-                <a:cs typeface="Arial" pitchFamily="34" charset="0"/>
-              </a:defRPr>
-            </a:lvl2pPr>
-            <a:lvl3pPr marL="1143000" indent="-228600" algn="l" rtl="0" eaLnBrk="0" fontAlgn="base" hangingPunct="0">
-              <a:spcBef>
-                <a:spcPct val="20000"/>
-              </a:spcBef>
-              <a:spcAft>
-                <a:spcPct val="0"/>
-              </a:spcAft>
-              <a:buFont typeface="Arial" panose="020B0604020202020204" pitchFamily="34" charset="0"/>
-              <a:buChar char="•"/>
-              <a:defRPr sz="2400" kern="1200">
-                <a:solidFill>
-                  <a:schemeClr val="tx1"/>
-                </a:solidFill>
-                <a:latin typeface="Arial" pitchFamily="34" charset="0"/>
-                <a:ea typeface="+mn-ea"/>
-                <a:cs typeface="Arial" pitchFamily="34" charset="0"/>
-              </a:defRPr>
-            </a:lvl3pPr>
-            <a:lvl4pPr marL="1600200" indent="-228600" algn="l" rtl="0" eaLnBrk="0" fontAlgn="base" hangingPunct="0">
-              <a:spcBef>
-                <a:spcPct val="20000"/>
-              </a:spcBef>
-              <a:spcAft>
-                <a:spcPct val="0"/>
-              </a:spcAft>
-              <a:buFont typeface="Arial" panose="020B0604020202020204" pitchFamily="34" charset="0"/>
-              <a:buChar char="–"/>
-              <a:defRPr sz="2000" kern="1200">
-                <a:solidFill>
-                  <a:schemeClr val="tx1"/>
-                </a:solidFill>
-                <a:latin typeface="Arial" pitchFamily="34" charset="0"/>
-                <a:ea typeface="+mn-ea"/>
-                <a:cs typeface="Arial" pitchFamily="34" charset="0"/>
-              </a:defRPr>
-            </a:lvl4pPr>
-            <a:lvl5pPr marL="2057400" indent="-228600" algn="l" rtl="0" eaLnBrk="0" fontAlgn="base" hangingPunct="0">
-              <a:spcBef>
-                <a:spcPct val="20000"/>
-              </a:spcBef>
-              <a:spcAft>
-                <a:spcPct val="0"/>
-              </a:spcAft>
-              <a:buFont typeface="Arial" panose="020B0604020202020204" pitchFamily="34" charset="0"/>
-              <a:buChar char="»"/>
-              <a:defRPr sz="2000" kern="1200">
-                <a:solidFill>
-                  <a:schemeClr val="tx1"/>
-                </a:solidFill>
-                <a:latin typeface="Arial" pitchFamily="34" charset="0"/>
-                <a:ea typeface="+mn-ea"/>
-                <a:cs typeface="Arial" pitchFamily="34" charset="0"/>
-              </a:defRPr>
-            </a:lvl5pPr>
-            <a:lvl6pPr marL="2514600" indent="-228600" algn="l" defTabSz="914400" rtl="0" eaLnBrk="1" latinLnBrk="0" hangingPunct="1">
-              <a:spcBef>
-                <a:spcPct val="20000"/>
-              </a:spcBef>
-              <a:buFont typeface="Arial" pitchFamily="34" charset="0"/>
-              <a:buChar char="•"/>
-              <a:defRPr sz="2000" kern="1200">
-                <a:solidFill>
-                  <a:schemeClr val="tx1"/>
-                </a:solidFill>
-                <a:latin typeface="+mn-lt"/>
-                <a:ea typeface="+mn-ea"/>
-                <a:cs typeface="+mn-cs"/>
-              </a:defRPr>
-            </a:lvl6pPr>
-            <a:lvl7pPr marL="2971800" indent="-228600" algn="l" defTabSz="914400" rtl="0" eaLnBrk="1" latinLnBrk="0" hangingPunct="1">
-              <a:spcBef>
-                <a:spcPct val="20000"/>
-              </a:spcBef>
-              <a:buFont typeface="Arial" pitchFamily="34" charset="0"/>
-              <a:buChar char="•"/>
-              <a:defRPr sz="2000" kern="1200">
-                <a:solidFill>
-                  <a:schemeClr val="tx1"/>
-                </a:solidFill>
-                <a:latin typeface="+mn-lt"/>
-                <a:ea typeface="+mn-ea"/>
-                <a:cs typeface="+mn-cs"/>
-              </a:defRPr>
-            </a:lvl7pPr>
-            <a:lvl8pPr marL="3429000" indent="-228600" algn="l" defTabSz="914400" rtl="0" eaLnBrk="1" latinLnBrk="0" hangingPunct="1">
-              <a:spcBef>
-                <a:spcPct val="20000"/>
-              </a:spcBef>
-              <a:buFont typeface="Arial" pitchFamily="34" charset="0"/>
-              <a:buChar char="•"/>
-              <a:defRPr sz="2000" kern="1200">
-                <a:solidFill>
-                  <a:schemeClr val="tx1"/>
-                </a:solidFill>
-                <a:latin typeface="+mn-lt"/>
-                <a:ea typeface="+mn-ea"/>
-                <a:cs typeface="+mn-cs"/>
-              </a:defRPr>
-            </a:lvl8pPr>
-            <a:lvl9pPr marL="3886200" indent="-228600" algn="l" defTabSz="914400" rtl="0" eaLnBrk="1" latinLnBrk="0" hangingPunct="1">
-              <a:spcBef>
-                <a:spcPct val="20000"/>
-              </a:spcBef>
-              <a:buFont typeface="Arial" pitchFamily="34" charset="0"/>
-              <a:buChar char="•"/>
-              <a:defRPr sz="2000" kern="1200">
-                <a:solidFill>
-                  <a:schemeClr val="tx1"/>
-                </a:solidFill>
-                <a:latin typeface="+mn-lt"/>
-                <a:ea typeface="+mn-ea"/>
-                <a:cs typeface="+mn-cs"/>
-              </a:defRPr>
-            </a:lvl9pPr>
-          </a:lstStyle>
-          <a:p>
-            <a:pPr marL="0" indent="0" algn="r" eaLnBrk="1" fontAlgn="auto" hangingPunct="1">
-              <a:spcAft>
-                <a:spcPts val="0"/>
-              </a:spcAft>
-              <a:buNone/>
-              <a:defRPr/>
-            </a:pPr>
-            <a:r>
-              <a:rPr lang="es-CO" sz="2000" b="1">
-                <a:solidFill>
-                  <a:schemeClr val="tx1">
-                    <a:lumMod val="75000"/>
-                    <a:lumOff val="25000"/>
-                  </a:schemeClr>
-                </a:solidFill>
-              </a:rPr>
-              <a:t> 6065 SISTEMAS DE CONTROL II</a:t>
-            </a:r>
-          </a:p>
-        </p:txBody>
-      </p:sp>
-      <p:sp>
-        <p:nvSpPr>
-          <p:cNvPr id="4" name="Título 1">
-            <a:extLst>
-              <a:ext uri="{FF2B5EF4-FFF2-40B4-BE49-F238E27FC236}">
-                <a16:creationId xmlns:a16="http://schemas.microsoft.com/office/drawing/2014/main" id="{E1BD31A4-91A5-4B10-B0CD-D5E8F2A5981A}"/>
-              </a:ext>
-            </a:extLst>
-          </p:cNvPr>
-          <p:cNvSpPr>
-            <a:spLocks noGrp="1"/>
-          </p:cNvSpPr>
-          <p:nvPr>
-            <p:ph type="title"/>
-          </p:nvPr>
-        </p:nvSpPr>
-        <p:spPr>
-          <a:xfrm>
-            <a:off x="1843707" y="1170004"/>
-            <a:ext cx="5456585" cy="1162050"/>
-          </a:xfrm>
-        </p:spPr>
-        <p:txBody>
-          <a:bodyPr/>
-          <a:lstStyle/>
-          <a:p>
-            <a:pPr algn="ctr"/>
-            <a:r>
-              <a:rPr lang="es-CO" b="1" dirty="0"/>
-              <a:t>Taller</a:t>
-            </a:r>
-          </a:p>
-        </p:txBody>
-      </p:sp>
-      <p:sp>
-        <p:nvSpPr>
-          <p:cNvPr id="12" name="CuadroTexto 11">
-            <a:extLst>
-              <a:ext uri="{FF2B5EF4-FFF2-40B4-BE49-F238E27FC236}">
-                <a16:creationId xmlns:a16="http://schemas.microsoft.com/office/drawing/2014/main" id="{098DDFB6-73CD-62B0-BA05-919118667F90}"/>
-              </a:ext>
-            </a:extLst>
-          </p:cNvPr>
-          <p:cNvSpPr txBox="1"/>
-          <p:nvPr/>
-        </p:nvSpPr>
-        <p:spPr>
-          <a:xfrm>
-            <a:off x="1115616" y="4606462"/>
-            <a:ext cx="6984776" cy="646331"/>
-          </a:xfrm>
-          <a:prstGeom prst="rect">
-            <a:avLst/>
-          </a:prstGeom>
-          <a:noFill/>
-        </p:spPr>
-        <p:txBody>
-          <a:bodyPr wrap="square" rtlCol="0">
-            <a:spAutoFit/>
-          </a:bodyPr>
-          <a:lstStyle/>
-          <a:p>
-            <a:r>
-              <a:rPr lang="es-CO" dirty="0"/>
-              <a:t>1, Usando Matlab (función </a:t>
-            </a:r>
-            <a:r>
-              <a:rPr lang="es-CO" dirty="0" err="1"/>
-              <a:t>residuez</a:t>
-            </a:r>
-            <a:r>
-              <a:rPr lang="es-CO" dirty="0"/>
-              <a:t>) realice la expansión en fracciones parciales de la transformada z.</a:t>
-            </a:r>
-            <a:endParaRPr lang="en-US" dirty="0"/>
-          </a:p>
-        </p:txBody>
-      </p:sp>
-      <p:sp>
-        <p:nvSpPr>
-          <p:cNvPr id="17" name="CuadroTexto 16">
-            <a:extLst>
-              <a:ext uri="{FF2B5EF4-FFF2-40B4-BE49-F238E27FC236}">
-                <a16:creationId xmlns:a16="http://schemas.microsoft.com/office/drawing/2014/main" id="{5D2E6BA1-E777-783E-2263-DFBC44E5F894}"/>
-              </a:ext>
-            </a:extLst>
-          </p:cNvPr>
-          <p:cNvSpPr txBox="1"/>
-          <p:nvPr/>
-        </p:nvSpPr>
-        <p:spPr>
-          <a:xfrm>
-            <a:off x="1115616" y="5503330"/>
-            <a:ext cx="6984776" cy="369332"/>
-          </a:xfrm>
-          <a:prstGeom prst="rect">
-            <a:avLst/>
-          </a:prstGeom>
-          <a:noFill/>
-        </p:spPr>
-        <p:txBody>
-          <a:bodyPr wrap="square" rtlCol="0">
-            <a:spAutoFit/>
-          </a:bodyPr>
-          <a:lstStyle/>
-          <a:p>
-            <a:r>
-              <a:rPr lang="es-CO" dirty="0"/>
-              <a:t>2, Usando Matlab (función </a:t>
-            </a:r>
-            <a:r>
-              <a:rPr lang="es-CO" dirty="0" err="1"/>
-              <a:t>iztrans</a:t>
-            </a:r>
-            <a:r>
-              <a:rPr lang="es-CO" dirty="0"/>
-              <a:t>) obtenga la transformada </a:t>
-            </a:r>
-            <a:r>
-              <a:rPr lang="es-CO" dirty="0" err="1"/>
-              <a:t>inverza</a:t>
-            </a:r>
-            <a:r>
-              <a:rPr lang="es-CO" dirty="0"/>
-              <a:t> z.</a:t>
-            </a:r>
-            <a:endParaRPr lang="en-US" dirty="0"/>
-          </a:p>
-        </p:txBody>
-      </p:sp>
-      <mc:AlternateContent xmlns:mc="http://schemas.openxmlformats.org/markup-compatibility/2006" xmlns:a14="http://schemas.microsoft.com/office/drawing/2010/main">
-        <mc:Choice Requires="a14">
-          <p:sp>
-            <p:nvSpPr>
-              <p:cNvPr id="2" name="CuadroTexto 1">
-                <a:extLst>
-                  <a:ext uri="{FF2B5EF4-FFF2-40B4-BE49-F238E27FC236}">
-                    <a16:creationId xmlns:a16="http://schemas.microsoft.com/office/drawing/2014/main" id="{5E4A77ED-7ADC-792F-98E9-E16E98F6F845}"/>
-                  </a:ext>
-                </a:extLst>
-              </p:cNvPr>
-              <p:cNvSpPr txBox="1"/>
-              <p:nvPr/>
-            </p:nvSpPr>
-            <p:spPr>
-              <a:xfrm>
-                <a:off x="1115616" y="3032966"/>
-                <a:ext cx="2408480" cy="569580"/>
-              </a:xfrm>
-              <a:prstGeom prst="rect">
-                <a:avLst/>
-              </a:prstGeom>
-              <a:noFill/>
-            </p:spPr>
-            <p:txBody>
-              <a:bodyPr wrap="none" lIns="0" tIns="0" rIns="0" bIns="0" rtlCol="0">
-                <a:spAutoFit/>
-              </a:bodyPr>
-              <a:lstStyle/>
-              <a:p>
-                <a:pPr/>
-                <a14:m>
-                  <m:oMathPara xmlns:m="http://schemas.openxmlformats.org/officeDocument/2006/math">
-                    <m:oMathParaPr>
-                      <m:jc m:val="centerGroup"/>
-                    </m:oMathParaPr>
-                    <m:oMath xmlns:m="http://schemas.openxmlformats.org/officeDocument/2006/math">
-                      <m:r>
-                        <a:rPr lang="es-CO" b="0" i="1" smtClean="0">
-                          <a:latin typeface="Cambria Math" panose="02040503050406030204" pitchFamily="18" charset="0"/>
-                        </a:rPr>
-                        <m:t>𝑌</m:t>
-                      </m:r>
-                      <m:d>
-                        <m:dPr>
-                          <m:ctrlPr>
-                            <a:rPr lang="es-CO" b="0" i="1" smtClean="0">
-                              <a:latin typeface="Cambria Math" panose="02040503050406030204" pitchFamily="18" charset="0"/>
-                            </a:rPr>
-                          </m:ctrlPr>
-                        </m:dPr>
-                        <m:e>
-                          <m:r>
-                            <a:rPr lang="es-CO" b="0" i="1" smtClean="0">
-                              <a:latin typeface="Cambria Math" panose="02040503050406030204" pitchFamily="18" charset="0"/>
-                            </a:rPr>
-                            <m:t>𝑧</m:t>
-                          </m:r>
-                        </m:e>
-                      </m:d>
-                      <m:r>
-                        <a:rPr lang="es-CO" b="0" i="1" smtClean="0">
-                          <a:latin typeface="Cambria Math" panose="02040503050406030204" pitchFamily="18" charset="0"/>
-                        </a:rPr>
-                        <m:t>=</m:t>
-                      </m:r>
-                      <m:f>
-                        <m:fPr>
-                          <m:ctrlPr>
-                            <a:rPr lang="es-CO" b="0" i="1" smtClean="0">
-                              <a:latin typeface="Cambria Math" panose="02040503050406030204" pitchFamily="18" charset="0"/>
-                            </a:rPr>
-                          </m:ctrlPr>
-                        </m:fPr>
-                        <m:num>
-                          <m:r>
-                            <a:rPr lang="es-CO" b="0" i="1" smtClean="0">
-                              <a:latin typeface="Cambria Math" panose="02040503050406030204" pitchFamily="18" charset="0"/>
-                            </a:rPr>
-                            <m:t>10</m:t>
-                          </m:r>
-                          <m:r>
-                            <a:rPr lang="es-CO" b="0" i="1" smtClean="0">
-                              <a:latin typeface="Cambria Math" panose="02040503050406030204" pitchFamily="18" charset="0"/>
-                            </a:rPr>
-                            <m:t>𝑧</m:t>
-                          </m:r>
-                        </m:num>
-                        <m:den>
-                          <m:r>
-                            <a:rPr lang="es-CO" b="0" i="1" smtClean="0">
-                              <a:latin typeface="Cambria Math" panose="02040503050406030204" pitchFamily="18" charset="0"/>
-                            </a:rPr>
-                            <m:t>(</m:t>
-                          </m:r>
-                          <m:r>
-                            <a:rPr lang="es-CO" b="0" i="1" smtClean="0">
-                              <a:latin typeface="Cambria Math" panose="02040503050406030204" pitchFamily="18" charset="0"/>
-                            </a:rPr>
-                            <m:t>𝑧</m:t>
-                          </m:r>
-                          <m:r>
-                            <a:rPr lang="es-CO" b="0" i="1" smtClean="0">
-                              <a:latin typeface="Cambria Math" panose="02040503050406030204" pitchFamily="18" charset="0"/>
-                            </a:rPr>
-                            <m:t>−1)(</m:t>
-                          </m:r>
-                          <m:r>
-                            <a:rPr lang="es-CO" b="0" i="1" smtClean="0">
-                              <a:latin typeface="Cambria Math" panose="02040503050406030204" pitchFamily="18" charset="0"/>
-                            </a:rPr>
-                            <m:t>𝑧</m:t>
-                          </m:r>
-                          <m:r>
-                            <a:rPr lang="es-CO" b="0" i="1" smtClean="0">
-                              <a:latin typeface="Cambria Math" panose="02040503050406030204" pitchFamily="18" charset="0"/>
-                            </a:rPr>
-                            <m:t>−0,2)</m:t>
-                          </m:r>
-                        </m:den>
-                      </m:f>
-                    </m:oMath>
-                  </m:oMathPara>
-                </a14:m>
-                <a:endParaRPr lang="en-US" dirty="0"/>
-              </a:p>
-            </p:txBody>
-          </p:sp>
-        </mc:Choice>
-        <mc:Fallback xmlns="">
-          <p:sp>
-            <p:nvSpPr>
-              <p:cNvPr id="2" name="CuadroTexto 1">
-                <a:extLst>
-                  <a:ext uri="{FF2B5EF4-FFF2-40B4-BE49-F238E27FC236}">
-                    <a16:creationId xmlns:a16="http://schemas.microsoft.com/office/drawing/2014/main" id="{5E4A77ED-7ADC-792F-98E9-E16E98F6F845}"/>
-                  </a:ext>
-                </a:extLst>
-              </p:cNvPr>
-              <p:cNvSpPr txBox="1">
-                <a:spLocks noRot="1" noChangeAspect="1" noMove="1" noResize="1" noEditPoints="1" noAdjustHandles="1" noChangeArrowheads="1" noChangeShapeType="1" noTextEdit="1"/>
-              </p:cNvSpPr>
-              <p:nvPr/>
-            </p:nvSpPr>
-            <p:spPr>
-              <a:xfrm>
-                <a:off x="1115616" y="3032966"/>
-                <a:ext cx="2408480" cy="569580"/>
-              </a:xfrm>
-              <a:prstGeom prst="rect">
-                <a:avLst/>
-              </a:prstGeom>
-              <a:blipFill>
-                <a:blip r:embed="rId4"/>
-                <a:stretch>
-                  <a:fillRect/>
-                </a:stretch>
-              </a:blipFill>
-            </p:spPr>
-            <p:txBody>
-              <a:bodyPr/>
-              <a:lstStyle/>
-              <a:p>
-                <a:r>
-                  <a:rPr lang="es-CO">
-                    <a:noFill/>
-                  </a:rPr>
-                  <a:t> </a:t>
-                </a:r>
-              </a:p>
-            </p:txBody>
-          </p:sp>
-        </mc:Fallback>
-      </mc:AlternateContent>
-      <mc:AlternateContent xmlns:mc="http://schemas.openxmlformats.org/markup-compatibility/2006" xmlns:a14="http://schemas.microsoft.com/office/drawing/2010/main">
-        <mc:Choice Requires="a14">
-          <p:sp>
-            <p:nvSpPr>
-              <p:cNvPr id="3" name="CuadroTexto 2">
-                <a:extLst>
-                  <a:ext uri="{FF2B5EF4-FFF2-40B4-BE49-F238E27FC236}">
-                    <a16:creationId xmlns:a16="http://schemas.microsoft.com/office/drawing/2014/main" id="{E4C3F3A4-7075-91E8-2ECF-415D2C376860}"/>
-                  </a:ext>
-                </a:extLst>
-              </p:cNvPr>
-              <p:cNvSpPr txBox="1"/>
-              <p:nvPr/>
-            </p:nvSpPr>
-            <p:spPr>
-              <a:xfrm>
-                <a:off x="4810304" y="2982470"/>
-                <a:ext cx="2536720" cy="521618"/>
-              </a:xfrm>
-              <a:prstGeom prst="rect">
-                <a:avLst/>
-              </a:prstGeom>
-              <a:noFill/>
-            </p:spPr>
-            <p:txBody>
-              <a:bodyPr wrap="none" lIns="0" tIns="0" rIns="0" bIns="0" rtlCol="0">
-                <a:spAutoFit/>
-              </a:bodyPr>
-              <a:lstStyle/>
-              <a:p>
-                <a:pPr/>
-                <a14:m>
-                  <m:oMathPara xmlns:m="http://schemas.openxmlformats.org/officeDocument/2006/math">
-                    <m:oMathParaPr>
-                      <m:jc m:val="centerGroup"/>
-                    </m:oMathParaPr>
-                    <m:oMath xmlns:m="http://schemas.openxmlformats.org/officeDocument/2006/math">
-                      <m:r>
-                        <a:rPr lang="es-CO" b="0" i="1" smtClean="0">
-                          <a:latin typeface="Cambria Math" panose="02040503050406030204" pitchFamily="18" charset="0"/>
-                        </a:rPr>
-                        <m:t>𝑌</m:t>
-                      </m:r>
-                      <m:d>
-                        <m:dPr>
-                          <m:ctrlPr>
-                            <a:rPr lang="es-CO" b="0" i="1" smtClean="0">
-                              <a:latin typeface="Cambria Math" panose="02040503050406030204" pitchFamily="18" charset="0"/>
-                            </a:rPr>
-                          </m:ctrlPr>
-                        </m:dPr>
-                        <m:e>
-                          <m:r>
-                            <a:rPr lang="es-CO" b="0" i="1" smtClean="0">
-                              <a:latin typeface="Cambria Math" panose="02040503050406030204" pitchFamily="18" charset="0"/>
-                            </a:rPr>
-                            <m:t>𝑧</m:t>
-                          </m:r>
-                        </m:e>
-                      </m:d>
-                      <m:r>
-                        <a:rPr lang="es-CO" b="0" i="1" smtClean="0">
-                          <a:latin typeface="Cambria Math" panose="02040503050406030204" pitchFamily="18" charset="0"/>
-                        </a:rPr>
-                        <m:t>=</m:t>
-                      </m:r>
-                      <m:f>
-                        <m:fPr>
-                          <m:ctrlPr>
-                            <a:rPr lang="es-CO" b="0" i="1" smtClean="0">
-                              <a:latin typeface="Cambria Math" panose="02040503050406030204" pitchFamily="18" charset="0"/>
-                            </a:rPr>
-                          </m:ctrlPr>
-                        </m:fPr>
-                        <m:num>
-                          <m:r>
-                            <a:rPr lang="es-CO" b="0" i="1" smtClean="0">
-                              <a:latin typeface="Cambria Math" panose="02040503050406030204" pitchFamily="18" charset="0"/>
-                            </a:rPr>
-                            <m:t>𝑧</m:t>
-                          </m:r>
-                        </m:num>
-                        <m:den>
-                          <m:r>
-                            <a:rPr lang="es-CO" b="0" i="1" smtClean="0">
-                              <a:latin typeface="Cambria Math" panose="02040503050406030204" pitchFamily="18" charset="0"/>
-                            </a:rPr>
-                            <m:t>(</m:t>
-                          </m:r>
-                          <m:r>
-                            <a:rPr lang="es-CO" b="0" i="1" smtClean="0">
-                              <a:latin typeface="Cambria Math" panose="02040503050406030204" pitchFamily="18" charset="0"/>
-                            </a:rPr>
-                            <m:t>𝑧</m:t>
-                          </m:r>
-                          <m:r>
-                            <a:rPr lang="es-CO" b="0" i="1" smtClean="0">
-                              <a:latin typeface="Cambria Math" panose="02040503050406030204" pitchFamily="18" charset="0"/>
-                            </a:rPr>
-                            <m:t>−1)(</m:t>
-                          </m:r>
-                          <m:r>
-                            <a:rPr lang="es-CO" b="0" i="1" smtClean="0">
-                              <a:latin typeface="Cambria Math" panose="02040503050406030204" pitchFamily="18" charset="0"/>
-                            </a:rPr>
-                            <m:t>𝑧</m:t>
-                          </m:r>
-                          <m:r>
-                            <a:rPr lang="es-CO" b="0" i="1" smtClean="0">
-                              <a:latin typeface="Cambria Math" panose="02040503050406030204" pitchFamily="18" charset="0"/>
-                            </a:rPr>
-                            <m:t>−0,85)</m:t>
-                          </m:r>
-                        </m:den>
-                      </m:f>
-                    </m:oMath>
-                  </m:oMathPara>
-                </a14:m>
-                <a:endParaRPr lang="en-US" dirty="0"/>
-              </a:p>
-            </p:txBody>
-          </p:sp>
-        </mc:Choice>
-        <mc:Fallback xmlns="">
-          <p:sp>
-            <p:nvSpPr>
-              <p:cNvPr id="3" name="CuadroTexto 2">
-                <a:extLst>
-                  <a:ext uri="{FF2B5EF4-FFF2-40B4-BE49-F238E27FC236}">
-                    <a16:creationId xmlns:a16="http://schemas.microsoft.com/office/drawing/2014/main" id="{E4C3F3A4-7075-91E8-2ECF-415D2C376860}"/>
-                  </a:ext>
-                </a:extLst>
-              </p:cNvPr>
-              <p:cNvSpPr txBox="1">
-                <a:spLocks noRot="1" noChangeAspect="1" noMove="1" noResize="1" noEditPoints="1" noAdjustHandles="1" noChangeArrowheads="1" noChangeShapeType="1" noTextEdit="1"/>
-              </p:cNvSpPr>
-              <p:nvPr/>
-            </p:nvSpPr>
-            <p:spPr>
-              <a:xfrm>
-                <a:off x="4810304" y="2982470"/>
-                <a:ext cx="2536720" cy="521618"/>
-              </a:xfrm>
-              <a:prstGeom prst="rect">
-                <a:avLst/>
-              </a:prstGeom>
-              <a:blipFill>
-                <a:blip r:embed="rId5"/>
-                <a:stretch>
-                  <a:fillRect/>
-                </a:stretch>
-              </a:blipFill>
-            </p:spPr>
-            <p:txBody>
-              <a:bodyPr/>
-              <a:lstStyle/>
-              <a:p>
-                <a:r>
-                  <a:rPr lang="es-CO">
-                    <a:noFill/>
-                  </a:rPr>
-                  <a:t> </a:t>
-                </a:r>
-              </a:p>
-            </p:txBody>
-          </p:sp>
-        </mc:Fallback>
-      </mc:AlternateContent>
-      <mc:AlternateContent xmlns:mc="http://schemas.openxmlformats.org/markup-compatibility/2006" xmlns:a14="http://schemas.microsoft.com/office/drawing/2010/main">
-        <mc:Choice Requires="a14">
-          <p:sp>
-            <p:nvSpPr>
-              <p:cNvPr id="6" name="CuadroTexto 5">
-                <a:extLst>
-                  <a:ext uri="{FF2B5EF4-FFF2-40B4-BE49-F238E27FC236}">
-                    <a16:creationId xmlns:a16="http://schemas.microsoft.com/office/drawing/2014/main" id="{3BCCA290-D212-041E-849B-A48CEE512FCF}"/>
-                  </a:ext>
-                </a:extLst>
-              </p:cNvPr>
-              <p:cNvSpPr txBox="1"/>
-              <p:nvPr/>
-            </p:nvSpPr>
-            <p:spPr>
-              <a:xfrm>
-                <a:off x="1268016" y="3783506"/>
-                <a:ext cx="2738698" cy="521618"/>
-              </a:xfrm>
-              <a:prstGeom prst="rect">
-                <a:avLst/>
-              </a:prstGeom>
-              <a:noFill/>
-            </p:spPr>
-            <p:txBody>
-              <a:bodyPr wrap="none" lIns="0" tIns="0" rIns="0" bIns="0" rtlCol="0">
-                <a:spAutoFit/>
-              </a:bodyPr>
-              <a:lstStyle/>
-              <a:p>
-                <a:pPr/>
-                <a14:m>
-                  <m:oMathPara xmlns:m="http://schemas.openxmlformats.org/officeDocument/2006/math">
-                    <m:oMathParaPr>
-                      <m:jc m:val="centerGroup"/>
-                    </m:oMathParaPr>
-                    <m:oMath xmlns:m="http://schemas.openxmlformats.org/officeDocument/2006/math">
-                      <m:r>
-                        <a:rPr lang="es-CO" b="0" i="1" smtClean="0">
-                          <a:latin typeface="Cambria Math" panose="02040503050406030204" pitchFamily="18" charset="0"/>
-                        </a:rPr>
-                        <m:t>𝑌</m:t>
-                      </m:r>
-                      <m:d>
-                        <m:dPr>
-                          <m:ctrlPr>
-                            <a:rPr lang="es-CO" b="0" i="1" smtClean="0">
-                              <a:latin typeface="Cambria Math" panose="02040503050406030204" pitchFamily="18" charset="0"/>
-                            </a:rPr>
-                          </m:ctrlPr>
-                        </m:dPr>
-                        <m:e>
-                          <m:r>
-                            <a:rPr lang="es-CO" b="0" i="1" smtClean="0">
-                              <a:latin typeface="Cambria Math" panose="02040503050406030204" pitchFamily="18" charset="0"/>
-                            </a:rPr>
-                            <m:t>𝑧</m:t>
-                          </m:r>
-                        </m:e>
-                      </m:d>
-                      <m:r>
-                        <a:rPr lang="es-CO" b="0" i="1" smtClean="0">
-                          <a:latin typeface="Cambria Math" panose="02040503050406030204" pitchFamily="18" charset="0"/>
-                        </a:rPr>
-                        <m:t>=</m:t>
-                      </m:r>
-                      <m:f>
-                        <m:fPr>
-                          <m:ctrlPr>
-                            <a:rPr lang="es-CO" b="0" i="1" smtClean="0">
-                              <a:latin typeface="Cambria Math" panose="02040503050406030204" pitchFamily="18" charset="0"/>
-                            </a:rPr>
-                          </m:ctrlPr>
-                        </m:fPr>
-                        <m:num>
-                          <m:r>
-                            <a:rPr lang="es-CO" b="0" i="1" smtClean="0">
-                              <a:latin typeface="Cambria Math" panose="02040503050406030204" pitchFamily="18" charset="0"/>
-                            </a:rPr>
-                            <m:t>𝑧</m:t>
-                          </m:r>
-                        </m:num>
-                        <m:den>
-                          <m:r>
-                            <a:rPr lang="es-CO" b="0" i="1" smtClean="0">
-                              <a:latin typeface="Cambria Math" panose="02040503050406030204" pitchFamily="18" charset="0"/>
-                            </a:rPr>
-                            <m:t>(</m:t>
-                          </m:r>
-                          <m:r>
-                            <a:rPr lang="es-CO" b="0" i="1" smtClean="0">
-                              <a:latin typeface="Cambria Math" panose="02040503050406030204" pitchFamily="18" charset="0"/>
-                            </a:rPr>
-                            <m:t>𝑧</m:t>
-                          </m:r>
-                          <m:r>
-                            <a:rPr lang="es-CO" b="0" i="1" smtClean="0">
-                              <a:latin typeface="Cambria Math" panose="02040503050406030204" pitchFamily="18" charset="0"/>
-                            </a:rPr>
-                            <m:t>−1)(</m:t>
-                          </m:r>
-                          <m:sSup>
-                            <m:sSupPr>
-                              <m:ctrlPr>
-                                <a:rPr lang="es-CO" b="0" i="1" smtClean="0">
-                                  <a:latin typeface="Cambria Math" panose="02040503050406030204" pitchFamily="18" charset="0"/>
-                                </a:rPr>
-                              </m:ctrlPr>
-                            </m:sSupPr>
-                            <m:e>
-                              <m:r>
-                                <a:rPr lang="es-CO" b="0" i="1" smtClean="0">
-                                  <a:latin typeface="Cambria Math" panose="02040503050406030204" pitchFamily="18" charset="0"/>
-                                </a:rPr>
-                                <m:t>𝑧</m:t>
-                              </m:r>
-                            </m:e>
-                            <m:sup>
-                              <m:r>
-                                <a:rPr lang="es-CO" b="0" i="1" smtClean="0">
-                                  <a:latin typeface="Cambria Math" panose="02040503050406030204" pitchFamily="18" charset="0"/>
-                                </a:rPr>
-                                <m:t>2</m:t>
-                              </m:r>
-                            </m:sup>
-                          </m:sSup>
-                          <m:r>
-                            <a:rPr lang="es-CO" b="0" i="1" smtClean="0">
-                              <a:latin typeface="Cambria Math" panose="02040503050406030204" pitchFamily="18" charset="0"/>
-                            </a:rPr>
-                            <m:t>+</m:t>
-                          </m:r>
-                          <m:r>
-                            <a:rPr lang="es-CO" b="0" i="1" smtClean="0">
-                              <a:latin typeface="Cambria Math" panose="02040503050406030204" pitchFamily="18" charset="0"/>
-                            </a:rPr>
-                            <m:t>𝑧</m:t>
-                          </m:r>
-                          <m:r>
-                            <a:rPr lang="es-CO" b="0" i="1" smtClean="0">
-                              <a:latin typeface="Cambria Math" panose="02040503050406030204" pitchFamily="18" charset="0"/>
-                            </a:rPr>
-                            <m:t>+1)</m:t>
-                          </m:r>
-                        </m:den>
-                      </m:f>
-                    </m:oMath>
-                  </m:oMathPara>
-                </a14:m>
-                <a:endParaRPr lang="en-US" dirty="0"/>
-              </a:p>
-            </p:txBody>
-          </p:sp>
-        </mc:Choice>
-        <mc:Fallback xmlns="">
-          <p:sp>
-            <p:nvSpPr>
-              <p:cNvPr id="6" name="CuadroTexto 5">
-                <a:extLst>
-                  <a:ext uri="{FF2B5EF4-FFF2-40B4-BE49-F238E27FC236}">
-                    <a16:creationId xmlns:a16="http://schemas.microsoft.com/office/drawing/2014/main" id="{3BCCA290-D212-041E-849B-A48CEE512FCF}"/>
-                  </a:ext>
-                </a:extLst>
-              </p:cNvPr>
-              <p:cNvSpPr txBox="1">
-                <a:spLocks noRot="1" noChangeAspect="1" noMove="1" noResize="1" noEditPoints="1" noAdjustHandles="1" noChangeArrowheads="1" noChangeShapeType="1" noTextEdit="1"/>
-              </p:cNvSpPr>
-              <p:nvPr/>
-            </p:nvSpPr>
-            <p:spPr>
-              <a:xfrm>
-                <a:off x="1268016" y="3783506"/>
-                <a:ext cx="2738698" cy="521618"/>
-              </a:xfrm>
-              <a:prstGeom prst="rect">
-                <a:avLst/>
-              </a:prstGeom>
-              <a:blipFill>
-                <a:blip r:embed="rId6"/>
-                <a:stretch>
-                  <a:fillRect/>
-                </a:stretch>
-              </a:blipFill>
-            </p:spPr>
-            <p:txBody>
-              <a:bodyPr/>
-              <a:lstStyle/>
-              <a:p>
-                <a:r>
-                  <a:rPr lang="es-CO">
-                    <a:noFill/>
-                  </a:rPr>
-                  <a:t> </a:t>
-                </a:r>
-              </a:p>
-            </p:txBody>
-          </p:sp>
-        </mc:Fallback>
-      </mc:AlternateContent>
-      <mc:AlternateContent xmlns:mc="http://schemas.openxmlformats.org/markup-compatibility/2006" xmlns:a14="http://schemas.microsoft.com/office/drawing/2010/main">
-        <mc:Choice Requires="a14">
-          <p:sp>
-            <p:nvSpPr>
-              <p:cNvPr id="7" name="CuadroTexto 6">
-                <a:extLst>
-                  <a:ext uri="{FF2B5EF4-FFF2-40B4-BE49-F238E27FC236}">
-                    <a16:creationId xmlns:a16="http://schemas.microsoft.com/office/drawing/2014/main" id="{97596ADE-20B6-4641-E42B-915F984742C7}"/>
-                  </a:ext>
-                </a:extLst>
-              </p:cNvPr>
-              <p:cNvSpPr txBox="1"/>
-              <p:nvPr/>
-            </p:nvSpPr>
-            <p:spPr>
-              <a:xfrm>
-                <a:off x="4891812" y="3727589"/>
-                <a:ext cx="2408480" cy="569580"/>
-              </a:xfrm>
-              <a:prstGeom prst="rect">
-                <a:avLst/>
-              </a:prstGeom>
-              <a:noFill/>
-            </p:spPr>
-            <p:txBody>
-              <a:bodyPr wrap="none" lIns="0" tIns="0" rIns="0" bIns="0" rtlCol="0">
-                <a:spAutoFit/>
-              </a:bodyPr>
-              <a:lstStyle/>
-              <a:p>
-                <a:pPr/>
-                <a14:m>
-                  <m:oMathPara xmlns:m="http://schemas.openxmlformats.org/officeDocument/2006/math">
-                    <m:oMathParaPr>
-                      <m:jc m:val="centerGroup"/>
-                    </m:oMathParaPr>
-                    <m:oMath xmlns:m="http://schemas.openxmlformats.org/officeDocument/2006/math">
-                      <m:r>
-                        <a:rPr lang="es-CO" b="0" i="1" smtClean="0">
-                          <a:latin typeface="Cambria Math" panose="02040503050406030204" pitchFamily="18" charset="0"/>
-                        </a:rPr>
-                        <m:t>𝑌</m:t>
-                      </m:r>
-                      <m:d>
-                        <m:dPr>
-                          <m:ctrlPr>
-                            <a:rPr lang="es-CO" b="0" i="1" smtClean="0">
-                              <a:latin typeface="Cambria Math" panose="02040503050406030204" pitchFamily="18" charset="0"/>
-                            </a:rPr>
-                          </m:ctrlPr>
-                        </m:dPr>
-                        <m:e>
-                          <m:r>
-                            <a:rPr lang="es-CO" b="0" i="1" smtClean="0">
-                              <a:latin typeface="Cambria Math" panose="02040503050406030204" pitchFamily="18" charset="0"/>
-                            </a:rPr>
-                            <m:t>𝑧</m:t>
-                          </m:r>
-                        </m:e>
-                      </m:d>
-                      <m:r>
-                        <a:rPr lang="es-CO" b="0" i="1" smtClean="0">
-                          <a:latin typeface="Cambria Math" panose="02040503050406030204" pitchFamily="18" charset="0"/>
-                        </a:rPr>
-                        <m:t>=</m:t>
-                      </m:r>
-                      <m:f>
-                        <m:fPr>
-                          <m:ctrlPr>
-                            <a:rPr lang="es-CO" b="0" i="1" smtClean="0">
-                              <a:latin typeface="Cambria Math" panose="02040503050406030204" pitchFamily="18" charset="0"/>
-                            </a:rPr>
-                          </m:ctrlPr>
-                        </m:fPr>
-                        <m:num>
-                          <m:r>
-                            <a:rPr lang="es-CO" b="0" i="1" smtClean="0">
-                              <a:latin typeface="Cambria Math" panose="02040503050406030204" pitchFamily="18" charset="0"/>
-                            </a:rPr>
-                            <m:t>10</m:t>
-                          </m:r>
-                        </m:num>
-                        <m:den>
-                          <m:r>
-                            <a:rPr lang="es-CO" b="0" i="1" smtClean="0">
-                              <a:latin typeface="Cambria Math" panose="02040503050406030204" pitchFamily="18" charset="0"/>
-                            </a:rPr>
-                            <m:t>(</m:t>
-                          </m:r>
-                          <m:r>
-                            <a:rPr lang="es-CO" b="0" i="1" smtClean="0">
-                              <a:latin typeface="Cambria Math" panose="02040503050406030204" pitchFamily="18" charset="0"/>
-                            </a:rPr>
-                            <m:t>𝑧</m:t>
-                          </m:r>
-                          <m:r>
-                            <a:rPr lang="es-CO" b="0" i="1" smtClean="0">
-                              <a:latin typeface="Cambria Math" panose="02040503050406030204" pitchFamily="18" charset="0"/>
-                            </a:rPr>
-                            <m:t>−1)(</m:t>
-                          </m:r>
-                          <m:r>
-                            <a:rPr lang="es-CO" b="0" i="1" smtClean="0">
-                              <a:latin typeface="Cambria Math" panose="02040503050406030204" pitchFamily="18" charset="0"/>
-                            </a:rPr>
-                            <m:t>𝑧</m:t>
-                          </m:r>
-                          <m:r>
-                            <a:rPr lang="es-CO" b="0" i="1" smtClean="0">
-                              <a:latin typeface="Cambria Math" panose="02040503050406030204" pitchFamily="18" charset="0"/>
-                            </a:rPr>
-                            <m:t>−0,5)</m:t>
-                          </m:r>
-                        </m:den>
-                      </m:f>
-                    </m:oMath>
-                  </m:oMathPara>
-                </a14:m>
-                <a:endParaRPr lang="en-US" dirty="0"/>
-              </a:p>
-            </p:txBody>
-          </p:sp>
-        </mc:Choice>
-        <mc:Fallback xmlns="">
-          <p:sp>
-            <p:nvSpPr>
-              <p:cNvPr id="7" name="CuadroTexto 6">
-                <a:extLst>
-                  <a:ext uri="{FF2B5EF4-FFF2-40B4-BE49-F238E27FC236}">
-                    <a16:creationId xmlns:a16="http://schemas.microsoft.com/office/drawing/2014/main" id="{97596ADE-20B6-4641-E42B-915F984742C7}"/>
-                  </a:ext>
-                </a:extLst>
-              </p:cNvPr>
-              <p:cNvSpPr txBox="1">
-                <a:spLocks noRot="1" noChangeAspect="1" noMove="1" noResize="1" noEditPoints="1" noAdjustHandles="1" noChangeArrowheads="1" noChangeShapeType="1" noTextEdit="1"/>
-              </p:cNvSpPr>
-              <p:nvPr/>
-            </p:nvSpPr>
-            <p:spPr>
-              <a:xfrm>
-                <a:off x="4891812" y="3727589"/>
-                <a:ext cx="2408480" cy="569580"/>
-              </a:xfrm>
-              <a:prstGeom prst="rect">
-                <a:avLst/>
-              </a:prstGeom>
-              <a:blipFill>
-                <a:blip r:embed="rId7"/>
-                <a:stretch>
-                  <a:fillRect/>
-                </a:stretch>
-              </a:blipFill>
-            </p:spPr>
-            <p:txBody>
-              <a:bodyPr/>
-              <a:lstStyle/>
-              <a:p>
-                <a:r>
-                  <a:rPr lang="es-CO">
-                    <a:noFill/>
-                  </a:rPr>
-                  <a:t> </a:t>
-                </a:r>
-              </a:p>
-            </p:txBody>
-          </p:sp>
-        </mc:Fallback>
-      </mc:AlternateContent>
-    </p:spTree>
-    <p:extLst>
-      <p:ext uri="{BB962C8B-B14F-4D97-AF65-F5344CB8AC3E}">
-        <p14:creationId xmlns:p14="http://schemas.microsoft.com/office/powerpoint/2010/main" val="3072102049"/>
-      </p:ext>
-    </p:extLst>
-  </p:cSld>
-  <p:clrMapOvr>
-    <a:masterClrMapping/>
-  </p:clrMapOvr>
-</p:sld>
-</file>
-
-<file path=ppt/slides/slide21.xml><?xml version="1.0" encoding="utf-8"?>
-<p:sld xmlns:a="http://schemas.openxmlformats.org/drawingml/2006/main" xmlns:r="http://schemas.openxmlformats.org/officeDocument/2006/relationships" xmlns:p="http://schemas.openxmlformats.org/presentationml/2006/main">
-  <p:cSld>
-    <p:spTree>
-      <p:nvGrpSpPr>
-        <p:cNvPr id="1" name=""/>
-        <p:cNvGrpSpPr/>
-        <p:nvPr/>
-      </p:nvGrpSpPr>
-      <p:grpSpPr>
-        <a:xfrm>
-          <a:off x="0" y="0"/>
-          <a:ext cx="0" cy="0"/>
-          <a:chOff x="0" y="0"/>
-          <a:chExt cx="0" cy="0"/>
-        </a:xfrm>
-      </p:grpSpPr>
-      <p:sp>
-        <p:nvSpPr>
-          <p:cNvPr id="10" name="1 Título">
-            <a:extLst>
-              <a:ext uri="{FF2B5EF4-FFF2-40B4-BE49-F238E27FC236}">
-                <a16:creationId xmlns:a16="http://schemas.microsoft.com/office/drawing/2014/main" id="{AF4E183E-A171-4923-A99E-D149888CEC37}"/>
-              </a:ext>
-            </a:extLst>
-          </p:cNvPr>
-          <p:cNvSpPr txBox="1">
-            <a:spLocks/>
-          </p:cNvSpPr>
-          <p:nvPr/>
-        </p:nvSpPr>
-        <p:spPr bwMode="auto">
-          <a:xfrm>
-            <a:off x="0" y="-28575"/>
-            <a:ext cx="779463" cy="720725"/>
-          </a:xfrm>
-          <a:prstGeom prst="rect">
-            <a:avLst/>
-          </a:prstGeom>
-          <a:noFill/>
-          <a:ln>
-            <a:noFill/>
-          </a:ln>
-          <a:extLst>
-            <a:ext uri="{909E8E84-426E-40DD-AFC4-6F175D3DCCD1}">
-              <a14:hiddenFill xmlns:a14="http://schemas.microsoft.com/office/drawing/2010/main">
-                <a:solidFill>
-                  <a:srgbClr val="FFFFFF"/>
-                </a:solidFill>
-              </a14:hiddenFill>
-            </a:ext>
-            <a:ext uri="{91240B29-F687-4F45-9708-019B960494DF}">
-              <a14:hiddenLine xmlns:a14="http://schemas.microsoft.com/office/drawing/2010/main" w="9525">
-                <a:solidFill>
-                  <a:srgbClr val="000000"/>
-                </a:solidFill>
-                <a:miter lim="800000"/>
-                <a:headEnd/>
-                <a:tailEnd/>
-              </a14:hiddenLine>
-            </a:ext>
-          </a:extLst>
-        </p:spPr>
-        <p:txBody>
-          <a:bodyPr vert="horz" wrap="square" lIns="91440" tIns="45720" rIns="91440" bIns="45720" numCol="1" anchor="b" anchorCtr="0" compatLnSpc="1">
-            <a:prstTxWarp prst="textNoShape">
-              <a:avLst/>
-            </a:prstTxWarp>
-          </a:bodyPr>
-          <a:lstStyle>
-            <a:lvl1pPr algn="l" rtl="0" eaLnBrk="0" fontAlgn="base" hangingPunct="0">
-              <a:spcBef>
-                <a:spcPct val="0"/>
-              </a:spcBef>
-              <a:spcAft>
-                <a:spcPct val="0"/>
-              </a:spcAft>
-              <a:defRPr sz="2000" b="1" kern="1200">
-                <a:solidFill>
-                  <a:schemeClr val="tx1"/>
-                </a:solidFill>
-                <a:latin typeface="Arial" pitchFamily="34" charset="0"/>
-                <a:ea typeface="+mj-ea"/>
-                <a:cs typeface="Arial" pitchFamily="34" charset="0"/>
-              </a:defRPr>
-            </a:lvl1pPr>
-            <a:lvl2pPr algn="l" rtl="0" eaLnBrk="0" fontAlgn="base" hangingPunct="0">
-              <a:spcBef>
-                <a:spcPct val="0"/>
-              </a:spcBef>
-              <a:spcAft>
-                <a:spcPct val="0"/>
-              </a:spcAft>
-              <a:defRPr sz="4400">
-                <a:solidFill>
-                  <a:schemeClr val="tx1"/>
-                </a:solidFill>
-                <a:latin typeface="Arial" charset="0"/>
-                <a:cs typeface="Arial" charset="0"/>
-              </a:defRPr>
-            </a:lvl2pPr>
-            <a:lvl3pPr algn="l" rtl="0" eaLnBrk="0" fontAlgn="base" hangingPunct="0">
-              <a:spcBef>
-                <a:spcPct val="0"/>
-              </a:spcBef>
-              <a:spcAft>
-                <a:spcPct val="0"/>
-              </a:spcAft>
-              <a:defRPr sz="4400">
-                <a:solidFill>
-                  <a:schemeClr val="tx1"/>
-                </a:solidFill>
-                <a:latin typeface="Arial" charset="0"/>
-                <a:cs typeface="Arial" charset="0"/>
-              </a:defRPr>
-            </a:lvl3pPr>
-            <a:lvl4pPr algn="l" rtl="0" eaLnBrk="0" fontAlgn="base" hangingPunct="0">
-              <a:spcBef>
-                <a:spcPct val="0"/>
-              </a:spcBef>
-              <a:spcAft>
-                <a:spcPct val="0"/>
-              </a:spcAft>
-              <a:defRPr sz="4400">
-                <a:solidFill>
-                  <a:schemeClr val="tx1"/>
-                </a:solidFill>
-                <a:latin typeface="Arial" charset="0"/>
-                <a:cs typeface="Arial" charset="0"/>
-              </a:defRPr>
-            </a:lvl4pPr>
-            <a:lvl5pPr algn="l" rtl="0" eaLnBrk="0" fontAlgn="base" hangingPunct="0">
-              <a:spcBef>
-                <a:spcPct val="0"/>
-              </a:spcBef>
-              <a:spcAft>
-                <a:spcPct val="0"/>
-              </a:spcAft>
-              <a:defRPr sz="4400">
-                <a:solidFill>
-                  <a:schemeClr val="tx1"/>
-                </a:solidFill>
-                <a:latin typeface="Arial" charset="0"/>
-                <a:cs typeface="Arial" charset="0"/>
-              </a:defRPr>
-            </a:lvl5pPr>
-            <a:lvl6pPr marL="457200" algn="l" rtl="0" fontAlgn="base">
-              <a:spcBef>
-                <a:spcPct val="0"/>
-              </a:spcBef>
-              <a:spcAft>
-                <a:spcPct val="0"/>
-              </a:spcAft>
-              <a:defRPr sz="4400">
-                <a:solidFill>
-                  <a:schemeClr val="tx1"/>
-                </a:solidFill>
-                <a:latin typeface="Arial" charset="0"/>
-                <a:cs typeface="Arial" charset="0"/>
-              </a:defRPr>
-            </a:lvl6pPr>
-            <a:lvl7pPr marL="914400" algn="l" rtl="0" fontAlgn="base">
-              <a:spcBef>
-                <a:spcPct val="0"/>
-              </a:spcBef>
-              <a:spcAft>
-                <a:spcPct val="0"/>
-              </a:spcAft>
-              <a:defRPr sz="4400">
-                <a:solidFill>
-                  <a:schemeClr val="tx1"/>
-                </a:solidFill>
-                <a:latin typeface="Arial" charset="0"/>
-                <a:cs typeface="Arial" charset="0"/>
-              </a:defRPr>
-            </a:lvl7pPr>
-            <a:lvl8pPr marL="1371600" algn="l" rtl="0" fontAlgn="base">
-              <a:spcBef>
-                <a:spcPct val="0"/>
-              </a:spcBef>
-              <a:spcAft>
-                <a:spcPct val="0"/>
-              </a:spcAft>
-              <a:defRPr sz="4400">
-                <a:solidFill>
-                  <a:schemeClr val="tx1"/>
-                </a:solidFill>
-                <a:latin typeface="Arial" charset="0"/>
-                <a:cs typeface="Arial" charset="0"/>
-              </a:defRPr>
-            </a:lvl8pPr>
-            <a:lvl9pPr marL="1828800" algn="l" rtl="0" fontAlgn="base">
-              <a:spcBef>
-                <a:spcPct val="0"/>
-              </a:spcBef>
-              <a:spcAft>
-                <a:spcPct val="0"/>
-              </a:spcAft>
-              <a:defRPr sz="4400">
-                <a:solidFill>
-                  <a:schemeClr val="tx1"/>
-                </a:solidFill>
-                <a:latin typeface="Arial" charset="0"/>
-                <a:cs typeface="Arial" charset="0"/>
-              </a:defRPr>
-            </a:lvl9pPr>
-          </a:lstStyle>
-          <a:p>
-            <a:pPr algn="ctr" eaLnBrk="1" hangingPunct="1"/>
-            <a:r>
-              <a:rPr lang="es-CO" altLang="es-CO" sz="3600" b="0" dirty="0"/>
               <a:t>20</a:t>
             </a:r>
           </a:p>
@@ -26154,656 +24102,6 @@
     <p:extLst>
       <p:ext uri="{BB962C8B-B14F-4D97-AF65-F5344CB8AC3E}">
         <p14:creationId xmlns:p14="http://schemas.microsoft.com/office/powerpoint/2010/main" val="1160462119"/>
-      </p:ext>
-    </p:extLst>
-  </p:cSld>
-  <p:clrMapOvr>
-    <a:masterClrMapping/>
-  </p:clrMapOvr>
-</p:sld>
-</file>
-
-<file path=ppt/slides/slide22.xml><?xml version="1.0" encoding="utf-8"?>
-<p:sld xmlns:a="http://schemas.openxmlformats.org/drawingml/2006/main" xmlns:r="http://schemas.openxmlformats.org/officeDocument/2006/relationships" xmlns:p="http://schemas.openxmlformats.org/presentationml/2006/main">
-  <p:cSld>
-    <p:spTree>
-      <p:nvGrpSpPr>
-        <p:cNvPr id="1" name=""/>
-        <p:cNvGrpSpPr/>
-        <p:nvPr/>
-      </p:nvGrpSpPr>
-      <p:grpSpPr>
-        <a:xfrm>
-          <a:off x="0" y="0"/>
-          <a:ext cx="0" cy="0"/>
-          <a:chOff x="0" y="0"/>
-          <a:chExt cx="0" cy="0"/>
-        </a:xfrm>
-      </p:grpSpPr>
-      <p:sp>
-        <p:nvSpPr>
-          <p:cNvPr id="10" name="1 Título">
-            <a:extLst>
-              <a:ext uri="{FF2B5EF4-FFF2-40B4-BE49-F238E27FC236}">
-                <a16:creationId xmlns:a16="http://schemas.microsoft.com/office/drawing/2014/main" id="{AF4E183E-A171-4923-A99E-D149888CEC37}"/>
-              </a:ext>
-            </a:extLst>
-          </p:cNvPr>
-          <p:cNvSpPr txBox="1">
-            <a:spLocks/>
-          </p:cNvSpPr>
-          <p:nvPr/>
-        </p:nvSpPr>
-        <p:spPr bwMode="auto">
-          <a:xfrm>
-            <a:off x="0" y="-28575"/>
-            <a:ext cx="779463" cy="720725"/>
-          </a:xfrm>
-          <a:prstGeom prst="rect">
-            <a:avLst/>
-          </a:prstGeom>
-          <a:noFill/>
-          <a:ln>
-            <a:noFill/>
-          </a:ln>
-          <a:extLst>
-            <a:ext uri="{909E8E84-426E-40DD-AFC4-6F175D3DCCD1}">
-              <a14:hiddenFill xmlns:a14="http://schemas.microsoft.com/office/drawing/2010/main">
-                <a:solidFill>
-                  <a:srgbClr val="FFFFFF"/>
-                </a:solidFill>
-              </a14:hiddenFill>
-            </a:ext>
-            <a:ext uri="{91240B29-F687-4F45-9708-019B960494DF}">
-              <a14:hiddenLine xmlns:a14="http://schemas.microsoft.com/office/drawing/2010/main" w="9525">
-                <a:solidFill>
-                  <a:srgbClr val="000000"/>
-                </a:solidFill>
-                <a:miter lim="800000"/>
-                <a:headEnd/>
-                <a:tailEnd/>
-              </a14:hiddenLine>
-            </a:ext>
-          </a:extLst>
-        </p:spPr>
-        <p:txBody>
-          <a:bodyPr vert="horz" wrap="square" lIns="91440" tIns="45720" rIns="91440" bIns="45720" numCol="1" anchor="b" anchorCtr="0" compatLnSpc="1">
-            <a:prstTxWarp prst="textNoShape">
-              <a:avLst/>
-            </a:prstTxWarp>
-          </a:bodyPr>
-          <a:lstStyle>
-            <a:lvl1pPr algn="l" rtl="0" eaLnBrk="0" fontAlgn="base" hangingPunct="0">
-              <a:spcBef>
-                <a:spcPct val="0"/>
-              </a:spcBef>
-              <a:spcAft>
-                <a:spcPct val="0"/>
-              </a:spcAft>
-              <a:defRPr sz="2000" b="1" kern="1200">
-                <a:solidFill>
-                  <a:schemeClr val="tx1"/>
-                </a:solidFill>
-                <a:latin typeface="Arial" pitchFamily="34" charset="0"/>
-                <a:ea typeface="+mj-ea"/>
-                <a:cs typeface="Arial" pitchFamily="34" charset="0"/>
-              </a:defRPr>
-            </a:lvl1pPr>
-            <a:lvl2pPr algn="l" rtl="0" eaLnBrk="0" fontAlgn="base" hangingPunct="0">
-              <a:spcBef>
-                <a:spcPct val="0"/>
-              </a:spcBef>
-              <a:spcAft>
-                <a:spcPct val="0"/>
-              </a:spcAft>
-              <a:defRPr sz="4400">
-                <a:solidFill>
-                  <a:schemeClr val="tx1"/>
-                </a:solidFill>
-                <a:latin typeface="Arial" charset="0"/>
-                <a:cs typeface="Arial" charset="0"/>
-              </a:defRPr>
-            </a:lvl2pPr>
-            <a:lvl3pPr algn="l" rtl="0" eaLnBrk="0" fontAlgn="base" hangingPunct="0">
-              <a:spcBef>
-                <a:spcPct val="0"/>
-              </a:spcBef>
-              <a:spcAft>
-                <a:spcPct val="0"/>
-              </a:spcAft>
-              <a:defRPr sz="4400">
-                <a:solidFill>
-                  <a:schemeClr val="tx1"/>
-                </a:solidFill>
-                <a:latin typeface="Arial" charset="0"/>
-                <a:cs typeface="Arial" charset="0"/>
-              </a:defRPr>
-            </a:lvl3pPr>
-            <a:lvl4pPr algn="l" rtl="0" eaLnBrk="0" fontAlgn="base" hangingPunct="0">
-              <a:spcBef>
-                <a:spcPct val="0"/>
-              </a:spcBef>
-              <a:spcAft>
-                <a:spcPct val="0"/>
-              </a:spcAft>
-              <a:defRPr sz="4400">
-                <a:solidFill>
-                  <a:schemeClr val="tx1"/>
-                </a:solidFill>
-                <a:latin typeface="Arial" charset="0"/>
-                <a:cs typeface="Arial" charset="0"/>
-              </a:defRPr>
-            </a:lvl4pPr>
-            <a:lvl5pPr algn="l" rtl="0" eaLnBrk="0" fontAlgn="base" hangingPunct="0">
-              <a:spcBef>
-                <a:spcPct val="0"/>
-              </a:spcBef>
-              <a:spcAft>
-                <a:spcPct val="0"/>
-              </a:spcAft>
-              <a:defRPr sz="4400">
-                <a:solidFill>
-                  <a:schemeClr val="tx1"/>
-                </a:solidFill>
-                <a:latin typeface="Arial" charset="0"/>
-                <a:cs typeface="Arial" charset="0"/>
-              </a:defRPr>
-            </a:lvl5pPr>
-            <a:lvl6pPr marL="457200" algn="l" rtl="0" fontAlgn="base">
-              <a:spcBef>
-                <a:spcPct val="0"/>
-              </a:spcBef>
-              <a:spcAft>
-                <a:spcPct val="0"/>
-              </a:spcAft>
-              <a:defRPr sz="4400">
-                <a:solidFill>
-                  <a:schemeClr val="tx1"/>
-                </a:solidFill>
-                <a:latin typeface="Arial" charset="0"/>
-                <a:cs typeface="Arial" charset="0"/>
-              </a:defRPr>
-            </a:lvl6pPr>
-            <a:lvl7pPr marL="914400" algn="l" rtl="0" fontAlgn="base">
-              <a:spcBef>
-                <a:spcPct val="0"/>
-              </a:spcBef>
-              <a:spcAft>
-                <a:spcPct val="0"/>
-              </a:spcAft>
-              <a:defRPr sz="4400">
-                <a:solidFill>
-                  <a:schemeClr val="tx1"/>
-                </a:solidFill>
-                <a:latin typeface="Arial" charset="0"/>
-                <a:cs typeface="Arial" charset="0"/>
-              </a:defRPr>
-            </a:lvl7pPr>
-            <a:lvl8pPr marL="1371600" algn="l" rtl="0" fontAlgn="base">
-              <a:spcBef>
-                <a:spcPct val="0"/>
-              </a:spcBef>
-              <a:spcAft>
-                <a:spcPct val="0"/>
-              </a:spcAft>
-              <a:defRPr sz="4400">
-                <a:solidFill>
-                  <a:schemeClr val="tx1"/>
-                </a:solidFill>
-                <a:latin typeface="Arial" charset="0"/>
-                <a:cs typeface="Arial" charset="0"/>
-              </a:defRPr>
-            </a:lvl8pPr>
-            <a:lvl9pPr marL="1828800" algn="l" rtl="0" fontAlgn="base">
-              <a:spcBef>
-                <a:spcPct val="0"/>
-              </a:spcBef>
-              <a:spcAft>
-                <a:spcPct val="0"/>
-              </a:spcAft>
-              <a:defRPr sz="4400">
-                <a:solidFill>
-                  <a:schemeClr val="tx1"/>
-                </a:solidFill>
-                <a:latin typeface="Arial" charset="0"/>
-                <a:cs typeface="Arial" charset="0"/>
-              </a:defRPr>
-            </a:lvl9pPr>
-          </a:lstStyle>
-          <a:p>
-            <a:pPr algn="ctr" eaLnBrk="1" hangingPunct="1"/>
-            <a:r>
-              <a:rPr lang="es-CO" altLang="es-CO" sz="3600" b="0" dirty="0"/>
-              <a:t>18</a:t>
-            </a:r>
-          </a:p>
-        </p:txBody>
-      </p:sp>
-      <p:pic>
-        <p:nvPicPr>
-          <p:cNvPr id="14" name="Picture 4" descr="Programas - Intranet ETITC">
-            <a:extLst>
-              <a:ext uri="{FF2B5EF4-FFF2-40B4-BE49-F238E27FC236}">
-                <a16:creationId xmlns:a16="http://schemas.microsoft.com/office/drawing/2014/main" id="{EC83F540-C4A2-EE56-0418-B8CD7CA17275}"/>
-              </a:ext>
-            </a:extLst>
-          </p:cNvPr>
-          <p:cNvPicPr>
-            <a:picLocks noChangeAspect="1" noChangeArrowheads="1"/>
-          </p:cNvPicPr>
-          <p:nvPr/>
-        </p:nvPicPr>
-        <p:blipFill>
-          <a:blip r:embed="rId3">
-            <a:extLst>
-              <a:ext uri="{28A0092B-C50C-407E-A947-70E740481C1C}">
-                <a14:useLocalDpi xmlns:a14="http://schemas.microsoft.com/office/drawing/2010/main" val="0"/>
-              </a:ext>
-            </a:extLst>
-          </a:blip>
-          <a:srcRect/>
-          <a:stretch>
-            <a:fillRect/>
-          </a:stretch>
-        </p:blipFill>
-        <p:spPr bwMode="auto">
-          <a:xfrm>
-            <a:off x="795338" y="44758"/>
-            <a:ext cx="2483768" cy="794720"/>
-          </a:xfrm>
-          <a:prstGeom prst="rect">
-            <a:avLst/>
-          </a:prstGeom>
-          <a:noFill/>
-          <a:extLst>
-            <a:ext uri="{909E8E84-426E-40DD-AFC4-6F175D3DCCD1}">
-              <a14:hiddenFill xmlns:a14="http://schemas.microsoft.com/office/drawing/2010/main">
-                <a:solidFill>
-                  <a:srgbClr val="FFFFFF"/>
-                </a:solidFill>
-              </a14:hiddenFill>
-            </a:ext>
-          </a:extLst>
-        </p:spPr>
-      </p:pic>
-      <p:sp>
-        <p:nvSpPr>
-          <p:cNvPr id="5" name="2 Subtítulo">
-            <a:extLst>
-              <a:ext uri="{FF2B5EF4-FFF2-40B4-BE49-F238E27FC236}">
-                <a16:creationId xmlns:a16="http://schemas.microsoft.com/office/drawing/2014/main" id="{AD83FA30-4A3C-43B8-17CD-C08519129156}"/>
-              </a:ext>
-            </a:extLst>
-          </p:cNvPr>
-          <p:cNvSpPr txBox="1">
-            <a:spLocks/>
-          </p:cNvSpPr>
-          <p:nvPr/>
-        </p:nvSpPr>
-        <p:spPr bwMode="auto">
-          <a:xfrm>
-            <a:off x="2267744" y="259824"/>
-            <a:ext cx="6400800" cy="500063"/>
-          </a:xfrm>
-          <a:prstGeom prst="rect">
-            <a:avLst/>
-          </a:prstGeom>
-          <a:noFill/>
-          <a:ln>
-            <a:noFill/>
-          </a:ln>
-          <a:extLst>
-            <a:ext uri="{909E8E84-426E-40DD-AFC4-6F175D3DCCD1}">
-              <a14:hiddenFill xmlns:a14="http://schemas.microsoft.com/office/drawing/2010/main">
-                <a:solidFill>
-                  <a:srgbClr val="FFFFFF"/>
-                </a:solidFill>
-              </a14:hiddenFill>
-            </a:ext>
-            <a:ext uri="{91240B29-F687-4F45-9708-019B960494DF}">
-              <a14:hiddenLine xmlns:a14="http://schemas.microsoft.com/office/drawing/2010/main" w="9525">
-                <a:solidFill>
-                  <a:srgbClr val="000000"/>
-                </a:solidFill>
-                <a:miter lim="800000"/>
-                <a:headEnd/>
-                <a:tailEnd/>
-              </a14:hiddenLine>
-            </a:ext>
-          </a:extLst>
-        </p:spPr>
-        <p:txBody>
-          <a:bodyPr vert="horz" wrap="square" lIns="91440" tIns="45720" rIns="91440" bIns="45720" numCol="1" rtlCol="0" anchor="t" anchorCtr="0" compatLnSpc="1">
-            <a:prstTxWarp prst="textNoShape">
-              <a:avLst/>
-            </a:prstTxWarp>
-            <a:noAutofit/>
-          </a:bodyPr>
-          <a:lstStyle>
-            <a:lvl1pPr marL="342900" indent="-342900" algn="l" rtl="0" eaLnBrk="0" fontAlgn="base" hangingPunct="0">
-              <a:spcBef>
-                <a:spcPct val="20000"/>
-              </a:spcBef>
-              <a:spcAft>
-                <a:spcPct val="0"/>
-              </a:spcAft>
-              <a:buFont typeface="Arial" panose="020B0604020202020204" pitchFamily="34" charset="0"/>
-              <a:buChar char="•"/>
-              <a:defRPr sz="3200" kern="1200">
-                <a:solidFill>
-                  <a:schemeClr val="tx1"/>
-                </a:solidFill>
-                <a:latin typeface="Arial" pitchFamily="34" charset="0"/>
-                <a:ea typeface="+mn-ea"/>
-                <a:cs typeface="Arial" pitchFamily="34" charset="0"/>
-              </a:defRPr>
-            </a:lvl1pPr>
-            <a:lvl2pPr marL="742950" indent="-285750" algn="l" rtl="0" eaLnBrk="0" fontAlgn="base" hangingPunct="0">
-              <a:spcBef>
-                <a:spcPct val="20000"/>
-              </a:spcBef>
-              <a:spcAft>
-                <a:spcPct val="0"/>
-              </a:spcAft>
-              <a:buFont typeface="Arial" panose="020B0604020202020204" pitchFamily="34" charset="0"/>
-              <a:buChar char="–"/>
-              <a:defRPr sz="2800" kern="1200">
-                <a:solidFill>
-                  <a:schemeClr val="tx1"/>
-                </a:solidFill>
-                <a:latin typeface="Arial" pitchFamily="34" charset="0"/>
-                <a:ea typeface="+mn-ea"/>
-                <a:cs typeface="Arial" pitchFamily="34" charset="0"/>
-              </a:defRPr>
-            </a:lvl2pPr>
-            <a:lvl3pPr marL="1143000" indent="-228600" algn="l" rtl="0" eaLnBrk="0" fontAlgn="base" hangingPunct="0">
-              <a:spcBef>
-                <a:spcPct val="20000"/>
-              </a:spcBef>
-              <a:spcAft>
-                <a:spcPct val="0"/>
-              </a:spcAft>
-              <a:buFont typeface="Arial" panose="020B0604020202020204" pitchFamily="34" charset="0"/>
-              <a:buChar char="•"/>
-              <a:defRPr sz="2400" kern="1200">
-                <a:solidFill>
-                  <a:schemeClr val="tx1"/>
-                </a:solidFill>
-                <a:latin typeface="Arial" pitchFamily="34" charset="0"/>
-                <a:ea typeface="+mn-ea"/>
-                <a:cs typeface="Arial" pitchFamily="34" charset="0"/>
-              </a:defRPr>
-            </a:lvl3pPr>
-            <a:lvl4pPr marL="1600200" indent="-228600" algn="l" rtl="0" eaLnBrk="0" fontAlgn="base" hangingPunct="0">
-              <a:spcBef>
-                <a:spcPct val="20000"/>
-              </a:spcBef>
-              <a:spcAft>
-                <a:spcPct val="0"/>
-              </a:spcAft>
-              <a:buFont typeface="Arial" panose="020B0604020202020204" pitchFamily="34" charset="0"/>
-              <a:buChar char="–"/>
-              <a:defRPr sz="2000" kern="1200">
-                <a:solidFill>
-                  <a:schemeClr val="tx1"/>
-                </a:solidFill>
-                <a:latin typeface="Arial" pitchFamily="34" charset="0"/>
-                <a:ea typeface="+mn-ea"/>
-                <a:cs typeface="Arial" pitchFamily="34" charset="0"/>
-              </a:defRPr>
-            </a:lvl4pPr>
-            <a:lvl5pPr marL="2057400" indent="-228600" algn="l" rtl="0" eaLnBrk="0" fontAlgn="base" hangingPunct="0">
-              <a:spcBef>
-                <a:spcPct val="20000"/>
-              </a:spcBef>
-              <a:spcAft>
-                <a:spcPct val="0"/>
-              </a:spcAft>
-              <a:buFont typeface="Arial" panose="020B0604020202020204" pitchFamily="34" charset="0"/>
-              <a:buChar char="»"/>
-              <a:defRPr sz="2000" kern="1200">
-                <a:solidFill>
-                  <a:schemeClr val="tx1"/>
-                </a:solidFill>
-                <a:latin typeface="Arial" pitchFamily="34" charset="0"/>
-                <a:ea typeface="+mn-ea"/>
-                <a:cs typeface="Arial" pitchFamily="34" charset="0"/>
-              </a:defRPr>
-            </a:lvl5pPr>
-            <a:lvl6pPr marL="2514600" indent="-228600" algn="l" defTabSz="914400" rtl="0" eaLnBrk="1" latinLnBrk="0" hangingPunct="1">
-              <a:spcBef>
-                <a:spcPct val="20000"/>
-              </a:spcBef>
-              <a:buFont typeface="Arial" pitchFamily="34" charset="0"/>
-              <a:buChar char="•"/>
-              <a:defRPr sz="2000" kern="1200">
-                <a:solidFill>
-                  <a:schemeClr val="tx1"/>
-                </a:solidFill>
-                <a:latin typeface="+mn-lt"/>
-                <a:ea typeface="+mn-ea"/>
-                <a:cs typeface="+mn-cs"/>
-              </a:defRPr>
-            </a:lvl6pPr>
-            <a:lvl7pPr marL="2971800" indent="-228600" algn="l" defTabSz="914400" rtl="0" eaLnBrk="1" latinLnBrk="0" hangingPunct="1">
-              <a:spcBef>
-                <a:spcPct val="20000"/>
-              </a:spcBef>
-              <a:buFont typeface="Arial" pitchFamily="34" charset="0"/>
-              <a:buChar char="•"/>
-              <a:defRPr sz="2000" kern="1200">
-                <a:solidFill>
-                  <a:schemeClr val="tx1"/>
-                </a:solidFill>
-                <a:latin typeface="+mn-lt"/>
-                <a:ea typeface="+mn-ea"/>
-                <a:cs typeface="+mn-cs"/>
-              </a:defRPr>
-            </a:lvl7pPr>
-            <a:lvl8pPr marL="3429000" indent="-228600" algn="l" defTabSz="914400" rtl="0" eaLnBrk="1" latinLnBrk="0" hangingPunct="1">
-              <a:spcBef>
-                <a:spcPct val="20000"/>
-              </a:spcBef>
-              <a:buFont typeface="Arial" pitchFamily="34" charset="0"/>
-              <a:buChar char="•"/>
-              <a:defRPr sz="2000" kern="1200">
-                <a:solidFill>
-                  <a:schemeClr val="tx1"/>
-                </a:solidFill>
-                <a:latin typeface="+mn-lt"/>
-                <a:ea typeface="+mn-ea"/>
-                <a:cs typeface="+mn-cs"/>
-              </a:defRPr>
-            </a:lvl8pPr>
-            <a:lvl9pPr marL="3886200" indent="-228600" algn="l" defTabSz="914400" rtl="0" eaLnBrk="1" latinLnBrk="0" hangingPunct="1">
-              <a:spcBef>
-                <a:spcPct val="20000"/>
-              </a:spcBef>
-              <a:buFont typeface="Arial" pitchFamily="34" charset="0"/>
-              <a:buChar char="•"/>
-              <a:defRPr sz="2000" kern="1200">
-                <a:solidFill>
-                  <a:schemeClr val="tx1"/>
-                </a:solidFill>
-                <a:latin typeface="+mn-lt"/>
-                <a:ea typeface="+mn-ea"/>
-                <a:cs typeface="+mn-cs"/>
-              </a:defRPr>
-            </a:lvl9pPr>
-          </a:lstStyle>
-          <a:p>
-            <a:pPr marL="0" indent="0" algn="r" eaLnBrk="1" fontAlgn="auto" hangingPunct="1">
-              <a:spcAft>
-                <a:spcPts val="0"/>
-              </a:spcAft>
-              <a:buNone/>
-              <a:defRPr/>
-            </a:pPr>
-            <a:r>
-              <a:rPr lang="es-CO" sz="2000" b="1">
-                <a:solidFill>
-                  <a:schemeClr val="tx1">
-                    <a:lumMod val="75000"/>
-                    <a:lumOff val="25000"/>
-                  </a:schemeClr>
-                </a:solidFill>
-              </a:rPr>
-              <a:t> 6065 SISTEMAS DE CONTROL II</a:t>
-            </a:r>
-          </a:p>
-        </p:txBody>
-      </p:sp>
-      <p:sp>
-        <p:nvSpPr>
-          <p:cNvPr id="16" name="Título 1">
-            <a:extLst>
-              <a:ext uri="{FF2B5EF4-FFF2-40B4-BE49-F238E27FC236}">
-                <a16:creationId xmlns:a16="http://schemas.microsoft.com/office/drawing/2014/main" id="{61C30305-C78C-F687-635F-1E0E3726D49F}"/>
-              </a:ext>
-            </a:extLst>
-          </p:cNvPr>
-          <p:cNvSpPr>
-            <a:spLocks noGrp="1"/>
-          </p:cNvSpPr>
-          <p:nvPr>
-            <p:ph type="title"/>
-          </p:nvPr>
-        </p:nvSpPr>
-        <p:spPr>
-          <a:xfrm>
-            <a:off x="1843707" y="692150"/>
-            <a:ext cx="5456585" cy="1162050"/>
-          </a:xfrm>
-        </p:spPr>
-        <p:txBody>
-          <a:bodyPr/>
-          <a:lstStyle/>
-          <a:p>
-            <a:pPr algn="ctr"/>
-            <a:r>
-              <a:rPr lang="es-CO" b="1" dirty="0"/>
-              <a:t>Proyecto 2 corte</a:t>
-            </a:r>
-          </a:p>
-        </p:txBody>
-      </p:sp>
-      <p:sp>
-        <p:nvSpPr>
-          <p:cNvPr id="2" name="CuadroTexto 1">
-            <a:extLst>
-              <a:ext uri="{FF2B5EF4-FFF2-40B4-BE49-F238E27FC236}">
-                <a16:creationId xmlns:a16="http://schemas.microsoft.com/office/drawing/2014/main" id="{D8D66AC1-10B3-7F04-71F8-9B6759C1F3D2}"/>
-              </a:ext>
-            </a:extLst>
-          </p:cNvPr>
-          <p:cNvSpPr txBox="1"/>
-          <p:nvPr/>
-        </p:nvSpPr>
-        <p:spPr>
-          <a:xfrm>
-            <a:off x="1112363" y="1998482"/>
-            <a:ext cx="7305773" cy="3970318"/>
-          </a:xfrm>
-          <a:prstGeom prst="rect">
-            <a:avLst/>
-          </a:prstGeom>
-          <a:noFill/>
-        </p:spPr>
-        <p:txBody>
-          <a:bodyPr wrap="square" lIns="91440" tIns="45720" rIns="91440" bIns="45720" rtlCol="0" anchor="t">
-            <a:spAutoFit/>
-          </a:bodyPr>
-          <a:lstStyle/>
-          <a:p>
-            <a:r>
-              <a:rPr lang="es-CO" dirty="0"/>
-              <a:t>La empresa didácticas SA está trabajando en un dispositivo basado en </a:t>
-            </a:r>
-            <a:r>
-              <a:rPr lang="es-CO" b="1" dirty="0"/>
-              <a:t>Arduino</a:t>
-            </a:r>
-            <a:r>
-              <a:rPr lang="es-CO" dirty="0"/>
-              <a:t>, el cual funciona como simulador de circuitos RC, por lo anterior le solicita a usted como </a:t>
-            </a:r>
-            <a:r>
-              <a:rPr lang="es-CO" dirty="0" err="1"/>
-              <a:t>ingenier</a:t>
-            </a:r>
-            <a:r>
-              <a:rPr lang="es-CO" dirty="0"/>
-              <a:t>@;</a:t>
-            </a:r>
-          </a:p>
-          <a:p>
-            <a:endParaRPr lang="es-CO" dirty="0"/>
-          </a:p>
-          <a:p>
-            <a:r>
-              <a:rPr lang="es-CO" dirty="0"/>
-              <a:t>(3 unidades) sistema primer orden RC:</a:t>
-            </a:r>
-          </a:p>
-          <a:p>
-            <a:endParaRPr lang="es-CO" dirty="0"/>
-          </a:p>
-          <a:p>
-            <a:r>
-              <a:rPr lang="es-CO" dirty="0"/>
-              <a:t>(1 punto) Muestrear con el microcontrolador un sistema RC </a:t>
-            </a:r>
-          </a:p>
-          <a:p>
-            <a:r>
-              <a:rPr lang="es-CO" dirty="0"/>
-              <a:t>(Investigación 2 puntos) Mediante la implementación de un retenedor de orden 0 emular el sistema RC.</a:t>
-            </a:r>
-          </a:p>
-          <a:p>
-            <a:endParaRPr lang="en-US" dirty="0"/>
-          </a:p>
-          <a:p>
-            <a:r>
-              <a:rPr lang="en-US" dirty="0"/>
-              <a:t>(2 </a:t>
-            </a:r>
-            <a:r>
-              <a:rPr lang="en-US" dirty="0" err="1"/>
-              <a:t>unidades</a:t>
-            </a:r>
-            <a:r>
-              <a:rPr lang="en-US" dirty="0"/>
-              <a:t>) Sistema de Segundo </a:t>
-            </a:r>
-            <a:r>
-              <a:rPr lang="en-US" dirty="0" err="1"/>
-              <a:t>orden</a:t>
-            </a:r>
-            <a:r>
-              <a:rPr lang="en-US" dirty="0"/>
-              <a:t> RC:</a:t>
-            </a:r>
-          </a:p>
-          <a:p>
-            <a:r>
-              <a:rPr lang="es-CO" dirty="0"/>
-              <a:t>(1 punto) Muestrear con el microcontrolador un sistema RC </a:t>
-            </a:r>
-          </a:p>
-          <a:p>
-            <a:r>
-              <a:rPr lang="es-CO" dirty="0"/>
-              <a:t>(Investigación 1 puntos) Mediante la implementación de un retenedor de orden 0 emular el sistema RC de segundo orden.</a:t>
-            </a:r>
-            <a:endParaRPr lang="en-US" dirty="0"/>
-          </a:p>
-        </p:txBody>
-      </p:sp>
-    </p:spTree>
-    <p:extLst>
-      <p:ext uri="{BB962C8B-B14F-4D97-AF65-F5344CB8AC3E}">
-        <p14:creationId xmlns:p14="http://schemas.microsoft.com/office/powerpoint/2010/main" val="2611572295"/>
       </p:ext>
     </p:extLst>
   </p:cSld>
@@ -34717,15 +32015,6 @@
 </file>
 
 <file path=customXml/item2.xml><?xml version="1.0" encoding="utf-8"?>
-<?mso-contentType ?>
-<FormTemplates xmlns="http://schemas.microsoft.com/sharepoint/v3/contenttype/forms">
-  <Display>DocumentLibraryForm</Display>
-  <Edit>DocumentLibraryForm</Edit>
-  <New>DocumentLibraryForm</New>
-</FormTemplates>
-</file>
-
-<file path=customXml/item3.xml><?xml version="1.0" encoding="utf-8"?>
 <ct:contentTypeSchema xmlns:ct="http://schemas.microsoft.com/office/2006/metadata/contentType" xmlns:ma="http://schemas.microsoft.com/office/2006/metadata/properties/metaAttributes" ct:_="" ma:_="" ma:contentTypeName="Documento" ma:contentTypeID="0x0101007A62137D465CE64A8C883A4664514BF8" ma:contentTypeVersion="15" ma:contentTypeDescription="Crear nuevo documento." ma:contentTypeScope="" ma:versionID="a1bd1d59f691eb9bca6952b111268275">
   <xsd:schema xmlns:xsd="http://www.w3.org/2001/XMLSchema" xmlns:xs="http://www.w3.org/2001/XMLSchema" xmlns:p="http://schemas.microsoft.com/office/2006/metadata/properties" xmlns:ns3="669280c1-d17e-4d1d-bd7f-b4f14cc6bf1d" xmlns:ns4="bdc56f61-abc0-4f7e-bfec-a93ccd1ae886" targetNamespace="http://schemas.microsoft.com/office/2006/metadata/properties" ma:root="true" ma:fieldsID="d02990a02f19f0f9fc7b999b1809cae4" ns3:_="" ns4:_="">
     <xsd:import namespace="669280c1-d17e-4d1d-bd7f-b4f14cc6bf1d"/>
@@ -34960,6 +32249,15 @@
 </ct:contentTypeSchema>
 </file>
 
+<file path=customXml/item3.xml><?xml version="1.0" encoding="utf-8"?>
+<?mso-contentType ?>
+<FormTemplates xmlns="http://schemas.microsoft.com/sharepoint/v3/contenttype/forms">
+  <Display>DocumentLibraryForm</Display>
+  <Edit>DocumentLibraryForm</Edit>
+  <New>DocumentLibraryForm</New>
+</FormTemplates>
+</file>
+
 <file path=customXml/itemProps1.xml><?xml version="1.0" encoding="utf-8"?>
 <ds:datastoreItem xmlns:ds="http://schemas.openxmlformats.org/officeDocument/2006/customXml" ds:itemID="{0825853C-1B27-4995-A583-4D39F900BB7F}">
   <ds:schemaRefs>
@@ -34978,14 +32276,6 @@
 </file>
 
 <file path=customXml/itemProps2.xml><?xml version="1.0" encoding="utf-8"?>
-<ds:datastoreItem xmlns:ds="http://schemas.openxmlformats.org/officeDocument/2006/customXml" ds:itemID="{4E8623C8-32E1-48B0-9F0A-13F2E9582B7E}">
-  <ds:schemaRefs>
-    <ds:schemaRef ds:uri="http://schemas.microsoft.com/sharepoint/v3/contenttype/forms"/>
-  </ds:schemaRefs>
-</ds:datastoreItem>
-</file>
-
-<file path=customXml/itemProps3.xml><?xml version="1.0" encoding="utf-8"?>
 <ds:datastoreItem xmlns:ds="http://schemas.openxmlformats.org/officeDocument/2006/customXml" ds:itemID="{025820C3-FD82-4EFC-BF14-EAF1F9613F52}">
   <ds:schemaRefs>
     <ds:schemaRef ds:uri="669280c1-d17e-4d1d-bd7f-b4f14cc6bf1d"/>
@@ -35002,4 +32292,12 @@
     <ds:schemaRef ds:uri="http://www.w3.org/2001/XMLSchema"/>
   </ds:schemaRefs>
 </ds:datastoreItem>
+</file>
+
+<file path=customXml/itemProps3.xml><?xml version="1.0" encoding="utf-8"?>
+<ds:datastoreItem xmlns:ds="http://schemas.openxmlformats.org/officeDocument/2006/customXml" ds:itemID="{4E8623C8-32E1-48B0-9F0A-13F2E9582B7E}">
+  <ds:schemaRefs>
+    <ds:schemaRef ds:uri="http://schemas.microsoft.com/sharepoint/v3/contenttype/forms"/>
+  </ds:schemaRefs>
+</ds:datastoreItem>
 </file>